--- a/LDA_Attrition.pptx
+++ b/LDA_Attrition.pptx
@@ -7,6 +7,10 @@
   <p:sldIdLst>
     <p:sldId id="256" r:id="rId2"/>
     <p:sldId id="257" r:id="rId3"/>
+    <p:sldId id="258" r:id="rId4"/>
+    <p:sldId id="261" r:id="rId5"/>
+    <p:sldId id="259" r:id="rId6"/>
+    <p:sldId id="260" r:id="rId7"/>
   </p:sldIdLst>
   <p:sldSz cx="12192000" cy="6858000"/>
   <p:notesSz cx="6858000" cy="9144000"/>
@@ -105,6 +109,11 @@
       </a:defRPr>
     </a:lvl9pPr>
   </p:defaultTextStyle>
+  <p:extLst>
+    <p:ext uri="{EFAFB233-063F-42B5-8137-9DF3F51BA10A}">
+      <p15:sldGuideLst xmlns:p15="http://schemas.microsoft.com/office/powerpoint/2012/main"/>
+    </p:ext>
+  </p:extLst>
 </p:presentation>
 </file>
 
@@ -3641,17 +3650,78 @@
             <a:pPr algn="l"/>
             <a:r>
               <a:rPr kumimoji="1" lang="en-US" altLang="ja-JP" sz="4400" b="1" dirty="0">
+                <a:solidFill>
+                  <a:srgbClr val="03BDBA"/>
+                </a:solidFill>
                 <a:latin typeface="游ゴシック Medium" panose="020B0500000000000000" pitchFamily="50" charset="-128"/>
                 <a:ea typeface="游ゴシック Medium" panose="020B0500000000000000" pitchFamily="50" charset="-128"/>
               </a:rPr>
-              <a:t>Linear Discriminant Analysis</a:t>
+              <a:t>L</a:t>
+            </a:r>
+            <a:r>
+              <a:rPr kumimoji="1" lang="en-US" altLang="ja-JP" sz="4400" b="1" dirty="0">
+                <a:latin typeface="游ゴシック Medium" panose="020B0500000000000000" pitchFamily="50" charset="-128"/>
+                <a:ea typeface="游ゴシック Medium" panose="020B0500000000000000" pitchFamily="50" charset="-128"/>
+              </a:rPr>
+              <a:t>inear </a:t>
+            </a:r>
+            <a:r>
+              <a:rPr kumimoji="1" lang="en-US" altLang="ja-JP" sz="4400" b="1" dirty="0">
+                <a:solidFill>
+                  <a:srgbClr val="03BDBA"/>
+                </a:solidFill>
+                <a:latin typeface="游ゴシック Medium" panose="020B0500000000000000" pitchFamily="50" charset="-128"/>
+                <a:ea typeface="游ゴシック Medium" panose="020B0500000000000000" pitchFamily="50" charset="-128"/>
+              </a:rPr>
+              <a:t>D</a:t>
+            </a:r>
+            <a:r>
+              <a:rPr kumimoji="1" lang="en-US" altLang="ja-JP" sz="4400" b="1" dirty="0">
+                <a:latin typeface="游ゴシック Medium" panose="020B0500000000000000" pitchFamily="50" charset="-128"/>
+                <a:ea typeface="游ゴシック Medium" panose="020B0500000000000000" pitchFamily="50" charset="-128"/>
+              </a:rPr>
+              <a:t>iscriminant </a:t>
+            </a:r>
+            <a:r>
+              <a:rPr kumimoji="1" lang="en-US" altLang="ja-JP" sz="4400" b="1" dirty="0">
+                <a:solidFill>
+                  <a:srgbClr val="03BDBA"/>
+                </a:solidFill>
+                <a:latin typeface="游ゴシック Medium" panose="020B0500000000000000" pitchFamily="50" charset="-128"/>
+                <a:ea typeface="游ゴシック Medium" panose="020B0500000000000000" pitchFamily="50" charset="-128"/>
+              </a:rPr>
+              <a:t>A</a:t>
+            </a:r>
+            <a:r>
+              <a:rPr kumimoji="1" lang="en-US" altLang="ja-JP" sz="4400" b="1" dirty="0">
+                <a:latin typeface="游ゴシック Medium" panose="020B0500000000000000" pitchFamily="50" charset="-128"/>
+                <a:ea typeface="游ゴシック Medium" panose="020B0500000000000000" pitchFamily="50" charset="-128"/>
+              </a:rPr>
+              <a:t>nalysis</a:t>
             </a:r>
             <a:r>
               <a:rPr lang="en-US" altLang="ja-JP" sz="4400" b="1" dirty="0">
                 <a:latin typeface="游ゴシック Medium" panose="020B0500000000000000" pitchFamily="50" charset="-128"/>
                 <a:ea typeface="游ゴシック Medium" panose="020B0500000000000000" pitchFamily="50" charset="-128"/>
               </a:rPr>
-              <a:t>(LDA)</a:t>
+              <a:t>(</a:t>
+            </a:r>
+            <a:r>
+              <a:rPr lang="en-US" altLang="ja-JP" sz="4400" b="1" dirty="0">
+                <a:solidFill>
+                  <a:srgbClr val="03BDBA"/>
+                </a:solidFill>
+                <a:latin typeface="游ゴシック Medium" panose="020B0500000000000000" pitchFamily="50" charset="-128"/>
+                <a:ea typeface="游ゴシック Medium" panose="020B0500000000000000" pitchFamily="50" charset="-128"/>
+              </a:rPr>
+              <a:t>LDA</a:t>
+            </a:r>
+            <a:r>
+              <a:rPr lang="en-US" altLang="ja-JP" sz="4400" b="1" dirty="0">
+                <a:latin typeface="游ゴシック Medium" panose="020B0500000000000000" pitchFamily="50" charset="-128"/>
+                <a:ea typeface="游ゴシック Medium" panose="020B0500000000000000" pitchFamily="50" charset="-128"/>
+              </a:rPr>
+              <a:t>)</a:t>
             </a:r>
             <a:r>
               <a:rPr kumimoji="1" lang="ja-JP" altLang="en-US" sz="4400" b="1" dirty="0">
@@ -3678,7 +3748,24 @@
                 <a:latin typeface="游ゴシック Medium" panose="020B0500000000000000" pitchFamily="50" charset="-128"/>
                 <a:ea typeface="游ゴシック Medium" panose="020B0500000000000000" pitchFamily="50" charset="-128"/>
               </a:rPr>
-              <a:t>社の離職分析と</a:t>
+              <a:t>社の</a:t>
+            </a:r>
+            <a:r>
+              <a:rPr kumimoji="1" lang="ja-JP" altLang="en-US" sz="4400" b="1" dirty="0">
+                <a:solidFill>
+                  <a:srgbClr val="03BDBA"/>
+                </a:solidFill>
+                <a:latin typeface="游ゴシック Medium" panose="020B0500000000000000" pitchFamily="50" charset="-128"/>
+                <a:ea typeface="游ゴシック Medium" panose="020B0500000000000000" pitchFamily="50" charset="-128"/>
+              </a:rPr>
+              <a:t>離職</a:t>
+            </a:r>
+            <a:r>
+              <a:rPr kumimoji="1" lang="ja-JP" altLang="en-US" sz="4400" b="1" dirty="0">
+                <a:latin typeface="游ゴシック Medium" panose="020B0500000000000000" pitchFamily="50" charset="-128"/>
+                <a:ea typeface="游ゴシック Medium" panose="020B0500000000000000" pitchFamily="50" charset="-128"/>
+              </a:rPr>
+              <a:t>分析と</a:t>
             </a:r>
             <a:r>
               <a:rPr lang="ja-JP" altLang="en-US" sz="4400" b="1" dirty="0">
@@ -3689,10 +3776,20 @@
             </a:r>
             <a:r>
               <a:rPr kumimoji="1" lang="ja-JP" altLang="en-US" sz="4400" b="1" dirty="0">
+                <a:solidFill>
+                  <a:srgbClr val="03BDBA"/>
+                </a:solidFill>
                 <a:latin typeface="游ゴシック Medium" panose="020B0500000000000000" pitchFamily="50" charset="-128"/>
                 <a:ea typeface="游ゴシック Medium" panose="020B0500000000000000" pitchFamily="50" charset="-128"/>
               </a:rPr>
-              <a:t>改善策</a:t>
+              <a:t>改善</a:t>
+            </a:r>
+            <a:r>
+              <a:rPr kumimoji="1" lang="ja-JP" altLang="en-US" sz="4400" b="1" dirty="0">
+                <a:latin typeface="游ゴシック Medium" panose="020B0500000000000000" pitchFamily="50" charset="-128"/>
+                <a:ea typeface="游ゴシック Medium" panose="020B0500000000000000" pitchFamily="50" charset="-128"/>
+              </a:rPr>
+              <a:t>策</a:t>
             </a:r>
           </a:p>
         </p:txBody>
@@ -3756,8 +3853,8 @@
         </p:nvSpPr>
         <p:spPr>
           <a:xfrm>
-            <a:off x="247650" y="3228610"/>
-            <a:ext cx="8432800" cy="1203840"/>
+            <a:off x="247648" y="3228610"/>
+            <a:ext cx="11703049" cy="1203840"/>
           </a:xfrm>
           <a:prstGeom prst="rect">
             <a:avLst/>
@@ -3945,7 +4042,18 @@
               <a:rPr lang="en-US" altLang="ja-JP" dirty="0"/>
               <a:t>(EDA)</a:t>
             </a:r>
-            <a:endParaRPr lang="ja-JP" altLang="en-US" dirty="0"/>
+            <a:r>
+              <a:rPr lang="ja-JP" altLang="en-US" dirty="0"/>
+              <a:t>による相関の調査と、</a:t>
+            </a:r>
+            <a:endParaRPr lang="en-US" altLang="ja-JP" dirty="0"/>
+          </a:p>
+          <a:p>
+            <a:pPr algn="l"/>
+            <a:r>
+              <a:rPr lang="ja-JP" altLang="en-US" dirty="0"/>
+              <a:t>離職分析をもとにした新規事業の提案</a:t>
+            </a:r>
           </a:p>
         </p:txBody>
       </p:sp>
@@ -4008,11 +4116,501 @@
           <a:lstStyle/>
           <a:p>
             <a:r>
+              <a:rPr lang="en-US" altLang="ja-JP" sz="3600" b="1" dirty="0">
+                <a:solidFill>
+                  <a:srgbClr val="03BDBA"/>
+                </a:solidFill>
+                <a:latin typeface="游ゴシック Medium" panose="020B0500000000000000" pitchFamily="50" charset="-128"/>
+                <a:ea typeface="游ゴシック Medium" panose="020B0500000000000000" pitchFamily="50" charset="-128"/>
+              </a:rPr>
+              <a:t>I</a:t>
+            </a:r>
+            <a:r>
+              <a:rPr lang="en-US" altLang="ja-JP" sz="3600" b="1" dirty="0">
+                <a:latin typeface="游ゴシック Medium" panose="020B0500000000000000" pitchFamily="50" charset="-128"/>
+                <a:ea typeface="游ゴシック Medium" panose="020B0500000000000000" pitchFamily="50" charset="-128"/>
+              </a:rPr>
+              <a:t>ndex</a:t>
+            </a:r>
+            <a:endParaRPr kumimoji="1" lang="ja-JP" altLang="en-US" sz="3600" b="1" dirty="0">
+              <a:latin typeface="游ゴシック Medium" panose="020B0500000000000000" pitchFamily="50" charset="-128"/>
+              <a:ea typeface="游ゴシック Medium" panose="020B0500000000000000" pitchFamily="50" charset="-128"/>
+            </a:endParaRPr>
+          </a:p>
+        </p:txBody>
+      </p:sp>
+      <p:sp>
+        <p:nvSpPr>
+          <p:cNvPr id="3" name="コンテンツ プレースホルダー 2">
+            <a:extLst>
+              <a:ext uri="{FF2B5EF4-FFF2-40B4-BE49-F238E27FC236}">
+                <a16:creationId xmlns:a16="http://schemas.microsoft.com/office/drawing/2014/main" id="{554C2AB4-107A-195F-FD05-3666FA0F5AC4}"/>
+              </a:ext>
+            </a:extLst>
+          </p:cNvPr>
+          <p:cNvSpPr>
+            <a:spLocks noGrp="1"/>
+          </p:cNvSpPr>
+          <p:nvPr>
+            <p:ph idx="1"/>
+          </p:nvPr>
+        </p:nvSpPr>
+        <p:spPr>
+          <a:xfrm>
+            <a:off x="349250" y="1609725"/>
+            <a:ext cx="10515600" cy="3603625"/>
+          </a:xfrm>
+        </p:spPr>
+        <p:txBody>
+          <a:bodyPr>
+            <a:normAutofit/>
+          </a:bodyPr>
+          <a:lstStyle/>
+          <a:p>
+            <a:pPr marL="0" indent="0">
+              <a:buNone/>
+            </a:pPr>
+            <a:r>
+              <a:rPr lang="ja-JP" altLang="en-US" dirty="0"/>
+              <a:t>・概要</a:t>
+            </a:r>
+            <a:endParaRPr lang="en-US" altLang="ja-JP" dirty="0"/>
+          </a:p>
+          <a:p>
+            <a:pPr marL="0" indent="0">
+              <a:buNone/>
+            </a:pPr>
+            <a:r>
+              <a:rPr lang="ja-JP" altLang="en-US" dirty="0"/>
+              <a:t>・エンジニア業界における離職率の動向</a:t>
+            </a:r>
+            <a:endParaRPr lang="en-US" altLang="ja-JP" dirty="0"/>
+          </a:p>
+          <a:p>
+            <a:pPr marL="0" indent="0">
+              <a:buNone/>
+            </a:pPr>
+            <a:r>
+              <a:rPr lang="ja-JP" altLang="en-US" dirty="0"/>
+              <a:t>・顧客データの概要</a:t>
+            </a:r>
+            <a:endParaRPr lang="en-US" altLang="ja-JP" dirty="0"/>
+          </a:p>
+          <a:p>
+            <a:pPr marL="0" indent="0">
+              <a:buNone/>
+            </a:pPr>
+            <a:r>
+              <a:rPr lang="ja-JP" altLang="en-US" dirty="0"/>
+              <a:t>・</a:t>
+            </a:r>
+            <a:r>
+              <a:rPr lang="en-US" altLang="ja-JP" dirty="0" err="1"/>
+              <a:t>PyCaret</a:t>
+            </a:r>
+            <a:r>
+              <a:rPr lang="ja-JP" altLang="en-US" dirty="0"/>
+              <a:t>による分類モデルの選定</a:t>
+            </a:r>
+            <a:endParaRPr lang="en-US" altLang="ja-JP" dirty="0"/>
+          </a:p>
+          <a:p>
+            <a:pPr marL="0" indent="0">
+              <a:buNone/>
+            </a:pPr>
+            <a:r>
+              <a:rPr kumimoji="1" lang="ja-JP" altLang="en-US" dirty="0"/>
+              <a:t>・</a:t>
+            </a:r>
+            <a:r>
+              <a:rPr lang="ja-JP" altLang="en-US" dirty="0"/>
+              <a:t>最良モデルからのデータ分析</a:t>
+            </a:r>
+            <a:endParaRPr lang="en-US" altLang="ja-JP" dirty="0"/>
+          </a:p>
+          <a:p>
+            <a:pPr marL="0" indent="0">
+              <a:buNone/>
+            </a:pPr>
+            <a:r>
+              <a:rPr lang="ja-JP" altLang="en-US" dirty="0"/>
+              <a:t>・離職分析から得られるデータによる新規事業の提案</a:t>
+            </a:r>
+            <a:endParaRPr lang="en-US" altLang="ja-JP" dirty="0"/>
+          </a:p>
+          <a:p>
+            <a:pPr marL="0" indent="0">
+              <a:buNone/>
+            </a:pPr>
+            <a:r>
+              <a:rPr kumimoji="1" lang="ja-JP" altLang="en-US" dirty="0"/>
+              <a:t>・新規事業の利得の予測</a:t>
+            </a:r>
+          </a:p>
+        </p:txBody>
+      </p:sp>
+      <p:pic>
+        <p:nvPicPr>
+          <p:cNvPr id="6" name="図 5">
+            <a:extLst>
+              <a:ext uri="{FF2B5EF4-FFF2-40B4-BE49-F238E27FC236}">
+                <a16:creationId xmlns:a16="http://schemas.microsoft.com/office/drawing/2014/main" id="{B2EE0D76-1B0D-999A-8E55-A5A2D51213B1}"/>
+              </a:ext>
+            </a:extLst>
+          </p:cNvPr>
+          <p:cNvPicPr>
+            <a:picLocks noChangeAspect="1"/>
+          </p:cNvPicPr>
+          <p:nvPr/>
+        </p:nvPicPr>
+        <p:blipFill>
+          <a:blip r:embed="rId2"/>
+          <a:stretch>
+            <a:fillRect/>
+          </a:stretch>
+        </p:blipFill>
+        <p:spPr>
+          <a:xfrm>
+            <a:off x="437543" y="1105642"/>
+            <a:ext cx="1126938" cy="45719"/>
+          </a:xfrm>
+          <a:prstGeom prst="rect">
+            <a:avLst/>
+          </a:prstGeom>
+        </p:spPr>
+      </p:pic>
+    </p:spTree>
+    <p:extLst>
+      <p:ext uri="{BB962C8B-B14F-4D97-AF65-F5344CB8AC3E}">
+        <p14:creationId xmlns:p14="http://schemas.microsoft.com/office/powerpoint/2010/main" val="4206920007"/>
+      </p:ext>
+    </p:extLst>
+  </p:cSld>
+  <p:clrMapOvr>
+    <a:masterClrMapping/>
+  </p:clrMapOvr>
+</p:sld>
+</file>
+
+<file path=ppt/slides/slide3.xml><?xml version="1.0" encoding="utf-8"?>
+<p:sld xmlns:a="http://schemas.openxmlformats.org/drawingml/2006/main" xmlns:r="http://schemas.openxmlformats.org/officeDocument/2006/relationships" xmlns:p="http://schemas.openxmlformats.org/presentationml/2006/main">
+  <p:cSld>
+    <p:spTree>
+      <p:nvGrpSpPr>
+        <p:cNvPr id="1" name=""/>
+        <p:cNvGrpSpPr/>
+        <p:nvPr/>
+      </p:nvGrpSpPr>
+      <p:grpSpPr>
+        <a:xfrm>
+          <a:off x="0" y="0"/>
+          <a:ext cx="0" cy="0"/>
+          <a:chOff x="0" y="0"/>
+          <a:chExt cx="0" cy="0"/>
+        </a:xfrm>
+      </p:grpSpPr>
+      <p:sp>
+        <p:nvSpPr>
+          <p:cNvPr id="4" name="タイトル 1">
+            <a:extLst>
+              <a:ext uri="{FF2B5EF4-FFF2-40B4-BE49-F238E27FC236}">
+                <a16:creationId xmlns:a16="http://schemas.microsoft.com/office/drawing/2014/main" id="{CC94C5B1-FC10-0337-7388-462663C7532D}"/>
+              </a:ext>
+            </a:extLst>
+          </p:cNvPr>
+          <p:cNvSpPr txBox="1">
+            <a:spLocks/>
+          </p:cNvSpPr>
+          <p:nvPr/>
+        </p:nvSpPr>
+        <p:spPr>
+          <a:xfrm>
+            <a:off x="349250" y="454818"/>
+            <a:ext cx="10401300" cy="858838"/>
+          </a:xfrm>
+          <a:prstGeom prst="rect">
+            <a:avLst/>
+          </a:prstGeom>
+        </p:spPr>
+        <p:txBody>
+          <a:bodyPr vert="horz" lIns="91440" tIns="45720" rIns="91440" bIns="45720" rtlCol="0" anchor="ctr">
+            <a:normAutofit/>
+          </a:bodyPr>
+          <a:lstStyle>
+            <a:lvl1pPr algn="l" defTabSz="914400" rtl="0" eaLnBrk="1" latinLnBrk="0" hangingPunct="1">
+              <a:lnSpc>
+                <a:spcPct val="90000"/>
+              </a:lnSpc>
+              <a:spcBef>
+                <a:spcPct val="0"/>
+              </a:spcBef>
+              <a:buNone/>
+              <a:defRPr kumimoji="1" sz="4400" kern="1200">
+                <a:solidFill>
+                  <a:schemeClr val="tx1"/>
+                </a:solidFill>
+                <a:latin typeface="+mj-lt"/>
+                <a:ea typeface="+mj-ea"/>
+                <a:cs typeface="+mj-cs"/>
+              </a:defRPr>
+            </a:lvl1pPr>
+          </a:lstStyle>
+          <a:p>
+            <a:r>
+              <a:rPr lang="ja-JP" altLang="en-US" sz="3600" b="1" dirty="0">
+                <a:solidFill>
+                  <a:srgbClr val="03BDBA"/>
+                </a:solidFill>
+                <a:latin typeface="游ゴシック Medium" panose="020B0500000000000000" pitchFamily="50" charset="-128"/>
+                <a:ea typeface="游ゴシック Medium" panose="020B0500000000000000" pitchFamily="50" charset="-128"/>
+              </a:rPr>
+              <a:t>概</a:t>
+            </a:r>
+            <a:r>
               <a:rPr lang="ja-JP" altLang="en-US" sz="3600" b="1" dirty="0">
                 <a:latin typeface="游ゴシック Medium" panose="020B0500000000000000" pitchFamily="50" charset="-128"/>
                 <a:ea typeface="游ゴシック Medium" panose="020B0500000000000000" pitchFamily="50" charset="-128"/>
               </a:rPr>
-              <a:t>エンジニア業の離職率の動向</a:t>
+              <a:t>要  </a:t>
+            </a:r>
+            <a:r>
+              <a:rPr lang="en-US" altLang="ja-JP" sz="3600" b="1" dirty="0">
+                <a:latin typeface="游ゴシック Medium" panose="020B0500000000000000" pitchFamily="50" charset="-128"/>
+                <a:ea typeface="游ゴシック Medium" panose="020B0500000000000000" pitchFamily="50" charset="-128"/>
+              </a:rPr>
+              <a:t>- Abstract -</a:t>
+            </a:r>
+            <a:endParaRPr lang="ja-JP" altLang="en-US" sz="3600" b="1" dirty="0">
+              <a:latin typeface="游ゴシック Medium" panose="020B0500000000000000" pitchFamily="50" charset="-128"/>
+              <a:ea typeface="游ゴシック Medium" panose="020B0500000000000000" pitchFamily="50" charset="-128"/>
+            </a:endParaRPr>
+          </a:p>
+        </p:txBody>
+      </p:sp>
+      <p:sp>
+        <p:nvSpPr>
+          <p:cNvPr id="5" name="コンテンツ プレースホルダー 2">
+            <a:extLst>
+              <a:ext uri="{FF2B5EF4-FFF2-40B4-BE49-F238E27FC236}">
+                <a16:creationId xmlns:a16="http://schemas.microsoft.com/office/drawing/2014/main" id="{00718C51-457B-9960-8BF8-8A2D072664C0}"/>
+              </a:ext>
+            </a:extLst>
+          </p:cNvPr>
+          <p:cNvSpPr>
+            <a:spLocks noGrp="1"/>
+          </p:cNvSpPr>
+          <p:nvPr>
+            <p:ph idx="1"/>
+          </p:nvPr>
+        </p:nvSpPr>
+        <p:spPr>
+          <a:xfrm>
+            <a:off x="349250" y="1609725"/>
+            <a:ext cx="11493500" cy="4351338"/>
+          </a:xfrm>
+        </p:spPr>
+        <p:txBody>
+          <a:bodyPr>
+            <a:normAutofit/>
+          </a:bodyPr>
+          <a:lstStyle/>
+          <a:p>
+            <a:pPr marL="0" indent="0">
+              <a:buNone/>
+            </a:pPr>
+            <a:r>
+              <a:rPr lang="ja-JP" altLang="en-US" sz="2400" dirty="0"/>
+              <a:t>　</a:t>
+            </a:r>
+            <a:r>
+              <a:rPr kumimoji="1" lang="ja-JP" altLang="en-US" sz="2400" dirty="0"/>
+              <a:t>今回の事業提案では、</a:t>
+            </a:r>
+            <a:r>
+              <a:rPr kumimoji="1" lang="en-US" altLang="ja-JP" sz="2400" dirty="0"/>
+              <a:t>IBM</a:t>
+            </a:r>
+            <a:r>
+              <a:rPr kumimoji="1" lang="ja-JP" altLang="en-US" sz="2400" dirty="0"/>
+              <a:t>社</a:t>
+            </a:r>
+            <a:r>
+              <a:rPr lang="ja-JP" altLang="en-US" sz="2400" dirty="0"/>
+              <a:t>のデータセット</a:t>
+            </a:r>
+            <a:r>
+              <a:rPr lang="en-US" altLang="ja-JP" sz="2400" dirty="0"/>
+              <a:t>(IBM HR Analytics Employee Attrition &amp; Performance)</a:t>
+            </a:r>
+            <a:r>
+              <a:rPr lang="ja-JP" altLang="en-US" sz="2400" dirty="0"/>
+              <a:t>をもとに、様々な特徴量から</a:t>
+            </a:r>
+            <a:r>
+              <a:rPr lang="en-US" altLang="ja-JP" sz="2400" dirty="0"/>
+              <a:t>LDA(Linear Discriminant Analysis)</a:t>
+            </a:r>
+            <a:r>
+              <a:rPr lang="ja-JP" altLang="en-US" sz="2400" dirty="0"/>
+              <a:t>の次元削減の作用を用いて分類問題を解いたのち、</a:t>
+            </a:r>
+            <a:r>
+              <a:rPr lang="en-US" altLang="ja-JP" sz="2400" dirty="0"/>
+              <a:t> EDA(</a:t>
+            </a:r>
+            <a:r>
+              <a:rPr lang="ja-JP" altLang="en-US" sz="2400" dirty="0"/>
+              <a:t>探索的データ解析</a:t>
+            </a:r>
+            <a:r>
+              <a:rPr lang="en-US" altLang="ja-JP" sz="2400" dirty="0"/>
+              <a:t>)</a:t>
+            </a:r>
+            <a:r>
+              <a:rPr lang="ja-JP" altLang="en-US" sz="2400" dirty="0"/>
+              <a:t>の結果から、どのカラムがどのくらい離職に影響しているのかを示す。</a:t>
+            </a:r>
+            <a:endParaRPr lang="en-US" altLang="ja-JP" sz="2400" dirty="0"/>
+          </a:p>
+          <a:p>
+            <a:pPr marL="0" indent="0">
+              <a:buNone/>
+            </a:pPr>
+            <a:r>
+              <a:rPr lang="ja-JP" altLang="en-US" sz="2400" dirty="0"/>
+              <a:t>　またその結果から改善策を提案し、その結果によりどのくらい</a:t>
+            </a:r>
+            <a:r>
+              <a:rPr lang="en-US" altLang="ja-JP" sz="2400" dirty="0"/>
+              <a:t>IBM</a:t>
+            </a:r>
+            <a:r>
+              <a:rPr lang="ja-JP" altLang="en-US" sz="2400" dirty="0"/>
+              <a:t>社に利益が発生するのかを</a:t>
+            </a:r>
+            <a:r>
+              <a:rPr lang="en-US" altLang="ja-JP" sz="2400" dirty="0"/>
+              <a:t>Attrition</a:t>
+            </a:r>
+            <a:r>
+              <a:rPr lang="ja-JP" altLang="en-US" sz="2400" dirty="0"/>
+              <a:t>以外のカラムより予測する。</a:t>
+            </a:r>
+            <a:endParaRPr lang="en-US" altLang="ja-JP" sz="2400" dirty="0"/>
+          </a:p>
+        </p:txBody>
+      </p:sp>
+      <p:pic>
+        <p:nvPicPr>
+          <p:cNvPr id="6" name="図 5">
+            <a:extLst>
+              <a:ext uri="{FF2B5EF4-FFF2-40B4-BE49-F238E27FC236}">
+                <a16:creationId xmlns:a16="http://schemas.microsoft.com/office/drawing/2014/main" id="{510BED3B-4D21-43F5-E8FE-BC3083C433CA}"/>
+              </a:ext>
+            </a:extLst>
+          </p:cNvPr>
+          <p:cNvPicPr>
+            <a:picLocks noChangeAspect="1"/>
+          </p:cNvPicPr>
+          <p:nvPr/>
+        </p:nvPicPr>
+        <p:blipFill>
+          <a:blip r:embed="rId2"/>
+          <a:stretch>
+            <a:fillRect/>
+          </a:stretch>
+        </p:blipFill>
+        <p:spPr>
+          <a:xfrm>
+            <a:off x="437542" y="1105642"/>
+            <a:ext cx="3591533" cy="45719"/>
+          </a:xfrm>
+          <a:prstGeom prst="rect">
+            <a:avLst/>
+          </a:prstGeom>
+        </p:spPr>
+      </p:pic>
+    </p:spTree>
+    <p:extLst>
+      <p:ext uri="{BB962C8B-B14F-4D97-AF65-F5344CB8AC3E}">
+        <p14:creationId xmlns:p14="http://schemas.microsoft.com/office/powerpoint/2010/main" val="279807199"/>
+      </p:ext>
+    </p:extLst>
+  </p:cSld>
+  <p:clrMapOvr>
+    <a:masterClrMapping/>
+  </p:clrMapOvr>
+</p:sld>
+</file>
+
+<file path=ppt/slides/slide4.xml><?xml version="1.0" encoding="utf-8"?>
+<p:sld xmlns:a="http://schemas.openxmlformats.org/drawingml/2006/main" xmlns:r="http://schemas.openxmlformats.org/officeDocument/2006/relationships" xmlns:p="http://schemas.openxmlformats.org/presentationml/2006/main">
+  <p:cSld>
+    <p:spTree>
+      <p:nvGrpSpPr>
+        <p:cNvPr id="1" name=""/>
+        <p:cNvGrpSpPr/>
+        <p:nvPr/>
+      </p:nvGrpSpPr>
+      <p:grpSpPr>
+        <a:xfrm>
+          <a:off x="0" y="0"/>
+          <a:ext cx="0" cy="0"/>
+          <a:chOff x="0" y="0"/>
+          <a:chExt cx="0" cy="0"/>
+        </a:xfrm>
+      </p:grpSpPr>
+      <p:sp>
+        <p:nvSpPr>
+          <p:cNvPr id="2" name="タイトル 1">
+            <a:extLst>
+              <a:ext uri="{FF2B5EF4-FFF2-40B4-BE49-F238E27FC236}">
+                <a16:creationId xmlns:a16="http://schemas.microsoft.com/office/drawing/2014/main" id="{9D859FDC-5DF7-BACE-A583-CDDFC41A4F50}"/>
+              </a:ext>
+            </a:extLst>
+          </p:cNvPr>
+          <p:cNvSpPr>
+            <a:spLocks noGrp="1"/>
+          </p:cNvSpPr>
+          <p:nvPr>
+            <p:ph type="title"/>
+          </p:nvPr>
+        </p:nvSpPr>
+        <p:spPr>
+          <a:xfrm>
+            <a:off x="349250" y="454818"/>
+            <a:ext cx="10401300" cy="858838"/>
+          </a:xfrm>
+        </p:spPr>
+        <p:txBody>
+          <a:bodyPr>
+            <a:normAutofit/>
+          </a:bodyPr>
+          <a:lstStyle/>
+          <a:p>
+            <a:r>
+              <a:rPr lang="ja-JP" altLang="en-US" sz="3600" b="1" dirty="0">
+                <a:latin typeface="游ゴシック Medium" panose="020B0500000000000000" pitchFamily="50" charset="-128"/>
+                <a:ea typeface="游ゴシック Medium" panose="020B0500000000000000" pitchFamily="50" charset="-128"/>
+              </a:rPr>
+              <a:t>エンジニア業の</a:t>
+            </a:r>
+            <a:r>
+              <a:rPr lang="ja-JP" altLang="en-US" sz="3600" b="1" dirty="0">
+                <a:solidFill>
+                  <a:srgbClr val="03BDBA"/>
+                </a:solidFill>
+                <a:latin typeface="游ゴシック Medium" panose="020B0500000000000000" pitchFamily="50" charset="-128"/>
+                <a:ea typeface="游ゴシック Medium" panose="020B0500000000000000" pitchFamily="50" charset="-128"/>
+              </a:rPr>
+              <a:t>離職</a:t>
+            </a:r>
+            <a:r>
+              <a:rPr lang="ja-JP" altLang="en-US" sz="3600" b="1" dirty="0">
+                <a:latin typeface="游ゴシック Medium" panose="020B0500000000000000" pitchFamily="50" charset="-128"/>
+                <a:ea typeface="游ゴシック Medium" panose="020B0500000000000000" pitchFamily="50" charset="-128"/>
+              </a:rPr>
+              <a:t>率の動向</a:t>
             </a:r>
             <a:endParaRPr kumimoji="1" lang="ja-JP" altLang="en-US" sz="3600" b="1" dirty="0">
               <a:latin typeface="游ゴシック Medium" panose="020B0500000000000000" pitchFamily="50" charset="-128"/>
@@ -4073,10 +4671,637 @@
           </a:p>
         </p:txBody>
       </p:sp>
+      <p:pic>
+        <p:nvPicPr>
+          <p:cNvPr id="5" name="図 4">
+            <a:extLst>
+              <a:ext uri="{FF2B5EF4-FFF2-40B4-BE49-F238E27FC236}">
+                <a16:creationId xmlns:a16="http://schemas.microsoft.com/office/drawing/2014/main" id="{3751F9F6-DAE3-6261-2B67-D4116FDB8E95}"/>
+              </a:ext>
+            </a:extLst>
+          </p:cNvPr>
+          <p:cNvPicPr>
+            <a:picLocks noChangeAspect="1"/>
+          </p:cNvPicPr>
+          <p:nvPr/>
+        </p:nvPicPr>
+        <p:blipFill>
+          <a:blip r:embed="rId2"/>
+          <a:stretch>
+            <a:fillRect/>
+          </a:stretch>
+        </p:blipFill>
+        <p:spPr>
+          <a:xfrm>
+            <a:off x="437542" y="1105642"/>
+            <a:ext cx="5825146" cy="45719"/>
+          </a:xfrm>
+          <a:prstGeom prst="rect">
+            <a:avLst/>
+          </a:prstGeom>
+        </p:spPr>
+      </p:pic>
+      <p:pic>
+        <p:nvPicPr>
+          <p:cNvPr id="6" name="図 5">
+            <a:extLst>
+              <a:ext uri="{FF2B5EF4-FFF2-40B4-BE49-F238E27FC236}">
+                <a16:creationId xmlns:a16="http://schemas.microsoft.com/office/drawing/2014/main" id="{B2EE0D76-1B0D-999A-8E55-A5A2D51213B1}"/>
+              </a:ext>
+            </a:extLst>
+          </p:cNvPr>
+          <p:cNvPicPr>
+            <a:picLocks noChangeAspect="1"/>
+          </p:cNvPicPr>
+          <p:nvPr/>
+        </p:nvPicPr>
+        <p:blipFill>
+          <a:blip r:embed="rId2"/>
+          <a:stretch>
+            <a:fillRect/>
+          </a:stretch>
+        </p:blipFill>
+        <p:spPr>
+          <a:xfrm>
+            <a:off x="437542" y="1105642"/>
+            <a:ext cx="3591533" cy="45719"/>
+          </a:xfrm>
+          <a:prstGeom prst="rect">
+            <a:avLst/>
+          </a:prstGeom>
+        </p:spPr>
+      </p:pic>
     </p:spTree>
     <p:extLst>
       <p:ext uri="{BB962C8B-B14F-4D97-AF65-F5344CB8AC3E}">
-        <p14:creationId xmlns:p14="http://schemas.microsoft.com/office/powerpoint/2010/main" val="4206920007"/>
+        <p14:creationId xmlns:p14="http://schemas.microsoft.com/office/powerpoint/2010/main" val="869769933"/>
+      </p:ext>
+    </p:extLst>
+  </p:cSld>
+  <p:clrMapOvr>
+    <a:masterClrMapping/>
+  </p:clrMapOvr>
+</p:sld>
+</file>
+
+<file path=ppt/slides/slide5.xml><?xml version="1.0" encoding="utf-8"?>
+<p:sld xmlns:a="http://schemas.openxmlformats.org/drawingml/2006/main" xmlns:r="http://schemas.openxmlformats.org/officeDocument/2006/relationships" xmlns:p="http://schemas.openxmlformats.org/presentationml/2006/main">
+  <p:cSld>
+    <p:spTree>
+      <p:nvGrpSpPr>
+        <p:cNvPr id="1" name=""/>
+        <p:cNvGrpSpPr/>
+        <p:nvPr/>
+      </p:nvGrpSpPr>
+      <p:grpSpPr>
+        <a:xfrm>
+          <a:off x="0" y="0"/>
+          <a:ext cx="0" cy="0"/>
+          <a:chOff x="0" y="0"/>
+          <a:chExt cx="0" cy="0"/>
+        </a:xfrm>
+      </p:grpSpPr>
+      <p:pic>
+        <p:nvPicPr>
+          <p:cNvPr id="15" name="図 14">
+            <a:extLst>
+              <a:ext uri="{FF2B5EF4-FFF2-40B4-BE49-F238E27FC236}">
+                <a16:creationId xmlns:a16="http://schemas.microsoft.com/office/drawing/2014/main" id="{46A0A003-3AFA-64B2-098B-848A4D6595A8}"/>
+              </a:ext>
+            </a:extLst>
+          </p:cNvPr>
+          <p:cNvPicPr>
+            <a:picLocks noChangeAspect="1"/>
+          </p:cNvPicPr>
+          <p:nvPr/>
+        </p:nvPicPr>
+        <p:blipFill rotWithShape="1">
+          <a:blip r:embed="rId2"/>
+          <a:srcRect b="18281"/>
+          <a:stretch/>
+        </p:blipFill>
+        <p:spPr>
+          <a:xfrm>
+            <a:off x="349250" y="2109588"/>
+            <a:ext cx="10351770" cy="2652417"/>
+          </a:xfrm>
+          <a:prstGeom prst="rect">
+            <a:avLst/>
+          </a:prstGeom>
+        </p:spPr>
+      </p:pic>
+      <p:pic>
+        <p:nvPicPr>
+          <p:cNvPr id="19" name="図 18">
+            <a:extLst>
+              <a:ext uri="{FF2B5EF4-FFF2-40B4-BE49-F238E27FC236}">
+                <a16:creationId xmlns:a16="http://schemas.microsoft.com/office/drawing/2014/main" id="{F341B622-DD58-812F-8A04-737199F1093B}"/>
+              </a:ext>
+            </a:extLst>
+          </p:cNvPr>
+          <p:cNvPicPr>
+            <a:picLocks noChangeAspect="1"/>
+          </p:cNvPicPr>
+          <p:nvPr/>
+        </p:nvPicPr>
+        <p:blipFill rotWithShape="1">
+          <a:blip r:embed="rId3"/>
+          <a:srcRect b="29910"/>
+          <a:stretch/>
+        </p:blipFill>
+        <p:spPr>
+          <a:xfrm>
+            <a:off x="404812" y="2593297"/>
+            <a:ext cx="10956607" cy="2323087"/>
+          </a:xfrm>
+          <a:prstGeom prst="rect">
+            <a:avLst/>
+          </a:prstGeom>
+        </p:spPr>
+      </p:pic>
+      <p:sp>
+        <p:nvSpPr>
+          <p:cNvPr id="4" name="タイトル 1">
+            <a:extLst>
+              <a:ext uri="{FF2B5EF4-FFF2-40B4-BE49-F238E27FC236}">
+                <a16:creationId xmlns:a16="http://schemas.microsoft.com/office/drawing/2014/main" id="{48DE3ECF-D6FB-561C-7C30-87F84562753B}"/>
+              </a:ext>
+            </a:extLst>
+          </p:cNvPr>
+          <p:cNvSpPr txBox="1">
+            <a:spLocks/>
+          </p:cNvSpPr>
+          <p:nvPr/>
+        </p:nvSpPr>
+        <p:spPr>
+          <a:xfrm>
+            <a:off x="349250" y="454818"/>
+            <a:ext cx="10401300" cy="858838"/>
+          </a:xfrm>
+          <a:prstGeom prst="rect">
+            <a:avLst/>
+          </a:prstGeom>
+        </p:spPr>
+        <p:txBody>
+          <a:bodyPr vert="horz" lIns="91440" tIns="45720" rIns="91440" bIns="45720" rtlCol="0" anchor="ctr">
+            <a:normAutofit/>
+          </a:bodyPr>
+          <a:lstStyle>
+            <a:lvl1pPr algn="l" defTabSz="914400" rtl="0" eaLnBrk="1" latinLnBrk="0" hangingPunct="1">
+              <a:lnSpc>
+                <a:spcPct val="90000"/>
+              </a:lnSpc>
+              <a:spcBef>
+                <a:spcPct val="0"/>
+              </a:spcBef>
+              <a:buNone/>
+              <a:defRPr kumimoji="1" sz="4400" kern="1200">
+                <a:solidFill>
+                  <a:schemeClr val="tx1"/>
+                </a:solidFill>
+                <a:latin typeface="+mj-lt"/>
+                <a:ea typeface="+mj-ea"/>
+                <a:cs typeface="+mj-cs"/>
+              </a:defRPr>
+            </a:lvl1pPr>
+          </a:lstStyle>
+          <a:p>
+            <a:r>
+              <a:rPr lang="ja-JP" altLang="en-US" sz="3600" b="1" dirty="0">
+                <a:solidFill>
+                  <a:srgbClr val="03BDBA"/>
+                </a:solidFill>
+                <a:latin typeface="游ゴシック Medium" panose="020B0500000000000000" pitchFamily="50" charset="-128"/>
+                <a:ea typeface="游ゴシック Medium" panose="020B0500000000000000" pitchFamily="50" charset="-128"/>
+              </a:rPr>
+              <a:t>顧客</a:t>
+            </a:r>
+            <a:r>
+              <a:rPr lang="ja-JP" altLang="en-US" sz="3600" b="1" dirty="0">
+                <a:latin typeface="游ゴシック Medium" panose="020B0500000000000000" pitchFamily="50" charset="-128"/>
+                <a:ea typeface="游ゴシック Medium" panose="020B0500000000000000" pitchFamily="50" charset="-128"/>
+              </a:rPr>
+              <a:t>データの概要</a:t>
+            </a:r>
+          </a:p>
+        </p:txBody>
+      </p:sp>
+      <p:sp>
+        <p:nvSpPr>
+          <p:cNvPr id="5" name="コンテンツ プレースホルダー 2">
+            <a:extLst>
+              <a:ext uri="{FF2B5EF4-FFF2-40B4-BE49-F238E27FC236}">
+                <a16:creationId xmlns:a16="http://schemas.microsoft.com/office/drawing/2014/main" id="{F8B40426-6810-7724-7469-0177FFB51EDE}"/>
+              </a:ext>
+            </a:extLst>
+          </p:cNvPr>
+          <p:cNvSpPr>
+            <a:spLocks noGrp="1"/>
+          </p:cNvSpPr>
+          <p:nvPr>
+            <p:ph idx="1"/>
+          </p:nvPr>
+        </p:nvSpPr>
+        <p:spPr>
+          <a:xfrm>
+            <a:off x="349250" y="1395969"/>
+            <a:ext cx="11493500" cy="541428"/>
+          </a:xfrm>
+        </p:spPr>
+        <p:txBody>
+          <a:bodyPr>
+            <a:normAutofit/>
+          </a:bodyPr>
+          <a:lstStyle/>
+          <a:p>
+            <a:pPr marL="0" indent="0">
+              <a:buNone/>
+            </a:pPr>
+            <a:r>
+              <a:rPr lang="en-US" altLang="ja-JP" sz="2400" dirty="0"/>
+              <a:t>IBM HR Analytics Employee Attrition &amp; Performance</a:t>
+            </a:r>
+            <a:r>
+              <a:rPr lang="ja-JP" altLang="en-US" sz="2400" dirty="0"/>
+              <a:t>の内容は以下のとおりである</a:t>
+            </a:r>
+            <a:r>
+              <a:rPr lang="en-US" altLang="ja-JP" sz="2400" dirty="0"/>
+              <a:t>.</a:t>
+            </a:r>
+          </a:p>
+          <a:p>
+            <a:pPr marL="0" indent="0">
+              <a:buNone/>
+            </a:pPr>
+            <a:endParaRPr lang="en-US" altLang="ja-JP" sz="2400" dirty="0"/>
+          </a:p>
+        </p:txBody>
+      </p:sp>
+      <p:pic>
+        <p:nvPicPr>
+          <p:cNvPr id="21" name="図 20">
+            <a:extLst>
+              <a:ext uri="{FF2B5EF4-FFF2-40B4-BE49-F238E27FC236}">
+                <a16:creationId xmlns:a16="http://schemas.microsoft.com/office/drawing/2014/main" id="{520D06CE-F8D5-433B-9A17-262BF0AA5133}"/>
+              </a:ext>
+            </a:extLst>
+          </p:cNvPr>
+          <p:cNvPicPr>
+            <a:picLocks noChangeAspect="1"/>
+          </p:cNvPicPr>
+          <p:nvPr/>
+        </p:nvPicPr>
+        <p:blipFill rotWithShape="1">
+          <a:blip r:embed="rId4"/>
+          <a:srcRect b="39006"/>
+          <a:stretch/>
+        </p:blipFill>
+        <p:spPr>
+          <a:xfrm>
+            <a:off x="404812" y="3077153"/>
+            <a:ext cx="11521758" cy="1975179"/>
+          </a:xfrm>
+          <a:prstGeom prst="rect">
+            <a:avLst/>
+          </a:prstGeom>
+        </p:spPr>
+      </p:pic>
+      <p:sp>
+        <p:nvSpPr>
+          <p:cNvPr id="23" name="テキスト ボックス 22">
+            <a:extLst>
+              <a:ext uri="{FF2B5EF4-FFF2-40B4-BE49-F238E27FC236}">
+                <a16:creationId xmlns:a16="http://schemas.microsoft.com/office/drawing/2014/main" id="{312CEC90-77ED-0697-C18B-7D7D4EAFC0E2}"/>
+              </a:ext>
+            </a:extLst>
+          </p:cNvPr>
+          <p:cNvSpPr txBox="1"/>
+          <p:nvPr/>
+        </p:nvSpPr>
+        <p:spPr>
+          <a:xfrm>
+            <a:off x="347270" y="5398337"/>
+            <a:ext cx="11439918" cy="923330"/>
+          </a:xfrm>
+          <a:prstGeom prst="rect">
+            <a:avLst/>
+          </a:prstGeom>
+          <a:noFill/>
+        </p:spPr>
+        <p:txBody>
+          <a:bodyPr wrap="square">
+            <a:spAutoFit/>
+          </a:bodyPr>
+          <a:lstStyle/>
+          <a:p>
+            <a:pPr marL="0" indent="0">
+              <a:buNone/>
+            </a:pPr>
+            <a:r>
+              <a:rPr lang="ja-JP" altLang="en-US" dirty="0"/>
+              <a:t>カラムの内容 </a:t>
+            </a:r>
+            <a:r>
+              <a:rPr lang="en-US" altLang="ja-JP" dirty="0"/>
+              <a:t>: </a:t>
+            </a:r>
+          </a:p>
+          <a:p>
+            <a:pPr marL="0" indent="0">
+              <a:buNone/>
+            </a:pPr>
+            <a:r>
+              <a:rPr lang="ja-JP" altLang="en-US" sz="1800" dirty="0"/>
+              <a:t>年齢</a:t>
+            </a:r>
+            <a:r>
+              <a:rPr lang="en-US" altLang="ja-JP" sz="1800" dirty="0"/>
+              <a:t>, </a:t>
+            </a:r>
+            <a:r>
+              <a:rPr lang="ja-JP" altLang="en-US" sz="1800" dirty="0"/>
+              <a:t>性別</a:t>
+            </a:r>
+            <a:r>
+              <a:rPr lang="en-US" altLang="ja-JP" sz="1800" dirty="0"/>
+              <a:t>, </a:t>
+            </a:r>
+            <a:r>
+              <a:rPr lang="ja-JP" altLang="en-US" sz="1800" dirty="0"/>
+              <a:t>離職</a:t>
+            </a:r>
+            <a:r>
+              <a:rPr lang="en-US" altLang="ja-JP" sz="1800" dirty="0"/>
+              <a:t>, </a:t>
+            </a:r>
+            <a:r>
+              <a:rPr lang="ja-JP" altLang="en-US" sz="1800" dirty="0"/>
+              <a:t>家から職場までの距離</a:t>
+            </a:r>
+            <a:r>
+              <a:rPr lang="en-US" altLang="ja-JP" sz="1800" dirty="0"/>
+              <a:t>, </a:t>
+            </a:r>
+            <a:r>
+              <a:rPr lang="ja-JP" altLang="en-US" sz="1800" dirty="0"/>
+              <a:t>成果など様々な特徴量がある。</a:t>
+            </a:r>
+            <a:endParaRPr lang="en-US" altLang="ja-JP" sz="1800" dirty="0"/>
+          </a:p>
+          <a:p>
+            <a:pPr marL="0" indent="0">
+              <a:buNone/>
+            </a:pPr>
+            <a:r>
+              <a:rPr lang="ja-JP" altLang="en-US" dirty="0"/>
+              <a:t>今回行うのは</a:t>
+            </a:r>
+            <a:r>
+              <a:rPr lang="en-US" altLang="ja-JP" sz="1800" dirty="0"/>
+              <a:t>,</a:t>
+            </a:r>
+            <a:r>
+              <a:rPr lang="ja-JP" altLang="en-US" sz="1800" dirty="0"/>
+              <a:t> 離職以外のカラムの値から離職するかを予測することである。</a:t>
+            </a:r>
+            <a:endParaRPr lang="ja-JP" altLang="en-US" dirty="0"/>
+          </a:p>
+        </p:txBody>
+      </p:sp>
+      <p:pic>
+        <p:nvPicPr>
+          <p:cNvPr id="24" name="図 23">
+            <a:extLst>
+              <a:ext uri="{FF2B5EF4-FFF2-40B4-BE49-F238E27FC236}">
+                <a16:creationId xmlns:a16="http://schemas.microsoft.com/office/drawing/2014/main" id="{6B80B489-6075-9713-D525-24B4F4A30113}"/>
+              </a:ext>
+            </a:extLst>
+          </p:cNvPr>
+          <p:cNvPicPr>
+            <a:picLocks noChangeAspect="1"/>
+          </p:cNvPicPr>
+          <p:nvPr/>
+        </p:nvPicPr>
+        <p:blipFill>
+          <a:blip r:embed="rId5"/>
+          <a:stretch>
+            <a:fillRect/>
+          </a:stretch>
+        </p:blipFill>
+        <p:spPr>
+          <a:xfrm>
+            <a:off x="437542" y="1105642"/>
+            <a:ext cx="3591533" cy="45719"/>
+          </a:xfrm>
+          <a:prstGeom prst="rect">
+            <a:avLst/>
+          </a:prstGeom>
+        </p:spPr>
+      </p:pic>
+    </p:spTree>
+    <p:extLst>
+      <p:ext uri="{BB962C8B-B14F-4D97-AF65-F5344CB8AC3E}">
+        <p14:creationId xmlns:p14="http://schemas.microsoft.com/office/powerpoint/2010/main" val="161938416"/>
+      </p:ext>
+    </p:extLst>
+  </p:cSld>
+  <p:clrMapOvr>
+    <a:masterClrMapping/>
+  </p:clrMapOvr>
+</p:sld>
+</file>
+
+<file path=ppt/slides/slide6.xml><?xml version="1.0" encoding="utf-8"?>
+<p:sld xmlns:a="http://schemas.openxmlformats.org/drawingml/2006/main" xmlns:r="http://schemas.openxmlformats.org/officeDocument/2006/relationships" xmlns:p="http://schemas.openxmlformats.org/presentationml/2006/main">
+  <p:cSld>
+    <p:spTree>
+      <p:nvGrpSpPr>
+        <p:cNvPr id="1" name=""/>
+        <p:cNvGrpSpPr/>
+        <p:nvPr/>
+      </p:nvGrpSpPr>
+      <p:grpSpPr>
+        <a:xfrm>
+          <a:off x="0" y="0"/>
+          <a:ext cx="0" cy="0"/>
+          <a:chOff x="0" y="0"/>
+          <a:chExt cx="0" cy="0"/>
+        </a:xfrm>
+      </p:grpSpPr>
+      <p:sp>
+        <p:nvSpPr>
+          <p:cNvPr id="2" name="タイトル 1">
+            <a:extLst>
+              <a:ext uri="{FF2B5EF4-FFF2-40B4-BE49-F238E27FC236}">
+                <a16:creationId xmlns:a16="http://schemas.microsoft.com/office/drawing/2014/main" id="{9D859FDC-5DF7-BACE-A583-CDDFC41A4F50}"/>
+              </a:ext>
+            </a:extLst>
+          </p:cNvPr>
+          <p:cNvSpPr>
+            <a:spLocks noGrp="1"/>
+          </p:cNvSpPr>
+          <p:nvPr>
+            <p:ph type="title"/>
+          </p:nvPr>
+        </p:nvSpPr>
+        <p:spPr>
+          <a:xfrm>
+            <a:off x="349250" y="454818"/>
+            <a:ext cx="10401300" cy="858838"/>
+          </a:xfrm>
+        </p:spPr>
+        <p:txBody>
+          <a:bodyPr>
+            <a:normAutofit/>
+          </a:bodyPr>
+          <a:lstStyle/>
+          <a:p>
+            <a:r>
+              <a:rPr lang="en-US" altLang="ja-JP" sz="3600" b="1" dirty="0" err="1">
+                <a:solidFill>
+                  <a:srgbClr val="03BDBA"/>
+                </a:solidFill>
+                <a:latin typeface="游ゴシック Medium" panose="020B0500000000000000" pitchFamily="50" charset="-128"/>
+                <a:ea typeface="游ゴシック Medium" panose="020B0500000000000000" pitchFamily="50" charset="-128"/>
+              </a:rPr>
+              <a:t>P</a:t>
+            </a:r>
+            <a:r>
+              <a:rPr lang="en-US" altLang="ja-JP" sz="3600" b="1" dirty="0" err="1">
+                <a:latin typeface="游ゴシック Medium" panose="020B0500000000000000" pitchFamily="50" charset="-128"/>
+                <a:ea typeface="游ゴシック Medium" panose="020B0500000000000000" pitchFamily="50" charset="-128"/>
+              </a:rPr>
+              <a:t>y</a:t>
+            </a:r>
+            <a:r>
+              <a:rPr lang="en-US" altLang="ja-JP" sz="3600" b="1" dirty="0" err="1">
+                <a:solidFill>
+                  <a:srgbClr val="03BDBA"/>
+                </a:solidFill>
+                <a:latin typeface="游ゴシック Medium" panose="020B0500000000000000" pitchFamily="50" charset="-128"/>
+                <a:ea typeface="游ゴシック Medium" panose="020B0500000000000000" pitchFamily="50" charset="-128"/>
+              </a:rPr>
+              <a:t>C</a:t>
+            </a:r>
+            <a:r>
+              <a:rPr lang="en-US" altLang="ja-JP" sz="3600" b="1" dirty="0" err="1">
+                <a:latin typeface="游ゴシック Medium" panose="020B0500000000000000" pitchFamily="50" charset="-128"/>
+                <a:ea typeface="游ゴシック Medium" panose="020B0500000000000000" pitchFamily="50" charset="-128"/>
+              </a:rPr>
+              <a:t>aret</a:t>
+            </a:r>
+            <a:r>
+              <a:rPr lang="ja-JP" altLang="en-US" sz="3600" b="1" dirty="0">
+                <a:latin typeface="游ゴシック Medium" panose="020B0500000000000000" pitchFamily="50" charset="-128"/>
+                <a:ea typeface="游ゴシック Medium" panose="020B0500000000000000" pitchFamily="50" charset="-128"/>
+              </a:rPr>
+              <a:t>による分類モデルの選定</a:t>
+            </a:r>
+            <a:endParaRPr kumimoji="1" lang="ja-JP" altLang="en-US" sz="3600" b="1" dirty="0">
+              <a:latin typeface="游ゴシック Medium" panose="020B0500000000000000" pitchFamily="50" charset="-128"/>
+              <a:ea typeface="游ゴシック Medium" panose="020B0500000000000000" pitchFamily="50" charset="-128"/>
+            </a:endParaRPr>
+          </a:p>
+        </p:txBody>
+      </p:sp>
+      <p:sp>
+        <p:nvSpPr>
+          <p:cNvPr id="3" name="コンテンツ プレースホルダー 2">
+            <a:extLst>
+              <a:ext uri="{FF2B5EF4-FFF2-40B4-BE49-F238E27FC236}">
+                <a16:creationId xmlns:a16="http://schemas.microsoft.com/office/drawing/2014/main" id="{554C2AB4-107A-195F-FD05-3666FA0F5AC4}"/>
+              </a:ext>
+            </a:extLst>
+          </p:cNvPr>
+          <p:cNvSpPr>
+            <a:spLocks noGrp="1"/>
+          </p:cNvSpPr>
+          <p:nvPr>
+            <p:ph idx="1"/>
+          </p:nvPr>
+        </p:nvSpPr>
+        <p:spPr>
+          <a:xfrm>
+            <a:off x="349250" y="1609725"/>
+            <a:ext cx="10515600" cy="4351338"/>
+          </a:xfrm>
+        </p:spPr>
+        <p:txBody>
+          <a:bodyPr/>
+          <a:lstStyle/>
+          <a:p>
+            <a:pPr marL="0" indent="0">
+              <a:buNone/>
+            </a:pPr>
+            <a:endParaRPr kumimoji="1" lang="ja-JP" altLang="en-US" dirty="0"/>
+          </a:p>
+        </p:txBody>
+      </p:sp>
+      <p:pic>
+        <p:nvPicPr>
+          <p:cNvPr id="5" name="図 4">
+            <a:extLst>
+              <a:ext uri="{FF2B5EF4-FFF2-40B4-BE49-F238E27FC236}">
+                <a16:creationId xmlns:a16="http://schemas.microsoft.com/office/drawing/2014/main" id="{3751F9F6-DAE3-6261-2B67-D4116FDB8E95}"/>
+              </a:ext>
+            </a:extLst>
+          </p:cNvPr>
+          <p:cNvPicPr>
+            <a:picLocks noChangeAspect="1"/>
+          </p:cNvPicPr>
+          <p:nvPr/>
+        </p:nvPicPr>
+        <p:blipFill>
+          <a:blip r:embed="rId2"/>
+          <a:stretch>
+            <a:fillRect/>
+          </a:stretch>
+        </p:blipFill>
+        <p:spPr>
+          <a:xfrm>
+            <a:off x="437541" y="1105642"/>
+            <a:ext cx="6589527" cy="51718"/>
+          </a:xfrm>
+          <a:prstGeom prst="rect">
+            <a:avLst/>
+          </a:prstGeom>
+        </p:spPr>
+      </p:pic>
+      <p:pic>
+        <p:nvPicPr>
+          <p:cNvPr id="6" name="図 5">
+            <a:extLst>
+              <a:ext uri="{FF2B5EF4-FFF2-40B4-BE49-F238E27FC236}">
+                <a16:creationId xmlns:a16="http://schemas.microsoft.com/office/drawing/2014/main" id="{B2EE0D76-1B0D-999A-8E55-A5A2D51213B1}"/>
+              </a:ext>
+            </a:extLst>
+          </p:cNvPr>
+          <p:cNvPicPr>
+            <a:picLocks noChangeAspect="1"/>
+          </p:cNvPicPr>
+          <p:nvPr/>
+        </p:nvPicPr>
+        <p:blipFill>
+          <a:blip r:embed="rId2"/>
+          <a:stretch>
+            <a:fillRect/>
+          </a:stretch>
+        </p:blipFill>
+        <p:spPr>
+          <a:xfrm>
+            <a:off x="437542" y="1105642"/>
+            <a:ext cx="3591533" cy="45719"/>
+          </a:xfrm>
+          <a:prstGeom prst="rect">
+            <a:avLst/>
+          </a:prstGeom>
+        </p:spPr>
+      </p:pic>
+    </p:spTree>
+    <p:extLst>
+      <p:ext uri="{BB962C8B-B14F-4D97-AF65-F5344CB8AC3E}">
+        <p14:creationId xmlns:p14="http://schemas.microsoft.com/office/powerpoint/2010/main" val="1268116754"/>
       </p:ext>
     </p:extLst>
   </p:cSld>

--- a/LDA_Attrition.pptx
+++ b/LDA_Attrition.pptx
@@ -4,6 +4,12 @@
   <p:sldMasterIdLst>
     <p:sldMasterId id="2147483648" r:id="rId1"/>
   </p:sldMasterIdLst>
+  <p:notesMasterIdLst>
+    <p:notesMasterId r:id="rId9"/>
+  </p:notesMasterIdLst>
+  <p:handoutMasterIdLst>
+    <p:handoutMasterId r:id="rId10"/>
+  </p:handoutMasterIdLst>
   <p:sldIdLst>
     <p:sldId id="256" r:id="rId2"/>
     <p:sldId id="257" r:id="rId3"/>
@@ -11,6 +17,7 @@
     <p:sldId id="261" r:id="rId5"/>
     <p:sldId id="259" r:id="rId6"/>
     <p:sldId id="260" r:id="rId7"/>
+    <p:sldId id="262" r:id="rId8"/>
   </p:sldIdLst>
   <p:sldSz cx="12192000" cy="6858000"/>
   <p:notesSz cx="6858000" cy="9144000"/>
@@ -117,6 +124,578 @@
 </p:presentation>
 </file>
 
+<file path=ppt/handoutMasters/handoutMaster1.xml><?xml version="1.0" encoding="utf-8"?>
+<p:handoutMaster xmlns:a="http://schemas.openxmlformats.org/drawingml/2006/main" xmlns:r="http://schemas.openxmlformats.org/officeDocument/2006/relationships" xmlns:p="http://schemas.openxmlformats.org/presentationml/2006/main">
+  <p:cSld>
+    <p:bg>
+      <p:bgRef idx="1001">
+        <a:schemeClr val="bg1"/>
+      </p:bgRef>
+    </p:bg>
+    <p:spTree>
+      <p:nvGrpSpPr>
+        <p:cNvPr id="1" name=""/>
+        <p:cNvGrpSpPr/>
+        <p:nvPr/>
+      </p:nvGrpSpPr>
+      <p:grpSpPr>
+        <a:xfrm>
+          <a:off x="0" y="0"/>
+          <a:ext cx="0" cy="0"/>
+          <a:chOff x="0" y="0"/>
+          <a:chExt cx="0" cy="0"/>
+        </a:xfrm>
+      </p:grpSpPr>
+      <p:sp>
+        <p:nvSpPr>
+          <p:cNvPr id="2" name="ヘッダー プレースホルダー 1">
+            <a:extLst>
+              <a:ext uri="{FF2B5EF4-FFF2-40B4-BE49-F238E27FC236}">
+                <a16:creationId xmlns:a16="http://schemas.microsoft.com/office/drawing/2014/main" id="{1AB876E9-FC27-4556-BA72-2EA654F5626F}"/>
+              </a:ext>
+            </a:extLst>
+          </p:cNvPr>
+          <p:cNvSpPr>
+            <a:spLocks noGrp="1"/>
+          </p:cNvSpPr>
+          <p:nvPr>
+            <p:ph type="hdr" sz="quarter"/>
+          </p:nvPr>
+        </p:nvSpPr>
+        <p:spPr>
+          <a:xfrm>
+            <a:off x="0" y="0"/>
+            <a:ext cx="2971800" cy="458788"/>
+          </a:xfrm>
+          <a:prstGeom prst="rect">
+            <a:avLst/>
+          </a:prstGeom>
+        </p:spPr>
+        <p:txBody>
+          <a:bodyPr vert="horz" lIns="91440" tIns="45720" rIns="91440" bIns="45720" rtlCol="0"/>
+          <a:lstStyle>
+            <a:lvl1pPr algn="l">
+              <a:defRPr sz="1200"/>
+            </a:lvl1pPr>
+          </a:lstStyle>
+          <a:p>
+            <a:endParaRPr kumimoji="1" lang="ja-JP" altLang="en-US"/>
+          </a:p>
+        </p:txBody>
+      </p:sp>
+      <p:sp>
+        <p:nvSpPr>
+          <p:cNvPr id="3" name="日付プレースホルダー 2">
+            <a:extLst>
+              <a:ext uri="{FF2B5EF4-FFF2-40B4-BE49-F238E27FC236}">
+                <a16:creationId xmlns:a16="http://schemas.microsoft.com/office/drawing/2014/main" id="{D0307A41-F40E-8E61-FA86-C873A2896446}"/>
+              </a:ext>
+            </a:extLst>
+          </p:cNvPr>
+          <p:cNvSpPr>
+            <a:spLocks noGrp="1"/>
+          </p:cNvSpPr>
+          <p:nvPr>
+            <p:ph type="dt" sz="quarter" idx="1"/>
+          </p:nvPr>
+        </p:nvSpPr>
+        <p:spPr>
+          <a:xfrm>
+            <a:off x="3884613" y="0"/>
+            <a:ext cx="2971800" cy="458788"/>
+          </a:xfrm>
+          <a:prstGeom prst="rect">
+            <a:avLst/>
+          </a:prstGeom>
+        </p:spPr>
+        <p:txBody>
+          <a:bodyPr vert="horz" lIns="91440" tIns="45720" rIns="91440" bIns="45720" rtlCol="0"/>
+          <a:lstStyle>
+            <a:lvl1pPr algn="r">
+              <a:defRPr sz="1200"/>
+            </a:lvl1pPr>
+          </a:lstStyle>
+          <a:p>
+            <a:fld id="{65F2E3AF-BE9C-4C47-B373-98F9157BDCB0}" type="datetimeFigureOut">
+              <a:rPr kumimoji="1" lang="ja-JP" altLang="en-US" smtClean="0"/>
+              <a:t>2024/1/15</a:t>
+            </a:fld>
+            <a:endParaRPr kumimoji="1" lang="ja-JP" altLang="en-US"/>
+          </a:p>
+        </p:txBody>
+      </p:sp>
+      <p:sp>
+        <p:nvSpPr>
+          <p:cNvPr id="4" name="フッター プレースホルダー 3">
+            <a:extLst>
+              <a:ext uri="{FF2B5EF4-FFF2-40B4-BE49-F238E27FC236}">
+                <a16:creationId xmlns:a16="http://schemas.microsoft.com/office/drawing/2014/main" id="{52D4A86C-0AB7-1E2F-9C87-86B1EC1DDF79}"/>
+              </a:ext>
+            </a:extLst>
+          </p:cNvPr>
+          <p:cNvSpPr>
+            <a:spLocks noGrp="1"/>
+          </p:cNvSpPr>
+          <p:nvPr>
+            <p:ph type="ftr" sz="quarter" idx="2"/>
+          </p:nvPr>
+        </p:nvSpPr>
+        <p:spPr>
+          <a:xfrm>
+            <a:off x="0" y="8685213"/>
+            <a:ext cx="2971800" cy="458787"/>
+          </a:xfrm>
+          <a:prstGeom prst="rect">
+            <a:avLst/>
+          </a:prstGeom>
+        </p:spPr>
+        <p:txBody>
+          <a:bodyPr vert="horz" lIns="91440" tIns="45720" rIns="91440" bIns="45720" rtlCol="0" anchor="b"/>
+          <a:lstStyle>
+            <a:lvl1pPr algn="l">
+              <a:defRPr sz="1200"/>
+            </a:lvl1pPr>
+          </a:lstStyle>
+          <a:p>
+            <a:endParaRPr kumimoji="1" lang="ja-JP" altLang="en-US"/>
+          </a:p>
+        </p:txBody>
+      </p:sp>
+      <p:sp>
+        <p:nvSpPr>
+          <p:cNvPr id="5" name="スライド番号プレースホルダー 4">
+            <a:extLst>
+              <a:ext uri="{FF2B5EF4-FFF2-40B4-BE49-F238E27FC236}">
+                <a16:creationId xmlns:a16="http://schemas.microsoft.com/office/drawing/2014/main" id="{7F0338A4-5F0D-5ADC-0EE0-FC925778D042}"/>
+              </a:ext>
+            </a:extLst>
+          </p:cNvPr>
+          <p:cNvSpPr>
+            <a:spLocks noGrp="1"/>
+          </p:cNvSpPr>
+          <p:nvPr>
+            <p:ph type="sldNum" sz="quarter" idx="3"/>
+          </p:nvPr>
+        </p:nvSpPr>
+        <p:spPr>
+          <a:xfrm>
+            <a:off x="3884613" y="8685213"/>
+            <a:ext cx="2971800" cy="458787"/>
+          </a:xfrm>
+          <a:prstGeom prst="rect">
+            <a:avLst/>
+          </a:prstGeom>
+        </p:spPr>
+        <p:txBody>
+          <a:bodyPr vert="horz" lIns="91440" tIns="45720" rIns="91440" bIns="45720" rtlCol="0" anchor="b"/>
+          <a:lstStyle>
+            <a:lvl1pPr algn="r">
+              <a:defRPr sz="1200"/>
+            </a:lvl1pPr>
+          </a:lstStyle>
+          <a:p>
+            <a:fld id="{7DC810DD-1D0C-4AE0-B1F1-4DBB554F787A}" type="slidenum">
+              <a:rPr kumimoji="1" lang="ja-JP" altLang="en-US" smtClean="0"/>
+              <a:t>‹#›</a:t>
+            </a:fld>
+            <a:endParaRPr kumimoji="1" lang="ja-JP" altLang="en-US"/>
+          </a:p>
+        </p:txBody>
+      </p:sp>
+    </p:spTree>
+    <p:extLst>
+      <p:ext uri="{BB962C8B-B14F-4D97-AF65-F5344CB8AC3E}">
+        <p14:creationId xmlns:p14="http://schemas.microsoft.com/office/powerpoint/2010/main" val="1035081696"/>
+      </p:ext>
+    </p:extLst>
+  </p:cSld>
+  <p:clrMap bg1="lt1" tx1="dk1" bg2="lt2" tx2="dk2" accent1="accent1" accent2="accent2" accent3="accent3" accent4="accent4" accent5="accent5" accent6="accent6" hlink="hlink" folHlink="folHlink"/>
+  <p:hf hdr="0" ftr="0" dt="0"/>
+</p:handoutMaster>
+</file>
+
+<file path=ppt/notesMasters/notesMaster1.xml><?xml version="1.0" encoding="utf-8"?>
+<p:notesMaster xmlns:a="http://schemas.openxmlformats.org/drawingml/2006/main" xmlns:r="http://schemas.openxmlformats.org/officeDocument/2006/relationships" xmlns:p="http://schemas.openxmlformats.org/presentationml/2006/main">
+  <p:cSld>
+    <p:bg>
+      <p:bgRef idx="1001">
+        <a:schemeClr val="bg1"/>
+      </p:bgRef>
+    </p:bg>
+    <p:spTree>
+      <p:nvGrpSpPr>
+        <p:cNvPr id="1" name=""/>
+        <p:cNvGrpSpPr/>
+        <p:nvPr/>
+      </p:nvGrpSpPr>
+      <p:grpSpPr>
+        <a:xfrm>
+          <a:off x="0" y="0"/>
+          <a:ext cx="0" cy="0"/>
+          <a:chOff x="0" y="0"/>
+          <a:chExt cx="0" cy="0"/>
+        </a:xfrm>
+      </p:grpSpPr>
+      <p:sp>
+        <p:nvSpPr>
+          <p:cNvPr id="2" name="ヘッダー プレースホルダー 1"/>
+          <p:cNvSpPr>
+            <a:spLocks noGrp="1"/>
+          </p:cNvSpPr>
+          <p:nvPr>
+            <p:ph type="hdr" sz="quarter"/>
+          </p:nvPr>
+        </p:nvSpPr>
+        <p:spPr>
+          <a:xfrm>
+            <a:off x="0" y="0"/>
+            <a:ext cx="2971800" cy="458788"/>
+          </a:xfrm>
+          <a:prstGeom prst="rect">
+            <a:avLst/>
+          </a:prstGeom>
+        </p:spPr>
+        <p:txBody>
+          <a:bodyPr vert="horz" lIns="91440" tIns="45720" rIns="91440" bIns="45720" rtlCol="0"/>
+          <a:lstStyle>
+            <a:lvl1pPr algn="l">
+              <a:defRPr sz="1200"/>
+            </a:lvl1pPr>
+          </a:lstStyle>
+          <a:p>
+            <a:endParaRPr kumimoji="1" lang="ja-JP" altLang="en-US"/>
+          </a:p>
+        </p:txBody>
+      </p:sp>
+      <p:sp>
+        <p:nvSpPr>
+          <p:cNvPr id="3" name="日付プレースホルダー 2"/>
+          <p:cNvSpPr>
+            <a:spLocks noGrp="1"/>
+          </p:cNvSpPr>
+          <p:nvPr>
+            <p:ph type="dt" idx="1"/>
+          </p:nvPr>
+        </p:nvSpPr>
+        <p:spPr>
+          <a:xfrm>
+            <a:off x="3884613" y="0"/>
+            <a:ext cx="2971800" cy="458788"/>
+          </a:xfrm>
+          <a:prstGeom prst="rect">
+            <a:avLst/>
+          </a:prstGeom>
+        </p:spPr>
+        <p:txBody>
+          <a:bodyPr vert="horz" lIns="91440" tIns="45720" rIns="91440" bIns="45720" rtlCol="0"/>
+          <a:lstStyle>
+            <a:lvl1pPr algn="r">
+              <a:defRPr sz="1200"/>
+            </a:lvl1pPr>
+          </a:lstStyle>
+          <a:p>
+            <a:fld id="{3EEA01C6-472C-467E-9442-DB1AEA27F214}" type="datetimeFigureOut">
+              <a:rPr kumimoji="1" lang="ja-JP" altLang="en-US" smtClean="0"/>
+              <a:t>2024/1/15</a:t>
+            </a:fld>
+            <a:endParaRPr kumimoji="1" lang="ja-JP" altLang="en-US"/>
+          </a:p>
+        </p:txBody>
+      </p:sp>
+      <p:sp>
+        <p:nvSpPr>
+          <p:cNvPr id="4" name="スライド イメージ プレースホルダー 3"/>
+          <p:cNvSpPr>
+            <a:spLocks noGrp="1" noRot="1" noChangeAspect="1"/>
+          </p:cNvSpPr>
+          <p:nvPr>
+            <p:ph type="sldImg" idx="2"/>
+          </p:nvPr>
+        </p:nvSpPr>
+        <p:spPr>
+          <a:xfrm>
+            <a:off x="685800" y="1143000"/>
+            <a:ext cx="5486400" cy="3086100"/>
+          </a:xfrm>
+          <a:prstGeom prst="rect">
+            <a:avLst/>
+          </a:prstGeom>
+          <a:noFill/>
+          <a:ln w="12700">
+            <a:solidFill>
+              <a:prstClr val="black"/>
+            </a:solidFill>
+          </a:ln>
+        </p:spPr>
+        <p:txBody>
+          <a:bodyPr vert="horz" lIns="91440" tIns="45720" rIns="91440" bIns="45720" rtlCol="0" anchor="ctr"/>
+          <a:lstStyle/>
+          <a:p>
+            <a:endParaRPr lang="ja-JP" altLang="en-US"/>
+          </a:p>
+        </p:txBody>
+      </p:sp>
+      <p:sp>
+        <p:nvSpPr>
+          <p:cNvPr id="5" name="ノート プレースホルダー 4"/>
+          <p:cNvSpPr>
+            <a:spLocks noGrp="1"/>
+          </p:cNvSpPr>
+          <p:nvPr>
+            <p:ph type="body" sz="quarter" idx="3"/>
+          </p:nvPr>
+        </p:nvSpPr>
+        <p:spPr>
+          <a:xfrm>
+            <a:off x="685800" y="4400550"/>
+            <a:ext cx="5486400" cy="3600450"/>
+          </a:xfrm>
+          <a:prstGeom prst="rect">
+            <a:avLst/>
+          </a:prstGeom>
+        </p:spPr>
+        <p:txBody>
+          <a:bodyPr vert="horz" lIns="91440" tIns="45720" rIns="91440" bIns="45720" rtlCol="0"/>
+          <a:lstStyle/>
+          <a:p>
+            <a:pPr lvl="0"/>
+            <a:r>
+              <a:rPr kumimoji="1" lang="ja-JP" altLang="en-US"/>
+              <a:t>マスター テキストの書式設定</a:t>
+            </a:r>
+          </a:p>
+          <a:p>
+            <a:pPr lvl="1"/>
+            <a:r>
+              <a:rPr kumimoji="1" lang="ja-JP" altLang="en-US"/>
+              <a:t>第 </a:t>
+            </a:r>
+            <a:r>
+              <a:rPr kumimoji="1" lang="en-US" altLang="ja-JP"/>
+              <a:t>2 </a:t>
+            </a:r>
+            <a:r>
+              <a:rPr kumimoji="1" lang="ja-JP" altLang="en-US"/>
+              <a:t>レベル</a:t>
+            </a:r>
+          </a:p>
+          <a:p>
+            <a:pPr lvl="2"/>
+            <a:r>
+              <a:rPr kumimoji="1" lang="ja-JP" altLang="en-US"/>
+              <a:t>第 </a:t>
+            </a:r>
+            <a:r>
+              <a:rPr kumimoji="1" lang="en-US" altLang="ja-JP"/>
+              <a:t>3 </a:t>
+            </a:r>
+            <a:r>
+              <a:rPr kumimoji="1" lang="ja-JP" altLang="en-US"/>
+              <a:t>レベル</a:t>
+            </a:r>
+          </a:p>
+          <a:p>
+            <a:pPr lvl="3"/>
+            <a:r>
+              <a:rPr kumimoji="1" lang="ja-JP" altLang="en-US"/>
+              <a:t>第 </a:t>
+            </a:r>
+            <a:r>
+              <a:rPr kumimoji="1" lang="en-US" altLang="ja-JP"/>
+              <a:t>4 </a:t>
+            </a:r>
+            <a:r>
+              <a:rPr kumimoji="1" lang="ja-JP" altLang="en-US"/>
+              <a:t>レベル</a:t>
+            </a:r>
+          </a:p>
+          <a:p>
+            <a:pPr lvl="4"/>
+            <a:r>
+              <a:rPr kumimoji="1" lang="ja-JP" altLang="en-US"/>
+              <a:t>第 </a:t>
+            </a:r>
+            <a:r>
+              <a:rPr kumimoji="1" lang="en-US" altLang="ja-JP"/>
+              <a:t>5 </a:t>
+            </a:r>
+            <a:r>
+              <a:rPr kumimoji="1" lang="ja-JP" altLang="en-US"/>
+              <a:t>レベル</a:t>
+            </a:r>
+          </a:p>
+        </p:txBody>
+      </p:sp>
+      <p:sp>
+        <p:nvSpPr>
+          <p:cNvPr id="6" name="フッター プレースホルダー 5"/>
+          <p:cNvSpPr>
+            <a:spLocks noGrp="1"/>
+          </p:cNvSpPr>
+          <p:nvPr>
+            <p:ph type="ftr" sz="quarter" idx="4"/>
+          </p:nvPr>
+        </p:nvSpPr>
+        <p:spPr>
+          <a:xfrm>
+            <a:off x="0" y="8685213"/>
+            <a:ext cx="2971800" cy="458787"/>
+          </a:xfrm>
+          <a:prstGeom prst="rect">
+            <a:avLst/>
+          </a:prstGeom>
+        </p:spPr>
+        <p:txBody>
+          <a:bodyPr vert="horz" lIns="91440" tIns="45720" rIns="91440" bIns="45720" rtlCol="0" anchor="b"/>
+          <a:lstStyle>
+            <a:lvl1pPr algn="l">
+              <a:defRPr sz="1200"/>
+            </a:lvl1pPr>
+          </a:lstStyle>
+          <a:p>
+            <a:endParaRPr kumimoji="1" lang="ja-JP" altLang="en-US"/>
+          </a:p>
+        </p:txBody>
+      </p:sp>
+      <p:sp>
+        <p:nvSpPr>
+          <p:cNvPr id="7" name="スライド番号プレースホルダー 6"/>
+          <p:cNvSpPr>
+            <a:spLocks noGrp="1"/>
+          </p:cNvSpPr>
+          <p:nvPr>
+            <p:ph type="sldNum" sz="quarter" idx="5"/>
+          </p:nvPr>
+        </p:nvSpPr>
+        <p:spPr>
+          <a:xfrm>
+            <a:off x="3884613" y="8685213"/>
+            <a:ext cx="2971800" cy="458787"/>
+          </a:xfrm>
+          <a:prstGeom prst="rect">
+            <a:avLst/>
+          </a:prstGeom>
+        </p:spPr>
+        <p:txBody>
+          <a:bodyPr vert="horz" lIns="91440" tIns="45720" rIns="91440" bIns="45720" rtlCol="0" anchor="b"/>
+          <a:lstStyle>
+            <a:lvl1pPr algn="r">
+              <a:defRPr sz="1200"/>
+            </a:lvl1pPr>
+          </a:lstStyle>
+          <a:p>
+            <a:fld id="{2B407769-6B0F-4C82-9DFD-D95387B0C8C4}" type="slidenum">
+              <a:rPr kumimoji="1" lang="ja-JP" altLang="en-US" smtClean="0"/>
+              <a:t>‹#›</a:t>
+            </a:fld>
+            <a:endParaRPr kumimoji="1" lang="ja-JP" altLang="en-US"/>
+          </a:p>
+        </p:txBody>
+      </p:sp>
+    </p:spTree>
+    <p:extLst>
+      <p:ext uri="{BB962C8B-B14F-4D97-AF65-F5344CB8AC3E}">
+        <p14:creationId xmlns:p14="http://schemas.microsoft.com/office/powerpoint/2010/main" val="2563699568"/>
+      </p:ext>
+    </p:extLst>
+  </p:cSld>
+  <p:clrMap bg1="lt1" tx1="dk1" bg2="lt2" tx2="dk2" accent1="accent1" accent2="accent2" accent3="accent3" accent4="accent4" accent5="accent5" accent6="accent6" hlink="hlink" folHlink="folHlink"/>
+  <p:hf hdr="0" ftr="0" dt="0"/>
+  <p:notesStyle>
+    <a:lvl1pPr marL="0" algn="l" defTabSz="914400" rtl="0" eaLnBrk="1" latinLnBrk="0" hangingPunct="1">
+      <a:defRPr kumimoji="1" sz="1200" kern="1200">
+        <a:solidFill>
+          <a:schemeClr val="tx1"/>
+        </a:solidFill>
+        <a:latin typeface="+mn-lt"/>
+        <a:ea typeface="+mn-ea"/>
+        <a:cs typeface="+mn-cs"/>
+      </a:defRPr>
+    </a:lvl1pPr>
+    <a:lvl2pPr marL="457200" algn="l" defTabSz="914400" rtl="0" eaLnBrk="1" latinLnBrk="0" hangingPunct="1">
+      <a:defRPr kumimoji="1" sz="1200" kern="1200">
+        <a:solidFill>
+          <a:schemeClr val="tx1"/>
+        </a:solidFill>
+        <a:latin typeface="+mn-lt"/>
+        <a:ea typeface="+mn-ea"/>
+        <a:cs typeface="+mn-cs"/>
+      </a:defRPr>
+    </a:lvl2pPr>
+    <a:lvl3pPr marL="914400" algn="l" defTabSz="914400" rtl="0" eaLnBrk="1" latinLnBrk="0" hangingPunct="1">
+      <a:defRPr kumimoji="1" sz="1200" kern="1200">
+        <a:solidFill>
+          <a:schemeClr val="tx1"/>
+        </a:solidFill>
+        <a:latin typeface="+mn-lt"/>
+        <a:ea typeface="+mn-ea"/>
+        <a:cs typeface="+mn-cs"/>
+      </a:defRPr>
+    </a:lvl3pPr>
+    <a:lvl4pPr marL="1371600" algn="l" defTabSz="914400" rtl="0" eaLnBrk="1" latinLnBrk="0" hangingPunct="1">
+      <a:defRPr kumimoji="1" sz="1200" kern="1200">
+        <a:solidFill>
+          <a:schemeClr val="tx1"/>
+        </a:solidFill>
+        <a:latin typeface="+mn-lt"/>
+        <a:ea typeface="+mn-ea"/>
+        <a:cs typeface="+mn-cs"/>
+      </a:defRPr>
+    </a:lvl4pPr>
+    <a:lvl5pPr marL="1828800" algn="l" defTabSz="914400" rtl="0" eaLnBrk="1" latinLnBrk="0" hangingPunct="1">
+      <a:defRPr kumimoji="1" sz="1200" kern="1200">
+        <a:solidFill>
+          <a:schemeClr val="tx1"/>
+        </a:solidFill>
+        <a:latin typeface="+mn-lt"/>
+        <a:ea typeface="+mn-ea"/>
+        <a:cs typeface="+mn-cs"/>
+      </a:defRPr>
+    </a:lvl5pPr>
+    <a:lvl6pPr marL="2286000" algn="l" defTabSz="914400" rtl="0" eaLnBrk="1" latinLnBrk="0" hangingPunct="1">
+      <a:defRPr kumimoji="1" sz="1200" kern="1200">
+        <a:solidFill>
+          <a:schemeClr val="tx1"/>
+        </a:solidFill>
+        <a:latin typeface="+mn-lt"/>
+        <a:ea typeface="+mn-ea"/>
+        <a:cs typeface="+mn-cs"/>
+      </a:defRPr>
+    </a:lvl6pPr>
+    <a:lvl7pPr marL="2743200" algn="l" defTabSz="914400" rtl="0" eaLnBrk="1" latinLnBrk="0" hangingPunct="1">
+      <a:defRPr kumimoji="1" sz="1200" kern="1200">
+        <a:solidFill>
+          <a:schemeClr val="tx1"/>
+        </a:solidFill>
+        <a:latin typeface="+mn-lt"/>
+        <a:ea typeface="+mn-ea"/>
+        <a:cs typeface="+mn-cs"/>
+      </a:defRPr>
+    </a:lvl7pPr>
+    <a:lvl8pPr marL="3200400" algn="l" defTabSz="914400" rtl="0" eaLnBrk="1" latinLnBrk="0" hangingPunct="1">
+      <a:defRPr kumimoji="1" sz="1200" kern="1200">
+        <a:solidFill>
+          <a:schemeClr val="tx1"/>
+        </a:solidFill>
+        <a:latin typeface="+mn-lt"/>
+        <a:ea typeface="+mn-ea"/>
+        <a:cs typeface="+mn-cs"/>
+      </a:defRPr>
+    </a:lvl8pPr>
+    <a:lvl9pPr marL="3657600" algn="l" defTabSz="914400" rtl="0" eaLnBrk="1" latinLnBrk="0" hangingPunct="1">
+      <a:defRPr kumimoji="1" sz="1200" kern="1200">
+        <a:solidFill>
+          <a:schemeClr val="tx1"/>
+        </a:solidFill>
+        <a:latin typeface="+mn-lt"/>
+        <a:ea typeface="+mn-ea"/>
+        <a:cs typeface="+mn-cs"/>
+      </a:defRPr>
+    </a:lvl9pPr>
+  </p:notesStyle>
+</p:notesMaster>
+</file>
+
 <file path=ppt/slideLayouts/slideLayout1.xml><?xml version="1.0" encoding="utf-8"?>
 <p:sldLayout xmlns:a="http://schemas.openxmlformats.org/drawingml/2006/main" xmlns:r="http://schemas.openxmlformats.org/officeDocument/2006/relationships" xmlns:p="http://schemas.openxmlformats.org/presentationml/2006/main" type="title" preserve="1">
   <p:cSld name="タイトル スライド">
@@ -262,7 +841,7 @@
           <a:bodyPr/>
           <a:lstStyle/>
           <a:p>
-            <a:fld id="{A779B7DC-F4A1-457A-BB8F-2C4BFD0E8EA3}" type="datetimeFigureOut">
+            <a:fld id="{7003E4BC-58E6-4BC7-893F-9161B3ECDBF2}" type="datetime1">
               <a:rPr kumimoji="1" lang="ja-JP" altLang="en-US" smtClean="0"/>
               <a:t>2024/1/15</a:t>
             </a:fld>
@@ -492,7 +1071,7 @@
           <a:bodyPr/>
           <a:lstStyle/>
           <a:p>
-            <a:fld id="{A779B7DC-F4A1-457A-BB8F-2C4BFD0E8EA3}" type="datetimeFigureOut">
+            <a:fld id="{3B7163A5-5794-4C06-BD32-07E5917CD91D}" type="datetime1">
               <a:rPr kumimoji="1" lang="ja-JP" altLang="en-US" smtClean="0"/>
               <a:t>2024/1/15</a:t>
             </a:fld>
@@ -732,7 +1311,7 @@
           <a:bodyPr/>
           <a:lstStyle/>
           <a:p>
-            <a:fld id="{A779B7DC-F4A1-457A-BB8F-2C4BFD0E8EA3}" type="datetimeFigureOut">
+            <a:fld id="{395D36F8-8501-460D-A027-58F9EEB34C9E}" type="datetime1">
               <a:rPr kumimoji="1" lang="ja-JP" altLang="en-US" smtClean="0"/>
               <a:t>2024/1/15</a:t>
             </a:fld>
@@ -962,7 +1541,7 @@
           <a:bodyPr/>
           <a:lstStyle/>
           <a:p>
-            <a:fld id="{A779B7DC-F4A1-457A-BB8F-2C4BFD0E8EA3}" type="datetimeFigureOut">
+            <a:fld id="{4B32208B-ED53-4856-B7AC-821EEB261896}" type="datetime1">
               <a:rPr kumimoji="1" lang="ja-JP" altLang="en-US" smtClean="0"/>
               <a:t>2024/1/15</a:t>
             </a:fld>
@@ -1237,7 +1816,7 @@
           <a:bodyPr/>
           <a:lstStyle/>
           <a:p>
-            <a:fld id="{A779B7DC-F4A1-457A-BB8F-2C4BFD0E8EA3}" type="datetimeFigureOut">
+            <a:fld id="{D77C33B3-F4EC-4EF3-A06F-9A01BBFE5AB3}" type="datetime1">
               <a:rPr kumimoji="1" lang="ja-JP" altLang="en-US" smtClean="0"/>
               <a:t>2024/1/15</a:t>
             </a:fld>
@@ -1566,7 +2145,7 @@
           <a:bodyPr/>
           <a:lstStyle/>
           <a:p>
-            <a:fld id="{A779B7DC-F4A1-457A-BB8F-2C4BFD0E8EA3}" type="datetimeFigureOut">
+            <a:fld id="{C73EB4BC-8EBB-4A54-8245-886D2872625C}" type="datetime1">
               <a:rPr kumimoji="1" lang="ja-JP" altLang="en-US" smtClean="0"/>
               <a:t>2024/1/15</a:t>
             </a:fld>
@@ -2042,7 +2621,7 @@
           <a:bodyPr/>
           <a:lstStyle/>
           <a:p>
-            <a:fld id="{A779B7DC-F4A1-457A-BB8F-2C4BFD0E8EA3}" type="datetimeFigureOut">
+            <a:fld id="{A343AF39-5217-4DC3-ADF7-929D0152D419}" type="datetime1">
               <a:rPr kumimoji="1" lang="ja-JP" altLang="en-US" smtClean="0"/>
               <a:t>2024/1/15</a:t>
             </a:fld>
@@ -2183,7 +2762,7 @@
           <a:bodyPr/>
           <a:lstStyle/>
           <a:p>
-            <a:fld id="{A779B7DC-F4A1-457A-BB8F-2C4BFD0E8EA3}" type="datetimeFigureOut">
+            <a:fld id="{2F824EC1-DBD7-4F89-90DA-4DB54613C93A}" type="datetime1">
               <a:rPr kumimoji="1" lang="ja-JP" altLang="en-US" smtClean="0"/>
               <a:t>2024/1/15</a:t>
             </a:fld>
@@ -2296,7 +2875,7 @@
           <a:bodyPr/>
           <a:lstStyle/>
           <a:p>
-            <a:fld id="{A779B7DC-F4A1-457A-BB8F-2C4BFD0E8EA3}" type="datetimeFigureOut">
+            <a:fld id="{974F33BE-11B7-495C-94DB-6905B313A0D9}" type="datetime1">
               <a:rPr kumimoji="1" lang="ja-JP" altLang="en-US" smtClean="0"/>
               <a:t>2024/1/15</a:t>
             </a:fld>
@@ -2639,7 +3218,7 @@
           <a:bodyPr/>
           <a:lstStyle/>
           <a:p>
-            <a:fld id="{A779B7DC-F4A1-457A-BB8F-2C4BFD0E8EA3}" type="datetimeFigureOut">
+            <a:fld id="{76DE660C-0DF7-472D-8E75-27028E07488F}" type="datetime1">
               <a:rPr kumimoji="1" lang="ja-JP" altLang="en-US" smtClean="0"/>
               <a:t>2024/1/15</a:t>
             </a:fld>
@@ -2927,7 +3506,7 @@
           <a:bodyPr/>
           <a:lstStyle/>
           <a:p>
-            <a:fld id="{A779B7DC-F4A1-457A-BB8F-2C4BFD0E8EA3}" type="datetimeFigureOut">
+            <a:fld id="{29E4B89E-C429-4BC6-8C86-F09131AFC2FF}" type="datetime1">
               <a:rPr kumimoji="1" lang="ja-JP" altLang="en-US" smtClean="0"/>
               <a:t>2024/1/15</a:t>
             </a:fld>
@@ -3200,7 +3779,7 @@
             </a:lvl1pPr>
           </a:lstStyle>
           <a:p>
-            <a:fld id="{A779B7DC-F4A1-457A-BB8F-2C4BFD0E8EA3}" type="datetimeFigureOut">
+            <a:fld id="{E7710D14-0DF8-4875-942A-B9A6CF679C31}" type="datetime1">
               <a:rPr kumimoji="1" lang="ja-JP" altLang="en-US" smtClean="0"/>
               <a:t>2024/1/15</a:t>
             </a:fld>
@@ -3319,6 +3898,7 @@
     <p:sldLayoutId id="2147483658" r:id="rId10"/>
     <p:sldLayoutId id="2147483659" r:id="rId11"/>
   </p:sldLayoutIdLst>
+  <p:hf sldNum="0" hdr="0" ftr="0" dt="0"/>
   <p:txStyles>
     <p:titleStyle>
       <a:lvl1pPr algn="l" defTabSz="914400" rtl="0" eaLnBrk="1" latinLnBrk="0" hangingPunct="1">
@@ -3637,7 +4217,7 @@
         </p:nvSpPr>
         <p:spPr>
           <a:xfrm>
-            <a:off x="247650" y="1595366"/>
+            <a:off x="349249" y="1506509"/>
             <a:ext cx="11703050" cy="1402134"/>
           </a:xfrm>
         </p:spPr>
@@ -3812,8 +4392,8 @@
         </p:nvSpPr>
         <p:spPr>
           <a:xfrm>
-            <a:off x="247650" y="4733410"/>
-            <a:ext cx="11703050" cy="1655762"/>
+            <a:off x="349249" y="4751372"/>
+            <a:ext cx="11703050" cy="485795"/>
           </a:xfrm>
         </p:spPr>
         <p:txBody>
@@ -3853,7 +4433,7 @@
         </p:nvSpPr>
         <p:spPr>
           <a:xfrm>
-            <a:off x="247648" y="3228610"/>
+            <a:off x="349247" y="3139753"/>
             <a:ext cx="11703049" cy="1203840"/>
           </a:xfrm>
           <a:prstGeom prst="rect">
@@ -4053,6 +4633,81 @@
             <a:r>
               <a:rPr lang="ja-JP" altLang="en-US" dirty="0"/>
               <a:t>離職分析をもとにした新規事業の提案</a:t>
+            </a:r>
+          </a:p>
+        </p:txBody>
+      </p:sp>
+      <p:pic>
+        <p:nvPicPr>
+          <p:cNvPr id="6" name="図 5">
+            <a:extLst>
+              <a:ext uri="{FF2B5EF4-FFF2-40B4-BE49-F238E27FC236}">
+                <a16:creationId xmlns:a16="http://schemas.microsoft.com/office/drawing/2014/main" id="{7119BE60-0B40-2BCA-2C26-994C4BACF34A}"/>
+              </a:ext>
+            </a:extLst>
+          </p:cNvPr>
+          <p:cNvPicPr>
+            <a:picLocks noChangeAspect="1"/>
+          </p:cNvPicPr>
+          <p:nvPr/>
+        </p:nvPicPr>
+        <p:blipFill>
+          <a:blip r:embed="rId2"/>
+          <a:stretch>
+            <a:fillRect/>
+          </a:stretch>
+        </p:blipFill>
+        <p:spPr>
+          <a:xfrm flipV="1">
+            <a:off x="349250" y="6380322"/>
+            <a:ext cx="11493501" cy="45719"/>
+          </a:xfrm>
+          <a:prstGeom prst="rect">
+            <a:avLst/>
+          </a:prstGeom>
+        </p:spPr>
+      </p:pic>
+      <p:sp>
+        <p:nvSpPr>
+          <p:cNvPr id="10" name="テキスト ボックス 9">
+            <a:extLst>
+              <a:ext uri="{FF2B5EF4-FFF2-40B4-BE49-F238E27FC236}">
+                <a16:creationId xmlns:a16="http://schemas.microsoft.com/office/drawing/2014/main" id="{E924D217-1E19-E5E8-4124-A580DEA090DF}"/>
+              </a:ext>
+            </a:extLst>
+          </p:cNvPr>
+          <p:cNvSpPr txBox="1"/>
+          <p:nvPr/>
+        </p:nvSpPr>
+        <p:spPr>
+          <a:xfrm>
+            <a:off x="271460" y="6473542"/>
+            <a:ext cx="11649078" cy="307777"/>
+          </a:xfrm>
+          <a:prstGeom prst="rect">
+            <a:avLst/>
+          </a:prstGeom>
+          <a:noFill/>
+        </p:spPr>
+        <p:txBody>
+          <a:bodyPr wrap="square">
+            <a:spAutoFit/>
+          </a:bodyPr>
+          <a:lstStyle/>
+          <a:p>
+            <a:r>
+              <a:rPr lang="en-US" altLang="ja-JP" sz="1400" dirty="0">
+                <a:latin typeface="コーポレート・ロゴ ver2 Medium" panose="02000600000000000000" pitchFamily="50" charset="-128"/>
+                <a:ea typeface="コーポレート・ロゴ ver2 Medium" panose="02000600000000000000" pitchFamily="50" charset="-128"/>
+              </a:rPr>
+              <a:t>GCI</a:t>
+            </a:r>
+            <a:r>
+              <a:rPr lang="ja-JP" altLang="en-US" sz="1400" dirty="0">
+                <a:latin typeface="コーポレート・ロゴ ver2 Medium" panose="02000600000000000000" pitchFamily="50" charset="-128"/>
+                <a:ea typeface="コーポレート・ロゴ ver2 Medium" panose="02000600000000000000" pitchFamily="50" charset="-128"/>
+              </a:rPr>
+              <a:t> 東京大学グローバル消費インテリジェンス寄付講座</a:t>
             </a:r>
           </a:p>
         </p:txBody>
@@ -4158,7 +4813,7 @@
         <p:spPr>
           <a:xfrm>
             <a:off x="349250" y="1609725"/>
-            <a:ext cx="10515600" cy="3603625"/>
+            <a:ext cx="10515600" cy="4142633"/>
           </a:xfrm>
         </p:spPr>
         <p:txBody>
@@ -4168,82 +4823,151 @@
           <a:lstStyle/>
           <a:p>
             <a:pPr marL="0" indent="0">
+              <a:lnSpc>
+                <a:spcPct val="100000"/>
+              </a:lnSpc>
               <a:buNone/>
             </a:pPr>
             <a:r>
-              <a:rPr lang="ja-JP" altLang="en-US" dirty="0"/>
+              <a:rPr lang="ja-JP" altLang="en-US" dirty="0">
+                <a:latin typeface="游ゴシック Medium" panose="020B0500000000000000" pitchFamily="50" charset="-128"/>
+                <a:ea typeface="游ゴシック Medium" panose="020B0500000000000000" pitchFamily="50" charset="-128"/>
+              </a:rPr>
               <a:t>・概要</a:t>
             </a:r>
-            <a:endParaRPr lang="en-US" altLang="ja-JP" dirty="0"/>
+            <a:endParaRPr lang="en-US" altLang="ja-JP" dirty="0">
+              <a:latin typeface="游ゴシック Medium" panose="020B0500000000000000" pitchFamily="50" charset="-128"/>
+              <a:ea typeface="游ゴシック Medium" panose="020B0500000000000000" pitchFamily="50" charset="-128"/>
+            </a:endParaRPr>
           </a:p>
           <a:p>
             <a:pPr marL="0" indent="0">
+              <a:lnSpc>
+                <a:spcPct val="100000"/>
+              </a:lnSpc>
               <a:buNone/>
             </a:pPr>
             <a:r>
-              <a:rPr lang="ja-JP" altLang="en-US" dirty="0"/>
+              <a:rPr lang="ja-JP" altLang="en-US" dirty="0">
+                <a:latin typeface="游ゴシック Medium" panose="020B0500000000000000" pitchFamily="50" charset="-128"/>
+                <a:ea typeface="游ゴシック Medium" panose="020B0500000000000000" pitchFamily="50" charset="-128"/>
+              </a:rPr>
               <a:t>・エンジニア業界における離職率の動向</a:t>
             </a:r>
-            <a:endParaRPr lang="en-US" altLang="ja-JP" dirty="0"/>
+            <a:endParaRPr lang="en-US" altLang="ja-JP" dirty="0">
+              <a:latin typeface="游ゴシック Medium" panose="020B0500000000000000" pitchFamily="50" charset="-128"/>
+              <a:ea typeface="游ゴシック Medium" panose="020B0500000000000000" pitchFamily="50" charset="-128"/>
+            </a:endParaRPr>
           </a:p>
           <a:p>
             <a:pPr marL="0" indent="0">
+              <a:lnSpc>
+                <a:spcPct val="100000"/>
+              </a:lnSpc>
               <a:buNone/>
             </a:pPr>
             <a:r>
-              <a:rPr lang="ja-JP" altLang="en-US" dirty="0"/>
+              <a:rPr lang="ja-JP" altLang="en-US" dirty="0">
+                <a:latin typeface="游ゴシック Medium" panose="020B0500000000000000" pitchFamily="50" charset="-128"/>
+                <a:ea typeface="游ゴシック Medium" panose="020B0500000000000000" pitchFamily="50" charset="-128"/>
+              </a:rPr>
               <a:t>・顧客データの概要</a:t>
             </a:r>
-            <a:endParaRPr lang="en-US" altLang="ja-JP" dirty="0"/>
+            <a:endParaRPr lang="en-US" altLang="ja-JP" dirty="0">
+              <a:latin typeface="游ゴシック Medium" panose="020B0500000000000000" pitchFamily="50" charset="-128"/>
+              <a:ea typeface="游ゴシック Medium" panose="020B0500000000000000" pitchFamily="50" charset="-128"/>
+            </a:endParaRPr>
           </a:p>
           <a:p>
             <a:pPr marL="0" indent="0">
+              <a:lnSpc>
+                <a:spcPct val="100000"/>
+              </a:lnSpc>
               <a:buNone/>
             </a:pPr>
             <a:r>
-              <a:rPr lang="ja-JP" altLang="en-US" dirty="0"/>
+              <a:rPr lang="ja-JP" altLang="en-US" dirty="0">
+                <a:latin typeface="游ゴシック Medium" panose="020B0500000000000000" pitchFamily="50" charset="-128"/>
+                <a:ea typeface="游ゴシック Medium" panose="020B0500000000000000" pitchFamily="50" charset="-128"/>
+              </a:rPr>
               <a:t>・</a:t>
             </a:r>
             <a:r>
-              <a:rPr lang="en-US" altLang="ja-JP" dirty="0" err="1"/>
+              <a:rPr lang="en-US" altLang="ja-JP" dirty="0">
+                <a:latin typeface="游ゴシック Medium" panose="020B0500000000000000" pitchFamily="50" charset="-128"/>
+                <a:ea typeface="游ゴシック Medium" panose="020B0500000000000000" pitchFamily="50" charset="-128"/>
+              </a:rPr>
               <a:t>PyCaret</a:t>
             </a:r>
             <a:r>
-              <a:rPr lang="ja-JP" altLang="en-US" dirty="0"/>
+              <a:rPr lang="ja-JP" altLang="en-US" dirty="0">
+                <a:latin typeface="游ゴシック Medium" panose="020B0500000000000000" pitchFamily="50" charset="-128"/>
+                <a:ea typeface="游ゴシック Medium" panose="020B0500000000000000" pitchFamily="50" charset="-128"/>
+              </a:rPr>
               <a:t>による分類モデルの選定</a:t>
             </a:r>
-            <a:endParaRPr lang="en-US" altLang="ja-JP" dirty="0"/>
+            <a:endParaRPr lang="en-US" altLang="ja-JP" dirty="0">
+              <a:latin typeface="游ゴシック Medium" panose="020B0500000000000000" pitchFamily="50" charset="-128"/>
+              <a:ea typeface="游ゴシック Medium" panose="020B0500000000000000" pitchFamily="50" charset="-128"/>
+            </a:endParaRPr>
           </a:p>
           <a:p>
             <a:pPr marL="0" indent="0">
+              <a:lnSpc>
+                <a:spcPct val="100000"/>
+              </a:lnSpc>
               <a:buNone/>
             </a:pPr>
             <a:r>
-              <a:rPr kumimoji="1" lang="ja-JP" altLang="en-US" dirty="0"/>
+              <a:rPr kumimoji="1" lang="ja-JP" altLang="en-US" dirty="0">
+                <a:latin typeface="游ゴシック Medium" panose="020B0500000000000000" pitchFamily="50" charset="-128"/>
+                <a:ea typeface="游ゴシック Medium" panose="020B0500000000000000" pitchFamily="50" charset="-128"/>
+              </a:rPr>
               <a:t>・</a:t>
             </a:r>
             <a:r>
-              <a:rPr lang="ja-JP" altLang="en-US" dirty="0"/>
+              <a:rPr lang="ja-JP" altLang="en-US" dirty="0">
+                <a:latin typeface="游ゴシック Medium" panose="020B0500000000000000" pitchFamily="50" charset="-128"/>
+                <a:ea typeface="游ゴシック Medium" panose="020B0500000000000000" pitchFamily="50" charset="-128"/>
+              </a:rPr>
               <a:t>最良モデルからのデータ分析</a:t>
             </a:r>
-            <a:endParaRPr lang="en-US" altLang="ja-JP" dirty="0"/>
+            <a:endParaRPr lang="en-US" altLang="ja-JP" dirty="0">
+              <a:latin typeface="游ゴシック Medium" panose="020B0500000000000000" pitchFamily="50" charset="-128"/>
+              <a:ea typeface="游ゴシック Medium" panose="020B0500000000000000" pitchFamily="50" charset="-128"/>
+            </a:endParaRPr>
           </a:p>
           <a:p>
             <a:pPr marL="0" indent="0">
+              <a:lnSpc>
+                <a:spcPct val="100000"/>
+              </a:lnSpc>
               <a:buNone/>
             </a:pPr>
             <a:r>
-              <a:rPr lang="ja-JP" altLang="en-US" dirty="0"/>
+              <a:rPr lang="ja-JP" altLang="en-US" dirty="0">
+                <a:latin typeface="游ゴシック Medium" panose="020B0500000000000000" pitchFamily="50" charset="-128"/>
+                <a:ea typeface="游ゴシック Medium" panose="020B0500000000000000" pitchFamily="50" charset="-128"/>
+              </a:rPr>
               <a:t>・離職分析から得られるデータによる新規事業の提案</a:t>
             </a:r>
-            <a:endParaRPr lang="en-US" altLang="ja-JP" dirty="0"/>
+            <a:endParaRPr lang="en-US" altLang="ja-JP" dirty="0">
+              <a:latin typeface="游ゴシック Medium" panose="020B0500000000000000" pitchFamily="50" charset="-128"/>
+              <a:ea typeface="游ゴシック Medium" panose="020B0500000000000000" pitchFamily="50" charset="-128"/>
+            </a:endParaRPr>
           </a:p>
           <a:p>
             <a:pPr marL="0" indent="0">
+              <a:lnSpc>
+                <a:spcPct val="100000"/>
+              </a:lnSpc>
               <a:buNone/>
             </a:pPr>
             <a:r>
-              <a:rPr kumimoji="1" lang="ja-JP" altLang="en-US" dirty="0"/>
+              <a:rPr kumimoji="1" lang="ja-JP" altLang="en-US" dirty="0">
+                <a:latin typeface="游ゴシック Medium" panose="020B0500000000000000" pitchFamily="50" charset="-128"/>
+                <a:ea typeface="游ゴシック Medium" panose="020B0500000000000000" pitchFamily="50" charset="-128"/>
+              </a:rPr>
               <a:t>・新規事業の利得の予測</a:t>
             </a:r>
           </a:p>
@@ -4279,6 +5003,81 @@
           </a:prstGeom>
         </p:spPr>
       </p:pic>
+      <p:pic>
+        <p:nvPicPr>
+          <p:cNvPr id="5" name="図 4">
+            <a:extLst>
+              <a:ext uri="{FF2B5EF4-FFF2-40B4-BE49-F238E27FC236}">
+                <a16:creationId xmlns:a16="http://schemas.microsoft.com/office/drawing/2014/main" id="{88CFA58A-8243-9E2B-E33C-48A18BC46B50}"/>
+              </a:ext>
+            </a:extLst>
+          </p:cNvPr>
+          <p:cNvPicPr>
+            <a:picLocks noChangeAspect="1"/>
+          </p:cNvPicPr>
+          <p:nvPr/>
+        </p:nvPicPr>
+        <p:blipFill>
+          <a:blip r:embed="rId2"/>
+          <a:stretch>
+            <a:fillRect/>
+          </a:stretch>
+        </p:blipFill>
+        <p:spPr>
+          <a:xfrm flipV="1">
+            <a:off x="349250" y="6380322"/>
+            <a:ext cx="11493501" cy="45719"/>
+          </a:xfrm>
+          <a:prstGeom prst="rect">
+            <a:avLst/>
+          </a:prstGeom>
+        </p:spPr>
+      </p:pic>
+      <p:sp>
+        <p:nvSpPr>
+          <p:cNvPr id="11" name="テキスト ボックス 10">
+            <a:extLst>
+              <a:ext uri="{FF2B5EF4-FFF2-40B4-BE49-F238E27FC236}">
+                <a16:creationId xmlns:a16="http://schemas.microsoft.com/office/drawing/2014/main" id="{675F9DE1-D0E7-0336-A8BD-1D90C0715597}"/>
+              </a:ext>
+            </a:extLst>
+          </p:cNvPr>
+          <p:cNvSpPr txBox="1"/>
+          <p:nvPr/>
+        </p:nvSpPr>
+        <p:spPr>
+          <a:xfrm>
+            <a:off x="271460" y="6473542"/>
+            <a:ext cx="11649078" cy="307777"/>
+          </a:xfrm>
+          <a:prstGeom prst="rect">
+            <a:avLst/>
+          </a:prstGeom>
+          <a:noFill/>
+        </p:spPr>
+        <p:txBody>
+          <a:bodyPr wrap="square">
+            <a:spAutoFit/>
+          </a:bodyPr>
+          <a:lstStyle/>
+          <a:p>
+            <a:r>
+              <a:rPr lang="en-US" altLang="ja-JP" sz="1400" dirty="0">
+                <a:latin typeface="コーポレート・ロゴ ver2 Medium" panose="02000600000000000000" pitchFamily="50" charset="-128"/>
+                <a:ea typeface="コーポレート・ロゴ ver2 Medium" panose="02000600000000000000" pitchFamily="50" charset="-128"/>
+              </a:rPr>
+              <a:t>GCI</a:t>
+            </a:r>
+            <a:r>
+              <a:rPr lang="ja-JP" altLang="en-US" sz="1400" dirty="0">
+                <a:latin typeface="コーポレート・ロゴ ver2 Medium" panose="02000600000000000000" pitchFamily="50" charset="-128"/>
+                <a:ea typeface="コーポレート・ロゴ ver2 Medium" panose="02000600000000000000" pitchFamily="50" charset="-128"/>
+              </a:rPr>
+              <a:t> 東京大学グローバル消費インテリジェンス寄付講座</a:t>
+            </a:r>
+          </a:p>
+        </p:txBody>
+      </p:sp>
     </p:spTree>
     <p:extLst>
       <p:ext uri="{BB962C8B-B14F-4D97-AF65-F5344CB8AC3E}">
@@ -4405,8 +5204,8 @@
         </p:nvSpPr>
         <p:spPr>
           <a:xfrm>
-            <a:off x="349250" y="1609725"/>
-            <a:ext cx="11493500" cy="4351338"/>
+            <a:off x="349249" y="1609725"/>
+            <a:ext cx="11493502" cy="4351338"/>
           </a:xfrm>
         </p:spPr>
         <p:txBody>
@@ -4416,87 +5215,165 @@
           <a:lstStyle/>
           <a:p>
             <a:pPr marL="0" indent="0">
+              <a:lnSpc>
+                <a:spcPct val="100000"/>
+              </a:lnSpc>
               <a:buNone/>
             </a:pPr>
             <a:r>
-              <a:rPr lang="ja-JP" altLang="en-US" sz="2400" dirty="0"/>
-              <a:t>　</a:t>
-            </a:r>
-            <a:r>
-              <a:rPr kumimoji="1" lang="ja-JP" altLang="en-US" sz="2400" dirty="0"/>
+              <a:rPr kumimoji="1" lang="ja-JP" altLang="en-US" sz="2000" dirty="0">
+                <a:latin typeface="游ゴシック Medium" panose="020B0500000000000000" pitchFamily="50" charset="-128"/>
+                <a:ea typeface="游ゴシック Medium" panose="020B0500000000000000" pitchFamily="50" charset="-128"/>
+              </a:rPr>
               <a:t>今回の事業提案では、</a:t>
             </a:r>
             <a:r>
-              <a:rPr kumimoji="1" lang="en-US" altLang="ja-JP" sz="2400" dirty="0"/>
+              <a:rPr kumimoji="1" lang="en-US" altLang="ja-JP" sz="2000" dirty="0">
+                <a:latin typeface="游ゴシック Medium" panose="020B0500000000000000" pitchFamily="50" charset="-128"/>
+                <a:ea typeface="游ゴシック Medium" panose="020B0500000000000000" pitchFamily="50" charset="-128"/>
+              </a:rPr>
               <a:t>IBM</a:t>
             </a:r>
             <a:r>
-              <a:rPr kumimoji="1" lang="ja-JP" altLang="en-US" sz="2400" dirty="0"/>
+              <a:rPr kumimoji="1" lang="ja-JP" altLang="en-US" sz="2000" dirty="0">
+                <a:latin typeface="游ゴシック Medium" panose="020B0500000000000000" pitchFamily="50" charset="-128"/>
+                <a:ea typeface="游ゴシック Medium" panose="020B0500000000000000" pitchFamily="50" charset="-128"/>
+              </a:rPr>
               <a:t>社</a:t>
             </a:r>
             <a:r>
-              <a:rPr lang="ja-JP" altLang="en-US" sz="2400" dirty="0"/>
+              <a:rPr lang="ja-JP" altLang="en-US" sz="2000" dirty="0">
+                <a:latin typeface="游ゴシック Medium" panose="020B0500000000000000" pitchFamily="50" charset="-128"/>
+                <a:ea typeface="游ゴシック Medium" panose="020B0500000000000000" pitchFamily="50" charset="-128"/>
+              </a:rPr>
               <a:t>のデータセット</a:t>
             </a:r>
             <a:r>
-              <a:rPr lang="en-US" altLang="ja-JP" sz="2400" dirty="0"/>
+              <a:rPr lang="en-US" altLang="ja-JP" sz="2000" dirty="0">
+                <a:latin typeface="游ゴシック Medium" panose="020B0500000000000000" pitchFamily="50" charset="-128"/>
+                <a:ea typeface="游ゴシック Medium" panose="020B0500000000000000" pitchFamily="50" charset="-128"/>
+              </a:rPr>
               <a:t>(IBM HR Analytics Employee Attrition &amp; Performance)</a:t>
             </a:r>
             <a:r>
-              <a:rPr lang="ja-JP" altLang="en-US" sz="2400" dirty="0"/>
+              <a:rPr lang="en-US" altLang="ja-JP" sz="1600" dirty="0">
+                <a:latin typeface="游ゴシック Medium" panose="020B0500000000000000" pitchFamily="50" charset="-128"/>
+                <a:ea typeface="游ゴシック Medium" panose="020B0500000000000000" pitchFamily="50" charset="-128"/>
+              </a:rPr>
+              <a:t>[1]</a:t>
+            </a:r>
+            <a:r>
+              <a:rPr lang="ja-JP" altLang="en-US" sz="2000" dirty="0">
+                <a:latin typeface="游ゴシック Medium" panose="020B0500000000000000" pitchFamily="50" charset="-128"/>
+                <a:ea typeface="游ゴシック Medium" panose="020B0500000000000000" pitchFamily="50" charset="-128"/>
+              </a:rPr>
               <a:t>をもとに、様々な特徴量から</a:t>
             </a:r>
             <a:r>
-              <a:rPr lang="en-US" altLang="ja-JP" sz="2400" dirty="0"/>
+              <a:rPr lang="en-US" altLang="ja-JP" sz="2000" dirty="0">
+                <a:latin typeface="游ゴシック Medium" panose="020B0500000000000000" pitchFamily="50" charset="-128"/>
+                <a:ea typeface="游ゴシック Medium" panose="020B0500000000000000" pitchFamily="50" charset="-128"/>
+              </a:rPr>
               <a:t>LDA(Linear Discriminant Analysis)</a:t>
             </a:r>
             <a:r>
-              <a:rPr lang="ja-JP" altLang="en-US" sz="2400" dirty="0"/>
+              <a:rPr lang="ja-JP" altLang="en-US" sz="2000" dirty="0">
+                <a:latin typeface="游ゴシック Medium" panose="020B0500000000000000" pitchFamily="50" charset="-128"/>
+                <a:ea typeface="游ゴシック Medium" panose="020B0500000000000000" pitchFamily="50" charset="-128"/>
+              </a:rPr>
               <a:t>の次元削減の作用を用いて分類問題を解いたのち、</a:t>
             </a:r>
             <a:r>
-              <a:rPr lang="en-US" altLang="ja-JP" sz="2400" dirty="0"/>
+              <a:rPr lang="en-US" altLang="ja-JP" sz="2000" dirty="0">
+                <a:latin typeface="游ゴシック Medium" panose="020B0500000000000000" pitchFamily="50" charset="-128"/>
+                <a:ea typeface="游ゴシック Medium" panose="020B0500000000000000" pitchFamily="50" charset="-128"/>
+              </a:rPr>
               <a:t> EDA(</a:t>
             </a:r>
             <a:r>
-              <a:rPr lang="ja-JP" altLang="en-US" sz="2400" dirty="0"/>
+              <a:rPr lang="ja-JP" altLang="en-US" sz="2000" dirty="0">
+                <a:latin typeface="游ゴシック Medium" panose="020B0500000000000000" pitchFamily="50" charset="-128"/>
+                <a:ea typeface="游ゴシック Medium" panose="020B0500000000000000" pitchFamily="50" charset="-128"/>
+              </a:rPr>
               <a:t>探索的データ解析</a:t>
             </a:r>
             <a:r>
-              <a:rPr lang="en-US" altLang="ja-JP" sz="2400" dirty="0"/>
+              <a:rPr lang="en-US" altLang="ja-JP" sz="2000" dirty="0">
+                <a:latin typeface="游ゴシック Medium" panose="020B0500000000000000" pitchFamily="50" charset="-128"/>
+                <a:ea typeface="游ゴシック Medium" panose="020B0500000000000000" pitchFamily="50" charset="-128"/>
+              </a:rPr>
               <a:t>)</a:t>
             </a:r>
             <a:r>
-              <a:rPr lang="ja-JP" altLang="en-US" sz="2400" dirty="0"/>
+              <a:rPr lang="ja-JP" altLang="en-US" sz="2000" dirty="0">
+                <a:latin typeface="游ゴシック Medium" panose="020B0500000000000000" pitchFamily="50" charset="-128"/>
+                <a:ea typeface="游ゴシック Medium" panose="020B0500000000000000" pitchFamily="50" charset="-128"/>
+              </a:rPr>
               <a:t>の結果から、どのカラムがどのくらい離職に影響しているのかを示す。</a:t>
             </a:r>
-            <a:endParaRPr lang="en-US" altLang="ja-JP" sz="2400" dirty="0"/>
+            <a:endParaRPr lang="en-US" altLang="ja-JP" sz="2000" dirty="0">
+              <a:latin typeface="游ゴシック Medium" panose="020B0500000000000000" pitchFamily="50" charset="-128"/>
+              <a:ea typeface="游ゴシック Medium" panose="020B0500000000000000" pitchFamily="50" charset="-128"/>
+            </a:endParaRPr>
           </a:p>
           <a:p>
             <a:pPr marL="0" indent="0">
+              <a:lnSpc>
+                <a:spcPct val="100000"/>
+              </a:lnSpc>
               <a:buNone/>
             </a:pPr>
-            <a:r>
-              <a:rPr lang="ja-JP" altLang="en-US" sz="2400" dirty="0"/>
-              <a:t>　またその結果から改善策を提案し、その結果によりどのくらい</a:t>
-            </a:r>
-            <a:r>
-              <a:rPr lang="en-US" altLang="ja-JP" sz="2400" dirty="0"/>
+            <a:endParaRPr lang="en-US" altLang="ja-JP" sz="2000" dirty="0">
+              <a:latin typeface="游ゴシック Medium" panose="020B0500000000000000" pitchFamily="50" charset="-128"/>
+              <a:ea typeface="游ゴシック Medium" panose="020B0500000000000000" pitchFamily="50" charset="-128"/>
+            </a:endParaRPr>
+          </a:p>
+          <a:p>
+            <a:pPr marL="0" indent="0">
+              <a:lnSpc>
+                <a:spcPct val="100000"/>
+              </a:lnSpc>
+              <a:buNone/>
+            </a:pPr>
+            <a:r>
+              <a:rPr lang="ja-JP" altLang="en-US" sz="2000" dirty="0">
+                <a:latin typeface="游ゴシック Medium" panose="020B0500000000000000" pitchFamily="50" charset="-128"/>
+                <a:ea typeface="游ゴシック Medium" panose="020B0500000000000000" pitchFamily="50" charset="-128"/>
+              </a:rPr>
+              <a:t>またその結果から改善策を提案し、その結果によりどのくらい</a:t>
+            </a:r>
+            <a:r>
+              <a:rPr lang="en-US" altLang="ja-JP" sz="2000" dirty="0">
+                <a:latin typeface="游ゴシック Medium" panose="020B0500000000000000" pitchFamily="50" charset="-128"/>
+                <a:ea typeface="游ゴシック Medium" panose="020B0500000000000000" pitchFamily="50" charset="-128"/>
+              </a:rPr>
               <a:t>IBM</a:t>
             </a:r>
             <a:r>
-              <a:rPr lang="ja-JP" altLang="en-US" sz="2400" dirty="0"/>
+              <a:rPr lang="ja-JP" altLang="en-US" sz="2000" dirty="0">
+                <a:latin typeface="游ゴシック Medium" panose="020B0500000000000000" pitchFamily="50" charset="-128"/>
+                <a:ea typeface="游ゴシック Medium" panose="020B0500000000000000" pitchFamily="50" charset="-128"/>
+              </a:rPr>
               <a:t>社に利益が発生するのかを</a:t>
             </a:r>
             <a:r>
-              <a:rPr lang="en-US" altLang="ja-JP" sz="2400" dirty="0"/>
+              <a:rPr lang="en-US" altLang="ja-JP" sz="2000" dirty="0">
+                <a:latin typeface="游ゴシック Medium" panose="020B0500000000000000" pitchFamily="50" charset="-128"/>
+                <a:ea typeface="游ゴシック Medium" panose="020B0500000000000000" pitchFamily="50" charset="-128"/>
+              </a:rPr>
               <a:t>Attrition</a:t>
             </a:r>
             <a:r>
-              <a:rPr lang="ja-JP" altLang="en-US" sz="2400" dirty="0"/>
+              <a:rPr lang="ja-JP" altLang="en-US" sz="2000" dirty="0">
+                <a:latin typeface="游ゴシック Medium" panose="020B0500000000000000" pitchFamily="50" charset="-128"/>
+                <a:ea typeface="游ゴシック Medium" panose="020B0500000000000000" pitchFamily="50" charset="-128"/>
+              </a:rPr>
               <a:t>以外のカラムより予測する。</a:t>
             </a:r>
-            <a:endParaRPr lang="en-US" altLang="ja-JP" sz="2400" dirty="0"/>
+            <a:endParaRPr lang="en-US" altLang="ja-JP" sz="2000" dirty="0">
+              <a:latin typeface="游ゴシック Medium" panose="020B0500000000000000" pitchFamily="50" charset="-128"/>
+              <a:ea typeface="游ゴシック Medium" panose="020B0500000000000000" pitchFamily="50" charset="-128"/>
+            </a:endParaRPr>
           </a:p>
         </p:txBody>
       </p:sp>
@@ -4530,6 +5407,81 @@
           </a:prstGeom>
         </p:spPr>
       </p:pic>
+      <p:pic>
+        <p:nvPicPr>
+          <p:cNvPr id="2" name="図 1">
+            <a:extLst>
+              <a:ext uri="{FF2B5EF4-FFF2-40B4-BE49-F238E27FC236}">
+                <a16:creationId xmlns:a16="http://schemas.microsoft.com/office/drawing/2014/main" id="{9A305B60-5AAB-73D5-910F-A72ACE97641E}"/>
+              </a:ext>
+            </a:extLst>
+          </p:cNvPr>
+          <p:cNvPicPr>
+            <a:picLocks noChangeAspect="1"/>
+          </p:cNvPicPr>
+          <p:nvPr/>
+        </p:nvPicPr>
+        <p:blipFill>
+          <a:blip r:embed="rId2"/>
+          <a:stretch>
+            <a:fillRect/>
+          </a:stretch>
+        </p:blipFill>
+        <p:spPr>
+          <a:xfrm flipV="1">
+            <a:off x="349250" y="6380322"/>
+            <a:ext cx="11493501" cy="45719"/>
+          </a:xfrm>
+          <a:prstGeom prst="rect">
+            <a:avLst/>
+          </a:prstGeom>
+        </p:spPr>
+      </p:pic>
+      <p:sp>
+        <p:nvSpPr>
+          <p:cNvPr id="10" name="テキスト ボックス 9">
+            <a:extLst>
+              <a:ext uri="{FF2B5EF4-FFF2-40B4-BE49-F238E27FC236}">
+                <a16:creationId xmlns:a16="http://schemas.microsoft.com/office/drawing/2014/main" id="{FEF47EEE-D560-75B2-5EAD-6DBED9566C85}"/>
+              </a:ext>
+            </a:extLst>
+          </p:cNvPr>
+          <p:cNvSpPr txBox="1"/>
+          <p:nvPr/>
+        </p:nvSpPr>
+        <p:spPr>
+          <a:xfrm>
+            <a:off x="271460" y="6473542"/>
+            <a:ext cx="11649078" cy="307777"/>
+          </a:xfrm>
+          <a:prstGeom prst="rect">
+            <a:avLst/>
+          </a:prstGeom>
+          <a:noFill/>
+        </p:spPr>
+        <p:txBody>
+          <a:bodyPr wrap="square">
+            <a:spAutoFit/>
+          </a:bodyPr>
+          <a:lstStyle/>
+          <a:p>
+            <a:r>
+              <a:rPr lang="en-US" altLang="ja-JP" sz="1400" dirty="0">
+                <a:latin typeface="コーポレート・ロゴ ver2 Medium" panose="02000600000000000000" pitchFamily="50" charset="-128"/>
+                <a:ea typeface="コーポレート・ロゴ ver2 Medium" panose="02000600000000000000" pitchFamily="50" charset="-128"/>
+              </a:rPr>
+              <a:t>GCI</a:t>
+            </a:r>
+            <a:r>
+              <a:rPr lang="ja-JP" altLang="en-US" sz="1400" dirty="0">
+                <a:latin typeface="コーポレート・ロゴ ver2 Medium" panose="02000600000000000000" pitchFamily="50" charset="-128"/>
+                <a:ea typeface="コーポレート・ロゴ ver2 Medium" panose="02000600000000000000" pitchFamily="50" charset="-128"/>
+              </a:rPr>
+              <a:t> 東京大学グローバル消費インテリジェンス寄付講座</a:t>
+            </a:r>
+          </a:p>
+        </p:txBody>
+      </p:sp>
     </p:spTree>
     <p:extLst>
       <p:ext uri="{BB962C8B-B14F-4D97-AF65-F5344CB8AC3E}">
@@ -4642,30 +5594,47 @@
           </a:xfrm>
         </p:spPr>
         <p:txBody>
-          <a:bodyPr/>
+          <a:bodyPr>
+            <a:normAutofit/>
+          </a:bodyPr>
           <a:lstStyle/>
           <a:p>
             <a:pPr marL="0" indent="0">
               <a:buNone/>
             </a:pPr>
             <a:r>
-              <a:rPr kumimoji="1" lang="en-US" altLang="ja-JP" dirty="0" err="1"/>
+              <a:rPr kumimoji="1" lang="en-US" altLang="ja-JP" sz="2000" dirty="0" err="1">
+                <a:latin typeface="游ゴシック Medium" panose="020B0500000000000000" pitchFamily="50" charset="-128"/>
+                <a:ea typeface="游ゴシック Medium" panose="020B0500000000000000" pitchFamily="50" charset="-128"/>
+              </a:rPr>
               <a:t>Linkedln</a:t>
             </a:r>
             <a:r>
-              <a:rPr kumimoji="1" lang="en-US" altLang="ja-JP" dirty="0"/>
+              <a:rPr kumimoji="1" lang="en-US" altLang="ja-JP" sz="2000" dirty="0">
+                <a:latin typeface="游ゴシック Medium" panose="020B0500000000000000" pitchFamily="50" charset="-128"/>
+                <a:ea typeface="游ゴシック Medium" panose="020B0500000000000000" pitchFamily="50" charset="-128"/>
+              </a:rPr>
               <a:t> </a:t>
             </a:r>
             <a:r>
-              <a:rPr kumimoji="1" lang="ja-JP" altLang="en-US" dirty="0"/>
+              <a:rPr kumimoji="1" lang="ja-JP" altLang="en-US" sz="2000" dirty="0">
+                <a:latin typeface="游ゴシック Medium" panose="020B0500000000000000" pitchFamily="50" charset="-128"/>
+                <a:ea typeface="游ゴシック Medium" panose="020B0500000000000000" pitchFamily="50" charset="-128"/>
+              </a:rPr>
               <a:t>の調査によると、エンジニアリング業界の離職率は</a:t>
             </a:r>
             <a:r>
-              <a:rPr kumimoji="1" lang="en-US" altLang="ja-JP" dirty="0"/>
+              <a:rPr kumimoji="1" lang="en-US" altLang="ja-JP" sz="2000" dirty="0">
+                <a:latin typeface="游ゴシック Medium" panose="020B0500000000000000" pitchFamily="50" charset="-128"/>
+                <a:ea typeface="游ゴシック Medium" panose="020B0500000000000000" pitchFamily="50" charset="-128"/>
+              </a:rPr>
               <a:t>11.5% </a:t>
             </a:r>
             <a:r>
-              <a:rPr kumimoji="1" lang="ja-JP" altLang="en-US" dirty="0"/>
+              <a:rPr kumimoji="1" lang="ja-JP" altLang="en-US" sz="2000" dirty="0">
+                <a:latin typeface="游ゴシック Medium" panose="020B0500000000000000" pitchFamily="50" charset="-128"/>
+                <a:ea typeface="游ゴシック Medium" panose="020B0500000000000000" pitchFamily="50" charset="-128"/>
+              </a:rPr>
               <a:t>で、平均よりも</a:t>
             </a:r>
           </a:p>
@@ -4703,10 +5672,10 @@
       </p:pic>
       <p:pic>
         <p:nvPicPr>
-          <p:cNvPr id="6" name="図 5">
-            <a:extLst>
-              <a:ext uri="{FF2B5EF4-FFF2-40B4-BE49-F238E27FC236}">
-                <a16:creationId xmlns:a16="http://schemas.microsoft.com/office/drawing/2014/main" id="{B2EE0D76-1B0D-999A-8E55-A5A2D51213B1}"/>
+          <p:cNvPr id="7" name="図 6">
+            <a:extLst>
+              <a:ext uri="{FF2B5EF4-FFF2-40B4-BE49-F238E27FC236}">
+                <a16:creationId xmlns:a16="http://schemas.microsoft.com/office/drawing/2014/main" id="{4C7227B3-35E7-DD23-C76A-713CBF8D0C8B}"/>
               </a:ext>
             </a:extLst>
           </p:cNvPr>
@@ -4722,15 +5691,60 @@
           </a:stretch>
         </p:blipFill>
         <p:spPr>
-          <a:xfrm>
-            <a:off x="437542" y="1105642"/>
-            <a:ext cx="3591533" cy="45719"/>
+          <a:xfrm flipV="1">
+            <a:off x="349250" y="6380322"/>
+            <a:ext cx="11493501" cy="45719"/>
           </a:xfrm>
           <a:prstGeom prst="rect">
             <a:avLst/>
           </a:prstGeom>
         </p:spPr>
       </p:pic>
+      <p:sp>
+        <p:nvSpPr>
+          <p:cNvPr id="12" name="テキスト ボックス 11">
+            <a:extLst>
+              <a:ext uri="{FF2B5EF4-FFF2-40B4-BE49-F238E27FC236}">
+                <a16:creationId xmlns:a16="http://schemas.microsoft.com/office/drawing/2014/main" id="{0130957B-1683-9690-C34A-227653F46848}"/>
+              </a:ext>
+            </a:extLst>
+          </p:cNvPr>
+          <p:cNvSpPr txBox="1"/>
+          <p:nvPr/>
+        </p:nvSpPr>
+        <p:spPr>
+          <a:xfrm>
+            <a:off x="271460" y="6473542"/>
+            <a:ext cx="11649078" cy="307777"/>
+          </a:xfrm>
+          <a:prstGeom prst="rect">
+            <a:avLst/>
+          </a:prstGeom>
+          <a:noFill/>
+        </p:spPr>
+        <p:txBody>
+          <a:bodyPr wrap="square">
+            <a:spAutoFit/>
+          </a:bodyPr>
+          <a:lstStyle/>
+          <a:p>
+            <a:r>
+              <a:rPr lang="en-US" altLang="ja-JP" sz="1400" dirty="0">
+                <a:latin typeface="コーポレート・ロゴ ver2 Medium" panose="02000600000000000000" pitchFamily="50" charset="-128"/>
+                <a:ea typeface="コーポレート・ロゴ ver2 Medium" panose="02000600000000000000" pitchFamily="50" charset="-128"/>
+              </a:rPr>
+              <a:t>GCI</a:t>
+            </a:r>
+            <a:r>
+              <a:rPr lang="ja-JP" altLang="en-US" sz="1400" dirty="0">
+                <a:latin typeface="コーポレート・ロゴ ver2 Medium" panose="02000600000000000000" pitchFamily="50" charset="-128"/>
+                <a:ea typeface="コーポレート・ロゴ ver2 Medium" panose="02000600000000000000" pitchFamily="50" charset="-128"/>
+              </a:rPr>
+              <a:t> 東京大学グローバル消費インテリジェンス寄付講座</a:t>
+            </a:r>
+          </a:p>
+        </p:txBody>
+      </p:sp>
     </p:spTree>
     <p:extLst>
       <p:ext uri="{BB962C8B-B14F-4D97-AF65-F5344CB8AC3E}">
@@ -4782,7 +5796,7 @@
         </p:blipFill>
         <p:spPr>
           <a:xfrm>
-            <a:off x="349250" y="2109588"/>
+            <a:off x="349250" y="1970054"/>
             <a:ext cx="10351770" cy="2652417"/>
           </a:xfrm>
           <a:prstGeom prst="rect">
@@ -4811,7 +5825,7 @@
         </p:blipFill>
         <p:spPr>
           <a:xfrm>
-            <a:off x="404812" y="2593297"/>
+            <a:off x="404812" y="2453763"/>
             <a:ext cx="10956607" cy="2323087"/>
           </a:xfrm>
           <a:prstGeom prst="rect">
@@ -4904,8 +5918,8 @@
         </p:nvSpPr>
         <p:spPr>
           <a:xfrm>
-            <a:off x="349250" y="1395969"/>
-            <a:ext cx="11493500" cy="541428"/>
+            <a:off x="349250" y="1432499"/>
+            <a:ext cx="11493500" cy="438137"/>
           </a:xfrm>
         </p:spPr>
         <p:txBody>
@@ -4918,23 +5932,26 @@
               <a:buNone/>
             </a:pPr>
             <a:r>
-              <a:rPr lang="en-US" altLang="ja-JP" sz="2400" dirty="0"/>
+              <a:rPr lang="en-US" altLang="ja-JP" sz="2000" dirty="0">
+                <a:latin typeface="游ゴシック Medium" panose="020B0500000000000000" pitchFamily="50" charset="-128"/>
+                <a:ea typeface="游ゴシック Medium" panose="020B0500000000000000" pitchFamily="50" charset="-128"/>
+              </a:rPr>
               <a:t>IBM HR Analytics Employee Attrition &amp; Performance</a:t>
             </a:r>
             <a:r>
-              <a:rPr lang="ja-JP" altLang="en-US" sz="2400" dirty="0"/>
+              <a:rPr lang="ja-JP" altLang="en-US" sz="2000" dirty="0">
+                <a:latin typeface="游ゴシック Medium" panose="020B0500000000000000" pitchFamily="50" charset="-128"/>
+                <a:ea typeface="游ゴシック Medium" panose="020B0500000000000000" pitchFamily="50" charset="-128"/>
+              </a:rPr>
               <a:t>の内容は以下のとおりである</a:t>
             </a:r>
             <a:r>
-              <a:rPr lang="en-US" altLang="ja-JP" sz="2400" dirty="0"/>
+              <a:rPr lang="en-US" altLang="ja-JP" sz="2000" dirty="0">
+                <a:latin typeface="游ゴシック Medium" panose="020B0500000000000000" pitchFamily="50" charset="-128"/>
+                <a:ea typeface="游ゴシック Medium" panose="020B0500000000000000" pitchFamily="50" charset="-128"/>
+              </a:rPr>
               <a:t>.</a:t>
             </a:r>
-          </a:p>
-          <a:p>
-            <a:pPr marL="0" indent="0">
-              <a:buNone/>
-            </a:pPr>
-            <a:endParaRPr lang="en-US" altLang="ja-JP" sz="2400" dirty="0"/>
           </a:p>
         </p:txBody>
       </p:sp>
@@ -4959,7 +5976,7 @@
         </p:blipFill>
         <p:spPr>
           <a:xfrm>
-            <a:off x="404812" y="3077153"/>
+            <a:off x="404812" y="2937619"/>
             <a:ext cx="11521758" cy="1975179"/>
           </a:xfrm>
           <a:prstGeom prst="rect">
@@ -4981,8 +5998,8 @@
         </p:nvSpPr>
         <p:spPr>
           <a:xfrm>
-            <a:off x="347270" y="5398337"/>
-            <a:ext cx="11439918" cy="923330"/>
+            <a:off x="347270" y="5172393"/>
+            <a:ext cx="11439918" cy="1015663"/>
           </a:xfrm>
           <a:prstGeom prst="rect">
             <a:avLst/>
@@ -4999,11 +6016,17 @@
               <a:buNone/>
             </a:pPr>
             <a:r>
-              <a:rPr lang="ja-JP" altLang="en-US" dirty="0"/>
+              <a:rPr lang="ja-JP" altLang="en-US" sz="2000" dirty="0">
+                <a:latin typeface="游ゴシック Medium" panose="020B0500000000000000" pitchFamily="50" charset="-128"/>
+                <a:ea typeface="游ゴシック Medium" panose="020B0500000000000000" pitchFamily="50" charset="-128"/>
+              </a:rPr>
               <a:t>カラムの内容 </a:t>
             </a:r>
             <a:r>
-              <a:rPr lang="en-US" altLang="ja-JP" dirty="0"/>
+              <a:rPr lang="en-US" altLang="ja-JP" sz="2000" dirty="0">
+                <a:latin typeface="游ゴシック Medium" panose="020B0500000000000000" pitchFamily="50" charset="-128"/>
+                <a:ea typeface="游ゴシック Medium" panose="020B0500000000000000" pitchFamily="50" charset="-128"/>
+              </a:rPr>
               <a:t>: </a:t>
             </a:r>
           </a:p>
@@ -5012,60 +6035,112 @@
               <a:buNone/>
             </a:pPr>
             <a:r>
-              <a:rPr lang="ja-JP" altLang="en-US" sz="1800" dirty="0"/>
+              <a:rPr lang="ja-JP" altLang="en-US" sz="2000" dirty="0">
+                <a:latin typeface="游ゴシック Medium" panose="020B0500000000000000" pitchFamily="50" charset="-128"/>
+                <a:ea typeface="游ゴシック Medium" panose="020B0500000000000000" pitchFamily="50" charset="-128"/>
+              </a:rPr>
               <a:t>年齢</a:t>
             </a:r>
             <a:r>
-              <a:rPr lang="en-US" altLang="ja-JP" sz="1800" dirty="0"/>
+              <a:rPr lang="en-US" altLang="ja-JP" sz="2000" dirty="0">
+                <a:latin typeface="游ゴシック Medium" panose="020B0500000000000000" pitchFamily="50" charset="-128"/>
+                <a:ea typeface="游ゴシック Medium" panose="020B0500000000000000" pitchFamily="50" charset="-128"/>
+              </a:rPr>
               <a:t>, </a:t>
             </a:r>
             <a:r>
-              <a:rPr lang="ja-JP" altLang="en-US" sz="1800" dirty="0"/>
+              <a:rPr lang="ja-JP" altLang="en-US" sz="2000" dirty="0">
+                <a:latin typeface="游ゴシック Medium" panose="020B0500000000000000" pitchFamily="50" charset="-128"/>
+                <a:ea typeface="游ゴシック Medium" panose="020B0500000000000000" pitchFamily="50" charset="-128"/>
+              </a:rPr>
               <a:t>性別</a:t>
             </a:r>
             <a:r>
-              <a:rPr lang="en-US" altLang="ja-JP" sz="1800" dirty="0"/>
+              <a:rPr lang="en-US" altLang="ja-JP" sz="2000" dirty="0">
+                <a:latin typeface="游ゴシック Medium" panose="020B0500000000000000" pitchFamily="50" charset="-128"/>
+                <a:ea typeface="游ゴシック Medium" panose="020B0500000000000000" pitchFamily="50" charset="-128"/>
+              </a:rPr>
               <a:t>, </a:t>
             </a:r>
             <a:r>
-              <a:rPr lang="ja-JP" altLang="en-US" sz="1800" dirty="0"/>
+              <a:rPr lang="ja-JP" altLang="en-US" sz="2000" dirty="0">
+                <a:latin typeface="游ゴシック Medium" panose="020B0500000000000000" pitchFamily="50" charset="-128"/>
+                <a:ea typeface="游ゴシック Medium" panose="020B0500000000000000" pitchFamily="50" charset="-128"/>
+              </a:rPr>
               <a:t>離職</a:t>
             </a:r>
             <a:r>
-              <a:rPr lang="en-US" altLang="ja-JP" sz="1800" dirty="0"/>
+              <a:rPr lang="en-US" altLang="ja-JP" sz="2000" dirty="0">
+                <a:latin typeface="游ゴシック Medium" panose="020B0500000000000000" pitchFamily="50" charset="-128"/>
+                <a:ea typeface="游ゴシック Medium" panose="020B0500000000000000" pitchFamily="50" charset="-128"/>
+              </a:rPr>
               <a:t>, </a:t>
             </a:r>
             <a:r>
-              <a:rPr lang="ja-JP" altLang="en-US" sz="1800" dirty="0"/>
+              <a:rPr lang="ja-JP" altLang="en-US" sz="2000" dirty="0">
+                <a:latin typeface="游ゴシック Medium" panose="020B0500000000000000" pitchFamily="50" charset="-128"/>
+                <a:ea typeface="游ゴシック Medium" panose="020B0500000000000000" pitchFamily="50" charset="-128"/>
+              </a:rPr>
               <a:t>家から職場までの距離</a:t>
             </a:r>
             <a:r>
-              <a:rPr lang="en-US" altLang="ja-JP" sz="1800" dirty="0"/>
+              <a:rPr lang="en-US" altLang="ja-JP" sz="2000" dirty="0">
+                <a:latin typeface="游ゴシック Medium" panose="020B0500000000000000" pitchFamily="50" charset="-128"/>
+                <a:ea typeface="游ゴシック Medium" panose="020B0500000000000000" pitchFamily="50" charset="-128"/>
+              </a:rPr>
               <a:t>, </a:t>
             </a:r>
             <a:r>
-              <a:rPr lang="ja-JP" altLang="en-US" sz="1800" dirty="0"/>
+              <a:rPr lang="ja-JP" altLang="en-US" sz="2000" dirty="0">
+                <a:latin typeface="游ゴシック Medium" panose="020B0500000000000000" pitchFamily="50" charset="-128"/>
+                <a:ea typeface="游ゴシック Medium" panose="020B0500000000000000" pitchFamily="50" charset="-128"/>
+              </a:rPr>
               <a:t>成果など様々な特徴量がある。</a:t>
             </a:r>
-            <a:endParaRPr lang="en-US" altLang="ja-JP" sz="1800" dirty="0"/>
+            <a:endParaRPr lang="en-US" altLang="ja-JP" sz="2000" dirty="0">
+              <a:latin typeface="游ゴシック Medium" panose="020B0500000000000000" pitchFamily="50" charset="-128"/>
+              <a:ea typeface="游ゴシック Medium" panose="020B0500000000000000" pitchFamily="50" charset="-128"/>
+            </a:endParaRPr>
           </a:p>
           <a:p>
             <a:pPr marL="0" indent="0">
               <a:buNone/>
             </a:pPr>
             <a:r>
-              <a:rPr lang="ja-JP" altLang="en-US" dirty="0"/>
+              <a:rPr lang="ja-JP" altLang="en-US" sz="2000" dirty="0">
+                <a:latin typeface="游ゴシック Medium" panose="020B0500000000000000" pitchFamily="50" charset="-128"/>
+                <a:ea typeface="游ゴシック Medium" panose="020B0500000000000000" pitchFamily="50" charset="-128"/>
+              </a:rPr>
               <a:t>今回行うのは</a:t>
             </a:r>
             <a:r>
-              <a:rPr lang="en-US" altLang="ja-JP" sz="1800" dirty="0"/>
+              <a:rPr lang="en-US" altLang="ja-JP" sz="2000" dirty="0">
+                <a:latin typeface="游ゴシック Medium" panose="020B0500000000000000" pitchFamily="50" charset="-128"/>
+                <a:ea typeface="游ゴシック Medium" panose="020B0500000000000000" pitchFamily="50" charset="-128"/>
+              </a:rPr>
               <a:t>,</a:t>
             </a:r>
             <a:r>
-              <a:rPr lang="ja-JP" altLang="en-US" sz="1800" dirty="0"/>
-              <a:t> 離職以外のカラムの値から離職するかを予測することである。</a:t>
-            </a:r>
-            <a:endParaRPr lang="ja-JP" altLang="en-US" dirty="0"/>
+              <a:rPr lang="ja-JP" altLang="en-US" sz="2000" dirty="0">
+                <a:latin typeface="游ゴシック Medium" panose="020B0500000000000000" pitchFamily="50" charset="-128"/>
+                <a:ea typeface="游ゴシック Medium" panose="020B0500000000000000" pitchFamily="50" charset="-128"/>
+              </a:rPr>
+              <a:t> 離職 </a:t>
+            </a:r>
+            <a:r>
+              <a:rPr lang="en-US" altLang="ja-JP" sz="2000" dirty="0">
+                <a:latin typeface="游ゴシック Medium" panose="020B0500000000000000" pitchFamily="50" charset="-128"/>
+                <a:ea typeface="游ゴシック Medium" panose="020B0500000000000000" pitchFamily="50" charset="-128"/>
+              </a:rPr>
+              <a:t>(Attrition) </a:t>
+            </a:r>
+            <a:r>
+              <a:rPr lang="ja-JP" altLang="en-US" sz="2000" dirty="0">
+                <a:latin typeface="游ゴシック Medium" panose="020B0500000000000000" pitchFamily="50" charset="-128"/>
+                <a:ea typeface="游ゴシック Medium" panose="020B0500000000000000" pitchFamily="50" charset="-128"/>
+              </a:rPr>
+              <a:t>以外のカラムの値から離職するかを予測することである。</a:t>
+            </a:r>
           </a:p>
         </p:txBody>
       </p:sp>
@@ -5099,6 +6174,81 @@
           </a:prstGeom>
         </p:spPr>
       </p:pic>
+      <p:pic>
+        <p:nvPicPr>
+          <p:cNvPr id="3" name="図 2">
+            <a:extLst>
+              <a:ext uri="{FF2B5EF4-FFF2-40B4-BE49-F238E27FC236}">
+                <a16:creationId xmlns:a16="http://schemas.microsoft.com/office/drawing/2014/main" id="{5418B1EF-4125-F35E-603F-AAAE56AC1078}"/>
+              </a:ext>
+            </a:extLst>
+          </p:cNvPr>
+          <p:cNvPicPr>
+            <a:picLocks noChangeAspect="1"/>
+          </p:cNvPicPr>
+          <p:nvPr/>
+        </p:nvPicPr>
+        <p:blipFill>
+          <a:blip r:embed="rId5"/>
+          <a:stretch>
+            <a:fillRect/>
+          </a:stretch>
+        </p:blipFill>
+        <p:spPr>
+          <a:xfrm flipV="1">
+            <a:off x="349250" y="6380322"/>
+            <a:ext cx="11493501" cy="45719"/>
+          </a:xfrm>
+          <a:prstGeom prst="rect">
+            <a:avLst/>
+          </a:prstGeom>
+        </p:spPr>
+      </p:pic>
+      <p:sp>
+        <p:nvSpPr>
+          <p:cNvPr id="11" name="テキスト ボックス 10">
+            <a:extLst>
+              <a:ext uri="{FF2B5EF4-FFF2-40B4-BE49-F238E27FC236}">
+                <a16:creationId xmlns:a16="http://schemas.microsoft.com/office/drawing/2014/main" id="{D4D69278-8636-FBA0-8FD6-FC10633A6E70}"/>
+              </a:ext>
+            </a:extLst>
+          </p:cNvPr>
+          <p:cNvSpPr txBox="1"/>
+          <p:nvPr/>
+        </p:nvSpPr>
+        <p:spPr>
+          <a:xfrm>
+            <a:off x="271460" y="6473542"/>
+            <a:ext cx="11649078" cy="307777"/>
+          </a:xfrm>
+          <a:prstGeom prst="rect">
+            <a:avLst/>
+          </a:prstGeom>
+          <a:noFill/>
+        </p:spPr>
+        <p:txBody>
+          <a:bodyPr wrap="square">
+            <a:spAutoFit/>
+          </a:bodyPr>
+          <a:lstStyle/>
+          <a:p>
+            <a:r>
+              <a:rPr lang="en-US" altLang="ja-JP" sz="1400" dirty="0">
+                <a:latin typeface="コーポレート・ロゴ ver2 Medium" panose="02000600000000000000" pitchFamily="50" charset="-128"/>
+                <a:ea typeface="コーポレート・ロゴ ver2 Medium" panose="02000600000000000000" pitchFamily="50" charset="-128"/>
+              </a:rPr>
+              <a:t>GCI</a:t>
+            </a:r>
+            <a:r>
+              <a:rPr lang="ja-JP" altLang="en-US" sz="1400" dirty="0">
+                <a:latin typeface="コーポレート・ロゴ ver2 Medium" panose="02000600000000000000" pitchFamily="50" charset="-128"/>
+                <a:ea typeface="コーポレート・ロゴ ver2 Medium" panose="02000600000000000000" pitchFamily="50" charset="-128"/>
+              </a:rPr>
+              <a:t> 東京大学グローバル消費インテリジェンス寄付講座</a:t>
+            </a:r>
+          </a:p>
+        </p:txBody>
+      </p:sp>
     </p:spTree>
     <p:extLst>
       <p:ext uri="{BB962C8B-B14F-4D97-AF65-F5344CB8AC3E}">
@@ -5158,7 +6308,7 @@
           <a:lstStyle/>
           <a:p>
             <a:r>
-              <a:rPr lang="en-US" altLang="ja-JP" sz="3600" b="1" dirty="0" err="1">
+              <a:rPr lang="en-US" altLang="ja-JP" sz="3600" b="1" dirty="0">
                 <a:solidFill>
                   <a:srgbClr val="03BDBA"/>
                 </a:solidFill>
@@ -5168,14 +6318,14 @@
               <a:t>P</a:t>
             </a:r>
             <a:r>
-              <a:rPr lang="en-US" altLang="ja-JP" sz="3600" b="1" dirty="0" err="1">
+              <a:rPr lang="en-US" altLang="ja-JP" sz="3600" b="1" dirty="0">
                 <a:latin typeface="游ゴシック Medium" panose="020B0500000000000000" pitchFamily="50" charset="-128"/>
                 <a:ea typeface="游ゴシック Medium" panose="020B0500000000000000" pitchFamily="50" charset="-128"/>
               </a:rPr>
               <a:t>y</a:t>
             </a:r>
             <a:r>
-              <a:rPr lang="en-US" altLang="ja-JP" sz="3600" b="1" dirty="0" err="1">
+              <a:rPr lang="en-US" altLang="ja-JP" sz="3600" b="1" dirty="0">
                 <a:solidFill>
                   <a:srgbClr val="03BDBA"/>
                 </a:solidFill>
@@ -5185,7 +6335,7 @@
               <a:t>C</a:t>
             </a:r>
             <a:r>
-              <a:rPr lang="en-US" altLang="ja-JP" sz="3600" b="1" dirty="0" err="1">
+              <a:rPr lang="en-US" altLang="ja-JP" sz="3600" b="1" dirty="0">
                 <a:latin typeface="游ゴシック Medium" panose="020B0500000000000000" pitchFamily="50" charset="-128"/>
                 <a:ea typeface="游ゴシック Medium" panose="020B0500000000000000" pitchFamily="50" charset="-128"/>
               </a:rPr>
@@ -5223,18 +6373,156 @@
         </p:nvSpPr>
         <p:spPr>
           <a:xfrm>
-            <a:off x="349250" y="1609725"/>
-            <a:ext cx="10515600" cy="4351338"/>
-          </a:xfrm>
-        </p:spPr>
-        <p:txBody>
-          <a:bodyPr/>
+            <a:off x="349249" y="1520825"/>
+            <a:ext cx="5484925" cy="4351338"/>
+          </a:xfrm>
+        </p:spPr>
+        <p:txBody>
+          <a:bodyPr>
+            <a:normAutofit/>
+          </a:bodyPr>
           <a:lstStyle/>
           <a:p>
             <a:pPr marL="0" indent="0">
+              <a:lnSpc>
+                <a:spcPct val="100000"/>
+              </a:lnSpc>
               <a:buNone/>
             </a:pPr>
-            <a:endParaRPr kumimoji="1" lang="ja-JP" altLang="en-US" dirty="0"/>
+            <a:r>
+              <a:rPr kumimoji="1" lang="en-US" altLang="ja-JP" sz="2000" dirty="0">
+                <a:highlight>
+                  <a:srgbClr val="EAEAEA"/>
+                </a:highlight>
+                <a:latin typeface="Hack NF" panose="020B0609030202020204" pitchFamily="50" charset="0"/>
+                <a:ea typeface="Hack NF" panose="020B0609030202020204" pitchFamily="50" charset="0"/>
+                <a:cs typeface="Hack NF" panose="020B0609030202020204" pitchFamily="50" charset="0"/>
+              </a:rPr>
+              <a:t>classfication.</a:t>
+            </a:r>
+            <a:r>
+              <a:rPr lang="en-US" altLang="ja-JP" sz="2000" dirty="0">
+                <a:highlight>
+                  <a:srgbClr val="EAEAEA"/>
+                </a:highlight>
+                <a:latin typeface="Hack NF" panose="020B0609030202020204" pitchFamily="50" charset="0"/>
+                <a:ea typeface="Hack NF" panose="020B0609030202020204" pitchFamily="50" charset="0"/>
+                <a:cs typeface="Hack NF" panose="020B0609030202020204" pitchFamily="50" charset="0"/>
+              </a:rPr>
+              <a:t>compare_models()</a:t>
+            </a:r>
+            <a:r>
+              <a:rPr lang="ja-JP" altLang="en-US" sz="2000" dirty="0">
+                <a:latin typeface="游ゴシック Medium" panose="020B0500000000000000" pitchFamily="50" charset="-128"/>
+                <a:ea typeface="游ゴシック Medium" panose="020B0500000000000000" pitchFamily="50" charset="-128"/>
+              </a:rPr>
+              <a:t>で    最も分類の精度がよいモデルを選定する。</a:t>
+            </a:r>
+            <a:endParaRPr lang="en-US" altLang="ja-JP" sz="2000" dirty="0">
+              <a:latin typeface="游ゴシック Medium" panose="020B0500000000000000" pitchFamily="50" charset="-128"/>
+              <a:ea typeface="游ゴシック Medium" panose="020B0500000000000000" pitchFamily="50" charset="-128"/>
+            </a:endParaRPr>
+          </a:p>
+          <a:p>
+            <a:pPr marL="0" indent="0">
+              <a:lnSpc>
+                <a:spcPct val="100000"/>
+              </a:lnSpc>
+              <a:buNone/>
+            </a:pPr>
+            <a:r>
+              <a:rPr kumimoji="1" lang="ja-JP" altLang="en-US" sz="2000" dirty="0">
+                <a:latin typeface="游ゴシック Medium" panose="020B0500000000000000" pitchFamily="50" charset="-128"/>
+                <a:ea typeface="游ゴシック Medium" panose="020B0500000000000000" pitchFamily="50" charset="-128"/>
+              </a:rPr>
+              <a:t>右の図では、</a:t>
+            </a:r>
+            <a:r>
+              <a:rPr kumimoji="1" lang="en-US" altLang="ja-JP" sz="2000" dirty="0">
+                <a:latin typeface="游ゴシック Medium" panose="020B0500000000000000" pitchFamily="50" charset="-128"/>
+                <a:ea typeface="游ゴシック Medium" panose="020B0500000000000000" pitchFamily="50" charset="-128"/>
+              </a:rPr>
+              <a:t>LDA</a:t>
+            </a:r>
+            <a:r>
+              <a:rPr kumimoji="1" lang="ja-JP" altLang="en-US" sz="2000" dirty="0">
+                <a:latin typeface="游ゴシック Medium" panose="020B0500000000000000" pitchFamily="50" charset="-128"/>
+                <a:ea typeface="游ゴシック Medium" panose="020B0500000000000000" pitchFamily="50" charset="-128"/>
+              </a:rPr>
+              <a:t>が</a:t>
+            </a:r>
+            <a:r>
+              <a:rPr kumimoji="1" lang="en-US" altLang="ja-JP" sz="2000" dirty="0">
+                <a:latin typeface="游ゴシック Medium" panose="020B0500000000000000" pitchFamily="50" charset="-128"/>
+                <a:ea typeface="游ゴシック Medium" panose="020B0500000000000000" pitchFamily="50" charset="-128"/>
+              </a:rPr>
+              <a:t>Accuracy, AUC, </a:t>
+            </a:r>
+            <a:r>
+              <a:rPr kumimoji="1" lang="ja-JP" altLang="en-US" sz="2000" dirty="0">
+                <a:latin typeface="游ゴシック Medium" panose="020B0500000000000000" pitchFamily="50" charset="-128"/>
+                <a:ea typeface="游ゴシック Medium" panose="020B0500000000000000" pitchFamily="50" charset="-128"/>
+              </a:rPr>
+              <a:t>その他評価も全体的に高く、最も今回の分類モデルに適しているモデルだと言える。</a:t>
+            </a:r>
+            <a:endParaRPr lang="en-US" altLang="ja-JP" sz="2000" dirty="0">
+              <a:latin typeface="游ゴシック Medium" panose="020B0500000000000000" pitchFamily="50" charset="-128"/>
+              <a:ea typeface="游ゴシック Medium" panose="020B0500000000000000" pitchFamily="50" charset="-128"/>
+            </a:endParaRPr>
+          </a:p>
+          <a:p>
+            <a:pPr marL="0" indent="0">
+              <a:lnSpc>
+                <a:spcPct val="100000"/>
+              </a:lnSpc>
+              <a:buNone/>
+            </a:pPr>
+            <a:r>
+              <a:rPr kumimoji="1" lang="ja-JP" altLang="en-US" sz="2000" dirty="0">
+                <a:latin typeface="游ゴシック Medium" panose="020B0500000000000000" pitchFamily="50" charset="-128"/>
+                <a:ea typeface="游ゴシック Medium" panose="020B0500000000000000" pitchFamily="50" charset="-128"/>
+              </a:rPr>
+              <a:t>今回は</a:t>
+            </a:r>
+            <a:r>
+              <a:rPr kumimoji="1" lang="en-US" altLang="ja-JP" sz="2000" dirty="0">
+                <a:latin typeface="游ゴシック Medium" panose="020B0500000000000000" pitchFamily="50" charset="-128"/>
+                <a:ea typeface="游ゴシック Medium" panose="020B0500000000000000" pitchFamily="50" charset="-128"/>
+              </a:rPr>
+              <a:t>Linear Discriminant Analysis (LDA</a:t>
+            </a:r>
+            <a:r>
+              <a:rPr kumimoji="1" lang="ja-JP" altLang="en-US" sz="2000" dirty="0">
+                <a:latin typeface="游ゴシック Medium" panose="020B0500000000000000" pitchFamily="50" charset="-128"/>
+                <a:ea typeface="游ゴシック Medium" panose="020B0500000000000000" pitchFamily="50" charset="-128"/>
+              </a:rPr>
+              <a:t>モデル</a:t>
+            </a:r>
+            <a:r>
+              <a:rPr kumimoji="1" lang="en-US" altLang="ja-JP" sz="2000" dirty="0">
+                <a:latin typeface="游ゴシック Medium" panose="020B0500000000000000" pitchFamily="50" charset="-128"/>
+                <a:ea typeface="游ゴシック Medium" panose="020B0500000000000000" pitchFamily="50" charset="-128"/>
+              </a:rPr>
+              <a:t>) </a:t>
+            </a:r>
+            <a:r>
+              <a:rPr kumimoji="1" lang="ja-JP" altLang="en-US" sz="2000" dirty="0">
+                <a:latin typeface="游ゴシック Medium" panose="020B0500000000000000" pitchFamily="50" charset="-128"/>
+                <a:ea typeface="游ゴシック Medium" panose="020B0500000000000000" pitchFamily="50" charset="-128"/>
+              </a:rPr>
+              <a:t>を用いて、このモデルの特性からデータの特徴を考察し、また特徴量と結果の相関を解析</a:t>
+            </a:r>
+            <a:r>
+              <a:rPr lang="ja-JP" altLang="en-US" sz="2000" dirty="0">
+                <a:latin typeface="游ゴシック Medium" panose="020B0500000000000000" pitchFamily="50" charset="-128"/>
+                <a:ea typeface="游ゴシック Medium" panose="020B0500000000000000" pitchFamily="50" charset="-128"/>
+              </a:rPr>
+              <a:t>する。</a:t>
+            </a:r>
+            <a:endParaRPr kumimoji="1" lang="en-US" altLang="ja-JP" sz="2000" dirty="0">
+              <a:latin typeface="游ゴシック Medium" panose="020B0500000000000000" pitchFamily="50" charset="-128"/>
+              <a:ea typeface="游ゴシック Medium" panose="020B0500000000000000" pitchFamily="50" charset="-128"/>
+            </a:endParaRPr>
           </a:p>
         </p:txBody>
       </p:sp>
@@ -5270,10 +6558,118 @@
       </p:pic>
       <p:pic>
         <p:nvPicPr>
-          <p:cNvPr id="6" name="図 5">
-            <a:extLst>
-              <a:ext uri="{FF2B5EF4-FFF2-40B4-BE49-F238E27FC236}">
-                <a16:creationId xmlns:a16="http://schemas.microsoft.com/office/drawing/2014/main" id="{B2EE0D76-1B0D-999A-8E55-A5A2D51213B1}"/>
+          <p:cNvPr id="8" name="グラフィックス 7">
+            <a:extLst>
+              <a:ext uri="{FF2B5EF4-FFF2-40B4-BE49-F238E27FC236}">
+                <a16:creationId xmlns:a16="http://schemas.microsoft.com/office/drawing/2014/main" id="{125B4F33-640E-FBE0-B23E-F64D965B66BC}"/>
+              </a:ext>
+            </a:extLst>
+          </p:cNvPr>
+          <p:cNvPicPr>
+            <a:picLocks noChangeAspect="1"/>
+          </p:cNvPicPr>
+          <p:nvPr/>
+        </p:nvPicPr>
+        <p:blipFill>
+          <a:blip r:embed="rId3">
+            <a:extLst>
+              <a:ext uri="{28A0092B-C50C-407E-A947-70E740481C1C}">
+                <a14:useLocalDpi xmlns:a14="http://schemas.microsoft.com/office/drawing/2010/main" val="0"/>
+              </a:ext>
+              <a:ext uri="{96DAC541-7B7A-43D3-8B79-37D633B846F1}">
+                <asvg:svgBlip xmlns:asvg="http://schemas.microsoft.com/office/drawing/2016/SVG/main" r:embed="rId4"/>
+              </a:ext>
+            </a:extLst>
+          </a:blip>
+          <a:stretch>
+            <a:fillRect/>
+          </a:stretch>
+        </p:blipFill>
+        <p:spPr>
+          <a:xfrm rot="16200000">
+            <a:off x="5834174" y="4501676"/>
+            <a:ext cx="417736" cy="417736"/>
+          </a:xfrm>
+          <a:prstGeom prst="rect">
+            <a:avLst/>
+          </a:prstGeom>
+        </p:spPr>
+      </p:pic>
+      <p:pic>
+        <p:nvPicPr>
+          <p:cNvPr id="9" name="グラフィックス 8">
+            <a:extLst>
+              <a:ext uri="{FF2B5EF4-FFF2-40B4-BE49-F238E27FC236}">
+                <a16:creationId xmlns:a16="http://schemas.microsoft.com/office/drawing/2014/main" id="{8467F5D5-47E1-1739-D837-D8F254B1D5FA}"/>
+              </a:ext>
+            </a:extLst>
+          </p:cNvPr>
+          <p:cNvPicPr>
+            <a:picLocks noChangeAspect="1"/>
+          </p:cNvPicPr>
+          <p:nvPr/>
+        </p:nvPicPr>
+        <p:blipFill>
+          <a:blip r:embed="rId3">
+            <a:extLst>
+              <a:ext uri="{28A0092B-C50C-407E-A947-70E740481C1C}">
+                <a14:useLocalDpi xmlns:a14="http://schemas.microsoft.com/office/drawing/2010/main" val="0"/>
+              </a:ext>
+              <a:ext uri="{96DAC541-7B7A-43D3-8B79-37D633B846F1}">
+                <asvg:svgBlip xmlns:asvg="http://schemas.microsoft.com/office/drawing/2016/SVG/main" r:embed="rId4"/>
+              </a:ext>
+            </a:extLst>
+          </a:blip>
+          <a:stretch>
+            <a:fillRect/>
+          </a:stretch>
+        </p:blipFill>
+        <p:spPr>
+          <a:xfrm rot="5400000">
+            <a:off x="11336048" y="1361157"/>
+            <a:ext cx="427074" cy="427074"/>
+          </a:xfrm>
+          <a:prstGeom prst="rect">
+            <a:avLst/>
+          </a:prstGeom>
+        </p:spPr>
+      </p:pic>
+      <p:pic>
+        <p:nvPicPr>
+          <p:cNvPr id="10" name="図 9">
+            <a:extLst>
+              <a:ext uri="{FF2B5EF4-FFF2-40B4-BE49-F238E27FC236}">
+                <a16:creationId xmlns:a16="http://schemas.microsoft.com/office/drawing/2014/main" id="{802971DF-F5B9-5C06-C76E-61E4E4A0B846}"/>
+              </a:ext>
+            </a:extLst>
+          </p:cNvPr>
+          <p:cNvPicPr>
+            <a:picLocks noChangeAspect="1"/>
+          </p:cNvPicPr>
+          <p:nvPr/>
+        </p:nvPicPr>
+        <p:blipFill>
+          <a:blip r:embed="rId5"/>
+          <a:stretch>
+            <a:fillRect/>
+          </a:stretch>
+        </p:blipFill>
+        <p:spPr>
+          <a:xfrm>
+            <a:off x="6054007" y="1574694"/>
+            <a:ext cx="5499800" cy="3135850"/>
+          </a:xfrm>
+          <a:prstGeom prst="rect">
+            <a:avLst/>
+          </a:prstGeom>
+        </p:spPr>
+      </p:pic>
+      <p:pic>
+        <p:nvPicPr>
+          <p:cNvPr id="12" name="図 11">
+            <a:extLst>
+              <a:ext uri="{FF2B5EF4-FFF2-40B4-BE49-F238E27FC236}">
+                <a16:creationId xmlns:a16="http://schemas.microsoft.com/office/drawing/2014/main" id="{F727FCB7-9D0F-D4DA-B50F-57809D283C9E}"/>
               </a:ext>
             </a:extLst>
           </p:cNvPr>
@@ -5289,19 +6685,871 @@
           </a:stretch>
         </p:blipFill>
         <p:spPr>
-          <a:xfrm>
-            <a:off x="437542" y="1105642"/>
-            <a:ext cx="3591533" cy="45719"/>
+          <a:xfrm flipV="1">
+            <a:off x="349250" y="6380322"/>
+            <a:ext cx="11493501" cy="45719"/>
           </a:xfrm>
           <a:prstGeom prst="rect">
             <a:avLst/>
           </a:prstGeom>
         </p:spPr>
       </p:pic>
+      <p:sp>
+        <p:nvSpPr>
+          <p:cNvPr id="15" name="四角形: 角を丸くする 14">
+            <a:extLst>
+              <a:ext uri="{FF2B5EF4-FFF2-40B4-BE49-F238E27FC236}">
+                <a16:creationId xmlns:a16="http://schemas.microsoft.com/office/drawing/2014/main" id="{7E21C201-7E33-5977-E881-2A118A82A065}"/>
+              </a:ext>
+            </a:extLst>
+          </p:cNvPr>
+          <p:cNvSpPr/>
+          <p:nvPr/>
+        </p:nvSpPr>
+        <p:spPr>
+          <a:xfrm>
+            <a:off x="6054007" y="1764455"/>
+            <a:ext cx="5510317" cy="200025"/>
+          </a:xfrm>
+          <a:prstGeom prst="roundRect">
+            <a:avLst/>
+          </a:prstGeom>
+          <a:noFill/>
+          <a:ln w="19050">
+            <a:solidFill>
+              <a:srgbClr val="03BDBA"/>
+            </a:solidFill>
+          </a:ln>
+        </p:spPr>
+        <p:style>
+          <a:lnRef idx="2">
+            <a:schemeClr val="accent1">
+              <a:shade val="15000"/>
+            </a:schemeClr>
+          </a:lnRef>
+          <a:fillRef idx="1">
+            <a:schemeClr val="accent1"/>
+          </a:fillRef>
+          <a:effectRef idx="0">
+            <a:schemeClr val="accent1"/>
+          </a:effectRef>
+          <a:fontRef idx="minor">
+            <a:schemeClr val="lt1"/>
+          </a:fontRef>
+        </p:style>
+        <p:txBody>
+          <a:bodyPr rtlCol="0" anchor="ctr"/>
+          <a:lstStyle/>
+          <a:p>
+            <a:pPr algn="ctr"/>
+            <a:endParaRPr kumimoji="1" lang="ja-JP" altLang="en-US"/>
+          </a:p>
+        </p:txBody>
+      </p:sp>
+      <p:sp>
+        <p:nvSpPr>
+          <p:cNvPr id="22" name="テキスト ボックス 21">
+            <a:extLst>
+              <a:ext uri="{FF2B5EF4-FFF2-40B4-BE49-F238E27FC236}">
+                <a16:creationId xmlns:a16="http://schemas.microsoft.com/office/drawing/2014/main" id="{3F4986A2-F65C-7428-7ADB-E06083BF5661}"/>
+              </a:ext>
+            </a:extLst>
+          </p:cNvPr>
+          <p:cNvSpPr txBox="1"/>
+          <p:nvPr/>
+        </p:nvSpPr>
+        <p:spPr>
+          <a:xfrm>
+            <a:off x="271460" y="6473542"/>
+            <a:ext cx="11649078" cy="307777"/>
+          </a:xfrm>
+          <a:prstGeom prst="rect">
+            <a:avLst/>
+          </a:prstGeom>
+          <a:noFill/>
+        </p:spPr>
+        <p:txBody>
+          <a:bodyPr wrap="square">
+            <a:spAutoFit/>
+          </a:bodyPr>
+          <a:lstStyle/>
+          <a:p>
+            <a:r>
+              <a:rPr lang="en-US" altLang="ja-JP" sz="1400" dirty="0">
+                <a:latin typeface="コーポレート・ロゴ ver2 Medium" panose="02000600000000000000" pitchFamily="50" charset="-128"/>
+                <a:ea typeface="コーポレート・ロゴ ver2 Medium" panose="02000600000000000000" pitchFamily="50" charset="-128"/>
+              </a:rPr>
+              <a:t>GCI</a:t>
+            </a:r>
+            <a:r>
+              <a:rPr lang="ja-JP" altLang="en-US" sz="1400" dirty="0">
+                <a:latin typeface="コーポレート・ロゴ ver2 Medium" panose="02000600000000000000" pitchFamily="50" charset="-128"/>
+                <a:ea typeface="コーポレート・ロゴ ver2 Medium" panose="02000600000000000000" pitchFamily="50" charset="-128"/>
+              </a:rPr>
+              <a:t> 東京大学グローバル消費インテリジェンス寄付講座</a:t>
+            </a:r>
+          </a:p>
+        </p:txBody>
+      </p:sp>
     </p:spTree>
     <p:extLst>
       <p:ext uri="{BB962C8B-B14F-4D97-AF65-F5344CB8AC3E}">
         <p14:creationId xmlns:p14="http://schemas.microsoft.com/office/powerpoint/2010/main" val="1268116754"/>
+      </p:ext>
+    </p:extLst>
+  </p:cSld>
+  <p:clrMapOvr>
+    <a:masterClrMapping/>
+  </p:clrMapOvr>
+</p:sld>
+</file>
+
+<file path=ppt/slides/slide7.xml><?xml version="1.0" encoding="utf-8"?>
+<p:sld xmlns:a="http://schemas.openxmlformats.org/drawingml/2006/main" xmlns:r="http://schemas.openxmlformats.org/officeDocument/2006/relationships" xmlns:p="http://schemas.openxmlformats.org/presentationml/2006/main">
+  <p:cSld>
+    <p:spTree>
+      <p:nvGrpSpPr>
+        <p:cNvPr id="1" name=""/>
+        <p:cNvGrpSpPr/>
+        <p:nvPr/>
+      </p:nvGrpSpPr>
+      <p:grpSpPr>
+        <a:xfrm>
+          <a:off x="0" y="0"/>
+          <a:ext cx="0" cy="0"/>
+          <a:chOff x="0" y="0"/>
+          <a:chExt cx="0" cy="0"/>
+        </a:xfrm>
+      </p:grpSpPr>
+      <p:sp>
+        <p:nvSpPr>
+          <p:cNvPr id="2" name="タイトル 1">
+            <a:extLst>
+              <a:ext uri="{FF2B5EF4-FFF2-40B4-BE49-F238E27FC236}">
+                <a16:creationId xmlns:a16="http://schemas.microsoft.com/office/drawing/2014/main" id="{9D859FDC-5DF7-BACE-A583-CDDFC41A4F50}"/>
+              </a:ext>
+            </a:extLst>
+          </p:cNvPr>
+          <p:cNvSpPr>
+            <a:spLocks noGrp="1"/>
+          </p:cNvSpPr>
+          <p:nvPr>
+            <p:ph type="title"/>
+          </p:nvPr>
+        </p:nvSpPr>
+        <p:spPr>
+          <a:xfrm>
+            <a:off x="349250" y="454818"/>
+            <a:ext cx="10401300" cy="858838"/>
+          </a:xfrm>
+        </p:spPr>
+        <p:txBody>
+          <a:bodyPr>
+            <a:normAutofit/>
+          </a:bodyPr>
+          <a:lstStyle/>
+          <a:p>
+            <a:r>
+              <a:rPr lang="en-US" altLang="ja-JP" sz="3600" b="1" dirty="0">
+                <a:solidFill>
+                  <a:srgbClr val="03BDBA"/>
+                </a:solidFill>
+                <a:latin typeface="游ゴシック Medium" panose="020B0500000000000000" pitchFamily="50" charset="-128"/>
+                <a:ea typeface="游ゴシック Medium" panose="020B0500000000000000" pitchFamily="50" charset="-128"/>
+              </a:rPr>
+              <a:t>P</a:t>
+            </a:r>
+            <a:r>
+              <a:rPr lang="en-US" altLang="ja-JP" sz="3600" b="1" dirty="0">
+                <a:latin typeface="游ゴシック Medium" panose="020B0500000000000000" pitchFamily="50" charset="-128"/>
+                <a:ea typeface="游ゴシック Medium" panose="020B0500000000000000" pitchFamily="50" charset="-128"/>
+              </a:rPr>
+              <a:t>y</a:t>
+            </a:r>
+            <a:r>
+              <a:rPr lang="en-US" altLang="ja-JP" sz="3600" b="1" dirty="0">
+                <a:solidFill>
+                  <a:srgbClr val="03BDBA"/>
+                </a:solidFill>
+                <a:latin typeface="游ゴシック Medium" panose="020B0500000000000000" pitchFamily="50" charset="-128"/>
+                <a:ea typeface="游ゴシック Medium" panose="020B0500000000000000" pitchFamily="50" charset="-128"/>
+              </a:rPr>
+              <a:t>C</a:t>
+            </a:r>
+            <a:r>
+              <a:rPr lang="en-US" altLang="ja-JP" sz="3600" b="1" dirty="0">
+                <a:latin typeface="游ゴシック Medium" panose="020B0500000000000000" pitchFamily="50" charset="-128"/>
+                <a:ea typeface="游ゴシック Medium" panose="020B0500000000000000" pitchFamily="50" charset="-128"/>
+              </a:rPr>
+              <a:t>aret</a:t>
+            </a:r>
+            <a:r>
+              <a:rPr lang="ja-JP" altLang="en-US" sz="3600" b="1" dirty="0">
+                <a:latin typeface="游ゴシック Medium" panose="020B0500000000000000" pitchFamily="50" charset="-128"/>
+                <a:ea typeface="游ゴシック Medium" panose="020B0500000000000000" pitchFamily="50" charset="-128"/>
+              </a:rPr>
+              <a:t>による分類モデルの評価</a:t>
+            </a:r>
+            <a:endParaRPr kumimoji="1" lang="ja-JP" altLang="en-US" sz="3600" b="1" dirty="0">
+              <a:latin typeface="游ゴシック Medium" panose="020B0500000000000000" pitchFamily="50" charset="-128"/>
+              <a:ea typeface="游ゴシック Medium" panose="020B0500000000000000" pitchFamily="50" charset="-128"/>
+            </a:endParaRPr>
+          </a:p>
+        </p:txBody>
+      </p:sp>
+      <p:sp>
+        <p:nvSpPr>
+          <p:cNvPr id="3" name="コンテンツ プレースホルダー 2">
+            <a:extLst>
+              <a:ext uri="{FF2B5EF4-FFF2-40B4-BE49-F238E27FC236}">
+                <a16:creationId xmlns:a16="http://schemas.microsoft.com/office/drawing/2014/main" id="{554C2AB4-107A-195F-FD05-3666FA0F5AC4}"/>
+              </a:ext>
+            </a:extLst>
+          </p:cNvPr>
+          <p:cNvSpPr>
+            <a:spLocks noGrp="1"/>
+          </p:cNvSpPr>
+          <p:nvPr>
+            <p:ph idx="1"/>
+          </p:nvPr>
+        </p:nvSpPr>
+        <p:spPr>
+          <a:xfrm>
+            <a:off x="349249" y="1506351"/>
+            <a:ext cx="5905501" cy="2091630"/>
+          </a:xfrm>
+        </p:spPr>
+        <p:txBody>
+          <a:bodyPr>
+            <a:normAutofit/>
+          </a:bodyPr>
+          <a:lstStyle/>
+          <a:p>
+            <a:pPr marL="0" indent="0">
+              <a:lnSpc>
+                <a:spcPct val="100000"/>
+              </a:lnSpc>
+              <a:buNone/>
+            </a:pPr>
+            <a:r>
+              <a:rPr kumimoji="1" lang="ja-JP" altLang="en-US" sz="2000" dirty="0">
+                <a:latin typeface="游ゴシック Medium" panose="020B0500000000000000" pitchFamily="50" charset="-128"/>
+                <a:ea typeface="游ゴシック Medium" panose="020B0500000000000000" pitchFamily="50" charset="-128"/>
+              </a:rPr>
+              <a:t>選定した最良のモデルのハイパーパラメータ等をチューニングする。</a:t>
+            </a:r>
+            <a:endParaRPr kumimoji="1" lang="en-US" altLang="ja-JP" sz="2000" dirty="0">
+              <a:latin typeface="游ゴシック Medium" panose="020B0500000000000000" pitchFamily="50" charset="-128"/>
+              <a:ea typeface="游ゴシック Medium" panose="020B0500000000000000" pitchFamily="50" charset="-128"/>
+            </a:endParaRPr>
+          </a:p>
+          <a:p>
+            <a:pPr marL="0" indent="0">
+              <a:lnSpc>
+                <a:spcPct val="100000"/>
+              </a:lnSpc>
+              <a:buNone/>
+            </a:pPr>
+            <a:r>
+              <a:rPr kumimoji="1" lang="en-US" altLang="ja-JP" sz="2000" dirty="0">
+                <a:highlight>
+                  <a:srgbClr val="EAEAEA"/>
+                </a:highlight>
+                <a:latin typeface="Hack NF" panose="020B0609030202020204" pitchFamily="50" charset="0"/>
+                <a:ea typeface="Hack NF" panose="020B0609030202020204" pitchFamily="50" charset="0"/>
+                <a:cs typeface="Hack NF" panose="020B0609030202020204" pitchFamily="50" charset="0"/>
+              </a:rPr>
+              <a:t>classfication.</a:t>
+            </a:r>
+            <a:r>
+              <a:rPr lang="en-US" altLang="ja-JP" sz="2000" dirty="0">
+                <a:highlight>
+                  <a:srgbClr val="EAEAEA"/>
+                </a:highlight>
+                <a:latin typeface="Hack NF" panose="020B0609030202020204" pitchFamily="50" charset="0"/>
+                <a:ea typeface="Hack NF" panose="020B0609030202020204" pitchFamily="50" charset="0"/>
+                <a:cs typeface="Hack NF" panose="020B0609030202020204" pitchFamily="50" charset="0"/>
+              </a:rPr>
+              <a:t>tune_model(model)</a:t>
+            </a:r>
+            <a:r>
+              <a:rPr lang="ja-JP" altLang="en-US" sz="2000" dirty="0">
+                <a:latin typeface="游ゴシック Medium" panose="020B0500000000000000" pitchFamily="50" charset="-128"/>
+                <a:ea typeface="游ゴシック Medium" panose="020B0500000000000000" pitchFamily="50" charset="-128"/>
+                <a:cs typeface="Hack NF" panose="020B0609030202020204" pitchFamily="50" charset="0"/>
+              </a:rPr>
+              <a:t> でチューニングを行い、</a:t>
+            </a:r>
+            <a:r>
+              <a:rPr lang="en-US" altLang="ja-JP" sz="2000" dirty="0" err="1">
+                <a:latin typeface="游ゴシック Medium" panose="020B0500000000000000" pitchFamily="50" charset="-128"/>
+                <a:ea typeface="游ゴシック Medium" panose="020B0500000000000000" pitchFamily="50" charset="-128"/>
+                <a:cs typeface="Hack NF" panose="020B0609030202020204" pitchFamily="50" charset="0"/>
+              </a:rPr>
+              <a:t>pred_data</a:t>
+            </a:r>
+            <a:r>
+              <a:rPr lang="ja-JP" altLang="en-US" sz="2000" dirty="0">
+                <a:latin typeface="游ゴシック Medium" panose="020B0500000000000000" pitchFamily="50" charset="-128"/>
+                <a:ea typeface="游ゴシック Medium" panose="020B0500000000000000" pitchFamily="50" charset="-128"/>
+                <a:cs typeface="Hack NF" panose="020B0609030202020204" pitchFamily="50" charset="0"/>
+              </a:rPr>
+              <a:t>に対して予測を行い、正確性</a:t>
+            </a:r>
+            <a:r>
+              <a:rPr lang="en-US" altLang="ja-JP" sz="2000" dirty="0">
+                <a:latin typeface="游ゴシック Medium" panose="020B0500000000000000" pitchFamily="50" charset="-128"/>
+                <a:ea typeface="游ゴシック Medium" panose="020B0500000000000000" pitchFamily="50" charset="-128"/>
+                <a:cs typeface="Hack NF" panose="020B0609030202020204" pitchFamily="50" charset="0"/>
+              </a:rPr>
+              <a:t>(Accuracy)</a:t>
+            </a:r>
+            <a:r>
+              <a:rPr lang="ja-JP" altLang="en-US" sz="2000" dirty="0">
+                <a:latin typeface="游ゴシック Medium" panose="020B0500000000000000" pitchFamily="50" charset="-128"/>
+                <a:ea typeface="游ゴシック Medium" panose="020B0500000000000000" pitchFamily="50" charset="-128"/>
+                <a:cs typeface="Hack NF" panose="020B0609030202020204" pitchFamily="50" charset="0"/>
+              </a:rPr>
+              <a:t>の平均を算出した。</a:t>
+            </a:r>
+            <a:endParaRPr lang="en-US" altLang="ja-JP" sz="2000" dirty="0">
+              <a:latin typeface="游ゴシック Medium" panose="020B0500000000000000" pitchFamily="50" charset="-128"/>
+              <a:ea typeface="游ゴシック Medium" panose="020B0500000000000000" pitchFamily="50" charset="-128"/>
+              <a:cs typeface="Hack NF" panose="020B0609030202020204" pitchFamily="50" charset="0"/>
+            </a:endParaRPr>
+          </a:p>
+        </p:txBody>
+      </p:sp>
+      <p:pic>
+        <p:nvPicPr>
+          <p:cNvPr id="5" name="図 4">
+            <a:extLst>
+              <a:ext uri="{FF2B5EF4-FFF2-40B4-BE49-F238E27FC236}">
+                <a16:creationId xmlns:a16="http://schemas.microsoft.com/office/drawing/2014/main" id="{3751F9F6-DAE3-6261-2B67-D4116FDB8E95}"/>
+              </a:ext>
+            </a:extLst>
+          </p:cNvPr>
+          <p:cNvPicPr>
+            <a:picLocks noChangeAspect="1"/>
+          </p:cNvPicPr>
+          <p:nvPr/>
+        </p:nvPicPr>
+        <p:blipFill>
+          <a:blip r:embed="rId2"/>
+          <a:stretch>
+            <a:fillRect/>
+          </a:stretch>
+        </p:blipFill>
+        <p:spPr>
+          <a:xfrm>
+            <a:off x="437541" y="1105642"/>
+            <a:ext cx="6589527" cy="51718"/>
+          </a:xfrm>
+          <a:prstGeom prst="rect">
+            <a:avLst/>
+          </a:prstGeom>
+        </p:spPr>
+      </p:pic>
+      <p:pic>
+        <p:nvPicPr>
+          <p:cNvPr id="8" name="グラフィックス 7">
+            <a:extLst>
+              <a:ext uri="{FF2B5EF4-FFF2-40B4-BE49-F238E27FC236}">
+                <a16:creationId xmlns:a16="http://schemas.microsoft.com/office/drawing/2014/main" id="{125B4F33-640E-FBE0-B23E-F64D965B66BC}"/>
+              </a:ext>
+            </a:extLst>
+          </p:cNvPr>
+          <p:cNvPicPr>
+            <a:picLocks noChangeAspect="1"/>
+          </p:cNvPicPr>
+          <p:nvPr/>
+        </p:nvPicPr>
+        <p:blipFill>
+          <a:blip r:embed="rId3">
+            <a:extLst>
+              <a:ext uri="{28A0092B-C50C-407E-A947-70E740481C1C}">
+                <a14:useLocalDpi xmlns:a14="http://schemas.microsoft.com/office/drawing/2010/main" val="0"/>
+              </a:ext>
+              <a:ext uri="{96DAC541-7B7A-43D3-8B79-37D633B846F1}">
+                <asvg:svgBlip xmlns:asvg="http://schemas.microsoft.com/office/drawing/2016/SVG/main" r:embed="rId4"/>
+              </a:ext>
+            </a:extLst>
+          </a:blip>
+          <a:stretch>
+            <a:fillRect/>
+          </a:stretch>
+        </p:blipFill>
+        <p:spPr>
+          <a:xfrm rot="16200000">
+            <a:off x="367653" y="5769891"/>
+            <a:ext cx="417736" cy="417736"/>
+          </a:xfrm>
+          <a:prstGeom prst="rect">
+            <a:avLst/>
+          </a:prstGeom>
+        </p:spPr>
+      </p:pic>
+      <p:pic>
+        <p:nvPicPr>
+          <p:cNvPr id="9" name="グラフィックス 8">
+            <a:extLst>
+              <a:ext uri="{FF2B5EF4-FFF2-40B4-BE49-F238E27FC236}">
+                <a16:creationId xmlns:a16="http://schemas.microsoft.com/office/drawing/2014/main" id="{8467F5D5-47E1-1739-D837-D8F254B1D5FA}"/>
+              </a:ext>
+            </a:extLst>
+          </p:cNvPr>
+          <p:cNvPicPr>
+            <a:picLocks noChangeAspect="1"/>
+          </p:cNvPicPr>
+          <p:nvPr/>
+        </p:nvPicPr>
+        <p:blipFill>
+          <a:blip r:embed="rId3">
+            <a:extLst>
+              <a:ext uri="{28A0092B-C50C-407E-A947-70E740481C1C}">
+                <a14:useLocalDpi xmlns:a14="http://schemas.microsoft.com/office/drawing/2010/main" val="0"/>
+              </a:ext>
+              <a:ext uri="{96DAC541-7B7A-43D3-8B79-37D633B846F1}">
+                <asvg:svgBlip xmlns:asvg="http://schemas.microsoft.com/office/drawing/2016/SVG/main" r:embed="rId4"/>
+              </a:ext>
+            </a:extLst>
+          </a:blip>
+          <a:stretch>
+            <a:fillRect/>
+          </a:stretch>
+        </p:blipFill>
+        <p:spPr>
+          <a:xfrm rot="5400000">
+            <a:off x="5559410" y="3670273"/>
+            <a:ext cx="427074" cy="427074"/>
+          </a:xfrm>
+          <a:prstGeom prst="rect">
+            <a:avLst/>
+          </a:prstGeom>
+        </p:spPr>
+      </p:pic>
+      <p:pic>
+        <p:nvPicPr>
+          <p:cNvPr id="12" name="図 11">
+            <a:extLst>
+              <a:ext uri="{FF2B5EF4-FFF2-40B4-BE49-F238E27FC236}">
+                <a16:creationId xmlns:a16="http://schemas.microsoft.com/office/drawing/2014/main" id="{F727FCB7-9D0F-D4DA-B50F-57809D283C9E}"/>
+              </a:ext>
+            </a:extLst>
+          </p:cNvPr>
+          <p:cNvPicPr>
+            <a:picLocks noChangeAspect="1"/>
+          </p:cNvPicPr>
+          <p:nvPr/>
+        </p:nvPicPr>
+        <p:blipFill>
+          <a:blip r:embed="rId2"/>
+          <a:stretch>
+            <a:fillRect/>
+          </a:stretch>
+        </p:blipFill>
+        <p:spPr>
+          <a:xfrm flipV="1">
+            <a:off x="349250" y="6380322"/>
+            <a:ext cx="11493501" cy="45719"/>
+          </a:xfrm>
+          <a:prstGeom prst="rect">
+            <a:avLst/>
+          </a:prstGeom>
+        </p:spPr>
+      </p:pic>
+      <p:sp>
+        <p:nvSpPr>
+          <p:cNvPr id="22" name="テキスト ボックス 21">
+            <a:extLst>
+              <a:ext uri="{FF2B5EF4-FFF2-40B4-BE49-F238E27FC236}">
+                <a16:creationId xmlns:a16="http://schemas.microsoft.com/office/drawing/2014/main" id="{3F4986A2-F65C-7428-7ADB-E06083BF5661}"/>
+              </a:ext>
+            </a:extLst>
+          </p:cNvPr>
+          <p:cNvSpPr txBox="1"/>
+          <p:nvPr/>
+        </p:nvSpPr>
+        <p:spPr>
+          <a:xfrm>
+            <a:off x="271460" y="6473542"/>
+            <a:ext cx="11649078" cy="307777"/>
+          </a:xfrm>
+          <a:prstGeom prst="rect">
+            <a:avLst/>
+          </a:prstGeom>
+          <a:noFill/>
+        </p:spPr>
+        <p:txBody>
+          <a:bodyPr wrap="square">
+            <a:spAutoFit/>
+          </a:bodyPr>
+          <a:lstStyle/>
+          <a:p>
+            <a:r>
+              <a:rPr lang="en-US" altLang="ja-JP" sz="1400" dirty="0">
+                <a:latin typeface="コーポレート・ロゴ ver2 Medium" panose="02000600000000000000" pitchFamily="50" charset="-128"/>
+                <a:ea typeface="コーポレート・ロゴ ver2 Medium" panose="02000600000000000000" pitchFamily="50" charset="-128"/>
+              </a:rPr>
+              <a:t>GCI</a:t>
+            </a:r>
+            <a:r>
+              <a:rPr lang="ja-JP" altLang="en-US" sz="1400" dirty="0">
+                <a:latin typeface="コーポレート・ロゴ ver2 Medium" panose="02000600000000000000" pitchFamily="50" charset="-128"/>
+                <a:ea typeface="コーポレート・ロゴ ver2 Medium" panose="02000600000000000000" pitchFamily="50" charset="-128"/>
+              </a:rPr>
+              <a:t> 東京大学グローバル消費インテリジェンス寄付講座</a:t>
+            </a:r>
+          </a:p>
+        </p:txBody>
+      </p:sp>
+      <p:pic>
+        <p:nvPicPr>
+          <p:cNvPr id="6" name="図 5">
+            <a:extLst>
+              <a:ext uri="{FF2B5EF4-FFF2-40B4-BE49-F238E27FC236}">
+                <a16:creationId xmlns:a16="http://schemas.microsoft.com/office/drawing/2014/main" id="{CDF4CA06-17A3-3223-1C00-C4FE7B99D6C3}"/>
+              </a:ext>
+            </a:extLst>
+          </p:cNvPr>
+          <p:cNvPicPr>
+            <a:picLocks noChangeAspect="1"/>
+          </p:cNvPicPr>
+          <p:nvPr/>
+        </p:nvPicPr>
+        <p:blipFill rotWithShape="1">
+          <a:blip r:embed="rId5"/>
+          <a:srcRect b="78718"/>
+          <a:stretch/>
+        </p:blipFill>
+        <p:spPr>
+          <a:xfrm>
+            <a:off x="581190" y="3883810"/>
+            <a:ext cx="5191757" cy="858838"/>
+          </a:xfrm>
+          <a:prstGeom prst="rect">
+            <a:avLst/>
+          </a:prstGeom>
+        </p:spPr>
+      </p:pic>
+      <p:pic>
+        <p:nvPicPr>
+          <p:cNvPr id="7" name="グラフィックス 6">
+            <a:extLst>
+              <a:ext uri="{FF2B5EF4-FFF2-40B4-BE49-F238E27FC236}">
+                <a16:creationId xmlns:a16="http://schemas.microsoft.com/office/drawing/2014/main" id="{125B4F33-640E-FBE0-B23E-F64D965B66BC}"/>
+              </a:ext>
+            </a:extLst>
+          </p:cNvPr>
+          <p:cNvPicPr>
+            <a:picLocks noChangeAspect="1"/>
+          </p:cNvPicPr>
+          <p:nvPr/>
+        </p:nvPicPr>
+        <p:blipFill>
+          <a:blip r:embed="rId3">
+            <a:extLst>
+              <a:ext uri="{28A0092B-C50C-407E-A947-70E740481C1C}">
+                <a14:useLocalDpi xmlns:a14="http://schemas.microsoft.com/office/drawing/2010/main" val="0"/>
+              </a:ext>
+              <a:ext uri="{96DAC541-7B7A-43D3-8B79-37D633B846F1}">
+                <asvg:svgBlip xmlns:asvg="http://schemas.microsoft.com/office/drawing/2016/SVG/main" r:embed="rId4"/>
+              </a:ext>
+            </a:extLst>
+          </a:blip>
+          <a:stretch>
+            <a:fillRect/>
+          </a:stretch>
+        </p:blipFill>
+        <p:spPr>
+          <a:xfrm rot="16200000">
+            <a:off x="6309269" y="4656670"/>
+            <a:ext cx="417736" cy="417736"/>
+          </a:xfrm>
+          <a:prstGeom prst="rect">
+            <a:avLst/>
+          </a:prstGeom>
+        </p:spPr>
+      </p:pic>
+      <p:pic>
+        <p:nvPicPr>
+          <p:cNvPr id="13" name="図 12">
+            <a:extLst>
+              <a:ext uri="{FF2B5EF4-FFF2-40B4-BE49-F238E27FC236}">
+                <a16:creationId xmlns:a16="http://schemas.microsoft.com/office/drawing/2014/main" id="{41827CB1-A499-52CD-791E-68F131360488}"/>
+              </a:ext>
+            </a:extLst>
+          </p:cNvPr>
+          <p:cNvPicPr>
+            <a:picLocks noChangeAspect="1"/>
+          </p:cNvPicPr>
+          <p:nvPr/>
+        </p:nvPicPr>
+        <p:blipFill>
+          <a:blip r:embed="rId6">
+            <a:extLst>
+              <a:ext uri="{28A0092B-C50C-407E-A947-70E740481C1C}">
+                <a14:useLocalDpi xmlns:a14="http://schemas.microsoft.com/office/drawing/2010/main" val="0"/>
+              </a:ext>
+            </a:extLst>
+          </a:blip>
+          <a:stretch>
+            <a:fillRect/>
+          </a:stretch>
+        </p:blipFill>
+        <p:spPr>
+          <a:xfrm>
+            <a:off x="6309269" y="1402949"/>
+            <a:ext cx="5301541" cy="3728705"/>
+          </a:xfrm>
+          <a:prstGeom prst="rect">
+            <a:avLst/>
+          </a:prstGeom>
+        </p:spPr>
+      </p:pic>
+      <p:pic>
+        <p:nvPicPr>
+          <p:cNvPr id="16" name="図 15">
+            <a:extLst>
+              <a:ext uri="{FF2B5EF4-FFF2-40B4-BE49-F238E27FC236}">
+                <a16:creationId xmlns:a16="http://schemas.microsoft.com/office/drawing/2014/main" id="{9FC558A0-5887-29ED-53D6-A067770E6EBB}"/>
+              </a:ext>
+            </a:extLst>
+          </p:cNvPr>
+          <p:cNvPicPr>
+            <a:picLocks noChangeAspect="1"/>
+          </p:cNvPicPr>
+          <p:nvPr/>
+        </p:nvPicPr>
+        <p:blipFill rotWithShape="1">
+          <a:blip r:embed="rId7"/>
+          <a:srcRect t="79106"/>
+          <a:stretch/>
+        </p:blipFill>
+        <p:spPr>
+          <a:xfrm>
+            <a:off x="581190" y="5114431"/>
+            <a:ext cx="5191757" cy="843172"/>
+          </a:xfrm>
+          <a:prstGeom prst="rect">
+            <a:avLst/>
+          </a:prstGeom>
+        </p:spPr>
+      </p:pic>
+      <p:sp>
+        <p:nvSpPr>
+          <p:cNvPr id="15" name="四角形: 角を丸くする 14">
+            <a:extLst>
+              <a:ext uri="{FF2B5EF4-FFF2-40B4-BE49-F238E27FC236}">
+                <a16:creationId xmlns:a16="http://schemas.microsoft.com/office/drawing/2014/main" id="{7E21C201-7E33-5977-E881-2A118A82A065}"/>
+              </a:ext>
+            </a:extLst>
+          </p:cNvPr>
+          <p:cNvSpPr/>
+          <p:nvPr/>
+        </p:nvSpPr>
+        <p:spPr>
+          <a:xfrm>
+            <a:off x="581189" y="5409657"/>
+            <a:ext cx="5191757" cy="290187"/>
+          </a:xfrm>
+          <a:prstGeom prst="roundRect">
+            <a:avLst/>
+          </a:prstGeom>
+          <a:noFill/>
+          <a:ln w="19050">
+            <a:solidFill>
+              <a:srgbClr val="03BDBA"/>
+            </a:solidFill>
+          </a:ln>
+        </p:spPr>
+        <p:style>
+          <a:lnRef idx="2">
+            <a:schemeClr val="accent1">
+              <a:shade val="15000"/>
+            </a:schemeClr>
+          </a:lnRef>
+          <a:fillRef idx="1">
+            <a:schemeClr val="accent1"/>
+          </a:fillRef>
+          <a:effectRef idx="0">
+            <a:schemeClr val="accent1"/>
+          </a:effectRef>
+          <a:fontRef idx="minor">
+            <a:schemeClr val="lt1"/>
+          </a:fontRef>
+        </p:style>
+        <p:txBody>
+          <a:bodyPr rtlCol="0" anchor="ctr"/>
+          <a:lstStyle/>
+          <a:p>
+            <a:pPr algn="ctr"/>
+            <a:endParaRPr kumimoji="1" lang="ja-JP" altLang="en-US"/>
+          </a:p>
+        </p:txBody>
+      </p:sp>
+      <p:sp>
+        <p:nvSpPr>
+          <p:cNvPr id="21" name="テキスト ボックス 20">
+            <a:extLst>
+              <a:ext uri="{FF2B5EF4-FFF2-40B4-BE49-F238E27FC236}">
+                <a16:creationId xmlns:a16="http://schemas.microsoft.com/office/drawing/2014/main" id="{6F5ED829-46BE-1AB0-6219-415ACDE77FAE}"/>
+              </a:ext>
+            </a:extLst>
+          </p:cNvPr>
+          <p:cNvSpPr txBox="1"/>
+          <p:nvPr/>
+        </p:nvSpPr>
+        <p:spPr>
+          <a:xfrm>
+            <a:off x="6254750" y="5554750"/>
+            <a:ext cx="5672499" cy="923330"/>
+          </a:xfrm>
+          <a:prstGeom prst="rect">
+            <a:avLst/>
+          </a:prstGeom>
+          <a:noFill/>
+        </p:spPr>
+        <p:txBody>
+          <a:bodyPr wrap="square">
+            <a:spAutoFit/>
+          </a:bodyPr>
+          <a:lstStyle/>
+          <a:p>
+            <a:r>
+              <a:rPr kumimoji="1" lang="en-US" altLang="ja-JP" sz="1800" dirty="0">
+                <a:highlight>
+                  <a:srgbClr val="EAEAEA"/>
+                </a:highlight>
+                <a:latin typeface="Hack NF" panose="020B0609030202020204" pitchFamily="50" charset="0"/>
+                <a:ea typeface="Hack NF" panose="020B0609030202020204" pitchFamily="50" charset="0"/>
+                <a:cs typeface="Hack NF" panose="020B0609030202020204" pitchFamily="50" charset="0"/>
+              </a:rPr>
+              <a:t>classfication.</a:t>
+            </a:r>
+          </a:p>
+          <a:p>
+            <a:r>
+              <a:rPr kumimoji="1" lang="en-US" altLang="ja-JP" sz="1800" dirty="0">
+                <a:highlight>
+                  <a:srgbClr val="EAEAEA"/>
+                </a:highlight>
+                <a:latin typeface="Hack NF" panose="020B0609030202020204" pitchFamily="50" charset="0"/>
+                <a:ea typeface="Hack NF" panose="020B0609030202020204" pitchFamily="50" charset="0"/>
+                <a:cs typeface="Hack NF" panose="020B0609030202020204" pitchFamily="50" charset="0"/>
+              </a:rPr>
+              <a:t>plot_model(</a:t>
+            </a:r>
+            <a:r>
+              <a:rPr kumimoji="1" lang="en-US" altLang="ja-JP" sz="1800" dirty="0" err="1">
+                <a:highlight>
+                  <a:srgbClr val="EAEAEA"/>
+                </a:highlight>
+                <a:latin typeface="Hack NF" panose="020B0609030202020204" pitchFamily="50" charset="0"/>
+                <a:ea typeface="Hack NF" panose="020B0609030202020204" pitchFamily="50" charset="0"/>
+                <a:cs typeface="Hack NF" panose="020B0609030202020204" pitchFamily="50" charset="0"/>
+              </a:rPr>
+              <a:t>tuned_model</a:t>
+            </a:r>
+            <a:r>
+              <a:rPr kumimoji="1" lang="en-US" altLang="ja-JP" sz="1800" dirty="0">
+                <a:highlight>
+                  <a:srgbClr val="EAEAEA"/>
+                </a:highlight>
+                <a:latin typeface="Hack NF" panose="020B0609030202020204" pitchFamily="50" charset="0"/>
+                <a:ea typeface="Hack NF" panose="020B0609030202020204" pitchFamily="50" charset="0"/>
+                <a:cs typeface="Hack NF" panose="020B0609030202020204" pitchFamily="50" charset="0"/>
+              </a:rPr>
+              <a:t>, plot='feature')</a:t>
+            </a:r>
+          </a:p>
+          <a:p>
+            <a:endParaRPr lang="ja-JP" altLang="en-US" dirty="0"/>
+          </a:p>
+        </p:txBody>
+      </p:sp>
+      <p:pic>
+        <p:nvPicPr>
+          <p:cNvPr id="23" name="グラフィックス 22">
+            <a:extLst>
+              <a:ext uri="{FF2B5EF4-FFF2-40B4-BE49-F238E27FC236}">
+                <a16:creationId xmlns:a16="http://schemas.microsoft.com/office/drawing/2014/main" id="{CBF1D682-2F81-E97E-4BB4-6BE369B422A1}"/>
+              </a:ext>
+            </a:extLst>
+          </p:cNvPr>
+          <p:cNvPicPr>
+            <a:picLocks noChangeAspect="1"/>
+          </p:cNvPicPr>
+          <p:nvPr/>
+        </p:nvPicPr>
+        <p:blipFill>
+          <a:blip r:embed="rId3">
+            <a:extLst>
+              <a:ext uri="{28A0092B-C50C-407E-A947-70E740481C1C}">
+                <a14:useLocalDpi xmlns:a14="http://schemas.microsoft.com/office/drawing/2010/main" val="0"/>
+              </a:ext>
+              <a:ext uri="{96DAC541-7B7A-43D3-8B79-37D633B846F1}">
+                <asvg:svgBlip xmlns:asvg="http://schemas.microsoft.com/office/drawing/2016/SVG/main" r:embed="rId4"/>
+              </a:ext>
+            </a:extLst>
+          </a:blip>
+          <a:stretch>
+            <a:fillRect/>
+          </a:stretch>
+        </p:blipFill>
+        <p:spPr>
+          <a:xfrm rot="5400000">
+            <a:off x="11336048" y="1361157"/>
+            <a:ext cx="427074" cy="427074"/>
+          </a:xfrm>
+          <a:prstGeom prst="rect">
+            <a:avLst/>
+          </a:prstGeom>
+        </p:spPr>
+      </p:pic>
+      <p:sp>
+        <p:nvSpPr>
+          <p:cNvPr id="25" name="テキスト ボックス 24">
+            <a:extLst>
+              <a:ext uri="{FF2B5EF4-FFF2-40B4-BE49-F238E27FC236}">
+                <a16:creationId xmlns:a16="http://schemas.microsoft.com/office/drawing/2014/main" id="{A4AE5355-9DBB-F818-B62C-C9CB270D2BD8}"/>
+              </a:ext>
+            </a:extLst>
+          </p:cNvPr>
+          <p:cNvSpPr txBox="1"/>
+          <p:nvPr/>
+        </p:nvSpPr>
+        <p:spPr>
+          <a:xfrm rot="5400000">
+            <a:off x="2973867" y="4722244"/>
+            <a:ext cx="406400" cy="369332"/>
+          </a:xfrm>
+          <a:prstGeom prst="rect">
+            <a:avLst/>
+          </a:prstGeom>
+          <a:noFill/>
+        </p:spPr>
+        <p:txBody>
+          <a:bodyPr wrap="square">
+            <a:spAutoFit/>
+          </a:bodyPr>
+          <a:lstStyle/>
+          <a:p>
+            <a:r>
+              <a:rPr lang="en-US" altLang="ja-JP" dirty="0">
+                <a:latin typeface="游ゴシック Medium" panose="020B0500000000000000" pitchFamily="50" charset="-128"/>
+                <a:ea typeface="游ゴシック Medium" panose="020B0500000000000000" pitchFamily="50" charset="-128"/>
+              </a:rPr>
+              <a:t>…</a:t>
+            </a:r>
+            <a:endParaRPr lang="ja-JP" altLang="en-US" dirty="0"/>
+          </a:p>
+        </p:txBody>
+      </p:sp>
+    </p:spTree>
+    <p:extLst>
+      <p:ext uri="{BB962C8B-B14F-4D97-AF65-F5344CB8AC3E}">
+        <p14:creationId xmlns:p14="http://schemas.microsoft.com/office/powerpoint/2010/main" val="369895975"/>
       </p:ext>
     </p:extLst>
   </p:cSld>
@@ -5604,4 +7852,594 @@
     </a:ext>
   </a:extLst>
 </a:theme>
+</file>
+
+<file path=ppt/theme/theme2.xml><?xml version="1.0" encoding="utf-8"?>
+<a:theme xmlns:a="http://schemas.openxmlformats.org/drawingml/2006/main" name="Office テーマ">
+  <a:themeElements>
+    <a:clrScheme name="Office">
+      <a:dk1>
+        <a:sysClr val="windowText" lastClr="000000"/>
+      </a:dk1>
+      <a:lt1>
+        <a:sysClr val="window" lastClr="FFFFFF"/>
+      </a:lt1>
+      <a:dk2>
+        <a:srgbClr val="44546A"/>
+      </a:dk2>
+      <a:lt2>
+        <a:srgbClr val="E7E6E6"/>
+      </a:lt2>
+      <a:accent1>
+        <a:srgbClr val="4472C4"/>
+      </a:accent1>
+      <a:accent2>
+        <a:srgbClr val="ED7D31"/>
+      </a:accent2>
+      <a:accent3>
+        <a:srgbClr val="A5A5A5"/>
+      </a:accent3>
+      <a:accent4>
+        <a:srgbClr val="FFC000"/>
+      </a:accent4>
+      <a:accent5>
+        <a:srgbClr val="5B9BD5"/>
+      </a:accent5>
+      <a:accent6>
+        <a:srgbClr val="70AD47"/>
+      </a:accent6>
+      <a:hlink>
+        <a:srgbClr val="0563C1"/>
+      </a:hlink>
+      <a:folHlink>
+        <a:srgbClr val="954F72"/>
+      </a:folHlink>
+    </a:clrScheme>
+    <a:fontScheme name="Office">
+      <a:majorFont>
+        <a:latin typeface="游ゴシック Light" panose="020F0302020204030204"/>
+        <a:ea typeface=""/>
+        <a:cs typeface=""/>
+        <a:font script="Jpan" typeface="游ゴシック Light"/>
+        <a:font script="Hang" typeface="맑은 고딕"/>
+        <a:font script="Hans" typeface="等线 Light"/>
+        <a:font script="Hant" typeface="新細明體"/>
+        <a:font script="Arab" typeface="Times New Roman"/>
+        <a:font script="Hebr" typeface="Times New Roman"/>
+        <a:font script="Thai" typeface="Angsana New"/>
+        <a:font script="Ethi" typeface="Nyala"/>
+        <a:font script="Beng" typeface="Vrinda"/>
+        <a:font script="Gujr" typeface="Shruti"/>
+        <a:font script="Khmr" typeface="MoolBoran"/>
+        <a:font script="Knda" typeface="Tunga"/>
+        <a:font script="Guru" typeface="Raavi"/>
+        <a:font script="Cans" typeface="Euphemia"/>
+        <a:font script="Cher" typeface="Plantagenet Cherokee"/>
+        <a:font script="Yiii" typeface="Microsoft Yi Baiti"/>
+        <a:font script="Tibt" typeface="Microsoft Himalaya"/>
+        <a:font script="Thaa" typeface="MV Boli"/>
+        <a:font script="Deva" typeface="Mangal"/>
+        <a:font script="Telu" typeface="Gautami"/>
+        <a:font script="Taml" typeface="Latha"/>
+        <a:font script="Syrc" typeface="Estrangelo Edessa"/>
+        <a:font script="Orya" typeface="Kalinga"/>
+        <a:font script="Mlym" typeface="Kartika"/>
+        <a:font script="Laoo" typeface="DokChampa"/>
+        <a:font script="Sinh" typeface="Iskoola Pota"/>
+        <a:font script="Mong" typeface="Mongolian Baiti"/>
+        <a:font script="Viet" typeface="Times New Roman"/>
+        <a:font script="Uigh" typeface="Microsoft Uighur"/>
+        <a:font script="Geor" typeface="Sylfaen"/>
+        <a:font script="Armn" typeface="Arial"/>
+        <a:font script="Bugi" typeface="Leelawadee UI"/>
+        <a:font script="Bopo" typeface="Microsoft JhengHei"/>
+        <a:font script="Java" typeface="Javanese Text"/>
+        <a:font script="Lisu" typeface="Segoe UI"/>
+        <a:font script="Mymr" typeface="Myanmar Text"/>
+        <a:font script="Nkoo" typeface="Ebrima"/>
+        <a:font script="Olck" typeface="Nirmala UI"/>
+        <a:font script="Osma" typeface="Ebrima"/>
+        <a:font script="Phag" typeface="Phagspa"/>
+        <a:font script="Syrn" typeface="Estrangelo Edessa"/>
+        <a:font script="Syrj" typeface="Estrangelo Edessa"/>
+        <a:font script="Syre" typeface="Estrangelo Edessa"/>
+        <a:font script="Sora" typeface="Nirmala UI"/>
+        <a:font script="Tale" typeface="Microsoft Tai Le"/>
+        <a:font script="Talu" typeface="Microsoft New Tai Lue"/>
+        <a:font script="Tfng" typeface="Ebrima"/>
+      </a:majorFont>
+      <a:minorFont>
+        <a:latin typeface="游ゴシック" panose="020F0502020204030204"/>
+        <a:ea typeface=""/>
+        <a:cs typeface=""/>
+        <a:font script="Jpan" typeface="游ゴシック"/>
+        <a:font script="Hang" typeface="맑은 고딕"/>
+        <a:font script="Hans" typeface="等线"/>
+        <a:font script="Hant" typeface="新細明體"/>
+        <a:font script="Arab" typeface="Arial"/>
+        <a:font script="Hebr" typeface="Arial"/>
+        <a:font script="Thai" typeface="Cordia New"/>
+        <a:font script="Ethi" typeface="Nyala"/>
+        <a:font script="Beng" typeface="Vrinda"/>
+        <a:font script="Gujr" typeface="Shruti"/>
+        <a:font script="Khmr" typeface="DaunPenh"/>
+        <a:font script="Knda" typeface="Tunga"/>
+        <a:font script="Guru" typeface="Raavi"/>
+        <a:font script="Cans" typeface="Euphemia"/>
+        <a:font script="Cher" typeface="Plantagenet Cherokee"/>
+        <a:font script="Yiii" typeface="Microsoft Yi Baiti"/>
+        <a:font script="Tibt" typeface="Microsoft Himalaya"/>
+        <a:font script="Thaa" typeface="MV Boli"/>
+        <a:font script="Deva" typeface="Mangal"/>
+        <a:font script="Telu" typeface="Gautami"/>
+        <a:font script="Taml" typeface="Latha"/>
+        <a:font script="Syrc" typeface="Estrangelo Edessa"/>
+        <a:font script="Orya" typeface="Kalinga"/>
+        <a:font script="Mlym" typeface="Kartika"/>
+        <a:font script="Laoo" typeface="DokChampa"/>
+        <a:font script="Sinh" typeface="Iskoola Pota"/>
+        <a:font script="Mong" typeface="Mongolian Baiti"/>
+        <a:font script="Viet" typeface="Arial"/>
+        <a:font script="Uigh" typeface="Microsoft Uighur"/>
+        <a:font script="Geor" typeface="Sylfaen"/>
+        <a:font script="Armn" typeface="Arial"/>
+        <a:font script="Bugi" typeface="Leelawadee UI"/>
+        <a:font script="Bopo" typeface="Microsoft JhengHei"/>
+        <a:font script="Java" typeface="Javanese Text"/>
+        <a:font script="Lisu" typeface="Segoe UI"/>
+        <a:font script="Mymr" typeface="Myanmar Text"/>
+        <a:font script="Nkoo" typeface="Ebrima"/>
+        <a:font script="Olck" typeface="Nirmala UI"/>
+        <a:font script="Osma" typeface="Ebrima"/>
+        <a:font script="Phag" typeface="Phagspa"/>
+        <a:font script="Syrn" typeface="Estrangelo Edessa"/>
+        <a:font script="Syrj" typeface="Estrangelo Edessa"/>
+        <a:font script="Syre" typeface="Estrangelo Edessa"/>
+        <a:font script="Sora" typeface="Nirmala UI"/>
+        <a:font script="Tale" typeface="Microsoft Tai Le"/>
+        <a:font script="Talu" typeface="Microsoft New Tai Lue"/>
+        <a:font script="Tfng" typeface="Ebrima"/>
+      </a:minorFont>
+    </a:fontScheme>
+    <a:fmtScheme name="Office">
+      <a:fillStyleLst>
+        <a:solidFill>
+          <a:schemeClr val="phClr"/>
+        </a:solidFill>
+        <a:gradFill rotWithShape="1">
+          <a:gsLst>
+            <a:gs pos="0">
+              <a:schemeClr val="phClr">
+                <a:lumMod val="110000"/>
+                <a:satMod val="105000"/>
+                <a:tint val="67000"/>
+              </a:schemeClr>
+            </a:gs>
+            <a:gs pos="50000">
+              <a:schemeClr val="phClr">
+                <a:lumMod val="105000"/>
+                <a:satMod val="103000"/>
+                <a:tint val="73000"/>
+              </a:schemeClr>
+            </a:gs>
+            <a:gs pos="100000">
+              <a:schemeClr val="phClr">
+                <a:lumMod val="105000"/>
+                <a:satMod val="109000"/>
+                <a:tint val="81000"/>
+              </a:schemeClr>
+            </a:gs>
+          </a:gsLst>
+          <a:lin ang="5400000" scaled="0"/>
+        </a:gradFill>
+        <a:gradFill rotWithShape="1">
+          <a:gsLst>
+            <a:gs pos="0">
+              <a:schemeClr val="phClr">
+                <a:satMod val="103000"/>
+                <a:lumMod val="102000"/>
+                <a:tint val="94000"/>
+              </a:schemeClr>
+            </a:gs>
+            <a:gs pos="50000">
+              <a:schemeClr val="phClr">
+                <a:satMod val="110000"/>
+                <a:lumMod val="100000"/>
+                <a:shade val="100000"/>
+              </a:schemeClr>
+            </a:gs>
+            <a:gs pos="100000">
+              <a:schemeClr val="phClr">
+                <a:lumMod val="99000"/>
+                <a:satMod val="120000"/>
+                <a:shade val="78000"/>
+              </a:schemeClr>
+            </a:gs>
+          </a:gsLst>
+          <a:lin ang="5400000" scaled="0"/>
+        </a:gradFill>
+      </a:fillStyleLst>
+      <a:lnStyleLst>
+        <a:ln w="6350" cap="flat" cmpd="sng" algn="ctr">
+          <a:solidFill>
+            <a:schemeClr val="phClr"/>
+          </a:solidFill>
+          <a:prstDash val="solid"/>
+          <a:miter lim="800000"/>
+        </a:ln>
+        <a:ln w="12700" cap="flat" cmpd="sng" algn="ctr">
+          <a:solidFill>
+            <a:schemeClr val="phClr"/>
+          </a:solidFill>
+          <a:prstDash val="solid"/>
+          <a:miter lim="800000"/>
+        </a:ln>
+        <a:ln w="19050" cap="flat" cmpd="sng" algn="ctr">
+          <a:solidFill>
+            <a:schemeClr val="phClr"/>
+          </a:solidFill>
+          <a:prstDash val="solid"/>
+          <a:miter lim="800000"/>
+        </a:ln>
+      </a:lnStyleLst>
+      <a:effectStyleLst>
+        <a:effectStyle>
+          <a:effectLst/>
+        </a:effectStyle>
+        <a:effectStyle>
+          <a:effectLst/>
+        </a:effectStyle>
+        <a:effectStyle>
+          <a:effectLst>
+            <a:outerShdw blurRad="57150" dist="19050" dir="5400000" algn="ctr" rotWithShape="0">
+              <a:srgbClr val="000000">
+                <a:alpha val="63000"/>
+              </a:srgbClr>
+            </a:outerShdw>
+          </a:effectLst>
+        </a:effectStyle>
+      </a:effectStyleLst>
+      <a:bgFillStyleLst>
+        <a:solidFill>
+          <a:schemeClr val="phClr"/>
+        </a:solidFill>
+        <a:solidFill>
+          <a:schemeClr val="phClr">
+            <a:tint val="95000"/>
+            <a:satMod val="170000"/>
+          </a:schemeClr>
+        </a:solidFill>
+        <a:gradFill rotWithShape="1">
+          <a:gsLst>
+            <a:gs pos="0">
+              <a:schemeClr val="phClr">
+                <a:tint val="93000"/>
+                <a:satMod val="150000"/>
+                <a:shade val="98000"/>
+                <a:lumMod val="102000"/>
+              </a:schemeClr>
+            </a:gs>
+            <a:gs pos="50000">
+              <a:schemeClr val="phClr">
+                <a:tint val="98000"/>
+                <a:satMod val="130000"/>
+                <a:shade val="90000"/>
+                <a:lumMod val="103000"/>
+              </a:schemeClr>
+            </a:gs>
+            <a:gs pos="100000">
+              <a:schemeClr val="phClr">
+                <a:shade val="63000"/>
+                <a:satMod val="120000"/>
+              </a:schemeClr>
+            </a:gs>
+          </a:gsLst>
+          <a:lin ang="5400000" scaled="0"/>
+        </a:gradFill>
+      </a:bgFillStyleLst>
+    </a:fmtScheme>
+  </a:themeElements>
+  <a:objectDefaults/>
+  <a:extraClrSchemeLst/>
+  <a:extLst>
+    <a:ext uri="{05A4C25C-085E-4340-85A3-A5531E510DB2}">
+      <thm15:themeFamily xmlns:thm15="http://schemas.microsoft.com/office/thememl/2012/main" name="Office Theme" id="{62F939B6-93AF-4DB8-9C6B-D6C7DFDC589F}" vid="{4A3C46E8-61CC-4603-A589-7422A47A8E4A}"/>
+    </a:ext>
+  </a:extLst>
+</a:theme>
+</file>
+
+<file path=ppt/theme/theme3.xml><?xml version="1.0" encoding="utf-8"?>
+<a:theme xmlns:a="http://schemas.openxmlformats.org/drawingml/2006/main" name="Office テーマ">
+  <a:themeElements>
+    <a:clrScheme name="Office">
+      <a:dk1>
+        <a:sysClr val="windowText" lastClr="000000"/>
+      </a:dk1>
+      <a:lt1>
+        <a:sysClr val="window" lastClr="FFFFFF"/>
+      </a:lt1>
+      <a:dk2>
+        <a:srgbClr val="44546A"/>
+      </a:dk2>
+      <a:lt2>
+        <a:srgbClr val="E7E6E6"/>
+      </a:lt2>
+      <a:accent1>
+        <a:srgbClr val="4472C4"/>
+      </a:accent1>
+      <a:accent2>
+        <a:srgbClr val="ED7D31"/>
+      </a:accent2>
+      <a:accent3>
+        <a:srgbClr val="A5A5A5"/>
+      </a:accent3>
+      <a:accent4>
+        <a:srgbClr val="FFC000"/>
+      </a:accent4>
+      <a:accent5>
+        <a:srgbClr val="5B9BD5"/>
+      </a:accent5>
+      <a:accent6>
+        <a:srgbClr val="70AD47"/>
+      </a:accent6>
+      <a:hlink>
+        <a:srgbClr val="0563C1"/>
+      </a:hlink>
+      <a:folHlink>
+        <a:srgbClr val="954F72"/>
+      </a:folHlink>
+    </a:clrScheme>
+    <a:fontScheme name="Office">
+      <a:majorFont>
+        <a:latin typeface="游ゴシック Light" panose="020F0302020204030204"/>
+        <a:ea typeface=""/>
+        <a:cs typeface=""/>
+        <a:font script="Jpan" typeface="游ゴシック Light"/>
+        <a:font script="Hang" typeface="맑은 고딕"/>
+        <a:font script="Hans" typeface="等线 Light"/>
+        <a:font script="Hant" typeface="新細明體"/>
+        <a:font script="Arab" typeface="Times New Roman"/>
+        <a:font script="Hebr" typeface="Times New Roman"/>
+        <a:font script="Thai" typeface="Angsana New"/>
+        <a:font script="Ethi" typeface="Nyala"/>
+        <a:font script="Beng" typeface="Vrinda"/>
+        <a:font script="Gujr" typeface="Shruti"/>
+        <a:font script="Khmr" typeface="MoolBoran"/>
+        <a:font script="Knda" typeface="Tunga"/>
+        <a:font script="Guru" typeface="Raavi"/>
+        <a:font script="Cans" typeface="Euphemia"/>
+        <a:font script="Cher" typeface="Plantagenet Cherokee"/>
+        <a:font script="Yiii" typeface="Microsoft Yi Baiti"/>
+        <a:font script="Tibt" typeface="Microsoft Himalaya"/>
+        <a:font script="Thaa" typeface="MV Boli"/>
+        <a:font script="Deva" typeface="Mangal"/>
+        <a:font script="Telu" typeface="Gautami"/>
+        <a:font script="Taml" typeface="Latha"/>
+        <a:font script="Syrc" typeface="Estrangelo Edessa"/>
+        <a:font script="Orya" typeface="Kalinga"/>
+        <a:font script="Mlym" typeface="Kartika"/>
+        <a:font script="Laoo" typeface="DokChampa"/>
+        <a:font script="Sinh" typeface="Iskoola Pota"/>
+        <a:font script="Mong" typeface="Mongolian Baiti"/>
+        <a:font script="Viet" typeface="Times New Roman"/>
+        <a:font script="Uigh" typeface="Microsoft Uighur"/>
+        <a:font script="Geor" typeface="Sylfaen"/>
+        <a:font script="Armn" typeface="Arial"/>
+        <a:font script="Bugi" typeface="Leelawadee UI"/>
+        <a:font script="Bopo" typeface="Microsoft JhengHei"/>
+        <a:font script="Java" typeface="Javanese Text"/>
+        <a:font script="Lisu" typeface="Segoe UI"/>
+        <a:font script="Mymr" typeface="Myanmar Text"/>
+        <a:font script="Nkoo" typeface="Ebrima"/>
+        <a:font script="Olck" typeface="Nirmala UI"/>
+        <a:font script="Osma" typeface="Ebrima"/>
+        <a:font script="Phag" typeface="Phagspa"/>
+        <a:font script="Syrn" typeface="Estrangelo Edessa"/>
+        <a:font script="Syrj" typeface="Estrangelo Edessa"/>
+        <a:font script="Syre" typeface="Estrangelo Edessa"/>
+        <a:font script="Sora" typeface="Nirmala UI"/>
+        <a:font script="Tale" typeface="Microsoft Tai Le"/>
+        <a:font script="Talu" typeface="Microsoft New Tai Lue"/>
+        <a:font script="Tfng" typeface="Ebrima"/>
+      </a:majorFont>
+      <a:minorFont>
+        <a:latin typeface="游ゴシック" panose="020F0502020204030204"/>
+        <a:ea typeface=""/>
+        <a:cs typeface=""/>
+        <a:font script="Jpan" typeface="游ゴシック"/>
+        <a:font script="Hang" typeface="맑은 고딕"/>
+        <a:font script="Hans" typeface="等线"/>
+        <a:font script="Hant" typeface="新細明體"/>
+        <a:font script="Arab" typeface="Arial"/>
+        <a:font script="Hebr" typeface="Arial"/>
+        <a:font script="Thai" typeface="Cordia New"/>
+        <a:font script="Ethi" typeface="Nyala"/>
+        <a:font script="Beng" typeface="Vrinda"/>
+        <a:font script="Gujr" typeface="Shruti"/>
+        <a:font script="Khmr" typeface="DaunPenh"/>
+        <a:font script="Knda" typeface="Tunga"/>
+        <a:font script="Guru" typeface="Raavi"/>
+        <a:font script="Cans" typeface="Euphemia"/>
+        <a:font script="Cher" typeface="Plantagenet Cherokee"/>
+        <a:font script="Yiii" typeface="Microsoft Yi Baiti"/>
+        <a:font script="Tibt" typeface="Microsoft Himalaya"/>
+        <a:font script="Thaa" typeface="MV Boli"/>
+        <a:font script="Deva" typeface="Mangal"/>
+        <a:font script="Telu" typeface="Gautami"/>
+        <a:font script="Taml" typeface="Latha"/>
+        <a:font script="Syrc" typeface="Estrangelo Edessa"/>
+        <a:font script="Orya" typeface="Kalinga"/>
+        <a:font script="Mlym" typeface="Kartika"/>
+        <a:font script="Laoo" typeface="DokChampa"/>
+        <a:font script="Sinh" typeface="Iskoola Pota"/>
+        <a:font script="Mong" typeface="Mongolian Baiti"/>
+        <a:font script="Viet" typeface="Arial"/>
+        <a:font script="Uigh" typeface="Microsoft Uighur"/>
+        <a:font script="Geor" typeface="Sylfaen"/>
+        <a:font script="Armn" typeface="Arial"/>
+        <a:font script="Bugi" typeface="Leelawadee UI"/>
+        <a:font script="Bopo" typeface="Microsoft JhengHei"/>
+        <a:font script="Java" typeface="Javanese Text"/>
+        <a:font script="Lisu" typeface="Segoe UI"/>
+        <a:font script="Mymr" typeface="Myanmar Text"/>
+        <a:font script="Nkoo" typeface="Ebrima"/>
+        <a:font script="Olck" typeface="Nirmala UI"/>
+        <a:font script="Osma" typeface="Ebrima"/>
+        <a:font script="Phag" typeface="Phagspa"/>
+        <a:font script="Syrn" typeface="Estrangelo Edessa"/>
+        <a:font script="Syrj" typeface="Estrangelo Edessa"/>
+        <a:font script="Syre" typeface="Estrangelo Edessa"/>
+        <a:font script="Sora" typeface="Nirmala UI"/>
+        <a:font script="Tale" typeface="Microsoft Tai Le"/>
+        <a:font script="Talu" typeface="Microsoft New Tai Lue"/>
+        <a:font script="Tfng" typeface="Ebrima"/>
+      </a:minorFont>
+    </a:fontScheme>
+    <a:fmtScheme name="Office">
+      <a:fillStyleLst>
+        <a:solidFill>
+          <a:schemeClr val="phClr"/>
+        </a:solidFill>
+        <a:gradFill rotWithShape="1">
+          <a:gsLst>
+            <a:gs pos="0">
+              <a:schemeClr val="phClr">
+                <a:lumMod val="110000"/>
+                <a:satMod val="105000"/>
+                <a:tint val="67000"/>
+              </a:schemeClr>
+            </a:gs>
+            <a:gs pos="50000">
+              <a:schemeClr val="phClr">
+                <a:lumMod val="105000"/>
+                <a:satMod val="103000"/>
+                <a:tint val="73000"/>
+              </a:schemeClr>
+            </a:gs>
+            <a:gs pos="100000">
+              <a:schemeClr val="phClr">
+                <a:lumMod val="105000"/>
+                <a:satMod val="109000"/>
+                <a:tint val="81000"/>
+              </a:schemeClr>
+            </a:gs>
+          </a:gsLst>
+          <a:lin ang="5400000" scaled="0"/>
+        </a:gradFill>
+        <a:gradFill rotWithShape="1">
+          <a:gsLst>
+            <a:gs pos="0">
+              <a:schemeClr val="phClr">
+                <a:satMod val="103000"/>
+                <a:lumMod val="102000"/>
+                <a:tint val="94000"/>
+              </a:schemeClr>
+            </a:gs>
+            <a:gs pos="50000">
+              <a:schemeClr val="phClr">
+                <a:satMod val="110000"/>
+                <a:lumMod val="100000"/>
+                <a:shade val="100000"/>
+              </a:schemeClr>
+            </a:gs>
+            <a:gs pos="100000">
+              <a:schemeClr val="phClr">
+                <a:lumMod val="99000"/>
+                <a:satMod val="120000"/>
+                <a:shade val="78000"/>
+              </a:schemeClr>
+            </a:gs>
+          </a:gsLst>
+          <a:lin ang="5400000" scaled="0"/>
+        </a:gradFill>
+      </a:fillStyleLst>
+      <a:lnStyleLst>
+        <a:ln w="6350" cap="flat" cmpd="sng" algn="ctr">
+          <a:solidFill>
+            <a:schemeClr val="phClr"/>
+          </a:solidFill>
+          <a:prstDash val="solid"/>
+          <a:miter lim="800000"/>
+        </a:ln>
+        <a:ln w="12700" cap="flat" cmpd="sng" algn="ctr">
+          <a:solidFill>
+            <a:schemeClr val="phClr"/>
+          </a:solidFill>
+          <a:prstDash val="solid"/>
+          <a:miter lim="800000"/>
+        </a:ln>
+        <a:ln w="19050" cap="flat" cmpd="sng" algn="ctr">
+          <a:solidFill>
+            <a:schemeClr val="phClr"/>
+          </a:solidFill>
+          <a:prstDash val="solid"/>
+          <a:miter lim="800000"/>
+        </a:ln>
+      </a:lnStyleLst>
+      <a:effectStyleLst>
+        <a:effectStyle>
+          <a:effectLst/>
+        </a:effectStyle>
+        <a:effectStyle>
+          <a:effectLst/>
+        </a:effectStyle>
+        <a:effectStyle>
+          <a:effectLst>
+            <a:outerShdw blurRad="57150" dist="19050" dir="5400000" algn="ctr" rotWithShape="0">
+              <a:srgbClr val="000000">
+                <a:alpha val="63000"/>
+              </a:srgbClr>
+            </a:outerShdw>
+          </a:effectLst>
+        </a:effectStyle>
+      </a:effectStyleLst>
+      <a:bgFillStyleLst>
+        <a:solidFill>
+          <a:schemeClr val="phClr"/>
+        </a:solidFill>
+        <a:solidFill>
+          <a:schemeClr val="phClr">
+            <a:tint val="95000"/>
+            <a:satMod val="170000"/>
+          </a:schemeClr>
+        </a:solidFill>
+        <a:gradFill rotWithShape="1">
+          <a:gsLst>
+            <a:gs pos="0">
+              <a:schemeClr val="phClr">
+                <a:tint val="93000"/>
+                <a:satMod val="150000"/>
+                <a:shade val="98000"/>
+                <a:lumMod val="102000"/>
+              </a:schemeClr>
+            </a:gs>
+            <a:gs pos="50000">
+              <a:schemeClr val="phClr">
+                <a:tint val="98000"/>
+                <a:satMod val="130000"/>
+                <a:shade val="90000"/>
+                <a:lumMod val="103000"/>
+              </a:schemeClr>
+            </a:gs>
+            <a:gs pos="100000">
+              <a:schemeClr val="phClr">
+                <a:shade val="63000"/>
+                <a:satMod val="120000"/>
+              </a:schemeClr>
+            </a:gs>
+          </a:gsLst>
+          <a:lin ang="5400000" scaled="0"/>
+        </a:gradFill>
+      </a:bgFillStyleLst>
+    </a:fmtScheme>
+  </a:themeElements>
+  <a:objectDefaults/>
+  <a:extraClrSchemeLst/>
+  <a:extLst>
+    <a:ext uri="{05A4C25C-085E-4340-85A3-A5531E510DB2}">
+      <thm15:themeFamily xmlns:thm15="http://schemas.microsoft.com/office/thememl/2012/main" name="Office Theme" id="{62F939B6-93AF-4DB8-9C6B-D6C7DFDC589F}" vid="{4A3C46E8-61CC-4603-A589-7422A47A8E4A}"/>
+    </a:ext>
+  </a:extLst>
+</a:theme>
 </file>
--- a/LDA_Attrition.pptx
+++ b/LDA_Attrition.pptx
@@ -5,10 +5,10 @@
     <p:sldMasterId id="2147483648" r:id="rId1"/>
   </p:sldMasterIdLst>
   <p:notesMasterIdLst>
-    <p:notesMasterId r:id="rId15"/>
+    <p:notesMasterId r:id="rId17"/>
   </p:notesMasterIdLst>
   <p:handoutMasterIdLst>
-    <p:handoutMasterId r:id="rId16"/>
+    <p:handoutMasterId r:id="rId18"/>
   </p:handoutMasterIdLst>
   <p:sldIdLst>
     <p:sldId id="256" r:id="rId2"/>
@@ -22,8 +22,10 @@
     <p:sldId id="265" r:id="rId10"/>
     <p:sldId id="266" r:id="rId11"/>
     <p:sldId id="263" r:id="rId12"/>
-    <p:sldId id="267" r:id="rId13"/>
-    <p:sldId id="269" r:id="rId14"/>
+    <p:sldId id="270" r:id="rId13"/>
+    <p:sldId id="267" r:id="rId14"/>
+    <p:sldId id="271" r:id="rId15"/>
+    <p:sldId id="269" r:id="rId16"/>
   </p:sldIdLst>
   <p:sldSz cx="12192000" cy="6858000"/>
   <p:notesSz cx="6858000" cy="9144000"/>
@@ -5613,7 +5615,7 @@
         </p:nvSpPr>
         <p:spPr>
           <a:xfrm>
-            <a:off x="437540" y="4093437"/>
+            <a:off x="437540" y="3707699"/>
             <a:ext cx="11536470" cy="2286884"/>
           </a:xfrm>
           <a:prstGeom prst="rect">
@@ -6064,7 +6066,29 @@
                 <a:ea typeface="游ゴシック Medium" panose="020B0500000000000000" pitchFamily="50" charset="-128"/>
                 <a:cs typeface="FiraCode Nerd Font Mono" panose="02000009000000000000" pitchFamily="49" charset="0"/>
               </a:rPr>
-              <a:t>離職率を下げることによる人件費などを考慮した総合的評価 ＝＞人件費の項目がない為、不可能</a:t>
+              <a:t>離職率を下げることによる人件費などを考慮した総合的評価 </a:t>
+            </a:r>
+            <a:r>
+              <a:rPr lang="en-US" altLang="ja-JP" sz="1800" dirty="0">
+                <a:solidFill>
+                  <a:prstClr val="black"/>
+                </a:solidFill>
+                <a:latin typeface="游ゴシック Medium" panose="020B0500000000000000" pitchFamily="50" charset="-128"/>
+                <a:ea typeface="游ゴシック Medium" panose="020B0500000000000000" pitchFamily="50" charset="-128"/>
+                <a:cs typeface="FiraCode Nerd Font Mono" panose="02000009000000000000" pitchFamily="49" charset="0"/>
+              </a:rPr>
+              <a:t>… </a:t>
+            </a:r>
+            <a:r>
+              <a:rPr lang="ja-JP" altLang="en-US" sz="1800" dirty="0">
+                <a:solidFill>
+                  <a:prstClr val="black"/>
+                </a:solidFill>
+                <a:latin typeface="游ゴシック Medium" panose="020B0500000000000000" pitchFamily="50" charset="-128"/>
+                <a:ea typeface="游ゴシック Medium" panose="020B0500000000000000" pitchFamily="50" charset="-128"/>
+                <a:cs typeface="FiraCode Nerd Font Mono" panose="02000009000000000000" pitchFamily="49" charset="0"/>
+              </a:rPr>
+              <a:t>人件費の項目がない為、不可能</a:t>
             </a:r>
             <a:endParaRPr lang="en-US" altLang="ja-JP" sz="1800" dirty="0">
               <a:solidFill>
@@ -6156,7 +6180,7 @@
         </p:nvSpPr>
         <p:spPr>
           <a:xfrm>
-            <a:off x="437539" y="3676762"/>
+            <a:off x="437539" y="3291024"/>
             <a:ext cx="6096000" cy="400110"/>
           </a:xfrm>
           <a:prstGeom prst="rect">
@@ -6249,6 +6273,45 @@
               <a:ea typeface="コーポレート・ロゴ ver2 Medium" panose="02000600000000000000" pitchFamily="50" charset="-128"/>
               <a:cs typeface="+mn-cs"/>
             </a:endParaRPr>
+          </a:p>
+        </p:txBody>
+      </p:sp>
+      <p:sp>
+        <p:nvSpPr>
+          <p:cNvPr id="4" name="テキスト ボックス 3">
+            <a:extLst>
+              <a:ext uri="{FF2B5EF4-FFF2-40B4-BE49-F238E27FC236}">
+                <a16:creationId xmlns:a16="http://schemas.microsoft.com/office/drawing/2014/main" id="{2E6C371E-971B-3A04-59AB-7ADF9AD49778}"/>
+              </a:ext>
+            </a:extLst>
+          </p:cNvPr>
+          <p:cNvSpPr txBox="1"/>
+          <p:nvPr/>
+        </p:nvSpPr>
+        <p:spPr>
+          <a:xfrm>
+            <a:off x="5711030" y="6477048"/>
+            <a:ext cx="769937" cy="369332"/>
+          </a:xfrm>
+          <a:prstGeom prst="rect">
+            <a:avLst/>
+          </a:prstGeom>
+          <a:noFill/>
+        </p:spPr>
+        <p:txBody>
+          <a:bodyPr wrap="square" rtlCol="0">
+            <a:spAutoFit/>
+          </a:bodyPr>
+          <a:lstStyle/>
+          <a:p>
+            <a:pPr algn="ctr"/>
+            <a:r>
+              <a:rPr lang="en-US" altLang="ja-JP" dirty="0">
+                <a:latin typeface="マキナス 4 Flat" panose="02000600000000000000" pitchFamily="50" charset="-128"/>
+                <a:ea typeface="マキナス 4 Flat" panose="02000600000000000000" pitchFamily="50" charset="-128"/>
+              </a:rPr>
+              <a:t>10</a:t>
+            </a:r>
           </a:p>
         </p:txBody>
       </p:sp>
@@ -6383,7 +6446,7 @@
         <p:spPr>
           <a:xfrm>
             <a:off x="437539" y="1666016"/>
-            <a:ext cx="15339490" cy="5698715"/>
+            <a:ext cx="11594441" cy="3970855"/>
           </a:xfrm>
         </p:spPr>
         <p:txBody>
@@ -6410,7 +6473,7 @@
               <a:defRPr/>
             </a:pPr>
             <a:r>
-              <a:rPr kumimoji="1" lang="en-US" altLang="ja-JP" sz="1400" b="0" i="0" u="none" strike="noStrike" kern="1200" cap="none" spc="0" normalizeH="0" baseline="0" noProof="0" dirty="0">
+              <a:rPr kumimoji="1" lang="en-US" altLang="ja-JP" sz="1400" b="0" i="0" u="none" strike="noStrike" kern="1200" cap="none" spc="0" normalizeH="0" baseline="0" noProof="0" dirty="0" err="1">
                 <a:ln>
                   <a:noFill/>
                 </a:ln>
@@ -6430,10 +6493,16 @@
               <a:t>Overtime:No</a:t>
             </a:r>
             <a:r>
-              <a:rPr lang="en-US" altLang="ja-JP" sz="1400" dirty="0">
-                <a:solidFill>
-                  <a:prstClr val="black"/>
-                </a:solidFill>
+              <a:rPr kumimoji="1" lang="en-US" altLang="ja-JP" sz="1400" b="0" i="0" u="none" strike="noStrike" kern="1200" cap="none" spc="0" normalizeH="0" baseline="0" noProof="0" dirty="0">
+                <a:ln>
+                  <a:noFill/>
+                </a:ln>
+                <a:solidFill>
+                  <a:prstClr val="black"/>
+                </a:solidFill>
+                <a:effectLst/>
+                <a:uLnTx/>
+                <a:uFillTx/>
                 <a:latin typeface="游ゴシック Medium" panose="020B0500000000000000" pitchFamily="50" charset="-128"/>
                 <a:ea typeface="游ゴシック Medium" panose="020B0500000000000000" pitchFamily="50" charset="-128"/>
                 <a:cs typeface="FiraCode Nerd Font Mono" panose="02000009000000000000" pitchFamily="49" charset="0"/>
@@ -6441,10 +6510,16 @@
               <a:t> </a:t>
             </a:r>
             <a:r>
-              <a:rPr lang="ja-JP" altLang="en-US" sz="1600" dirty="0">
-                <a:solidFill>
-                  <a:prstClr val="black"/>
-                </a:solidFill>
+              <a:rPr kumimoji="1" lang="ja-JP" altLang="en-US" sz="1600" b="0" i="0" u="none" strike="noStrike" kern="1200" cap="none" spc="0" normalizeH="0" baseline="0" noProof="0" dirty="0">
+                <a:ln>
+                  <a:noFill/>
+                </a:ln>
+                <a:solidFill>
+                  <a:prstClr val="black"/>
+                </a:solidFill>
+                <a:effectLst/>
+                <a:uLnTx/>
+                <a:uFillTx/>
                 <a:latin typeface="游ゴシック Medium" panose="020B0500000000000000" pitchFamily="50" charset="-128"/>
                 <a:ea typeface="游ゴシック Medium" panose="020B0500000000000000" pitchFamily="50" charset="-128"/>
                 <a:cs typeface="FiraCode Nerd Font Mono" panose="02000009000000000000" pitchFamily="49" charset="0"/>
@@ -6506,10 +6581,16 @@
               <a:t>)</a:t>
             </a:r>
             <a:r>
-              <a:rPr lang="ja-JP" altLang="en-US" sz="1600" dirty="0">
-                <a:solidFill>
-                  <a:prstClr val="black"/>
-                </a:solidFill>
+              <a:rPr kumimoji="1" lang="ja-JP" altLang="en-US" sz="1600" b="0" i="0" u="none" strike="noStrike" kern="1200" cap="none" spc="0" normalizeH="0" baseline="0" noProof="0" dirty="0">
+                <a:ln>
+                  <a:noFill/>
+                </a:ln>
+                <a:solidFill>
+                  <a:prstClr val="black"/>
+                </a:solidFill>
+                <a:effectLst/>
+                <a:uLnTx/>
+                <a:uFillTx/>
                 <a:latin typeface="游ゴシック Medium" panose="020B0500000000000000" pitchFamily="50" charset="-128"/>
                 <a:ea typeface="游ゴシック Medium" panose="020B0500000000000000" pitchFamily="50" charset="-128"/>
                 <a:cs typeface="FiraCode Nerd Font Mono" panose="02000009000000000000" pitchFamily="49" charset="0"/>
@@ -6517,10 +6598,16 @@
               <a:t>は減るか</a:t>
             </a:r>
             <a:r>
-              <a:rPr lang="en-US" altLang="ja-JP" sz="1600" dirty="0">
-                <a:solidFill>
-                  <a:prstClr val="black"/>
-                </a:solidFill>
+              <a:rPr kumimoji="1" lang="en-US" altLang="ja-JP" sz="1600" b="0" i="0" u="none" strike="noStrike" kern="1200" cap="none" spc="0" normalizeH="0" baseline="0" noProof="0" dirty="0">
+                <a:ln>
+                  <a:noFill/>
+                </a:ln>
+                <a:solidFill>
+                  <a:prstClr val="black"/>
+                </a:solidFill>
+                <a:effectLst/>
+                <a:uLnTx/>
+                <a:uFillTx/>
                 <a:latin typeface="游ゴシック Medium" panose="020B0500000000000000" pitchFamily="50" charset="-128"/>
                 <a:ea typeface="游ゴシック Medium" panose="020B0500000000000000" pitchFamily="50" charset="-128"/>
                 <a:cs typeface="FiraCode Nerd Font Mono" panose="02000009000000000000" pitchFamily="49" charset="0"/>
@@ -6547,10 +6634,16 @@
               <a:defRPr/>
             </a:pPr>
             <a:r>
-              <a:rPr lang="ja-JP" altLang="en-US" sz="1600" b="1" dirty="0">
+              <a:rPr kumimoji="1" lang="ja-JP" altLang="en-US" sz="1800" b="1" i="0" u="none" strike="noStrike" kern="1200" cap="none" spc="0" normalizeH="0" baseline="0" noProof="0" dirty="0">
+                <a:ln>
+                  <a:noFill/>
+                </a:ln>
                 <a:solidFill>
                   <a:srgbClr val="03BDBA"/>
                 </a:solidFill>
+                <a:effectLst/>
+                <a:uLnTx/>
+                <a:uFillTx/>
                 <a:latin typeface="游ゴシック Medium" panose="020B0500000000000000" pitchFamily="50" charset="-128"/>
                 <a:ea typeface="游ゴシック Medium" panose="020B0500000000000000" pitchFamily="50" charset="-128"/>
                 <a:cs typeface="FiraCode Nerd Font Mono" panose="02000009000000000000" pitchFamily="49" charset="0"/>
@@ -6558,20 +6651,32 @@
               <a:t>検</a:t>
             </a:r>
             <a:r>
-              <a:rPr lang="ja-JP" altLang="en-US" sz="1600" b="1" dirty="0">
-                <a:solidFill>
-                  <a:prstClr val="black"/>
-                </a:solidFill>
+              <a:rPr kumimoji="1" lang="ja-JP" altLang="en-US" sz="1800" b="1" i="0" u="none" strike="noStrike" kern="1200" cap="none" spc="0" normalizeH="0" baseline="0" noProof="0" dirty="0">
+                <a:ln>
+                  <a:noFill/>
+                </a:ln>
+                <a:solidFill>
+                  <a:prstClr val="black"/>
+                </a:solidFill>
+                <a:effectLst/>
+                <a:uLnTx/>
+                <a:uFillTx/>
                 <a:latin typeface="游ゴシック Medium" panose="020B0500000000000000" pitchFamily="50" charset="-128"/>
                 <a:ea typeface="游ゴシック Medium" panose="020B0500000000000000" pitchFamily="50" charset="-128"/>
                 <a:cs typeface="FiraCode Nerd Font Mono" panose="02000009000000000000" pitchFamily="49" charset="0"/>
               </a:rPr>
               <a:t>証</a:t>
             </a:r>
-            <a:endParaRPr lang="en-US" altLang="ja-JP" sz="1600" b="1" dirty="0">
+            <a:endParaRPr kumimoji="1" lang="en-US" altLang="ja-JP" sz="1800" b="1" i="0" u="none" strike="noStrike" kern="1200" cap="none" spc="0" normalizeH="0" baseline="0" noProof="0" dirty="0">
+              <a:ln>
+                <a:noFill/>
+              </a:ln>
               <a:solidFill>
                 <a:prstClr val="black"/>
               </a:solidFill>
+              <a:effectLst/>
+              <a:uLnTx/>
+              <a:uFillTx/>
               <a:latin typeface="游ゴシック Medium" panose="020B0500000000000000" pitchFamily="50" charset="-128"/>
               <a:ea typeface="游ゴシック Medium" panose="020B0500000000000000" pitchFamily="50" charset="-128"/>
               <a:cs typeface="FiraCode Nerd Font Mono" panose="02000009000000000000" pitchFamily="49" charset="0"/>
@@ -6596,21 +6701,67 @@
               <a:defRPr/>
             </a:pPr>
             <a:r>
-              <a:rPr lang="ja-JP" altLang="en-US" sz="1600" dirty="0">
-                <a:solidFill>
-                  <a:prstClr val="black"/>
-                </a:solidFill>
-                <a:latin typeface="游ゴシック Medium" panose="020B0500000000000000" pitchFamily="50" charset="-128"/>
-                <a:ea typeface="游ゴシック Medium" panose="020B0500000000000000" pitchFamily="50" charset="-128"/>
-                <a:cs typeface="FiraCode Nerd Font Mono" panose="02000009000000000000" pitchFamily="49" charset="0"/>
-              </a:rPr>
-              <a:t>　先ほど最適化したモデルに</a:t>
-            </a:r>
-            <a:r>
-              <a:rPr lang="ja-JP" altLang="en-US" sz="1800" dirty="0">
-                <a:solidFill>
-                  <a:prstClr val="black"/>
-                </a:solidFill>
+              <a:rPr kumimoji="1" lang="ja-JP" altLang="en-US" sz="1600" b="0" i="0" u="none" strike="noStrike" kern="1200" cap="none" spc="0" normalizeH="0" baseline="0" noProof="0" dirty="0">
+                <a:ln>
+                  <a:noFill/>
+                </a:ln>
+                <a:solidFill>
+                  <a:prstClr val="black"/>
+                </a:solidFill>
+                <a:effectLst/>
+                <a:uLnTx/>
+                <a:uFillTx/>
+                <a:latin typeface="游ゴシック Medium" panose="020B0500000000000000" pitchFamily="50" charset="-128"/>
+                <a:ea typeface="游ゴシック Medium" panose="020B0500000000000000" pitchFamily="50" charset="-128"/>
+                <a:cs typeface="FiraCode Nerd Font Mono" panose="02000009000000000000" pitchFamily="49" charset="0"/>
+              </a:rPr>
+              <a:t>　先ほど最適化したモデル</a:t>
+            </a:r>
+            <a:r>
+              <a:rPr kumimoji="1" lang="en-US" altLang="ja-JP" sz="1600" b="0" i="0" u="none" strike="noStrike" kern="1200" cap="none" spc="0" normalizeH="0" baseline="0" noProof="0" dirty="0">
+                <a:ln>
+                  <a:noFill/>
+                </a:ln>
+                <a:solidFill>
+                  <a:prstClr val="black"/>
+                </a:solidFill>
+                <a:effectLst/>
+                <a:uLnTx/>
+                <a:uFillTx/>
+                <a:latin typeface="游ゴシック Medium" panose="020B0500000000000000" pitchFamily="50" charset="-128"/>
+                <a:ea typeface="游ゴシック Medium" panose="020B0500000000000000" pitchFamily="50" charset="-128"/>
+                <a:cs typeface="FiraCode Nerd Font Mono" panose="02000009000000000000" pitchFamily="49" charset="0"/>
+              </a:rPr>
+              <a:t>(LDA) </a:t>
+            </a:r>
+            <a:r>
+              <a:rPr kumimoji="1" lang="ja-JP" altLang="en-US" sz="1600" b="0" i="0" u="none" strike="noStrike" kern="1200" cap="none" spc="0" normalizeH="0" baseline="0" noProof="0" dirty="0">
+                <a:ln>
+                  <a:noFill/>
+                </a:ln>
+                <a:solidFill>
+                  <a:prstClr val="black"/>
+                </a:solidFill>
+                <a:effectLst/>
+                <a:uLnTx/>
+                <a:uFillTx/>
+                <a:latin typeface="游ゴシック Medium" panose="020B0500000000000000" pitchFamily="50" charset="-128"/>
+                <a:ea typeface="游ゴシック Medium" panose="020B0500000000000000" pitchFamily="50" charset="-128"/>
+                <a:cs typeface="FiraCode Nerd Font Mono" panose="02000009000000000000" pitchFamily="49" charset="0"/>
+              </a:rPr>
+              <a:t>に</a:t>
+            </a:r>
+            <a:r>
+              <a:rPr kumimoji="1" lang="ja-JP" altLang="en-US" sz="1800" b="0" i="0" u="none" strike="noStrike" kern="1200" cap="none" spc="0" normalizeH="0" baseline="0" noProof="0" dirty="0">
+                <a:ln>
+                  <a:noFill/>
+                </a:ln>
+                <a:solidFill>
+                  <a:prstClr val="black"/>
+                </a:solidFill>
+                <a:effectLst/>
+                <a:uLnTx/>
+                <a:uFillTx/>
                 <a:latin typeface="游ゴシック Medium" panose="020B0500000000000000" pitchFamily="50" charset="-128"/>
                 <a:ea typeface="游ゴシック Medium" panose="020B0500000000000000" pitchFamily="50" charset="-128"/>
                 <a:cs typeface="FiraCode Nerd Font Mono" panose="02000009000000000000" pitchFamily="49" charset="0"/>
@@ -6618,13 +6769,19 @@
               <a:t> </a:t>
             </a:r>
             <a:r>
-              <a:rPr lang="en-US" altLang="ja-JP" sz="1400" dirty="0">
-                <a:solidFill>
-                  <a:prstClr val="black"/>
-                </a:solidFill>
+              <a:rPr kumimoji="1" lang="en-US" altLang="ja-JP" sz="1400" b="0" i="0" u="none" strike="noStrike" kern="1200" cap="none" spc="0" normalizeH="0" baseline="0" noProof="0" dirty="0">
+                <a:ln>
+                  <a:noFill/>
+                </a:ln>
+                <a:solidFill>
+                  <a:prstClr val="black"/>
+                </a:solidFill>
+                <a:effectLst/>
                 <a:highlight>
                   <a:srgbClr val="EAEAEA"/>
                 </a:highlight>
+                <a:uLnTx/>
+                <a:uFillTx/>
                 <a:latin typeface="FiraCode Nerd Font Mono" panose="02000009000000000000" pitchFamily="49" charset="0"/>
                 <a:ea typeface="FiraCode Nerd Font Mono" panose="02000009000000000000" pitchFamily="49" charset="0"/>
                 <a:cs typeface="FiraCode Nerd Font Mono" panose="02000009000000000000" pitchFamily="49" charset="0"/>
@@ -6632,13 +6789,19 @@
               <a:t>data[“</a:t>
             </a:r>
             <a:r>
-              <a:rPr lang="en-US" altLang="ja-JP" sz="1400" dirty="0" err="1">
-                <a:solidFill>
-                  <a:prstClr val="black"/>
-                </a:solidFill>
+              <a:rPr kumimoji="1" lang="en-US" altLang="ja-JP" sz="1400" b="0" i="0" u="none" strike="noStrike" kern="1200" cap="none" spc="0" normalizeH="0" baseline="0" noProof="0" dirty="0" err="1">
+                <a:ln>
+                  <a:noFill/>
+                </a:ln>
+                <a:solidFill>
+                  <a:prstClr val="black"/>
+                </a:solidFill>
+                <a:effectLst/>
                 <a:highlight>
                   <a:srgbClr val="EAEAEA"/>
                 </a:highlight>
+                <a:uLnTx/>
+                <a:uFillTx/>
                 <a:latin typeface="FiraCode Nerd Font Mono" panose="02000009000000000000" pitchFamily="49" charset="0"/>
                 <a:ea typeface="FiraCode Nerd Font Mono" panose="02000009000000000000" pitchFamily="49" charset="0"/>
                 <a:cs typeface="FiraCode Nerd Font Mono" panose="02000009000000000000" pitchFamily="49" charset="0"/>
@@ -6646,13 +6809,19 @@
               <a:t>OverTime</a:t>
             </a:r>
             <a:r>
-              <a:rPr lang="en-US" altLang="ja-JP" sz="1400" dirty="0">
-                <a:solidFill>
-                  <a:prstClr val="black"/>
-                </a:solidFill>
+              <a:rPr kumimoji="1" lang="en-US" altLang="ja-JP" sz="1400" b="0" i="0" u="none" strike="noStrike" kern="1200" cap="none" spc="0" normalizeH="0" baseline="0" noProof="0" dirty="0">
+                <a:ln>
+                  <a:noFill/>
+                </a:ln>
+                <a:solidFill>
+                  <a:prstClr val="black"/>
+                </a:solidFill>
+                <a:effectLst/>
                 <a:highlight>
                   <a:srgbClr val="EAEAEA"/>
                 </a:highlight>
+                <a:uLnTx/>
+                <a:uFillTx/>
                 <a:latin typeface="FiraCode Nerd Font Mono" panose="02000009000000000000" pitchFamily="49" charset="0"/>
                 <a:ea typeface="FiraCode Nerd Font Mono" panose="02000009000000000000" pitchFamily="49" charset="0"/>
                 <a:cs typeface="FiraCode Nerd Font Mono" panose="02000009000000000000" pitchFamily="49" charset="0"/>
@@ -6660,10 +6829,16 @@
               <a:t>”]=0</a:t>
             </a:r>
             <a:r>
-              <a:rPr lang="ja-JP" altLang="en-US" sz="1600" dirty="0">
-                <a:solidFill>
-                  <a:prstClr val="black"/>
-                </a:solidFill>
+              <a:rPr kumimoji="1" lang="ja-JP" altLang="en-US" sz="1600" b="0" i="0" u="none" strike="noStrike" kern="1200" cap="none" spc="0" normalizeH="0" baseline="0" noProof="0" dirty="0">
+                <a:ln>
+                  <a:noFill/>
+                </a:ln>
+                <a:solidFill>
+                  <a:prstClr val="black"/>
+                </a:solidFill>
+                <a:effectLst/>
+                <a:uLnTx/>
+                <a:uFillTx/>
                 <a:latin typeface="游ゴシック Medium" panose="020B0500000000000000" pitchFamily="50" charset="-128"/>
                 <a:ea typeface="游ゴシック Medium" panose="020B0500000000000000" pitchFamily="50" charset="-128"/>
                 <a:cs typeface="FiraCode Nerd Font Mono" panose="02000009000000000000" pitchFamily="49" charset="0"/>
@@ -6671,13 +6846,19 @@
               <a:t> を行ったものを予測させ、</a:t>
             </a:r>
             <a:r>
-              <a:rPr lang="en-US" altLang="ja-JP" sz="1400" dirty="0" err="1">
-                <a:solidFill>
-                  <a:prstClr val="black"/>
-                </a:solidFill>
+              <a:rPr kumimoji="1" lang="en-US" altLang="ja-JP" sz="1400" b="0" i="0" u="none" strike="noStrike" kern="1200" cap="none" spc="0" normalizeH="0" baseline="0" noProof="0" dirty="0" err="1">
+                <a:ln>
+                  <a:noFill/>
+                </a:ln>
+                <a:solidFill>
+                  <a:prstClr val="black"/>
+                </a:solidFill>
+                <a:effectLst/>
                 <a:highlight>
                   <a:srgbClr val="EAEAEA"/>
                 </a:highlight>
+                <a:uLnTx/>
+                <a:uFillTx/>
                 <a:latin typeface="FiraCode Nerd Font Mono" panose="02000009000000000000" pitchFamily="49" charset="0"/>
                 <a:ea typeface="FiraCode Nerd Font Mono" panose="02000009000000000000" pitchFamily="49" charset="0"/>
                 <a:cs typeface="FiraCode Nerd Font Mono" panose="02000009000000000000" pitchFamily="49" charset="0"/>
@@ -6685,13 +6866,19 @@
               <a:t>value_counts</a:t>
             </a:r>
             <a:r>
-              <a:rPr lang="en-US" altLang="ja-JP" sz="1400" dirty="0">
-                <a:solidFill>
-                  <a:prstClr val="black"/>
-                </a:solidFill>
+              <a:rPr kumimoji="1" lang="en-US" altLang="ja-JP" sz="1400" b="0" i="0" u="none" strike="noStrike" kern="1200" cap="none" spc="0" normalizeH="0" baseline="0" noProof="0" dirty="0">
+                <a:ln>
+                  <a:noFill/>
+                </a:ln>
+                <a:solidFill>
+                  <a:prstClr val="black"/>
+                </a:solidFill>
+                <a:effectLst/>
                 <a:highlight>
                   <a:srgbClr val="EAEAEA"/>
                 </a:highlight>
+                <a:uLnTx/>
+                <a:uFillTx/>
                 <a:latin typeface="FiraCode Nerd Font Mono" panose="02000009000000000000" pitchFamily="49" charset="0"/>
                 <a:ea typeface="FiraCode Nerd Font Mono" panose="02000009000000000000" pitchFamily="49" charset="0"/>
                 <a:cs typeface="FiraCode Nerd Font Mono" panose="02000009000000000000" pitchFamily="49" charset="0"/>
@@ -6699,10 +6886,16 @@
               <a:t>()</a:t>
             </a:r>
             <a:r>
-              <a:rPr lang="en-US" altLang="ja-JP" sz="1800" dirty="0">
-                <a:solidFill>
-                  <a:prstClr val="black"/>
-                </a:solidFill>
+              <a:rPr kumimoji="1" lang="en-US" altLang="ja-JP" sz="1800" b="0" i="0" u="none" strike="noStrike" kern="1200" cap="none" spc="0" normalizeH="0" baseline="0" noProof="0" dirty="0">
+                <a:ln>
+                  <a:noFill/>
+                </a:ln>
+                <a:solidFill>
+                  <a:prstClr val="black"/>
+                </a:solidFill>
+                <a:effectLst/>
+                <a:uLnTx/>
+                <a:uFillTx/>
                 <a:latin typeface="游ゴシック Medium" panose="020B0500000000000000" pitchFamily="50" charset="-128"/>
                 <a:ea typeface="游ゴシック Medium" panose="020B0500000000000000" pitchFamily="50" charset="-128"/>
                 <a:cs typeface="FiraCode Nerd Font Mono" panose="02000009000000000000" pitchFamily="49" charset="0"/>
@@ -6710,111 +6903,34 @@
               <a:t> </a:t>
             </a:r>
             <a:r>
-              <a:rPr lang="ja-JP" altLang="en-US" sz="1600" dirty="0">
-                <a:solidFill>
-                  <a:prstClr val="black"/>
-                </a:solidFill>
+              <a:rPr kumimoji="1" lang="ja-JP" altLang="en-US" sz="1600" b="0" i="0" u="none" strike="noStrike" kern="1200" cap="none" spc="0" normalizeH="0" baseline="0" noProof="0" dirty="0">
+                <a:ln>
+                  <a:noFill/>
+                </a:ln>
+                <a:solidFill>
+                  <a:prstClr val="black"/>
+                </a:solidFill>
+                <a:effectLst/>
+                <a:uLnTx/>
+                <a:uFillTx/>
                 <a:latin typeface="游ゴシック Medium" panose="020B0500000000000000" pitchFamily="50" charset="-128"/>
                 <a:ea typeface="游ゴシック Medium" panose="020B0500000000000000" pitchFamily="50" charset="-128"/>
                 <a:cs typeface="FiraCode Nerd Font Mono" panose="02000009000000000000" pitchFamily="49" charset="0"/>
               </a:rPr>
               <a:t>で</a:t>
             </a:r>
-            <a:r>
-              <a:rPr lang="ja-JP" altLang="en-US" sz="1800" dirty="0">
-                <a:solidFill>
-                  <a:prstClr val="black"/>
-                </a:solidFill>
-                <a:latin typeface="游ゴシック Medium" panose="020B0500000000000000" pitchFamily="50" charset="-128"/>
-                <a:ea typeface="游ゴシック Medium" panose="020B0500000000000000" pitchFamily="50" charset="-128"/>
-                <a:cs typeface="FiraCode Nerd Font Mono" panose="02000009000000000000" pitchFamily="49" charset="0"/>
-              </a:rPr>
-              <a:t> </a:t>
-            </a:r>
-            <a:r>
-              <a:rPr lang="en-US" altLang="ja-JP" sz="1400" dirty="0">
-                <a:solidFill>
-                  <a:prstClr val="black"/>
-                </a:solidFill>
-                <a:highlight>
-                  <a:srgbClr val="EAEAEA"/>
-                </a:highlight>
-                <a:latin typeface="FiraCode Nerd Font Mono" panose="02000009000000000000" pitchFamily="49" charset="0"/>
-                <a:ea typeface="FiraCode Nerd Font Mono" panose="02000009000000000000" pitchFamily="49" charset="0"/>
-                <a:cs typeface="FiraCode Nerd Font Mono" panose="02000009000000000000" pitchFamily="49" charset="0"/>
-              </a:rPr>
-              <a:t>Attrition</a:t>
-            </a:r>
-            <a:r>
-              <a:rPr lang="en-US" altLang="ja-JP" sz="1800" dirty="0">
-                <a:solidFill>
-                  <a:prstClr val="black"/>
-                </a:solidFill>
-                <a:latin typeface="游ゴシック Medium" panose="020B0500000000000000" pitchFamily="50" charset="-128"/>
-                <a:ea typeface="游ゴシック Medium" panose="020B0500000000000000" pitchFamily="50" charset="-128"/>
-                <a:cs typeface="FiraCode Nerd Font Mono" panose="02000009000000000000" pitchFamily="49" charset="0"/>
-              </a:rPr>
-              <a:t> </a:t>
-            </a:r>
-            <a:r>
-              <a:rPr lang="ja-JP" altLang="en-US" sz="1600" dirty="0">
-                <a:solidFill>
-                  <a:prstClr val="black"/>
-                </a:solidFill>
-                <a:latin typeface="游ゴシック Medium" panose="020B0500000000000000" pitchFamily="50" charset="-128"/>
-                <a:ea typeface="游ゴシック Medium" panose="020B0500000000000000" pitchFamily="50" charset="-128"/>
-                <a:cs typeface="FiraCode Nerd Font Mono" panose="02000009000000000000" pitchFamily="49" charset="0"/>
-              </a:rPr>
-              <a:t>を確認した。</a:t>
-            </a:r>
-            <a:endParaRPr lang="en-US" altLang="ja-JP" sz="1600" dirty="0">
+            <a:endParaRPr kumimoji="1" lang="en-US" altLang="ja-JP" sz="1600" b="0" i="0" u="none" strike="noStrike" kern="1200" cap="none" spc="0" normalizeH="0" baseline="0" noProof="0" dirty="0">
+              <a:ln>
+                <a:noFill/>
+              </a:ln>
               <a:solidFill>
                 <a:prstClr val="black"/>
               </a:solidFill>
+              <a:effectLst/>
+              <a:uLnTx/>
+              <a:uFillTx/>
               <a:latin typeface="游ゴシック Medium" panose="020B0500000000000000" pitchFamily="50" charset="-128"/>
               <a:ea typeface="游ゴシック Medium" panose="020B0500000000000000" pitchFamily="50" charset="-128"/>
-              <a:cs typeface="FiraCode Nerd Font Mono" panose="02000009000000000000" pitchFamily="49" charset="0"/>
-            </a:endParaRPr>
-          </a:p>
-          <a:p>
-            <a:pPr marL="0" indent="0" eaLnBrk="0" hangingPunct="0">
-              <a:lnSpc>
-                <a:spcPct val="150000"/>
-              </a:lnSpc>
-              <a:spcBef>
-                <a:spcPts val="0"/>
-              </a:spcBef>
-              <a:buNone/>
-              <a:defRPr/>
-            </a:pPr>
-            <a:r>
-              <a:rPr lang="ja-JP" altLang="en-US" sz="1600" b="1" dirty="0">
-                <a:solidFill>
-                  <a:srgbClr val="03BDBA"/>
-                </a:solidFill>
-                <a:latin typeface="游ゴシック Medium" panose="020B0500000000000000" pitchFamily="50" charset="-128"/>
-                <a:ea typeface="游ゴシック Medium" panose="020B0500000000000000" pitchFamily="50" charset="-128"/>
-                <a:cs typeface="FiraCode Nerd Font Mono" panose="02000009000000000000" pitchFamily="49" charset="0"/>
-              </a:rPr>
-              <a:t>結</a:t>
-            </a:r>
-            <a:r>
-              <a:rPr lang="ja-JP" altLang="en-US" sz="1600" b="1" dirty="0">
-                <a:solidFill>
-                  <a:prstClr val="black"/>
-                </a:solidFill>
-                <a:latin typeface="游ゴシック Medium" panose="020B0500000000000000" pitchFamily="50" charset="-128"/>
-                <a:ea typeface="游ゴシック Medium" panose="020B0500000000000000" pitchFamily="50" charset="-128"/>
-                <a:cs typeface="FiraCode Nerd Font Mono" panose="02000009000000000000" pitchFamily="49" charset="0"/>
-              </a:rPr>
-              <a:t>果</a:t>
-            </a:r>
-            <a:endParaRPr lang="en-US" altLang="ja-JP" sz="1400" dirty="0">
-              <a:solidFill>
-                <a:prstClr val="black"/>
-              </a:solidFill>
-              <a:latin typeface="FiraCode Nerd Font Mono" panose="02000009000000000000" pitchFamily="49" charset="0"/>
-              <a:ea typeface="FiraCode Nerd Font Mono" panose="02000009000000000000" pitchFamily="49" charset="0"/>
               <a:cs typeface="FiraCode Nerd Font Mono" panose="02000009000000000000" pitchFamily="49" charset="0"/>
             </a:endParaRPr>
           </a:p>
@@ -6837,48 +6953,52 @@
               <a:defRPr/>
             </a:pPr>
             <a:r>
-              <a:rPr lang="ja-JP" altLang="en-US" sz="1400" dirty="0">
-                <a:solidFill>
-                  <a:prstClr val="black"/>
-                </a:solidFill>
+              <a:rPr lang="ja-JP" altLang="en-US" sz="1600" dirty="0">
+                <a:solidFill>
+                  <a:prstClr val="black"/>
+                </a:solidFill>
+                <a:latin typeface="游ゴシック Medium" panose="020B0500000000000000" pitchFamily="50" charset="-128"/>
+                <a:ea typeface="游ゴシック Medium" panose="020B0500000000000000" pitchFamily="50" charset="-128"/>
+                <a:cs typeface="FiraCode Nerd Font Mono" panose="02000009000000000000" pitchFamily="49" charset="0"/>
+              </a:rPr>
+              <a:t>　</a:t>
+            </a:r>
+            <a:r>
+              <a:rPr kumimoji="1" lang="en-US" altLang="ja-JP" sz="1400" b="0" i="0" u="none" strike="noStrike" kern="1200" cap="none" spc="0" normalizeH="0" baseline="0" noProof="0" dirty="0">
+                <a:ln>
+                  <a:noFill/>
+                </a:ln>
+                <a:solidFill>
+                  <a:prstClr val="black"/>
+                </a:solidFill>
+                <a:effectLst/>
+                <a:highlight>
+                  <a:srgbClr val="EAEAEA"/>
+                </a:highlight>
+                <a:uLnTx/>
+                <a:uFillTx/>
                 <a:latin typeface="FiraCode Nerd Font Mono" panose="02000009000000000000" pitchFamily="49" charset="0"/>
                 <a:ea typeface="FiraCode Nerd Font Mono" panose="02000009000000000000" pitchFamily="49" charset="0"/>
                 <a:cs typeface="FiraCode Nerd Font Mono" panose="02000009000000000000" pitchFamily="49" charset="0"/>
               </a:rPr>
-              <a:t>　</a:t>
-            </a:r>
-            <a:r>
-              <a:rPr lang="en-US" altLang="ja-JP" sz="1400" dirty="0">
-                <a:solidFill>
-                  <a:prstClr val="black"/>
-                </a:solidFill>
-                <a:latin typeface="FiraCode Nerd Font Mono" panose="02000009000000000000" pitchFamily="49" charset="0"/>
-                <a:ea typeface="FiraCode Nerd Font Mono" panose="02000009000000000000" pitchFamily="49" charset="0"/>
-                <a:cs typeface="FiraCode Nerd Font Mono" panose="02000009000000000000" pitchFamily="49" charset="0"/>
-              </a:rPr>
-              <a:t>Data={0:1233, 1:237}(19.2%), Data_No_OverTime={0:1395, 1:75}(5.4%)</a:t>
-            </a:r>
-            <a:r>
-              <a:rPr lang="ja-JP" altLang="en-US" sz="1400" dirty="0">
-                <a:solidFill>
-                  <a:prstClr val="black"/>
-                </a:solidFill>
-                <a:latin typeface="游ゴシック Medium" panose="020B0500000000000000" pitchFamily="50" charset="-128"/>
-                <a:ea typeface="游ゴシック Medium" panose="020B0500000000000000" pitchFamily="50" charset="-128"/>
-                <a:cs typeface="FiraCode Nerd Font Mono" panose="02000009000000000000" pitchFamily="49" charset="0"/>
-              </a:rPr>
-              <a:t>　</a:t>
-            </a:r>
-            <a:r>
-              <a:rPr lang="en-US" altLang="ja-JP" sz="1400" dirty="0">
-                <a:solidFill>
-                  <a:prstClr val="black"/>
-                </a:solidFill>
-                <a:latin typeface="游ゴシック Medium" panose="020B0500000000000000" pitchFamily="50" charset="-128"/>
-                <a:ea typeface="游ゴシック Medium" panose="020B0500000000000000" pitchFamily="50" charset="-128"/>
-                <a:cs typeface="FiraCode Nerd Font Mono" panose="02000009000000000000" pitchFamily="49" charset="0"/>
-              </a:rPr>
-              <a:t>=&gt; </a:t>
+              <a:t>Attrition</a:t>
+            </a:r>
+            <a:r>
+              <a:rPr kumimoji="1" lang="en-US" altLang="ja-JP" sz="1800" b="0" i="0" u="none" strike="noStrike" kern="1200" cap="none" spc="0" normalizeH="0" baseline="0" noProof="0" dirty="0">
+                <a:ln>
+                  <a:noFill/>
+                </a:ln>
+                <a:solidFill>
+                  <a:prstClr val="black"/>
+                </a:solidFill>
+                <a:effectLst/>
+                <a:uLnTx/>
+                <a:uFillTx/>
+                <a:latin typeface="游ゴシック Medium" panose="020B0500000000000000" pitchFamily="50" charset="-128"/>
+                <a:ea typeface="游ゴシック Medium" panose="020B0500000000000000" pitchFamily="50" charset="-128"/>
+                <a:cs typeface="FiraCode Nerd Font Mono" panose="02000009000000000000" pitchFamily="49" charset="0"/>
+              </a:rPr>
+              <a:t> </a:t>
             </a:r>
             <a:r>
               <a:rPr lang="ja-JP" altLang="en-US" sz="1600" dirty="0">
@@ -6889,7 +7009,24 @@
                 <a:ea typeface="游ゴシック Medium" panose="020B0500000000000000" pitchFamily="50" charset="-128"/>
                 <a:cs typeface="FiraCode Nerd Font Mono" panose="02000009000000000000" pitchFamily="49" charset="0"/>
               </a:rPr>
-              <a:t>予想通り離職率はかなり減った。</a:t>
+              <a:t>がとる結果の個数を</a:t>
+            </a:r>
+            <a:r>
+              <a:rPr kumimoji="1" lang="ja-JP" altLang="en-US" sz="1600" b="0" i="0" u="none" strike="noStrike" kern="1200" cap="none" spc="0" normalizeH="0" baseline="0" noProof="0" dirty="0">
+                <a:ln>
+                  <a:noFill/>
+                </a:ln>
+                <a:solidFill>
+                  <a:prstClr val="black"/>
+                </a:solidFill>
+                <a:effectLst/>
+                <a:uLnTx/>
+                <a:uFillTx/>
+                <a:latin typeface="游ゴシック Medium" panose="020B0500000000000000" pitchFamily="50" charset="-128"/>
+                <a:ea typeface="游ゴシック Medium" panose="020B0500000000000000" pitchFamily="50" charset="-128"/>
+                <a:cs typeface="FiraCode Nerd Font Mono" panose="02000009000000000000" pitchFamily="49" charset="0"/>
+              </a:rPr>
+              <a:t>確認した。</a:t>
             </a:r>
             <a:endParaRPr kumimoji="1" lang="en-US" altLang="ja-JP" sz="1400" b="0" i="0" u="none" strike="noStrike" kern="1200" cap="none" spc="0" normalizeH="0" baseline="0" noProof="0" dirty="0">
               <a:ln>
@@ -6928,27 +7065,24 @@
               <a:defRPr/>
             </a:pPr>
             <a:r>
-              <a:rPr kumimoji="1" lang="en-US" altLang="ja-JP" sz="1400" b="0" i="0" u="none" strike="noStrike" kern="1200" cap="none" spc="0" normalizeH="0" baseline="0" noProof="0" dirty="0">
+              <a:rPr kumimoji="1" lang="ja-JP" altLang="en-US" sz="1800" b="1" i="0" u="none" strike="noStrike" kern="1200" cap="none" spc="0" normalizeH="0" baseline="0" noProof="0" dirty="0">
                 <a:ln>
                   <a:noFill/>
                 </a:ln>
                 <a:solidFill>
-                  <a:prstClr val="black"/>
+                  <a:srgbClr val="03BDBA"/>
                 </a:solidFill>
                 <a:effectLst/>
-                <a:highlight>
-                  <a:srgbClr val="EAEAEA"/>
-                </a:highlight>
                 <a:uLnTx/>
                 <a:uFillTx/>
-                <a:latin typeface="FiraCode Nerd Font Mono" panose="02000009000000000000" pitchFamily="49" charset="0"/>
-                <a:ea typeface="FiraCode Nerd Font Mono" panose="02000009000000000000" pitchFamily="49" charset="0"/>
-                <a:cs typeface="FiraCode Nerd Font Mono" panose="02000009000000000000" pitchFamily="49" charset="0"/>
-              </a:rPr>
-              <a:t>Overtime:No</a:t>
-            </a:r>
-            <a:r>
-              <a:rPr kumimoji="1" lang="en-US" altLang="ja-JP" sz="1400" b="0" i="0" u="none" strike="noStrike" kern="1200" cap="none" spc="0" normalizeH="0" baseline="0" noProof="0" dirty="0">
+                <a:latin typeface="游ゴシック Medium" panose="020B0500000000000000" pitchFamily="50" charset="-128"/>
+                <a:ea typeface="游ゴシック Medium" panose="020B0500000000000000" pitchFamily="50" charset="-128"/>
+                <a:cs typeface="FiraCode Nerd Font Mono" panose="02000009000000000000" pitchFamily="49" charset="0"/>
+              </a:rPr>
+              <a:t>結</a:t>
+            </a:r>
+            <a:r>
+              <a:rPr kumimoji="1" lang="ja-JP" altLang="en-US" sz="1800" b="1" i="0" u="none" strike="noStrike" kern="1200" cap="none" spc="0" normalizeH="0" baseline="0" noProof="0" dirty="0">
                 <a:ln>
                   <a:noFill/>
                 </a:ln>
@@ -6962,99 +7096,7 @@
                 <a:ea typeface="游ゴシック Medium" panose="020B0500000000000000" pitchFamily="50" charset="-128"/>
                 <a:cs typeface="FiraCode Nerd Font Mono" panose="02000009000000000000" pitchFamily="49" charset="0"/>
               </a:rPr>
-              <a:t> </a:t>
-            </a:r>
-            <a:r>
-              <a:rPr kumimoji="1" lang="ja-JP" altLang="en-US" sz="1600" b="0" i="0" u="none" strike="noStrike" kern="1200" cap="none" spc="0" normalizeH="0" baseline="0" noProof="0" dirty="0">
-                <a:ln>
-                  <a:noFill/>
-                </a:ln>
-                <a:solidFill>
-                  <a:prstClr val="black"/>
-                </a:solidFill>
-                <a:effectLst/>
-                <a:uLnTx/>
-                <a:uFillTx/>
-                <a:latin typeface="游ゴシック Medium" panose="020B0500000000000000" pitchFamily="50" charset="-128"/>
-                <a:ea typeface="游ゴシック Medium" panose="020B0500000000000000" pitchFamily="50" charset="-128"/>
-                <a:cs typeface="FiraCode Nerd Font Mono" panose="02000009000000000000" pitchFamily="49" charset="0"/>
-              </a:rPr>
-              <a:t>の場合、</a:t>
-            </a:r>
-            <a:r>
-              <a:rPr lang="ja-JP" altLang="en-US" sz="1600" dirty="0">
-                <a:solidFill>
-                  <a:prstClr val="black"/>
-                </a:solidFill>
-                <a:latin typeface="游ゴシック Medium" panose="020B0500000000000000" pitchFamily="50" charset="-128"/>
-                <a:ea typeface="游ゴシック Medium" panose="020B0500000000000000" pitchFamily="50" charset="-128"/>
-                <a:cs typeface="FiraCode Nerd Font Mono" panose="02000009000000000000" pitchFamily="49" charset="0"/>
-              </a:rPr>
-              <a:t>成果</a:t>
-            </a:r>
-            <a:r>
-              <a:rPr lang="en-US" altLang="ja-JP" sz="1600" dirty="0">
-                <a:solidFill>
-                  <a:prstClr val="black"/>
-                </a:solidFill>
-                <a:latin typeface="游ゴシック Medium" panose="020B0500000000000000" pitchFamily="50" charset="-128"/>
-                <a:ea typeface="游ゴシック Medium" panose="020B0500000000000000" pitchFamily="50" charset="-128"/>
-                <a:cs typeface="FiraCode Nerd Font Mono" panose="02000009000000000000" pitchFamily="49" charset="0"/>
-              </a:rPr>
-              <a:t>(</a:t>
-            </a:r>
-            <a:r>
-              <a:rPr lang="en-US" altLang="ja-JP" sz="1400" dirty="0">
-                <a:solidFill>
-                  <a:prstClr val="black"/>
-                </a:solidFill>
-                <a:highlight>
-                  <a:srgbClr val="EAEAEA"/>
-                </a:highlight>
-                <a:latin typeface="FiraCode Nerd Font Mono" panose="02000009000000000000" pitchFamily="49" charset="0"/>
-                <a:ea typeface="FiraCode Nerd Font Mono" panose="02000009000000000000" pitchFamily="49" charset="0"/>
-                <a:cs typeface="FiraCode Nerd Font Mono" panose="02000009000000000000" pitchFamily="49" charset="0"/>
-              </a:rPr>
-              <a:t>Achievement</a:t>
-            </a:r>
-            <a:r>
-              <a:rPr lang="en-US" altLang="ja-JP" sz="1600" dirty="0">
-                <a:solidFill>
-                  <a:prstClr val="black"/>
-                </a:solidFill>
-                <a:latin typeface="游ゴシック Medium" panose="020B0500000000000000" pitchFamily="50" charset="-128"/>
-                <a:ea typeface="游ゴシック Medium" panose="020B0500000000000000" pitchFamily="50" charset="-128"/>
-                <a:cs typeface="FiraCode Nerd Font Mono" panose="02000009000000000000" pitchFamily="49" charset="0"/>
-              </a:rPr>
-              <a:t>)</a:t>
-            </a:r>
-            <a:r>
-              <a:rPr lang="ja-JP" altLang="en-US" sz="1600" dirty="0">
-                <a:solidFill>
-                  <a:prstClr val="black"/>
-                </a:solidFill>
-                <a:latin typeface="游ゴシック Medium" panose="020B0500000000000000" pitchFamily="50" charset="-128"/>
-                <a:ea typeface="游ゴシック Medium" panose="020B0500000000000000" pitchFamily="50" charset="-128"/>
-                <a:cs typeface="FiraCode Nerd Font Mono" panose="02000009000000000000" pitchFamily="49" charset="0"/>
-              </a:rPr>
-              <a:t>も減るか</a:t>
-            </a:r>
-            <a:r>
-              <a:rPr kumimoji="1" lang="en-US" altLang="ja-JP" sz="1600" b="0" i="0" u="none" strike="noStrike" kern="1200" cap="none" spc="0" normalizeH="0" baseline="0" noProof="0" dirty="0">
-                <a:ln>
-                  <a:noFill/>
-                </a:ln>
-                <a:solidFill>
-                  <a:prstClr val="black"/>
-                </a:solidFill>
-                <a:effectLst/>
-                <a:uLnTx/>
-                <a:uFillTx/>
-                <a:latin typeface="游ゴシック Medium" panose="020B0500000000000000" pitchFamily="50" charset="-128"/>
-                <a:ea typeface="游ゴシック Medium" panose="020B0500000000000000" pitchFamily="50" charset="-128"/>
-                <a:cs typeface="FiraCode Nerd Font Mono" panose="02000009000000000000" pitchFamily="49" charset="0"/>
-              </a:rPr>
-              <a:t>?</a:t>
+              <a:t>果</a:t>
             </a:r>
             <a:endParaRPr kumimoji="1" lang="en-US" altLang="ja-JP" sz="1800" b="0" i="0" u="none" strike="noStrike" kern="1200" cap="none" spc="0" normalizeH="0" baseline="0" noProof="0" dirty="0">
               <a:ln>
@@ -7095,7 +7137,7 @@
                   <a:noFill/>
                 </a:ln>
                 <a:solidFill>
-                  <a:srgbClr val="03BDBA"/>
+                  <a:prstClr val="black"/>
                 </a:solidFill>
                 <a:effectLst/>
                 <a:uLnTx/>
@@ -7104,10 +7146,10 @@
                 <a:ea typeface="游ゴシック Medium" panose="020B0500000000000000" pitchFamily="50" charset="-128"/>
                 <a:cs typeface="FiraCode Nerd Font Mono" panose="02000009000000000000" pitchFamily="49" charset="0"/>
               </a:rPr>
-              <a:t>検</a:t>
-            </a:r>
-            <a:r>
-              <a:rPr kumimoji="1" lang="ja-JP" altLang="en-US" sz="1600" b="1" i="0" u="none" strike="noStrike" kern="1200" cap="none" spc="0" normalizeH="0" baseline="0" noProof="0" dirty="0">
+              <a:t>　</a:t>
+            </a:r>
+            <a:r>
+              <a:rPr kumimoji="1" lang="en-US" altLang="ja-JP" sz="1400" b="0" i="0" u="none" strike="noStrike" kern="1200" cap="none" spc="0" normalizeH="0" baseline="0" noProof="0" dirty="0" err="1">
                 <a:ln>
                   <a:noFill/>
                 </a:ln>
@@ -7115,15 +7157,166 @@
                   <a:prstClr val="black"/>
                 </a:solidFill>
                 <a:effectLst/>
+                <a:highlight>
+                  <a:srgbClr val="EAEAEA"/>
+                </a:highlight>
                 <a:uLnTx/>
                 <a:uFillTx/>
-                <a:latin typeface="游ゴシック Medium" panose="020B0500000000000000" pitchFamily="50" charset="-128"/>
-                <a:ea typeface="游ゴシック Medium" panose="020B0500000000000000" pitchFamily="50" charset="-128"/>
-                <a:cs typeface="FiraCode Nerd Font Mono" panose="02000009000000000000" pitchFamily="49" charset="0"/>
-              </a:rPr>
-              <a:t>証</a:t>
-            </a:r>
-            <a:endParaRPr kumimoji="1" lang="en-US" altLang="ja-JP" sz="1600" b="1" i="0" u="none" strike="noStrike" kern="1200" cap="none" spc="0" normalizeH="0" baseline="0" noProof="0" dirty="0">
+                <a:latin typeface="FiraCode Nerd Font Mono" panose="02000009000000000000" pitchFamily="49" charset="0"/>
+                <a:ea typeface="FiraCode Nerd Font Mono" panose="02000009000000000000" pitchFamily="49" charset="0"/>
+                <a:cs typeface="FiraCode Nerd Font Mono" panose="02000009000000000000" pitchFamily="49" charset="0"/>
+              </a:rPr>
+              <a:t>predict_model</a:t>
+            </a:r>
+            <a:r>
+              <a:rPr kumimoji="1" lang="en-US" altLang="ja-JP" sz="1400" b="0" i="0" u="none" strike="noStrike" kern="1200" cap="none" spc="0" normalizeH="0" baseline="0" noProof="0" dirty="0">
+                <a:ln>
+                  <a:noFill/>
+                </a:ln>
+                <a:solidFill>
+                  <a:prstClr val="black"/>
+                </a:solidFill>
+                <a:effectLst/>
+                <a:highlight>
+                  <a:srgbClr val="EAEAEA"/>
+                </a:highlight>
+                <a:uLnTx/>
+                <a:uFillTx/>
+                <a:latin typeface="FiraCode Nerd Font Mono" panose="02000009000000000000" pitchFamily="49" charset="0"/>
+                <a:ea typeface="FiraCode Nerd Font Mono" panose="02000009000000000000" pitchFamily="49" charset="0"/>
+                <a:cs typeface="FiraCode Nerd Font Mono" panose="02000009000000000000" pitchFamily="49" charset="0"/>
+              </a:rPr>
+              <a:t>(</a:t>
+            </a:r>
+            <a:r>
+              <a:rPr lang="en-US" altLang="ja-JP" sz="1400" dirty="0">
+                <a:solidFill>
+                  <a:prstClr val="black"/>
+                </a:solidFill>
+                <a:highlight>
+                  <a:srgbClr val="EAEAEA"/>
+                </a:highlight>
+                <a:latin typeface="FiraCode Nerd Font Mono" panose="02000009000000000000" pitchFamily="49" charset="0"/>
+                <a:ea typeface="FiraCode Nerd Font Mono" panose="02000009000000000000" pitchFamily="49" charset="0"/>
+                <a:cs typeface="FiraCode Nerd Font Mono" panose="02000009000000000000" pitchFamily="49" charset="0"/>
+              </a:rPr>
+              <a:t>tuned</a:t>
+            </a:r>
+            <a:r>
+              <a:rPr kumimoji="1" lang="en-US" altLang="ja-JP" sz="1400" b="0" i="0" u="none" strike="noStrike" kern="1200" cap="none" spc="0" normalizeH="0" baseline="0" noProof="0" dirty="0">
+                <a:ln>
+                  <a:noFill/>
+                </a:ln>
+                <a:solidFill>
+                  <a:prstClr val="black"/>
+                </a:solidFill>
+                <a:effectLst/>
+                <a:highlight>
+                  <a:srgbClr val="EAEAEA"/>
+                </a:highlight>
+                <a:uLnTx/>
+                <a:uFillTx/>
+                <a:latin typeface="FiraCode Nerd Font Mono" panose="02000009000000000000" pitchFamily="49" charset="0"/>
+                <a:ea typeface="FiraCode Nerd Font Mono" panose="02000009000000000000" pitchFamily="49" charset="0"/>
+                <a:cs typeface="FiraCode Nerd Font Mono" panose="02000009000000000000" pitchFamily="49" charset="0"/>
+              </a:rPr>
+              <a:t>_model, data=Data_</a:t>
+            </a:r>
+            <a:r>
+              <a:rPr lang="en-US" altLang="ja-JP" sz="1400" dirty="0">
+                <a:solidFill>
+                  <a:prstClr val="black"/>
+                </a:solidFill>
+                <a:highlight>
+                  <a:srgbClr val="EAEAEA"/>
+                </a:highlight>
+                <a:latin typeface="FiraCode Nerd Font Mono" panose="02000009000000000000" pitchFamily="49" charset="0"/>
+                <a:ea typeface="FiraCode Nerd Font Mono" panose="02000009000000000000" pitchFamily="49" charset="0"/>
+                <a:cs typeface="FiraCode Nerd Font Mono" panose="02000009000000000000" pitchFamily="49" charset="0"/>
+              </a:rPr>
+              <a:t>N</a:t>
+            </a:r>
+            <a:r>
+              <a:rPr kumimoji="1" lang="en-US" altLang="ja-JP" sz="1400" b="0" i="0" u="none" strike="noStrike" kern="1200" cap="none" spc="0" normalizeH="0" baseline="0" noProof="0" dirty="0" err="1">
+                <a:ln>
+                  <a:noFill/>
+                </a:ln>
+                <a:solidFill>
+                  <a:prstClr val="black"/>
+                </a:solidFill>
+                <a:effectLst/>
+                <a:highlight>
+                  <a:srgbClr val="EAEAEA"/>
+                </a:highlight>
+                <a:uLnTx/>
+                <a:uFillTx/>
+                <a:latin typeface="FiraCode Nerd Font Mono" panose="02000009000000000000" pitchFamily="49" charset="0"/>
+                <a:ea typeface="FiraCode Nerd Font Mono" panose="02000009000000000000" pitchFamily="49" charset="0"/>
+                <a:cs typeface="FiraCode Nerd Font Mono" panose="02000009000000000000" pitchFamily="49" charset="0"/>
+              </a:rPr>
+              <a:t>o_Overtime</a:t>
+            </a:r>
+            <a:r>
+              <a:rPr kumimoji="1" lang="en-US" altLang="ja-JP" sz="1400" b="0" i="0" u="none" strike="noStrike" kern="1200" cap="none" spc="0" normalizeH="0" baseline="0" noProof="0" dirty="0">
+                <a:ln>
+                  <a:noFill/>
+                </a:ln>
+                <a:solidFill>
+                  <a:prstClr val="black"/>
+                </a:solidFill>
+                <a:effectLst/>
+                <a:highlight>
+                  <a:srgbClr val="EAEAEA"/>
+                </a:highlight>
+                <a:uLnTx/>
+                <a:uFillTx/>
+                <a:latin typeface="FiraCode Nerd Font Mono" panose="02000009000000000000" pitchFamily="49" charset="0"/>
+                <a:ea typeface="FiraCode Nerd Font Mono" panose="02000009000000000000" pitchFamily="49" charset="0"/>
+                <a:cs typeface="FiraCode Nerd Font Mono" panose="02000009000000000000" pitchFamily="49" charset="0"/>
+              </a:rPr>
+              <a:t>).</a:t>
+            </a:r>
+            <a:r>
+              <a:rPr kumimoji="1" lang="en-US" altLang="ja-JP" sz="1400" b="0" i="0" u="none" strike="noStrike" kern="1200" cap="none" spc="0" normalizeH="0" baseline="0" noProof="0" dirty="0" err="1">
+                <a:ln>
+                  <a:noFill/>
+                </a:ln>
+                <a:solidFill>
+                  <a:prstClr val="black"/>
+                </a:solidFill>
+                <a:effectLst/>
+                <a:highlight>
+                  <a:srgbClr val="EAEAEA"/>
+                </a:highlight>
+                <a:uLnTx/>
+                <a:uFillTx/>
+                <a:latin typeface="FiraCode Nerd Font Mono" panose="02000009000000000000" pitchFamily="49" charset="0"/>
+                <a:ea typeface="FiraCode Nerd Font Mono" panose="02000009000000000000" pitchFamily="49" charset="0"/>
+                <a:cs typeface="FiraCode Nerd Font Mono" panose="02000009000000000000" pitchFamily="49" charset="0"/>
+              </a:rPr>
+              <a:t>value_counts</a:t>
+            </a:r>
+            <a:r>
+              <a:rPr kumimoji="1" lang="en-US" altLang="ja-JP" sz="1400" b="0" i="0" u="none" strike="noStrike" kern="1200" cap="none" spc="0" normalizeH="0" baseline="0" noProof="0" dirty="0">
+                <a:ln>
+                  <a:noFill/>
+                </a:ln>
+                <a:solidFill>
+                  <a:prstClr val="black"/>
+                </a:solidFill>
+                <a:effectLst/>
+                <a:highlight>
+                  <a:srgbClr val="EAEAEA"/>
+                </a:highlight>
+                <a:uLnTx/>
+                <a:uFillTx/>
+                <a:latin typeface="FiraCode Nerd Font Mono" panose="02000009000000000000" pitchFamily="49" charset="0"/>
+                <a:ea typeface="FiraCode Nerd Font Mono" panose="02000009000000000000" pitchFamily="49" charset="0"/>
+                <a:cs typeface="FiraCode Nerd Font Mono" panose="02000009000000000000" pitchFamily="49" charset="0"/>
+              </a:rPr>
+              <a:t>()</a:t>
+            </a:r>
+            <a:endParaRPr kumimoji="1" lang="en-US" altLang="ja-JP" sz="1400" b="0" i="0" u="none" strike="noStrike" kern="1200" cap="none" spc="0" normalizeH="0" baseline="0" noProof="0" dirty="0">
               <a:ln>
                 <a:noFill/>
               </a:ln>
@@ -7133,8 +7326,8 @@
               <a:effectLst/>
               <a:uLnTx/>
               <a:uFillTx/>
-              <a:latin typeface="游ゴシック Medium" panose="020B0500000000000000" pitchFamily="50" charset="-128"/>
-              <a:ea typeface="游ゴシック Medium" panose="020B0500000000000000" pitchFamily="50" charset="-128"/>
+              <a:latin typeface="FiraCode Nerd Font Mono" panose="02000009000000000000" pitchFamily="49" charset="0"/>
+              <a:ea typeface="FiraCode Nerd Font Mono" panose="02000009000000000000" pitchFamily="49" charset="0"/>
               <a:cs typeface="FiraCode Nerd Font Mono" panose="02000009000000000000" pitchFamily="49" charset="0"/>
             </a:endParaRPr>
           </a:p>
@@ -7157,7 +7350,7 @@
               <a:defRPr/>
             </a:pPr>
             <a:r>
-              <a:rPr kumimoji="1" lang="ja-JP" altLang="en-US" sz="1600" b="0" i="0" u="none" strike="noStrike" kern="1200" cap="none" spc="0" normalizeH="0" baseline="0" noProof="0" dirty="0">
+              <a:rPr kumimoji="1" lang="ja-JP" altLang="en-US" sz="1400" b="0" i="0" u="none" strike="noStrike" kern="1200" cap="none" spc="0" normalizeH="0" baseline="0" noProof="0" dirty="0">
                 <a:ln>
                   <a:noFill/>
                 </a:ln>
@@ -7167,11 +7360,28 @@
                 <a:effectLst/>
                 <a:uLnTx/>
                 <a:uFillTx/>
-                <a:latin typeface="游ゴシック Medium" panose="020B0500000000000000" pitchFamily="50" charset="-128"/>
-                <a:ea typeface="游ゴシック Medium" panose="020B0500000000000000" pitchFamily="50" charset="-128"/>
+                <a:latin typeface="FiraCode Nerd Font Mono" panose="02000009000000000000" pitchFamily="49" charset="0"/>
+                <a:ea typeface="FiraCode Nerd Font Mono" panose="02000009000000000000" pitchFamily="49" charset="0"/>
                 <a:cs typeface="FiraCode Nerd Font Mono" panose="02000009000000000000" pitchFamily="49" charset="0"/>
               </a:rPr>
               <a:t>　</a:t>
+            </a:r>
+            <a:r>
+              <a:rPr kumimoji="1" lang="en-US" altLang="ja-JP" sz="1400" b="0" i="0" u="none" strike="noStrike" kern="1200" cap="none" spc="0" normalizeH="0" baseline="0" noProof="0" dirty="0">
+                <a:ln>
+                  <a:noFill/>
+                </a:ln>
+                <a:solidFill>
+                  <a:prstClr val="black"/>
+                </a:solidFill>
+                <a:effectLst/>
+                <a:uLnTx/>
+                <a:uFillTx/>
+                <a:latin typeface="FiraCode Nerd Font Mono" panose="02000009000000000000" pitchFamily="49" charset="0"/>
+                <a:ea typeface="FiraCode Nerd Font Mono" panose="02000009000000000000" pitchFamily="49" charset="0"/>
+                <a:cs typeface="FiraCode Nerd Font Mono" panose="02000009000000000000" pitchFamily="49" charset="0"/>
+              </a:rPr>
+              <a:t>Data={0:1233, 1:237}(19.2%), </a:t>
             </a:r>
             <a:r>
               <a:rPr kumimoji="1" lang="en-US" altLang="ja-JP" sz="1400" b="0" i="0" u="none" strike="noStrike" kern="1200" cap="none" spc="0" normalizeH="0" baseline="0" noProof="0" dirty="0" err="1">
@@ -7182,19 +7392,16 @@
                   <a:prstClr val="black"/>
                 </a:solidFill>
                 <a:effectLst/>
-                <a:highlight>
-                  <a:srgbClr val="EAEAEA"/>
-                </a:highlight>
                 <a:uLnTx/>
                 <a:uFillTx/>
                 <a:latin typeface="FiraCode Nerd Font Mono" panose="02000009000000000000" pitchFamily="49" charset="0"/>
                 <a:ea typeface="FiraCode Nerd Font Mono" panose="02000009000000000000" pitchFamily="49" charset="0"/>
                 <a:cs typeface="FiraCode Nerd Font Mono" panose="02000009000000000000" pitchFamily="49" charset="0"/>
               </a:rPr>
-              <a:t>DailyAchievement</a:t>
-            </a:r>
-            <a:r>
-              <a:rPr kumimoji="1" lang="en-US" altLang="ja-JP" sz="1600" b="0" i="0" u="none" strike="noStrike" kern="1200" cap="none" spc="0" normalizeH="0" baseline="0" noProof="0" dirty="0">
+              <a:t>Data_No_OverTime</a:t>
+            </a:r>
+            <a:r>
+              <a:rPr kumimoji="1" lang="en-US" altLang="ja-JP" sz="1400" b="0" i="0" u="none" strike="noStrike" kern="1200" cap="none" spc="0" normalizeH="0" baseline="0" noProof="0" dirty="0">
                 <a:ln>
                   <a:noFill/>
                 </a:ln>
@@ -7204,14 +7411,14 @@
                 <a:effectLst/>
                 <a:uLnTx/>
                 <a:uFillTx/>
-                <a:latin typeface="游ゴシック Medium" panose="020B0500000000000000" pitchFamily="50" charset="-128"/>
-                <a:ea typeface="游ゴシック Medium" panose="020B0500000000000000" pitchFamily="50" charset="-128"/>
-                <a:cs typeface="FiraCode Nerd Font Mono" panose="02000009000000000000" pitchFamily="49" charset="0"/>
-              </a:rPr>
-              <a:t> </a:t>
-            </a:r>
-            <a:r>
-              <a:rPr kumimoji="1" lang="ja-JP" altLang="en-US" sz="1600" b="0" i="0" u="none" strike="noStrike" kern="1200" cap="none" spc="0" normalizeH="0" baseline="0" noProof="0" dirty="0">
+                <a:latin typeface="FiraCode Nerd Font Mono" panose="02000009000000000000" pitchFamily="49" charset="0"/>
+                <a:ea typeface="FiraCode Nerd Font Mono" panose="02000009000000000000" pitchFamily="49" charset="0"/>
+                <a:cs typeface="FiraCode Nerd Font Mono" panose="02000009000000000000" pitchFamily="49" charset="0"/>
+              </a:rPr>
+              <a:t>={0:1395, 1:75}(5.4%)</a:t>
+            </a:r>
+            <a:r>
+              <a:rPr kumimoji="1" lang="ja-JP" altLang="en-US" sz="1400" b="0" i="0" u="none" strike="noStrike" kern="1200" cap="none" spc="0" normalizeH="0" baseline="0" noProof="0" dirty="0">
                 <a:ln>
                   <a:noFill/>
                 </a:ln>
@@ -7225,70 +7432,22 @@
                 <a:ea typeface="游ゴシック Medium" panose="020B0500000000000000" pitchFamily="50" charset="-128"/>
                 <a:cs typeface="FiraCode Nerd Font Mono" panose="02000009000000000000" pitchFamily="49" charset="0"/>
               </a:rPr>
-              <a:t>を予測する回帰モデルを同様の手順で作成し、最適化したモデル </a:t>
-            </a:r>
-            <a:r>
-              <a:rPr kumimoji="1" lang="en-US" altLang="ja-JP" sz="1600" b="0" i="0" u="none" strike="noStrike" kern="1200" cap="none" spc="0" normalizeH="0" baseline="0" noProof="0" dirty="0">
-                <a:ln>
-                  <a:noFill/>
-                </a:ln>
-                <a:solidFill>
-                  <a:prstClr val="black"/>
-                </a:solidFill>
-                <a:effectLst/>
-                <a:uLnTx/>
-                <a:uFillTx/>
-                <a:latin typeface="游ゴシック Medium" panose="020B0500000000000000" pitchFamily="50" charset="-128"/>
-                <a:ea typeface="游ゴシック Medium" panose="020B0500000000000000" pitchFamily="50" charset="-128"/>
-                <a:cs typeface="FiraCode Nerd Font Mono" panose="02000009000000000000" pitchFamily="49" charset="0"/>
-              </a:rPr>
-              <a:t>(</a:t>
-            </a:r>
-            <a:r>
-              <a:rPr kumimoji="1" lang="en-US" altLang="ja-JP" sz="1600" b="0" i="0" u="none" strike="noStrike" kern="1200" cap="none" spc="0" normalizeH="0" baseline="0" noProof="0" dirty="0" err="1">
-                <a:ln>
-                  <a:noFill/>
-                </a:ln>
-                <a:solidFill>
-                  <a:prstClr val="black"/>
-                </a:solidFill>
-                <a:effectLst/>
-                <a:uLnTx/>
-                <a:uFillTx/>
-                <a:latin typeface="游ゴシック Medium" panose="020B0500000000000000" pitchFamily="50" charset="-128"/>
-                <a:ea typeface="游ゴシック Medium" panose="020B0500000000000000" pitchFamily="50" charset="-128"/>
-                <a:cs typeface="FiraCode Nerd Font Mono" panose="02000009000000000000" pitchFamily="49" charset="0"/>
-              </a:rPr>
-              <a:t>Model:Dummy</a:t>
-            </a:r>
-            <a:r>
-              <a:rPr lang="en-US" altLang="ja-JP" sz="1600" dirty="0">
-                <a:solidFill>
-                  <a:prstClr val="black"/>
-                </a:solidFill>
-                <a:latin typeface="游ゴシック Medium" panose="020B0500000000000000" pitchFamily="50" charset="-128"/>
-                <a:ea typeface="游ゴシック Medium" panose="020B0500000000000000" pitchFamily="50" charset="-128"/>
-                <a:cs typeface="FiraCode Nerd Font Mono" panose="02000009000000000000" pitchFamily="49" charset="0"/>
-              </a:rPr>
-              <a:t>,</a:t>
-            </a:r>
-            <a:r>
-              <a:rPr kumimoji="1" lang="en-US" altLang="ja-JP" sz="1600" b="0" i="0" u="none" strike="noStrike" kern="1200" cap="none" spc="0" normalizeH="0" baseline="0" noProof="0" dirty="0">
-                <a:ln>
-                  <a:noFill/>
-                </a:ln>
-                <a:solidFill>
-                  <a:prstClr val="black"/>
-                </a:solidFill>
-                <a:effectLst/>
-                <a:uLnTx/>
-                <a:uFillTx/>
-                <a:latin typeface="游ゴシック Medium" panose="020B0500000000000000" pitchFamily="50" charset="-128"/>
-                <a:ea typeface="游ゴシック Medium" panose="020B0500000000000000" pitchFamily="50" charset="-128"/>
-                <a:cs typeface="FiraCode Nerd Font Mono" panose="02000009000000000000" pitchFamily="49" charset="0"/>
-              </a:rPr>
-              <a:t> R2:-0.0089)</a:t>
-            </a:r>
+              <a:t>　</a:t>
+            </a:r>
+            <a:endParaRPr kumimoji="1" lang="en-US" altLang="ja-JP" sz="1400" b="0" i="0" u="none" strike="noStrike" kern="1200" cap="none" spc="0" normalizeH="0" baseline="0" noProof="0" dirty="0">
+              <a:ln>
+                <a:noFill/>
+              </a:ln>
+              <a:solidFill>
+                <a:prstClr val="black"/>
+              </a:solidFill>
+              <a:effectLst/>
+              <a:uLnTx/>
+              <a:uFillTx/>
+              <a:latin typeface="游ゴシック Medium" panose="020B0500000000000000" pitchFamily="50" charset="-128"/>
+              <a:ea typeface="游ゴシック Medium" panose="020B0500000000000000" pitchFamily="50" charset="-128"/>
+              <a:cs typeface="FiraCode Nerd Font Mono" panose="02000009000000000000" pitchFamily="49" charset="0"/>
+            </a:endParaRPr>
           </a:p>
           <a:p>
             <a:pPr marL="0" marR="0" lvl="0" indent="0" algn="l" defTabSz="914400" rtl="0" eaLnBrk="0" fontAlgn="auto" latinLnBrk="0" hangingPunct="0">
@@ -7308,272 +7467,10 @@
               <a:tabLst/>
               <a:defRPr/>
             </a:pPr>
-            <a:r>
-              <a:rPr lang="ja-JP" altLang="en-US" sz="1600" dirty="0">
-                <a:solidFill>
-                  <a:prstClr val="black"/>
-                </a:solidFill>
-                <a:latin typeface="游ゴシック Medium" panose="020B0500000000000000" pitchFamily="50" charset="-128"/>
-                <a:ea typeface="游ゴシック Medium" panose="020B0500000000000000" pitchFamily="50" charset="-128"/>
-                <a:cs typeface="FiraCode Nerd Font Mono" panose="02000009000000000000" pitchFamily="49" charset="0"/>
-              </a:rPr>
-              <a:t>　</a:t>
-            </a:r>
-            <a:r>
-              <a:rPr kumimoji="1" lang="ja-JP" altLang="en-US" sz="1600" b="0" i="0" u="none" strike="noStrike" kern="1200" cap="none" spc="0" normalizeH="0" baseline="0" noProof="0" dirty="0">
-                <a:ln>
-                  <a:noFill/>
-                </a:ln>
-                <a:solidFill>
-                  <a:prstClr val="black"/>
-                </a:solidFill>
-                <a:effectLst/>
-                <a:uLnTx/>
-                <a:uFillTx/>
-                <a:latin typeface="游ゴシック Medium" panose="020B0500000000000000" pitchFamily="50" charset="-128"/>
-                <a:ea typeface="游ゴシック Medium" panose="020B0500000000000000" pitchFamily="50" charset="-128"/>
-                <a:cs typeface="FiraCode Nerd Font Mono" panose="02000009000000000000" pitchFamily="49" charset="0"/>
-              </a:rPr>
-              <a:t>に</a:t>
-            </a:r>
-            <a:r>
-              <a:rPr kumimoji="1" lang="ja-JP" altLang="en-US" sz="1800" b="0" i="0" u="none" strike="noStrike" kern="1200" cap="none" spc="0" normalizeH="0" baseline="0" noProof="0" dirty="0">
-                <a:ln>
-                  <a:noFill/>
-                </a:ln>
-                <a:solidFill>
-                  <a:prstClr val="black"/>
-                </a:solidFill>
-                <a:effectLst/>
-                <a:uLnTx/>
-                <a:uFillTx/>
-                <a:latin typeface="游ゴシック Medium" panose="020B0500000000000000" pitchFamily="50" charset="-128"/>
-                <a:ea typeface="游ゴシック Medium" panose="020B0500000000000000" pitchFamily="50" charset="-128"/>
-                <a:cs typeface="FiraCode Nerd Font Mono" panose="02000009000000000000" pitchFamily="49" charset="0"/>
-              </a:rPr>
-              <a:t> </a:t>
-            </a:r>
-            <a:r>
-              <a:rPr kumimoji="1" lang="en-US" altLang="ja-JP" sz="1400" b="0" i="0" u="none" strike="noStrike" kern="1200" cap="none" spc="0" normalizeH="0" baseline="0" noProof="0" dirty="0">
-                <a:ln>
-                  <a:noFill/>
-                </a:ln>
-                <a:solidFill>
-                  <a:prstClr val="black"/>
-                </a:solidFill>
-                <a:effectLst/>
-                <a:highlight>
-                  <a:srgbClr val="EAEAEA"/>
-                </a:highlight>
-                <a:uLnTx/>
-                <a:uFillTx/>
-                <a:latin typeface="FiraCode Nerd Font Mono" panose="02000009000000000000" pitchFamily="49" charset="0"/>
-                <a:ea typeface="FiraCode Nerd Font Mono" panose="02000009000000000000" pitchFamily="49" charset="0"/>
-                <a:cs typeface="FiraCode Nerd Font Mono" panose="02000009000000000000" pitchFamily="49" charset="0"/>
-              </a:rPr>
-              <a:t>data[“</a:t>
-            </a:r>
-            <a:r>
-              <a:rPr kumimoji="1" lang="en-US" altLang="ja-JP" sz="1400" b="0" i="0" u="none" strike="noStrike" kern="1200" cap="none" spc="0" normalizeH="0" baseline="0" noProof="0" dirty="0" err="1">
-                <a:ln>
-                  <a:noFill/>
-                </a:ln>
-                <a:solidFill>
-                  <a:prstClr val="black"/>
-                </a:solidFill>
-                <a:effectLst/>
-                <a:highlight>
-                  <a:srgbClr val="EAEAEA"/>
-                </a:highlight>
-                <a:uLnTx/>
-                <a:uFillTx/>
-                <a:latin typeface="FiraCode Nerd Font Mono" panose="02000009000000000000" pitchFamily="49" charset="0"/>
-                <a:ea typeface="FiraCode Nerd Font Mono" panose="02000009000000000000" pitchFamily="49" charset="0"/>
-                <a:cs typeface="FiraCode Nerd Font Mono" panose="02000009000000000000" pitchFamily="49" charset="0"/>
-              </a:rPr>
-              <a:t>OverTime</a:t>
-            </a:r>
-            <a:r>
-              <a:rPr kumimoji="1" lang="en-US" altLang="ja-JP" sz="1400" b="0" i="0" u="none" strike="noStrike" kern="1200" cap="none" spc="0" normalizeH="0" baseline="0" noProof="0" dirty="0">
-                <a:ln>
-                  <a:noFill/>
-                </a:ln>
-                <a:solidFill>
-                  <a:prstClr val="black"/>
-                </a:solidFill>
-                <a:effectLst/>
-                <a:highlight>
-                  <a:srgbClr val="EAEAEA"/>
-                </a:highlight>
-                <a:uLnTx/>
-                <a:uFillTx/>
-                <a:latin typeface="FiraCode Nerd Font Mono" panose="02000009000000000000" pitchFamily="49" charset="0"/>
-                <a:ea typeface="FiraCode Nerd Font Mono" panose="02000009000000000000" pitchFamily="49" charset="0"/>
-                <a:cs typeface="FiraCode Nerd Font Mono" panose="02000009000000000000" pitchFamily="49" charset="0"/>
-              </a:rPr>
-              <a:t>”]=0</a:t>
-            </a:r>
-            <a:r>
-              <a:rPr kumimoji="1" lang="ja-JP" altLang="en-US" sz="1600" b="0" i="0" u="none" strike="noStrike" kern="1200" cap="none" spc="0" normalizeH="0" baseline="0" noProof="0" dirty="0">
-                <a:ln>
-                  <a:noFill/>
-                </a:ln>
-                <a:solidFill>
-                  <a:prstClr val="black"/>
-                </a:solidFill>
-                <a:effectLst/>
-                <a:uLnTx/>
-                <a:uFillTx/>
-                <a:latin typeface="游ゴシック Medium" panose="020B0500000000000000" pitchFamily="50" charset="-128"/>
-                <a:ea typeface="游ゴシック Medium" panose="020B0500000000000000" pitchFamily="50" charset="-128"/>
-                <a:cs typeface="FiraCode Nerd Font Mono" panose="02000009000000000000" pitchFamily="49" charset="0"/>
-              </a:rPr>
-              <a:t> を行ったものを予測させ、</a:t>
-            </a:r>
-            <a:r>
-              <a:rPr lang="en-US" altLang="ja-JP" sz="1400" dirty="0">
-                <a:solidFill>
-                  <a:prstClr val="black"/>
-                </a:solidFill>
-                <a:latin typeface="FiraCode Nerd Font Mono" panose="02000009000000000000" pitchFamily="49" charset="0"/>
-                <a:ea typeface="FiraCode Nerd Font Mono" panose="02000009000000000000" pitchFamily="49" charset="0"/>
-                <a:cs typeface="FiraCode Nerd Font Mono" panose="02000009000000000000" pitchFamily="49" charset="0"/>
-              </a:rPr>
-              <a:t>0=</a:t>
-            </a:r>
-            <a:r>
-              <a:rPr lang="en-US" altLang="ja-JP" sz="1400" dirty="0">
-                <a:solidFill>
-                  <a:prstClr val="black"/>
-                </a:solidFill>
-                <a:highlight>
-                  <a:srgbClr val="EAEAEA"/>
-                </a:highlight>
-                <a:latin typeface="FiraCode Nerd Font Mono" panose="02000009000000000000" pitchFamily="49" charset="0"/>
-                <a:ea typeface="FiraCode Nerd Font Mono" panose="02000009000000000000" pitchFamily="49" charset="0"/>
-                <a:cs typeface="FiraCode Nerd Font Mono" panose="02000009000000000000" pitchFamily="49" charset="0"/>
-              </a:rPr>
-              <a:t>Attrition</a:t>
-            </a:r>
-            <a:r>
-              <a:rPr lang="en-US" altLang="ja-JP" sz="1400" dirty="0">
-                <a:solidFill>
-                  <a:prstClr val="black"/>
-                </a:solidFill>
-                <a:latin typeface="FiraCode Nerd Font Mono" panose="02000009000000000000" pitchFamily="49" charset="0"/>
-                <a:ea typeface="FiraCode Nerd Font Mono" panose="02000009000000000000" pitchFamily="49" charset="0"/>
-                <a:cs typeface="FiraCode Nerd Font Mono" panose="02000009000000000000" pitchFamily="49" charset="0"/>
-              </a:rPr>
-              <a:t> </a:t>
-            </a:r>
-            <a:r>
-              <a:rPr lang="ja-JP" altLang="en-US" sz="1600" dirty="0">
-                <a:solidFill>
-                  <a:prstClr val="black"/>
-                </a:solidFill>
-                <a:latin typeface="游ゴシック Medium" panose="020B0500000000000000" pitchFamily="50" charset="-128"/>
-                <a:ea typeface="游ゴシック Medium" panose="020B0500000000000000" pitchFamily="50" charset="-128"/>
-                <a:cs typeface="FiraCode Nerd Font Mono" panose="02000009000000000000" pitchFamily="49" charset="0"/>
-              </a:rPr>
-              <a:t>を満たす </a:t>
-            </a:r>
-            <a:r>
-              <a:rPr lang="en-US" altLang="ja-JP" sz="1600" dirty="0">
-                <a:solidFill>
-                  <a:prstClr val="black"/>
-                </a:solidFill>
-                <a:latin typeface="游ゴシック Medium" panose="020B0500000000000000" pitchFamily="50" charset="-128"/>
-                <a:ea typeface="游ゴシック Medium" panose="020B0500000000000000" pitchFamily="50" charset="-128"/>
-                <a:cs typeface="FiraCode Nerd Font Mono" panose="02000009000000000000" pitchFamily="49" charset="0"/>
-              </a:rPr>
-              <a:t>  </a:t>
-            </a:r>
-            <a:r>
-              <a:rPr lang="ja-JP" altLang="en-US" sz="1600" dirty="0">
-                <a:solidFill>
-                  <a:prstClr val="black"/>
-                </a:solidFill>
-                <a:latin typeface="游ゴシック Medium" panose="020B0500000000000000" pitchFamily="50" charset="-128"/>
-                <a:ea typeface="游ゴシック Medium" panose="020B0500000000000000" pitchFamily="50" charset="-128"/>
-                <a:cs typeface="FiraCode Nerd Font Mono" panose="02000009000000000000" pitchFamily="49" charset="0"/>
-              </a:rPr>
-              <a:t>で  </a:t>
-            </a:r>
-            <a:r>
-              <a:rPr kumimoji="1" lang="ja-JP" altLang="en-US" sz="1600" b="0" i="0" u="none" strike="noStrike" kern="1200" cap="none" spc="0" normalizeH="0" baseline="0" noProof="0" dirty="0">
-                <a:ln>
-                  <a:noFill/>
-                </a:ln>
-                <a:solidFill>
-                  <a:prstClr val="black"/>
-                </a:solidFill>
-                <a:effectLst/>
-                <a:uLnTx/>
-                <a:uFillTx/>
-                <a:latin typeface="游ゴシック Medium" panose="020B0500000000000000" pitchFamily="50" charset="-128"/>
-                <a:ea typeface="游ゴシック Medium" panose="020B0500000000000000" pitchFamily="50" charset="-128"/>
-                <a:cs typeface="FiraCode Nerd Font Mono" panose="02000009000000000000" pitchFamily="49" charset="0"/>
-              </a:rPr>
-              <a:t>    </a:t>
-            </a:r>
-            <a:r>
-              <a:rPr lang="en-US" altLang="ja-JP" sz="1400" dirty="0" err="1">
-                <a:solidFill>
-                  <a:prstClr val="black"/>
-                </a:solidFill>
-                <a:highlight>
-                  <a:srgbClr val="EAEAEA"/>
-                </a:highlight>
-                <a:latin typeface="FiraCode Nerd Font Mono" panose="02000009000000000000" pitchFamily="49" charset="0"/>
-                <a:ea typeface="FiraCode Nerd Font Mono" panose="02000009000000000000" pitchFamily="49" charset="0"/>
-                <a:cs typeface="FiraCode Nerd Font Mono" panose="02000009000000000000" pitchFamily="49" charset="0"/>
-              </a:rPr>
-              <a:t>DailyAchievement</a:t>
-            </a:r>
-            <a:r>
-              <a:rPr kumimoji="1" lang="en-US" altLang="ja-JP" sz="1800" b="0" i="0" u="none" strike="noStrike" kern="1200" cap="none" spc="0" normalizeH="0" baseline="0" noProof="0" dirty="0">
-                <a:ln>
-                  <a:noFill/>
-                </a:ln>
-                <a:solidFill>
-                  <a:prstClr val="black"/>
-                </a:solidFill>
-                <a:effectLst/>
-                <a:uLnTx/>
-                <a:uFillTx/>
-                <a:latin typeface="游ゴシック Medium" panose="020B0500000000000000" pitchFamily="50" charset="-128"/>
-                <a:ea typeface="游ゴシック Medium" panose="020B0500000000000000" pitchFamily="50" charset="-128"/>
-                <a:cs typeface="FiraCode Nerd Font Mono" panose="02000009000000000000" pitchFamily="49" charset="0"/>
-              </a:rPr>
-              <a:t>  </a:t>
-            </a:r>
-            <a:r>
-              <a:rPr kumimoji="1" lang="ja-JP" altLang="en-US" sz="1600" b="0" i="0" u="none" strike="noStrike" kern="1200" cap="none" spc="0" normalizeH="0" baseline="0" noProof="0" dirty="0">
-                <a:ln>
-                  <a:noFill/>
-                </a:ln>
-                <a:solidFill>
-                  <a:prstClr val="black"/>
-                </a:solidFill>
-                <a:effectLst/>
-                <a:uLnTx/>
-                <a:uFillTx/>
-                <a:latin typeface="游ゴシック Medium" panose="020B0500000000000000" pitchFamily="50" charset="-128"/>
-                <a:ea typeface="游ゴシック Medium" panose="020B0500000000000000" pitchFamily="50" charset="-128"/>
-                <a:cs typeface="FiraCode Nerd Font Mono" panose="02000009000000000000" pitchFamily="49" charset="0"/>
-              </a:rPr>
-              <a:t>を確認した。</a:t>
-            </a:r>
-            <a:endParaRPr kumimoji="1" lang="en-US" altLang="ja-JP" sz="1600" b="0" i="0" u="none" strike="noStrike" kern="1200" cap="none" spc="0" normalizeH="0" baseline="0" noProof="0" dirty="0">
-              <a:ln>
-                <a:noFill/>
-              </a:ln>
+            <a:endParaRPr lang="en-US" altLang="ja-JP" sz="1400" dirty="0">
               <a:solidFill>
                 <a:prstClr val="black"/>
               </a:solidFill>
-              <a:effectLst/>
-              <a:uLnTx/>
-              <a:uFillTx/>
               <a:latin typeface="游ゴシック Medium" panose="020B0500000000000000" pitchFamily="50" charset="-128"/>
               <a:ea typeface="游ゴシック Medium" panose="020B0500000000000000" pitchFamily="50" charset="-128"/>
               <a:cs typeface="FiraCode Nerd Font Mono" panose="02000009000000000000" pitchFamily="49" charset="0"/>
@@ -7598,12 +7495,12 @@
               <a:defRPr/>
             </a:pPr>
             <a:r>
-              <a:rPr kumimoji="1" lang="ja-JP" altLang="en-US" sz="1600" b="1" i="0" u="none" strike="noStrike" kern="1200" cap="none" spc="0" normalizeH="0" baseline="0" noProof="0" dirty="0">
+              <a:rPr kumimoji="1" lang="ja-JP" altLang="en-US" sz="1400" b="0" i="0" u="none" strike="noStrike" kern="1200" cap="none" spc="0" normalizeH="0" baseline="0" noProof="0" dirty="0">
                 <a:ln>
                   <a:noFill/>
                 </a:ln>
                 <a:solidFill>
-                  <a:srgbClr val="03BDBA"/>
+                  <a:prstClr val="black"/>
                 </a:solidFill>
                 <a:effectLst/>
                 <a:uLnTx/>
@@ -7612,10 +7509,10 @@
                 <a:ea typeface="游ゴシック Medium" panose="020B0500000000000000" pitchFamily="50" charset="-128"/>
                 <a:cs typeface="FiraCode Nerd Font Mono" panose="02000009000000000000" pitchFamily="49" charset="0"/>
               </a:rPr>
-              <a:t>結</a:t>
-            </a:r>
-            <a:r>
-              <a:rPr kumimoji="1" lang="ja-JP" altLang="en-US" sz="1600" b="1" i="0" u="none" strike="noStrike" kern="1200" cap="none" spc="0" normalizeH="0" baseline="0" noProof="0" dirty="0">
+              <a:t>　</a:t>
+            </a:r>
+            <a:r>
+              <a:rPr kumimoji="1" lang="en-US" altLang="ja-JP" sz="1800" b="0" i="0" u="none" strike="noStrike" kern="1200" cap="none" spc="0" normalizeH="0" baseline="0" noProof="0" dirty="0">
                 <a:ln>
                   <a:noFill/>
                 </a:ln>
@@ -7629,20 +7526,172 @@
                 <a:ea typeface="游ゴシック Medium" panose="020B0500000000000000" pitchFamily="50" charset="-128"/>
                 <a:cs typeface="FiraCode Nerd Font Mono" panose="02000009000000000000" pitchFamily="49" charset="0"/>
               </a:rPr>
-              <a:t>果</a:t>
-            </a:r>
-            <a:endParaRPr kumimoji="1" lang="en-US" altLang="ja-JP" sz="1400" b="0" i="0" u="none" strike="noStrike" kern="1200" cap="none" spc="0" normalizeH="0" baseline="0" noProof="0" dirty="0">
-              <a:ln>
-                <a:noFill/>
-              </a:ln>
+              <a:t>=&gt; </a:t>
+            </a:r>
+            <a:r>
+              <a:rPr kumimoji="1" lang="ja-JP" altLang="en-US" sz="1800" b="0" i="0" u="none" strike="noStrike" kern="1200" cap="none" spc="0" normalizeH="0" baseline="0" noProof="0" dirty="0">
+                <a:ln>
+                  <a:noFill/>
+                </a:ln>
+                <a:solidFill>
+                  <a:prstClr val="black"/>
+                </a:solidFill>
+                <a:effectLst/>
+                <a:uLnTx/>
+                <a:uFillTx/>
+                <a:latin typeface="游ゴシック Medium" panose="020B0500000000000000" pitchFamily="50" charset="-128"/>
+                <a:ea typeface="游ゴシック Medium" panose="020B0500000000000000" pitchFamily="50" charset="-128"/>
+                <a:cs typeface="FiraCode Nerd Font Mono" panose="02000009000000000000" pitchFamily="49" charset="0"/>
+              </a:rPr>
+              <a:t>離職率は</a:t>
+            </a:r>
+            <a:r>
+              <a:rPr kumimoji="1" lang="ja-JP" altLang="en-US" sz="1600" b="0" i="0" u="none" strike="noStrike" kern="1200" cap="none" spc="0" normalizeH="0" baseline="0" noProof="0" dirty="0">
+                <a:ln>
+                  <a:noFill/>
+                </a:ln>
+                <a:solidFill>
+                  <a:prstClr val="black"/>
+                </a:solidFill>
+                <a:effectLst/>
+                <a:uLnTx/>
+                <a:uFillTx/>
+                <a:latin typeface="游ゴシック Medium" panose="020B0500000000000000" pitchFamily="50" charset="-128"/>
+                <a:ea typeface="游ゴシック Medium" panose="020B0500000000000000" pitchFamily="50" charset="-128"/>
+                <a:cs typeface="FiraCode Nerd Font Mono" panose="02000009000000000000" pitchFamily="49" charset="0"/>
+              </a:rPr>
+              <a:t> </a:t>
+            </a:r>
+            <a:r>
+              <a:rPr kumimoji="1" lang="en-US" altLang="ja-JP" sz="2000" b="0" i="0" u="none" strike="noStrike" kern="1200" cap="none" spc="0" normalizeH="0" baseline="0" noProof="0" dirty="0">
+                <a:ln>
+                  <a:noFill/>
+                </a:ln>
+                <a:solidFill>
+                  <a:srgbClr val="FF0000"/>
+                </a:solidFill>
+                <a:effectLst/>
+                <a:uLnTx/>
+                <a:uFillTx/>
+                <a:latin typeface="FiraCode Nerd Font Mono" panose="02000009000000000000" pitchFamily="49" charset="0"/>
+                <a:ea typeface="FiraCode Nerd Font Mono" panose="02000009000000000000" pitchFamily="49" charset="0"/>
+                <a:cs typeface="FiraCode Nerd Font Mono" panose="02000009000000000000" pitchFamily="49" charset="0"/>
+              </a:rPr>
+              <a:t>19.2%</a:t>
+            </a:r>
+            <a:r>
+              <a:rPr kumimoji="1" lang="ja-JP" altLang="en-US" sz="1600" b="0" i="0" u="none" strike="noStrike" kern="1200" cap="none" spc="0" normalizeH="0" baseline="0" noProof="0" dirty="0">
+                <a:ln>
+                  <a:noFill/>
+                </a:ln>
+                <a:solidFill>
+                  <a:prstClr val="black"/>
+                </a:solidFill>
+                <a:effectLst/>
+                <a:uLnTx/>
+                <a:uFillTx/>
+                <a:latin typeface="游ゴシック Medium" panose="020B0500000000000000" pitchFamily="50" charset="-128"/>
+                <a:ea typeface="游ゴシック Medium" panose="020B0500000000000000" pitchFamily="50" charset="-128"/>
+                <a:cs typeface="FiraCode Nerd Font Mono" panose="02000009000000000000" pitchFamily="49" charset="0"/>
+              </a:rPr>
+              <a:t> </a:t>
+            </a:r>
+            <a:r>
+              <a:rPr kumimoji="1" lang="ja-JP" altLang="en-US" sz="1800" b="0" i="0" u="none" strike="noStrike" kern="1200" cap="none" spc="0" normalizeH="0" baseline="0" noProof="0" dirty="0">
+                <a:ln>
+                  <a:noFill/>
+                </a:ln>
+                <a:solidFill>
+                  <a:prstClr val="black"/>
+                </a:solidFill>
+                <a:effectLst/>
+                <a:uLnTx/>
+                <a:uFillTx/>
+                <a:latin typeface="游ゴシック Medium" panose="020B0500000000000000" pitchFamily="50" charset="-128"/>
+                <a:ea typeface="游ゴシック Medium" panose="020B0500000000000000" pitchFamily="50" charset="-128"/>
+                <a:cs typeface="FiraCode Nerd Font Mono" panose="02000009000000000000" pitchFamily="49" charset="0"/>
+              </a:rPr>
+              <a:t>から</a:t>
+            </a:r>
+            <a:r>
+              <a:rPr kumimoji="1" lang="ja-JP" altLang="en-US" sz="1600" b="0" i="0" u="none" strike="noStrike" kern="1200" cap="none" spc="0" normalizeH="0" baseline="0" noProof="0" dirty="0">
+                <a:ln>
+                  <a:noFill/>
+                </a:ln>
+                <a:solidFill>
+                  <a:prstClr val="black"/>
+                </a:solidFill>
+                <a:effectLst/>
+                <a:uLnTx/>
+                <a:uFillTx/>
+                <a:latin typeface="游ゴシック Medium" panose="020B0500000000000000" pitchFamily="50" charset="-128"/>
+                <a:ea typeface="游ゴシック Medium" panose="020B0500000000000000" pitchFamily="50" charset="-128"/>
+                <a:cs typeface="FiraCode Nerd Font Mono" panose="02000009000000000000" pitchFamily="49" charset="0"/>
+              </a:rPr>
+              <a:t> </a:t>
+            </a:r>
+            <a:r>
+              <a:rPr kumimoji="1" lang="en-US" altLang="ja-JP" sz="2000" b="0" i="0" u="none" strike="noStrike" kern="1200" cap="none" spc="0" normalizeH="0" baseline="0" noProof="0" dirty="0">
+                <a:ln>
+                  <a:noFill/>
+                </a:ln>
+                <a:solidFill>
+                  <a:srgbClr val="00B0F0"/>
+                </a:solidFill>
+                <a:effectLst/>
+                <a:uLnTx/>
+                <a:uFillTx/>
+                <a:latin typeface="FiraCode Nerd Font Mono" panose="02000009000000000000" pitchFamily="49" charset="0"/>
+                <a:ea typeface="FiraCode Nerd Font Mono" panose="02000009000000000000" pitchFamily="49" charset="0"/>
+                <a:cs typeface="FiraCode Nerd Font Mono" panose="02000009000000000000" pitchFamily="49" charset="0"/>
+              </a:rPr>
+              <a:t>5.4</a:t>
+            </a:r>
+            <a:r>
+              <a:rPr lang="en-US" altLang="ja-JP" sz="2000" dirty="0">
+                <a:solidFill>
+                  <a:srgbClr val="00B0F0"/>
+                </a:solidFill>
+                <a:latin typeface="FiraCode Nerd Font Mono" panose="02000009000000000000" pitchFamily="49" charset="0"/>
+                <a:ea typeface="游ゴシック Medium" panose="020B0500000000000000" pitchFamily="50" charset="-128"/>
+                <a:cs typeface="FiraCode Nerd Font Mono" panose="02000009000000000000" pitchFamily="49" charset="0"/>
+              </a:rPr>
+              <a:t>%</a:t>
+            </a:r>
+            <a:r>
+              <a:rPr kumimoji="1" lang="ja-JP" altLang="en-US" sz="1600" b="0" i="0" u="none" strike="noStrike" kern="1200" cap="none" spc="0" normalizeH="0" baseline="0" noProof="0" dirty="0">
+                <a:ln>
+                  <a:noFill/>
+                </a:ln>
+                <a:solidFill>
+                  <a:prstClr val="black"/>
+                </a:solidFill>
+                <a:effectLst/>
+                <a:uLnTx/>
+                <a:uFillTx/>
+                <a:latin typeface="游ゴシック Medium" panose="020B0500000000000000" pitchFamily="50" charset="-128"/>
+                <a:ea typeface="游ゴシック Medium" panose="020B0500000000000000" pitchFamily="50" charset="-128"/>
+                <a:cs typeface="FiraCode Nerd Font Mono" panose="02000009000000000000" pitchFamily="49" charset="0"/>
+              </a:rPr>
+              <a:t> </a:t>
+            </a:r>
+            <a:r>
+              <a:rPr lang="ja-JP" altLang="en-US" sz="1800" dirty="0">
+                <a:solidFill>
+                  <a:prstClr val="black"/>
+                </a:solidFill>
+                <a:latin typeface="游ゴシック Medium" panose="020B0500000000000000" pitchFamily="50" charset="-128"/>
+                <a:ea typeface="游ゴシック Medium" panose="020B0500000000000000" pitchFamily="50" charset="-128"/>
+                <a:cs typeface="FiraCode Nerd Font Mono" panose="02000009000000000000" pitchFamily="49" charset="0"/>
+              </a:rPr>
+              <a:t>に減少し、</a:t>
+            </a:r>
+            <a:endParaRPr lang="en-US" altLang="ja-JP" sz="1800" dirty="0">
               <a:solidFill>
                 <a:prstClr val="black"/>
               </a:solidFill>
-              <a:effectLst/>
-              <a:uLnTx/>
-              <a:uFillTx/>
-              <a:latin typeface="FiraCode Nerd Font Mono" panose="02000009000000000000" pitchFamily="49" charset="0"/>
-              <a:ea typeface="FiraCode Nerd Font Mono" panose="02000009000000000000" pitchFamily="49" charset="0"/>
+              <a:latin typeface="游ゴシック Medium" panose="020B0500000000000000" pitchFamily="50" charset="-128"/>
+              <a:ea typeface="游ゴシック Medium" panose="020B0500000000000000" pitchFamily="50" charset="-128"/>
               <a:cs typeface="FiraCode Nerd Font Mono" panose="02000009000000000000" pitchFamily="49" charset="0"/>
             </a:endParaRPr>
           </a:p>
@@ -7665,7 +7714,40 @@
               <a:defRPr/>
             </a:pPr>
             <a:r>
-              <a:rPr kumimoji="1" lang="ja-JP" altLang="en-US" sz="1400" b="0" i="0" u="none" strike="noStrike" kern="1200" cap="none" spc="0" normalizeH="0" baseline="0" noProof="0" dirty="0">
+              <a:rPr lang="ja-JP" altLang="en-US" sz="1800" dirty="0">
+                <a:solidFill>
+                  <a:prstClr val="black"/>
+                </a:solidFill>
+                <a:latin typeface="游ゴシック Medium" panose="020B0500000000000000" pitchFamily="50" charset="-128"/>
+                <a:ea typeface="游ゴシック Medium" panose="020B0500000000000000" pitchFamily="50" charset="-128"/>
+                <a:cs typeface="FiraCode Nerd Font Mono" panose="02000009000000000000" pitchFamily="49" charset="0"/>
+              </a:rPr>
+              <a:t>　　 時間外労働を無くすことで</a:t>
+            </a:r>
+            <a:r>
+              <a:rPr lang="ja-JP" altLang="en-US" sz="1800" b="1" dirty="0">
+                <a:solidFill>
+                  <a:srgbClr val="03BDBA"/>
+                </a:solidFill>
+                <a:latin typeface="游ゴシック Medium" panose="020B0500000000000000" pitchFamily="50" charset="-128"/>
+                <a:ea typeface="游ゴシック Medium" panose="020B0500000000000000" pitchFamily="50" charset="-128"/>
+                <a:cs typeface="FiraCode Nerd Font Mono" panose="02000009000000000000" pitchFamily="49" charset="0"/>
+              </a:rPr>
+              <a:t>離職率の低下</a:t>
+            </a:r>
+            <a:r>
+              <a:rPr lang="ja-JP" altLang="en-US" sz="1800" dirty="0">
+                <a:solidFill>
+                  <a:prstClr val="black"/>
+                </a:solidFill>
+                <a:latin typeface="游ゴシック Medium" panose="020B0500000000000000" pitchFamily="50" charset="-128"/>
+                <a:ea typeface="游ゴシック Medium" panose="020B0500000000000000" pitchFamily="50" charset="-128"/>
+                <a:cs typeface="FiraCode Nerd Font Mono" panose="02000009000000000000" pitchFamily="49" charset="0"/>
+              </a:rPr>
+              <a:t>が見込まれることが分かった</a:t>
+            </a:r>
+            <a:r>
+              <a:rPr kumimoji="1" lang="ja-JP" altLang="en-US" sz="1800" b="0" i="0" u="none" strike="noStrike" kern="1200" cap="none" spc="0" normalizeH="0" baseline="0" noProof="0" dirty="0">
                 <a:ln>
                   <a:noFill/>
                 </a:ln>
@@ -7675,147 +7757,11 @@
                 <a:effectLst/>
                 <a:uLnTx/>
                 <a:uFillTx/>
-                <a:latin typeface="FiraCode Nerd Font Mono" panose="02000009000000000000" pitchFamily="49" charset="0"/>
-                <a:ea typeface="FiraCode Nerd Font Mono" panose="02000009000000000000" pitchFamily="49" charset="0"/>
-                <a:cs typeface="FiraCode Nerd Font Mono" panose="02000009000000000000" pitchFamily="49" charset="0"/>
-              </a:rPr>
-              <a:t>　</a:t>
-            </a:r>
-            <a:r>
-              <a:rPr kumimoji="1" lang="en-US" altLang="ja-JP" sz="1400" b="0" i="0" u="none" strike="noStrike" kern="1200" cap="none" spc="0" normalizeH="0" baseline="0" noProof="0" dirty="0">
-                <a:ln>
-                  <a:noFill/>
-                </a:ln>
-                <a:solidFill>
-                  <a:prstClr val="black"/>
-                </a:solidFill>
-                <a:effectLst/>
-                <a:uLnTx/>
-                <a:uFillTx/>
-                <a:latin typeface="FiraCode Nerd Font Mono" panose="02000009000000000000" pitchFamily="49" charset="0"/>
-                <a:ea typeface="FiraCode Nerd Font Mono" panose="02000009000000000000" pitchFamily="49" charset="0"/>
-                <a:cs typeface="FiraCode Nerd Font Mono" panose="02000009000000000000" pitchFamily="49" charset="0"/>
-              </a:rPr>
-              <a:t>Data=1001818, Data_No_OverTime=1120312</a:t>
-            </a:r>
-            <a:r>
-              <a:rPr kumimoji="1" lang="ja-JP" altLang="en-US" sz="1400" b="0" i="0" u="none" strike="noStrike" kern="1200" cap="none" spc="0" normalizeH="0" baseline="0" noProof="0" dirty="0">
-                <a:ln>
-                  <a:noFill/>
-                </a:ln>
-                <a:solidFill>
-                  <a:prstClr val="black"/>
-                </a:solidFill>
-                <a:effectLst/>
-                <a:uLnTx/>
-                <a:uFillTx/>
-                <a:latin typeface="游ゴシック Medium" panose="020B0500000000000000" pitchFamily="50" charset="-128"/>
-                <a:ea typeface="游ゴシック Medium" panose="020B0500000000000000" pitchFamily="50" charset="-128"/>
-                <a:cs typeface="FiraCode Nerd Font Mono" panose="02000009000000000000" pitchFamily="49" charset="0"/>
-              </a:rPr>
-              <a:t>　</a:t>
-            </a:r>
-            <a:r>
-              <a:rPr kumimoji="1" lang="en-US" altLang="ja-JP" sz="1400" b="0" i="0" u="none" strike="noStrike" kern="1200" cap="none" spc="0" normalizeH="0" baseline="0" noProof="0" dirty="0">
-                <a:ln>
-                  <a:noFill/>
-                </a:ln>
-                <a:solidFill>
-                  <a:prstClr val="black"/>
-                </a:solidFill>
-                <a:effectLst/>
-                <a:uLnTx/>
-                <a:uFillTx/>
-                <a:latin typeface="游ゴシック Medium" panose="020B0500000000000000" pitchFamily="50" charset="-128"/>
-                <a:ea typeface="游ゴシック Medium" panose="020B0500000000000000" pitchFamily="50" charset="-128"/>
-                <a:cs typeface="FiraCode Nerd Font Mono" panose="02000009000000000000" pitchFamily="49" charset="0"/>
-              </a:rPr>
-              <a:t>=&gt; </a:t>
-            </a:r>
-            <a:r>
-              <a:rPr kumimoji="1" lang="ja-JP" altLang="en-US" sz="1600" b="0" i="0" u="none" strike="noStrike" kern="1200" cap="none" spc="0" normalizeH="0" baseline="0" noProof="0" dirty="0">
-                <a:ln>
-                  <a:noFill/>
-                </a:ln>
-                <a:solidFill>
-                  <a:prstClr val="black"/>
-                </a:solidFill>
-                <a:effectLst/>
-                <a:uLnTx/>
-                <a:uFillTx/>
-                <a:latin typeface="游ゴシック Medium" panose="020B0500000000000000" pitchFamily="50" charset="-128"/>
-                <a:ea typeface="游ゴシック Medium" panose="020B0500000000000000" pitchFamily="50" charset="-128"/>
-                <a:cs typeface="FiraCode Nerd Font Mono" panose="02000009000000000000" pitchFamily="49" charset="0"/>
-              </a:rPr>
-              <a:t>予想とは反対に、</a:t>
-            </a:r>
-            <a:r>
-              <a:rPr kumimoji="1" lang="en-US" altLang="ja-JP" sz="1600" b="0" i="0" u="none" strike="noStrike" kern="1200" cap="none" spc="0" normalizeH="0" baseline="0" noProof="0" dirty="0">
-                <a:ln>
-                  <a:noFill/>
-                </a:ln>
-                <a:solidFill>
-                  <a:prstClr val="black"/>
-                </a:solidFill>
-                <a:effectLst/>
-                <a:uLnTx/>
-                <a:uFillTx/>
-                <a:latin typeface="游ゴシック Medium" panose="020B0500000000000000" pitchFamily="50" charset="-128"/>
-                <a:ea typeface="游ゴシック Medium" panose="020B0500000000000000" pitchFamily="50" charset="-128"/>
-                <a:cs typeface="FiraCode Nerd Font Mono" panose="02000009000000000000" pitchFamily="49" charset="0"/>
-              </a:rPr>
-              <a:t>(1.12</a:t>
-            </a:r>
-            <a:r>
-              <a:rPr kumimoji="1" lang="ja-JP" altLang="en-US" sz="1600" b="0" i="0" u="none" strike="noStrike" kern="1200" cap="none" spc="0" normalizeH="0" baseline="0" noProof="0" dirty="0">
-                <a:ln>
-                  <a:noFill/>
-                </a:ln>
-                <a:solidFill>
-                  <a:prstClr val="black"/>
-                </a:solidFill>
-                <a:effectLst/>
-                <a:uLnTx/>
-                <a:uFillTx/>
-                <a:latin typeface="游ゴシック Medium" panose="020B0500000000000000" pitchFamily="50" charset="-128"/>
-                <a:ea typeface="游ゴシック Medium" panose="020B0500000000000000" pitchFamily="50" charset="-128"/>
-                <a:cs typeface="FiraCode Nerd Font Mono" panose="02000009000000000000" pitchFamily="49" charset="0"/>
-              </a:rPr>
-              <a:t>倍</a:t>
-            </a:r>
-            <a:r>
-              <a:rPr kumimoji="1" lang="en-US" altLang="ja-JP" sz="1600" b="0" i="0" u="none" strike="noStrike" kern="1200" cap="none" spc="0" normalizeH="0" baseline="0" noProof="0" dirty="0">
-                <a:ln>
-                  <a:noFill/>
-                </a:ln>
-                <a:solidFill>
-                  <a:prstClr val="black"/>
-                </a:solidFill>
-                <a:effectLst/>
-                <a:uLnTx/>
-                <a:uFillTx/>
-                <a:latin typeface="游ゴシック Medium" panose="020B0500000000000000" pitchFamily="50" charset="-128"/>
-                <a:ea typeface="游ゴシック Medium" panose="020B0500000000000000" pitchFamily="50" charset="-128"/>
-                <a:cs typeface="FiraCode Nerd Font Mono" panose="02000009000000000000" pitchFamily="49" charset="0"/>
-              </a:rPr>
-              <a:t>)</a:t>
-            </a:r>
-            <a:r>
-              <a:rPr kumimoji="1" lang="ja-JP" altLang="en-US" sz="1600" b="0" i="0" u="none" strike="noStrike" kern="1200" cap="none" spc="0" normalizeH="0" baseline="0" noProof="0" dirty="0">
-                <a:ln>
-                  <a:noFill/>
-                </a:ln>
-                <a:solidFill>
-                  <a:prstClr val="black"/>
-                </a:solidFill>
-                <a:effectLst/>
-                <a:uLnTx/>
-                <a:uFillTx/>
-                <a:latin typeface="游ゴシック Medium" panose="020B0500000000000000" pitchFamily="50" charset="-128"/>
-                <a:ea typeface="游ゴシック Medium" panose="020B0500000000000000" pitchFamily="50" charset="-128"/>
-                <a:cs typeface="FiraCode Nerd Font Mono" panose="02000009000000000000" pitchFamily="49" charset="0"/>
-              </a:rPr>
-              <a:t>成果が増えた。</a:t>
+                <a:latin typeface="游ゴシック Medium" panose="020B0500000000000000" pitchFamily="50" charset="-128"/>
+                <a:ea typeface="游ゴシック Medium" panose="020B0500000000000000" pitchFamily="50" charset="-128"/>
+                <a:cs typeface="FiraCode Nerd Font Mono" panose="02000009000000000000" pitchFamily="49" charset="0"/>
+              </a:rPr>
+              <a:t>。</a:t>
             </a:r>
             <a:endParaRPr kumimoji="1" lang="en-US" altLang="ja-JP" sz="1600" b="0" i="0" u="none" strike="noStrike" kern="1200" cap="none" spc="0" normalizeH="0" baseline="0" noProof="0" dirty="0">
               <a:ln>
@@ -7825,181 +7771,13 @@
                 <a:prstClr val="black"/>
               </a:solidFill>
               <a:effectLst/>
-              <a:uLnTx/>
-              <a:uFillTx/>
-              <a:latin typeface="游ゴシック Medium" panose="020B0500000000000000" pitchFamily="50" charset="-128"/>
-              <a:ea typeface="游ゴシック Medium" panose="020B0500000000000000" pitchFamily="50" charset="-128"/>
-              <a:cs typeface="FiraCode Nerd Font Mono" panose="02000009000000000000" pitchFamily="49" charset="0"/>
-            </a:endParaRPr>
-          </a:p>
-          <a:p>
-            <a:pPr marL="0" marR="0" lvl="0" indent="0" algn="l" defTabSz="914400" rtl="0" eaLnBrk="0" fontAlgn="auto" latinLnBrk="0" hangingPunct="0">
-              <a:lnSpc>
-                <a:spcPct val="150000"/>
-              </a:lnSpc>
-              <a:spcBef>
-                <a:spcPts val="0"/>
-              </a:spcBef>
-              <a:spcAft>
-                <a:spcPts val="0"/>
-              </a:spcAft>
-              <a:buClrTx/>
-              <a:buSzTx/>
-              <a:buFont typeface="Arial" panose="020B0604020202020204" pitchFamily="34" charset="0"/>
-              <a:buNone/>
-              <a:tabLst/>
-              <a:defRPr/>
-            </a:pPr>
-            <a:r>
-              <a:rPr lang="ja-JP" altLang="en-US" sz="1400" dirty="0">
-                <a:solidFill>
-                  <a:prstClr val="black"/>
-                </a:solidFill>
-                <a:latin typeface="游ゴシック Medium" panose="020B0500000000000000" pitchFamily="50" charset="-128"/>
-                <a:ea typeface="游ゴシック Medium" panose="020B0500000000000000" pitchFamily="50" charset="-128"/>
-                <a:cs typeface="FiraCode Nerd Font Mono" panose="02000009000000000000" pitchFamily="49" charset="0"/>
-              </a:rPr>
-              <a:t>　</a:t>
-            </a:r>
-            <a:r>
-              <a:rPr kumimoji="1" lang="ja-JP" altLang="en-US" sz="1600" b="0" i="0" u="none" strike="noStrike" kern="1200" cap="none" spc="0" normalizeH="0" baseline="0" noProof="0" dirty="0">
-                <a:ln>
-                  <a:noFill/>
-                </a:ln>
-                <a:solidFill>
-                  <a:prstClr val="black"/>
-                </a:solidFill>
-                <a:effectLst/>
-                <a:uLnTx/>
-                <a:uFillTx/>
-                <a:latin typeface="游ゴシック Medium" panose="020B0500000000000000" pitchFamily="50" charset="-128"/>
-                <a:ea typeface="游ゴシック Medium" panose="020B0500000000000000" pitchFamily="50" charset="-128"/>
-                <a:cs typeface="FiraCode Nerd Font Mono" panose="02000009000000000000" pitchFamily="49" charset="0"/>
-              </a:rPr>
-              <a:t>これは時間外労働をしないほうが成果</a:t>
-            </a:r>
-            <a:r>
-              <a:rPr lang="ja-JP" altLang="en-US" sz="1600" dirty="0">
-                <a:solidFill>
-                  <a:prstClr val="black"/>
-                </a:solidFill>
-                <a:latin typeface="游ゴシック Medium" panose="020B0500000000000000" pitchFamily="50" charset="-128"/>
-                <a:ea typeface="游ゴシック Medium" panose="020B0500000000000000" pitchFamily="50" charset="-128"/>
-                <a:cs typeface="FiraCode Nerd Font Mono" panose="02000009000000000000" pitchFamily="49" charset="0"/>
-              </a:rPr>
-              <a:t>が</a:t>
-            </a:r>
-            <a:r>
-              <a:rPr kumimoji="1" lang="ja-JP" altLang="en-US" sz="1600" b="0" i="0" u="none" strike="noStrike" kern="1200" cap="none" spc="0" normalizeH="0" baseline="0" noProof="0" dirty="0">
-                <a:ln>
-                  <a:noFill/>
-                </a:ln>
-                <a:solidFill>
-                  <a:prstClr val="black"/>
-                </a:solidFill>
-                <a:effectLst/>
-                <a:uLnTx/>
-                <a:uFillTx/>
-                <a:latin typeface="游ゴシック Medium" panose="020B0500000000000000" pitchFamily="50" charset="-128"/>
-                <a:ea typeface="游ゴシック Medium" panose="020B0500000000000000" pitchFamily="50" charset="-128"/>
-                <a:cs typeface="FiraCode Nerd Font Mono" panose="02000009000000000000" pitchFamily="49" charset="0"/>
-              </a:rPr>
-              <a:t>出ること</a:t>
-            </a:r>
-            <a:r>
-              <a:rPr lang="ja-JP" altLang="en-US" sz="1600" dirty="0">
-                <a:solidFill>
-                  <a:prstClr val="black"/>
-                </a:solidFill>
-                <a:latin typeface="游ゴシック Medium" panose="020B0500000000000000" pitchFamily="50" charset="-128"/>
-                <a:ea typeface="游ゴシック Medium" panose="020B0500000000000000" pitchFamily="50" charset="-128"/>
-                <a:cs typeface="FiraCode Nerd Font Mono" panose="02000009000000000000" pitchFamily="49" charset="0"/>
-              </a:rPr>
-              <a:t>を意味するほか、</a:t>
-            </a:r>
-            <a:r>
-              <a:rPr kumimoji="1" lang="ja-JP" altLang="en-US" sz="1600" b="0" i="0" u="none" strike="noStrike" kern="1200" cap="none" spc="0" normalizeH="0" baseline="0" noProof="0" dirty="0">
-                <a:ln>
-                  <a:noFill/>
-                </a:ln>
-                <a:solidFill>
-                  <a:prstClr val="black"/>
-                </a:solidFill>
-                <a:effectLst/>
-                <a:uLnTx/>
-                <a:uFillTx/>
-                <a:latin typeface="游ゴシック Medium" panose="020B0500000000000000" pitchFamily="50" charset="-128"/>
-                <a:ea typeface="游ゴシック Medium" panose="020B0500000000000000" pitchFamily="50" charset="-128"/>
-                <a:cs typeface="FiraCode Nerd Font Mono" panose="02000009000000000000" pitchFamily="49" charset="0"/>
-              </a:rPr>
-              <a:t>他カラムの値と相関があったことが考えられる。</a:t>
-            </a:r>
-            <a:endParaRPr kumimoji="1" lang="en-US" altLang="ja-JP" sz="1600" b="0" i="0" u="none" strike="noStrike" kern="1200" cap="none" spc="0" normalizeH="0" baseline="0" noProof="0" dirty="0">
-              <a:ln>
-                <a:noFill/>
-              </a:ln>
-              <a:solidFill>
-                <a:prstClr val="black"/>
-              </a:solidFill>
-              <a:effectLst/>
+              <a:highlight>
+                <a:srgbClr val="EAEAEA"/>
+              </a:highlight>
               <a:uLnTx/>
               <a:uFillTx/>
               <a:latin typeface="FiraCode Nerd Font Mono" panose="02000009000000000000" pitchFamily="49" charset="0"/>
               <a:ea typeface="FiraCode Nerd Font Mono" panose="02000009000000000000" pitchFamily="49" charset="0"/>
-              <a:cs typeface="FiraCode Nerd Font Mono" panose="02000009000000000000" pitchFamily="49" charset="0"/>
-            </a:endParaRPr>
-          </a:p>
-          <a:p>
-            <a:pPr marL="0" marR="0" lvl="0" indent="0" algn="l" defTabSz="914400" rtl="0" eaLnBrk="0" fontAlgn="auto" latinLnBrk="0" hangingPunct="0">
-              <a:lnSpc>
-                <a:spcPct val="150000"/>
-              </a:lnSpc>
-              <a:spcBef>
-                <a:spcPts val="0"/>
-              </a:spcBef>
-              <a:spcAft>
-                <a:spcPts val="0"/>
-              </a:spcAft>
-              <a:buClrTx/>
-              <a:buSzTx/>
-              <a:buFont typeface="Arial" panose="020B0604020202020204" pitchFamily="34" charset="0"/>
-              <a:buNone/>
-              <a:tabLst/>
-              <a:defRPr/>
-            </a:pPr>
-            <a:endParaRPr lang="en-US" altLang="ja-JP" sz="1800" dirty="0">
-              <a:solidFill>
-                <a:prstClr val="black"/>
-              </a:solidFill>
-              <a:latin typeface="游ゴシック Medium" panose="020B0500000000000000" pitchFamily="50" charset="-128"/>
-              <a:ea typeface="游ゴシック Medium" panose="020B0500000000000000" pitchFamily="50" charset="-128"/>
-              <a:cs typeface="FiraCode Nerd Font Mono" panose="02000009000000000000" pitchFamily="49" charset="0"/>
-            </a:endParaRPr>
-          </a:p>
-          <a:p>
-            <a:pPr marL="0" marR="0" lvl="0" indent="0" algn="l" defTabSz="914400" rtl="0" eaLnBrk="0" fontAlgn="auto" latinLnBrk="0" hangingPunct="0">
-              <a:lnSpc>
-                <a:spcPct val="150000"/>
-              </a:lnSpc>
-              <a:spcBef>
-                <a:spcPts val="0"/>
-              </a:spcBef>
-              <a:spcAft>
-                <a:spcPts val="0"/>
-              </a:spcAft>
-              <a:buClrTx/>
-              <a:buSzTx/>
-              <a:buFont typeface="Arial" panose="020B0604020202020204" pitchFamily="34" charset="0"/>
-              <a:buNone/>
-              <a:tabLst/>
-              <a:defRPr/>
-            </a:pPr>
-            <a:endParaRPr lang="en-US" altLang="ja-JP" sz="1800" dirty="0">
-              <a:solidFill>
-                <a:prstClr val="black"/>
-              </a:solidFill>
-              <a:latin typeface="游ゴシック Medium" panose="020B0500000000000000" pitchFamily="50" charset="-128"/>
-              <a:ea typeface="游ゴシック Medium" panose="020B0500000000000000" pitchFamily="50" charset="-128"/>
               <a:cs typeface="FiraCode Nerd Font Mono" panose="02000009000000000000" pitchFamily="49" charset="0"/>
             </a:endParaRPr>
           </a:p>
@@ -8112,6 +7890,1937 @@
       </p:sp>
       <p:sp>
         <p:nvSpPr>
+          <p:cNvPr id="10" name="テキスト ボックス 9">
+            <a:extLst>
+              <a:ext uri="{FF2B5EF4-FFF2-40B4-BE49-F238E27FC236}">
+                <a16:creationId xmlns:a16="http://schemas.microsoft.com/office/drawing/2014/main" id="{CD977854-E0DF-3641-5031-1CB8B6EA1FCA}"/>
+              </a:ext>
+            </a:extLst>
+          </p:cNvPr>
+          <p:cNvSpPr txBox="1"/>
+          <p:nvPr/>
+        </p:nvSpPr>
+        <p:spPr>
+          <a:xfrm>
+            <a:off x="437539" y="1313656"/>
+            <a:ext cx="6096000" cy="400110"/>
+          </a:xfrm>
+          <a:prstGeom prst="rect">
+            <a:avLst/>
+          </a:prstGeom>
+          <a:noFill/>
+        </p:spPr>
+        <p:txBody>
+          <a:bodyPr wrap="square">
+            <a:spAutoFit/>
+          </a:bodyPr>
+          <a:lstStyle/>
+          <a:p>
+            <a:pPr marL="0" marR="0" lvl="0" indent="0" algn="l" defTabSz="914400" rtl="0" eaLnBrk="0" fontAlgn="auto" latinLnBrk="0" hangingPunct="0">
+              <a:lnSpc>
+                <a:spcPct val="100000"/>
+              </a:lnSpc>
+              <a:spcBef>
+                <a:spcPts val="1000"/>
+              </a:spcBef>
+              <a:spcAft>
+                <a:spcPts val="0"/>
+              </a:spcAft>
+              <a:buClrTx/>
+              <a:buSzTx/>
+              <a:buFont typeface="Arial" panose="020B0604020202020204" pitchFamily="34" charset="0"/>
+              <a:buNone/>
+              <a:tabLst/>
+              <a:defRPr/>
+            </a:pPr>
+            <a:r>
+              <a:rPr lang="ja-JP" altLang="en-US" sz="2000" b="1" dirty="0">
+                <a:solidFill>
+                  <a:srgbClr val="03BDBA"/>
+                </a:solidFill>
+                <a:latin typeface="コーポレート・ロゴ ver2 Medium" panose="02000600000000000000" pitchFamily="50" charset="-128"/>
+                <a:ea typeface="コーポレート・ロゴ ver2 Medium" panose="02000600000000000000" pitchFamily="50" charset="-128"/>
+              </a:rPr>
+              <a:t>改</a:t>
+            </a:r>
+            <a:r>
+              <a:rPr lang="ja-JP" altLang="en-US" sz="2000" b="1" dirty="0">
+                <a:latin typeface="コーポレート・ロゴ ver2 Medium" panose="02000600000000000000" pitchFamily="50" charset="-128"/>
+                <a:ea typeface="コーポレート・ロゴ ver2 Medium" panose="02000600000000000000" pitchFamily="50" charset="-128"/>
+              </a:rPr>
+              <a:t>善策の</a:t>
+            </a:r>
+            <a:r>
+              <a:rPr lang="ja-JP" altLang="en-US" sz="2000" b="1" dirty="0">
+                <a:solidFill>
+                  <a:srgbClr val="03BDBA"/>
+                </a:solidFill>
+                <a:latin typeface="コーポレート・ロゴ ver2 Medium" panose="02000600000000000000" pitchFamily="50" charset="-128"/>
+                <a:ea typeface="コーポレート・ロゴ ver2 Medium" panose="02000600000000000000" pitchFamily="50" charset="-128"/>
+              </a:rPr>
+              <a:t>検</a:t>
+            </a:r>
+            <a:r>
+              <a:rPr lang="ja-JP" altLang="en-US" sz="2000" b="1" dirty="0">
+                <a:solidFill>
+                  <a:prstClr val="black"/>
+                </a:solidFill>
+                <a:latin typeface="コーポレート・ロゴ ver2 Medium" panose="02000600000000000000" pitchFamily="50" charset="-128"/>
+                <a:ea typeface="コーポレート・ロゴ ver2 Medium" panose="02000600000000000000" pitchFamily="50" charset="-128"/>
+              </a:rPr>
+              <a:t>証と</a:t>
+            </a:r>
+            <a:r>
+              <a:rPr lang="ja-JP" altLang="en-US" sz="2000" b="1" dirty="0">
+                <a:solidFill>
+                  <a:srgbClr val="03BDBA"/>
+                </a:solidFill>
+                <a:latin typeface="コーポレート・ロゴ ver2 Medium" panose="02000600000000000000" pitchFamily="50" charset="-128"/>
+                <a:ea typeface="コーポレート・ロゴ ver2 Medium" panose="02000600000000000000" pitchFamily="50" charset="-128"/>
+              </a:rPr>
+              <a:t>結</a:t>
+            </a:r>
+            <a:r>
+              <a:rPr lang="ja-JP" altLang="en-US" sz="2000" b="1" dirty="0">
+                <a:solidFill>
+                  <a:prstClr val="black"/>
+                </a:solidFill>
+                <a:latin typeface="コーポレート・ロゴ ver2 Medium" panose="02000600000000000000" pitchFamily="50" charset="-128"/>
+                <a:ea typeface="コーポレート・ロゴ ver2 Medium" panose="02000600000000000000" pitchFamily="50" charset="-128"/>
+              </a:rPr>
+              <a:t>果</a:t>
+            </a:r>
+            <a:endParaRPr kumimoji="1" lang="en-US" altLang="ja-JP" sz="2000" b="1" i="0" u="none" strike="noStrike" kern="1200" cap="none" spc="0" normalizeH="0" baseline="0" noProof="0" dirty="0">
+              <a:ln>
+                <a:noFill/>
+              </a:ln>
+              <a:solidFill>
+                <a:prstClr val="black"/>
+              </a:solidFill>
+              <a:effectLst/>
+              <a:uLnTx/>
+              <a:uFillTx/>
+              <a:latin typeface="コーポレート・ロゴ ver2 Medium" panose="02000600000000000000" pitchFamily="50" charset="-128"/>
+              <a:ea typeface="コーポレート・ロゴ ver2 Medium" panose="02000600000000000000" pitchFamily="50" charset="-128"/>
+              <a:cs typeface="+mn-cs"/>
+            </a:endParaRPr>
+          </a:p>
+        </p:txBody>
+      </p:sp>
+      <p:sp>
+        <p:nvSpPr>
+          <p:cNvPr id="4" name="テキスト ボックス 3">
+            <a:extLst>
+              <a:ext uri="{FF2B5EF4-FFF2-40B4-BE49-F238E27FC236}">
+                <a16:creationId xmlns:a16="http://schemas.microsoft.com/office/drawing/2014/main" id="{4DB99B3F-9401-68BC-CEA6-538C8339CB96}"/>
+              </a:ext>
+            </a:extLst>
+          </p:cNvPr>
+          <p:cNvSpPr txBox="1"/>
+          <p:nvPr/>
+        </p:nvSpPr>
+        <p:spPr>
+          <a:xfrm>
+            <a:off x="5711030" y="6475809"/>
+            <a:ext cx="769937" cy="369332"/>
+          </a:xfrm>
+          <a:prstGeom prst="rect">
+            <a:avLst/>
+          </a:prstGeom>
+          <a:noFill/>
+        </p:spPr>
+        <p:txBody>
+          <a:bodyPr wrap="square" rtlCol="0">
+            <a:spAutoFit/>
+          </a:bodyPr>
+          <a:lstStyle/>
+          <a:p>
+            <a:pPr algn="ctr"/>
+            <a:r>
+              <a:rPr lang="en-US" altLang="ja-JP" dirty="0">
+                <a:latin typeface="マキナス 4 Flat" panose="02000600000000000000" pitchFamily="50" charset="-128"/>
+                <a:ea typeface="マキナス 4 Flat" panose="02000600000000000000" pitchFamily="50" charset="-128"/>
+              </a:rPr>
+              <a:t>11</a:t>
+            </a:r>
+            <a:endParaRPr kumimoji="1" lang="ja-JP" altLang="en-US" dirty="0">
+              <a:latin typeface="マキナス 4 Flat" panose="02000600000000000000" pitchFamily="50" charset="-128"/>
+              <a:ea typeface="マキナス 4 Flat" panose="02000600000000000000" pitchFamily="50" charset="-128"/>
+            </a:endParaRPr>
+          </a:p>
+        </p:txBody>
+      </p:sp>
+      <p:sp>
+        <p:nvSpPr>
+          <p:cNvPr id="7" name="テキスト ボックス 6">
+            <a:extLst>
+              <a:ext uri="{FF2B5EF4-FFF2-40B4-BE49-F238E27FC236}">
+                <a16:creationId xmlns:a16="http://schemas.microsoft.com/office/drawing/2014/main" id="{E9073228-B3F1-C355-7B1A-764C742C935E}"/>
+              </a:ext>
+            </a:extLst>
+          </p:cNvPr>
+          <p:cNvSpPr txBox="1"/>
+          <p:nvPr/>
+        </p:nvSpPr>
+        <p:spPr>
+          <a:xfrm>
+            <a:off x="6991350" y="6473541"/>
+            <a:ext cx="4929188" cy="307777"/>
+          </a:xfrm>
+          <a:prstGeom prst="rect">
+            <a:avLst/>
+          </a:prstGeom>
+          <a:noFill/>
+        </p:spPr>
+        <p:txBody>
+          <a:bodyPr wrap="square">
+            <a:spAutoFit/>
+          </a:bodyPr>
+          <a:lstStyle/>
+          <a:p>
+            <a:pPr marL="0" marR="0" lvl="0" indent="0" algn="r" defTabSz="914400" rtl="0" eaLnBrk="1" fontAlgn="auto" latinLnBrk="0" hangingPunct="1">
+              <a:lnSpc>
+                <a:spcPct val="100000"/>
+              </a:lnSpc>
+              <a:spcBef>
+                <a:spcPts val="1000"/>
+              </a:spcBef>
+              <a:spcAft>
+                <a:spcPts val="0"/>
+              </a:spcAft>
+              <a:buClrTx/>
+              <a:buSzTx/>
+              <a:buFont typeface="Arial" panose="020B0604020202020204" pitchFamily="34" charset="0"/>
+              <a:buNone/>
+              <a:tabLst/>
+              <a:defRPr/>
+            </a:pPr>
+            <a:r>
+              <a:rPr kumimoji="1" lang="ja-JP" altLang="en-US" sz="1400" b="0" i="0" u="none" strike="noStrike" kern="1200" cap="none" spc="0" normalizeH="0" baseline="0" noProof="0" dirty="0">
+                <a:ln>
+                  <a:noFill/>
+                </a:ln>
+                <a:solidFill>
+                  <a:prstClr val="black"/>
+                </a:solidFill>
+                <a:effectLst/>
+                <a:uLnTx/>
+                <a:uFillTx/>
+                <a:latin typeface="コーポレート・ロゴ ver2 Medium" panose="02000600000000000000" pitchFamily="50" charset="-128"/>
+                <a:ea typeface="コーポレート・ロゴ ver2 Medium" panose="02000600000000000000" pitchFamily="50" charset="-128"/>
+                <a:cs typeface="+mn-cs"/>
+              </a:rPr>
+              <a:t>新規事業の利得の予測</a:t>
+            </a:r>
+            <a:endParaRPr kumimoji="1" lang="en-US" altLang="ja-JP" sz="1400" b="0" i="0" u="none" strike="noStrike" kern="1200" cap="none" spc="0" normalizeH="0" baseline="0" noProof="0" dirty="0">
+              <a:ln>
+                <a:noFill/>
+              </a:ln>
+              <a:solidFill>
+                <a:prstClr val="black"/>
+              </a:solidFill>
+              <a:effectLst/>
+              <a:uLnTx/>
+              <a:uFillTx/>
+              <a:latin typeface="コーポレート・ロゴ ver2 Medium" panose="02000600000000000000" pitchFamily="50" charset="-128"/>
+              <a:ea typeface="コーポレート・ロゴ ver2 Medium" panose="02000600000000000000" pitchFamily="50" charset="-128"/>
+              <a:cs typeface="+mn-cs"/>
+            </a:endParaRPr>
+          </a:p>
+        </p:txBody>
+      </p:sp>
+    </p:spTree>
+    <p:extLst>
+      <p:ext uri="{BB962C8B-B14F-4D97-AF65-F5344CB8AC3E}">
+        <p14:creationId xmlns:p14="http://schemas.microsoft.com/office/powerpoint/2010/main" val="2794611558"/>
+      </p:ext>
+    </p:extLst>
+  </p:cSld>
+  <p:clrMapOvr>
+    <a:masterClrMapping/>
+  </p:clrMapOvr>
+</p:sld>
+</file>
+
+<file path=ppt/slides/slide12.xml><?xml version="1.0" encoding="utf-8"?>
+<p:sld xmlns:a="http://schemas.openxmlformats.org/drawingml/2006/main" xmlns:r="http://schemas.openxmlformats.org/officeDocument/2006/relationships" xmlns:p="http://schemas.openxmlformats.org/presentationml/2006/main">
+  <p:cSld>
+    <p:spTree>
+      <p:nvGrpSpPr>
+        <p:cNvPr id="1" name=""/>
+        <p:cNvGrpSpPr/>
+        <p:nvPr/>
+      </p:nvGrpSpPr>
+      <p:grpSpPr>
+        <a:xfrm>
+          <a:off x="0" y="0"/>
+          <a:ext cx="0" cy="0"/>
+          <a:chOff x="0" y="0"/>
+          <a:chExt cx="0" cy="0"/>
+        </a:xfrm>
+      </p:grpSpPr>
+      <p:sp>
+        <p:nvSpPr>
+          <p:cNvPr id="2" name="タイトル 1">
+            <a:extLst>
+              <a:ext uri="{FF2B5EF4-FFF2-40B4-BE49-F238E27FC236}">
+                <a16:creationId xmlns:a16="http://schemas.microsoft.com/office/drawing/2014/main" id="{9D859FDC-5DF7-BACE-A583-CDDFC41A4F50}"/>
+              </a:ext>
+            </a:extLst>
+          </p:cNvPr>
+          <p:cNvSpPr>
+            <a:spLocks noGrp="1"/>
+          </p:cNvSpPr>
+          <p:nvPr>
+            <p:ph type="title"/>
+          </p:nvPr>
+        </p:nvSpPr>
+        <p:spPr>
+          <a:xfrm>
+            <a:off x="349250" y="454818"/>
+            <a:ext cx="10401300" cy="858838"/>
+          </a:xfrm>
+        </p:spPr>
+        <p:txBody>
+          <a:bodyPr>
+            <a:normAutofit/>
+          </a:bodyPr>
+          <a:lstStyle/>
+          <a:p>
+            <a:r>
+              <a:rPr lang="ja-JP" altLang="en-US" sz="3600" b="1" dirty="0">
+                <a:solidFill>
+                  <a:srgbClr val="03BDBA"/>
+                </a:solidFill>
+                <a:latin typeface="游ゴシック Medium" panose="020B0500000000000000" pitchFamily="50" charset="-128"/>
+                <a:ea typeface="游ゴシック Medium" panose="020B0500000000000000" pitchFamily="50" charset="-128"/>
+              </a:rPr>
+              <a:t>新</a:t>
+            </a:r>
+            <a:r>
+              <a:rPr lang="ja-JP" altLang="en-US" sz="3600" b="1" dirty="0">
+                <a:latin typeface="游ゴシック Medium" panose="020B0500000000000000" pitchFamily="50" charset="-128"/>
+                <a:ea typeface="游ゴシック Medium" panose="020B0500000000000000" pitchFamily="50" charset="-128"/>
+              </a:rPr>
+              <a:t>規事業の</a:t>
+            </a:r>
+            <a:r>
+              <a:rPr lang="ja-JP" altLang="en-US" sz="3600" b="1" dirty="0">
+                <a:solidFill>
+                  <a:srgbClr val="03BDBA"/>
+                </a:solidFill>
+                <a:latin typeface="游ゴシック Medium" panose="020B0500000000000000" pitchFamily="50" charset="-128"/>
+                <a:ea typeface="游ゴシック Medium" panose="020B0500000000000000" pitchFamily="50" charset="-128"/>
+              </a:rPr>
+              <a:t>利</a:t>
+            </a:r>
+            <a:r>
+              <a:rPr lang="ja-JP" altLang="en-US" sz="3600" b="1" dirty="0">
+                <a:latin typeface="游ゴシック Medium" panose="020B0500000000000000" pitchFamily="50" charset="-128"/>
+                <a:ea typeface="游ゴシック Medium" panose="020B0500000000000000" pitchFamily="50" charset="-128"/>
+              </a:rPr>
+              <a:t>得の</a:t>
+            </a:r>
+            <a:r>
+              <a:rPr lang="ja-JP" altLang="en-US" sz="3600" b="1" dirty="0">
+                <a:solidFill>
+                  <a:srgbClr val="03BDBA"/>
+                </a:solidFill>
+                <a:latin typeface="游ゴシック Medium" panose="020B0500000000000000" pitchFamily="50" charset="-128"/>
+                <a:ea typeface="游ゴシック Medium" panose="020B0500000000000000" pitchFamily="50" charset="-128"/>
+              </a:rPr>
+              <a:t>予</a:t>
+            </a:r>
+            <a:r>
+              <a:rPr lang="ja-JP" altLang="en-US" sz="3600" b="1" dirty="0">
+                <a:latin typeface="游ゴシック Medium" panose="020B0500000000000000" pitchFamily="50" charset="-128"/>
+                <a:ea typeface="游ゴシック Medium" panose="020B0500000000000000" pitchFamily="50" charset="-128"/>
+              </a:rPr>
+              <a:t>測</a:t>
+            </a:r>
+          </a:p>
+        </p:txBody>
+      </p:sp>
+      <p:sp>
+        <p:nvSpPr>
+          <p:cNvPr id="3" name="コンテンツ プレースホルダー 2">
+            <a:extLst>
+              <a:ext uri="{FF2B5EF4-FFF2-40B4-BE49-F238E27FC236}">
+                <a16:creationId xmlns:a16="http://schemas.microsoft.com/office/drawing/2014/main" id="{554C2AB4-107A-195F-FD05-3666FA0F5AC4}"/>
+              </a:ext>
+            </a:extLst>
+          </p:cNvPr>
+          <p:cNvSpPr>
+            <a:spLocks noGrp="1"/>
+          </p:cNvSpPr>
+          <p:nvPr>
+            <p:ph idx="1"/>
+          </p:nvPr>
+        </p:nvSpPr>
+        <p:spPr>
+          <a:xfrm>
+            <a:off x="437539" y="1666016"/>
+            <a:ext cx="15339490" cy="4899883"/>
+          </a:xfrm>
+        </p:spPr>
+        <p:txBody>
+          <a:bodyPr>
+            <a:normAutofit/>
+          </a:bodyPr>
+          <a:lstStyle/>
+          <a:p>
+            <a:pPr marL="0" marR="0" lvl="0" indent="0" algn="l" defTabSz="914400" rtl="0" eaLnBrk="0" fontAlgn="auto" latinLnBrk="0" hangingPunct="0">
+              <a:lnSpc>
+                <a:spcPct val="150000"/>
+              </a:lnSpc>
+              <a:spcBef>
+                <a:spcPts val="0"/>
+              </a:spcBef>
+              <a:spcAft>
+                <a:spcPts val="0"/>
+              </a:spcAft>
+              <a:buClrTx/>
+              <a:buSzTx/>
+              <a:buFont typeface="Arial" panose="020B0604020202020204" pitchFamily="34" charset="0"/>
+              <a:buNone/>
+              <a:tabLst/>
+              <a:defRPr/>
+            </a:pPr>
+            <a:r>
+              <a:rPr kumimoji="1" lang="en-US" altLang="ja-JP" sz="1400" b="0" i="0" u="none" strike="noStrike" kern="1200" cap="none" spc="0" normalizeH="0" baseline="0" noProof="0" dirty="0" err="1">
+                <a:ln>
+                  <a:noFill/>
+                </a:ln>
+                <a:solidFill>
+                  <a:prstClr val="black"/>
+                </a:solidFill>
+                <a:effectLst/>
+                <a:highlight>
+                  <a:srgbClr val="EAEAEA"/>
+                </a:highlight>
+                <a:uLnTx/>
+                <a:uFillTx/>
+                <a:latin typeface="FiraCode Nerd Font Mono" panose="02000009000000000000" pitchFamily="49" charset="0"/>
+                <a:ea typeface="FiraCode Nerd Font Mono" panose="02000009000000000000" pitchFamily="49" charset="0"/>
+                <a:cs typeface="FiraCode Nerd Font Mono" panose="02000009000000000000" pitchFamily="49" charset="0"/>
+              </a:rPr>
+              <a:t>Overtime:No</a:t>
+            </a:r>
+            <a:r>
+              <a:rPr kumimoji="1" lang="en-US" altLang="ja-JP" sz="1400" b="0" i="0" u="none" strike="noStrike" kern="1200" cap="none" spc="0" normalizeH="0" baseline="0" noProof="0" dirty="0">
+                <a:ln>
+                  <a:noFill/>
+                </a:ln>
+                <a:solidFill>
+                  <a:prstClr val="black"/>
+                </a:solidFill>
+                <a:effectLst/>
+                <a:uLnTx/>
+                <a:uFillTx/>
+                <a:latin typeface="游ゴシック Medium" panose="020B0500000000000000" pitchFamily="50" charset="-128"/>
+                <a:ea typeface="游ゴシック Medium" panose="020B0500000000000000" pitchFamily="50" charset="-128"/>
+                <a:cs typeface="FiraCode Nerd Font Mono" panose="02000009000000000000" pitchFamily="49" charset="0"/>
+              </a:rPr>
+              <a:t> </a:t>
+            </a:r>
+            <a:r>
+              <a:rPr kumimoji="1" lang="ja-JP" altLang="en-US" sz="1600" b="0" i="0" u="none" strike="noStrike" kern="1200" cap="none" spc="0" normalizeH="0" baseline="0" noProof="0" dirty="0">
+                <a:ln>
+                  <a:noFill/>
+                </a:ln>
+                <a:solidFill>
+                  <a:prstClr val="black"/>
+                </a:solidFill>
+                <a:effectLst/>
+                <a:uLnTx/>
+                <a:uFillTx/>
+                <a:latin typeface="游ゴシック Medium" panose="020B0500000000000000" pitchFamily="50" charset="-128"/>
+                <a:ea typeface="游ゴシック Medium" panose="020B0500000000000000" pitchFamily="50" charset="-128"/>
+                <a:cs typeface="FiraCode Nerd Font Mono" panose="02000009000000000000" pitchFamily="49" charset="0"/>
+              </a:rPr>
+              <a:t>の場合、成果</a:t>
+            </a:r>
+            <a:r>
+              <a:rPr kumimoji="1" lang="en-US" altLang="ja-JP" sz="1600" b="0" i="0" u="none" strike="noStrike" kern="1200" cap="none" spc="0" normalizeH="0" baseline="0" noProof="0" dirty="0">
+                <a:ln>
+                  <a:noFill/>
+                </a:ln>
+                <a:solidFill>
+                  <a:prstClr val="black"/>
+                </a:solidFill>
+                <a:effectLst/>
+                <a:uLnTx/>
+                <a:uFillTx/>
+                <a:latin typeface="游ゴシック Medium" panose="020B0500000000000000" pitchFamily="50" charset="-128"/>
+                <a:ea typeface="游ゴシック Medium" panose="020B0500000000000000" pitchFamily="50" charset="-128"/>
+                <a:cs typeface="FiraCode Nerd Font Mono" panose="02000009000000000000" pitchFamily="49" charset="0"/>
+              </a:rPr>
+              <a:t>(</a:t>
+            </a:r>
+            <a:r>
+              <a:rPr kumimoji="1" lang="en-US" altLang="ja-JP" sz="1400" b="0" i="0" u="none" strike="noStrike" kern="1200" cap="none" spc="0" normalizeH="0" baseline="0" noProof="0" dirty="0">
+                <a:ln>
+                  <a:noFill/>
+                </a:ln>
+                <a:solidFill>
+                  <a:prstClr val="black"/>
+                </a:solidFill>
+                <a:effectLst/>
+                <a:highlight>
+                  <a:srgbClr val="EAEAEA"/>
+                </a:highlight>
+                <a:uLnTx/>
+                <a:uFillTx/>
+                <a:latin typeface="FiraCode Nerd Font Mono" panose="02000009000000000000" pitchFamily="49" charset="0"/>
+                <a:ea typeface="FiraCode Nerd Font Mono" panose="02000009000000000000" pitchFamily="49" charset="0"/>
+                <a:cs typeface="FiraCode Nerd Font Mono" panose="02000009000000000000" pitchFamily="49" charset="0"/>
+              </a:rPr>
+              <a:t>Achievement</a:t>
+            </a:r>
+            <a:r>
+              <a:rPr kumimoji="1" lang="en-US" altLang="ja-JP" sz="1600" b="0" i="0" u="none" strike="noStrike" kern="1200" cap="none" spc="0" normalizeH="0" baseline="0" noProof="0" dirty="0">
+                <a:ln>
+                  <a:noFill/>
+                </a:ln>
+                <a:solidFill>
+                  <a:prstClr val="black"/>
+                </a:solidFill>
+                <a:effectLst/>
+                <a:uLnTx/>
+                <a:uFillTx/>
+                <a:latin typeface="游ゴシック Medium" panose="020B0500000000000000" pitchFamily="50" charset="-128"/>
+                <a:ea typeface="游ゴシック Medium" panose="020B0500000000000000" pitchFamily="50" charset="-128"/>
+                <a:cs typeface="FiraCode Nerd Font Mono" panose="02000009000000000000" pitchFamily="49" charset="0"/>
+              </a:rPr>
+              <a:t>)</a:t>
+            </a:r>
+            <a:r>
+              <a:rPr lang="ja-JP" altLang="en-US" sz="1600" dirty="0">
+                <a:solidFill>
+                  <a:prstClr val="black"/>
+                </a:solidFill>
+                <a:latin typeface="游ゴシック Medium" panose="020B0500000000000000" pitchFamily="50" charset="-128"/>
+                <a:ea typeface="游ゴシック Medium" panose="020B0500000000000000" pitchFamily="50" charset="-128"/>
+                <a:cs typeface="FiraCode Nerd Font Mono" panose="02000009000000000000" pitchFamily="49" charset="0"/>
+              </a:rPr>
+              <a:t>も</a:t>
+            </a:r>
+            <a:r>
+              <a:rPr kumimoji="1" lang="ja-JP" altLang="en-US" sz="1600" b="0" i="0" u="none" strike="noStrike" kern="1200" cap="none" spc="0" normalizeH="0" baseline="0" noProof="0" dirty="0">
+                <a:ln>
+                  <a:noFill/>
+                </a:ln>
+                <a:solidFill>
+                  <a:prstClr val="black"/>
+                </a:solidFill>
+                <a:effectLst/>
+                <a:uLnTx/>
+                <a:uFillTx/>
+                <a:latin typeface="游ゴシック Medium" panose="020B0500000000000000" pitchFamily="50" charset="-128"/>
+                <a:ea typeface="游ゴシック Medium" panose="020B0500000000000000" pitchFamily="50" charset="-128"/>
+                <a:cs typeface="FiraCode Nerd Font Mono" panose="02000009000000000000" pitchFamily="49" charset="0"/>
+              </a:rPr>
+              <a:t>減るか</a:t>
+            </a:r>
+            <a:r>
+              <a:rPr kumimoji="1" lang="en-US" altLang="ja-JP" sz="1600" b="0" i="0" u="none" strike="noStrike" kern="1200" cap="none" spc="0" normalizeH="0" baseline="0" noProof="0" dirty="0">
+                <a:ln>
+                  <a:noFill/>
+                </a:ln>
+                <a:solidFill>
+                  <a:prstClr val="black"/>
+                </a:solidFill>
+                <a:effectLst/>
+                <a:uLnTx/>
+                <a:uFillTx/>
+                <a:latin typeface="游ゴシック Medium" panose="020B0500000000000000" pitchFamily="50" charset="-128"/>
+                <a:ea typeface="游ゴシック Medium" panose="020B0500000000000000" pitchFamily="50" charset="-128"/>
+                <a:cs typeface="FiraCode Nerd Font Mono" panose="02000009000000000000" pitchFamily="49" charset="0"/>
+              </a:rPr>
+              <a:t>?</a:t>
+            </a:r>
+            <a:endParaRPr kumimoji="1" lang="en-US" altLang="ja-JP" sz="1800" b="1" i="0" u="none" strike="noStrike" kern="1200" cap="none" spc="0" normalizeH="0" baseline="0" noProof="0" dirty="0">
+              <a:ln>
+                <a:noFill/>
+              </a:ln>
+              <a:solidFill>
+                <a:srgbClr val="03BDBA"/>
+              </a:solidFill>
+              <a:effectLst/>
+              <a:uLnTx/>
+              <a:uFillTx/>
+              <a:latin typeface="游ゴシック Medium" panose="020B0500000000000000" pitchFamily="50" charset="-128"/>
+              <a:ea typeface="游ゴシック Medium" panose="020B0500000000000000" pitchFamily="50" charset="-128"/>
+              <a:cs typeface="FiraCode Nerd Font Mono" panose="02000009000000000000" pitchFamily="49" charset="0"/>
+            </a:endParaRPr>
+          </a:p>
+          <a:p>
+            <a:pPr marL="0" marR="0" lvl="0" indent="0" algn="l" defTabSz="914400" rtl="0" eaLnBrk="0" fontAlgn="auto" latinLnBrk="0" hangingPunct="0">
+              <a:lnSpc>
+                <a:spcPct val="150000"/>
+              </a:lnSpc>
+              <a:spcBef>
+                <a:spcPts val="0"/>
+              </a:spcBef>
+              <a:spcAft>
+                <a:spcPts val="0"/>
+              </a:spcAft>
+              <a:buClrTx/>
+              <a:buSzTx/>
+              <a:buFont typeface="Arial" panose="020B0604020202020204" pitchFamily="34" charset="0"/>
+              <a:buNone/>
+              <a:tabLst/>
+              <a:defRPr/>
+            </a:pPr>
+            <a:r>
+              <a:rPr kumimoji="1" lang="ja-JP" altLang="en-US" sz="1800" b="1" i="0" u="none" strike="noStrike" kern="1200" cap="none" spc="0" normalizeH="0" baseline="0" noProof="0" dirty="0">
+                <a:ln>
+                  <a:noFill/>
+                </a:ln>
+                <a:solidFill>
+                  <a:srgbClr val="03BDBA"/>
+                </a:solidFill>
+                <a:effectLst/>
+                <a:uLnTx/>
+                <a:uFillTx/>
+                <a:latin typeface="游ゴシック Medium" panose="020B0500000000000000" pitchFamily="50" charset="-128"/>
+                <a:ea typeface="游ゴシック Medium" panose="020B0500000000000000" pitchFamily="50" charset="-128"/>
+                <a:cs typeface="FiraCode Nerd Font Mono" panose="02000009000000000000" pitchFamily="49" charset="0"/>
+              </a:rPr>
+              <a:t>検</a:t>
+            </a:r>
+            <a:r>
+              <a:rPr kumimoji="1" lang="ja-JP" altLang="en-US" sz="1800" b="1" i="0" u="none" strike="noStrike" kern="1200" cap="none" spc="0" normalizeH="0" baseline="0" noProof="0" dirty="0">
+                <a:ln>
+                  <a:noFill/>
+                </a:ln>
+                <a:solidFill>
+                  <a:prstClr val="black"/>
+                </a:solidFill>
+                <a:effectLst/>
+                <a:uLnTx/>
+                <a:uFillTx/>
+                <a:latin typeface="游ゴシック Medium" panose="020B0500000000000000" pitchFamily="50" charset="-128"/>
+                <a:ea typeface="游ゴシック Medium" panose="020B0500000000000000" pitchFamily="50" charset="-128"/>
+                <a:cs typeface="FiraCode Nerd Font Mono" panose="02000009000000000000" pitchFamily="49" charset="0"/>
+              </a:rPr>
+              <a:t>証</a:t>
+            </a:r>
+            <a:endParaRPr kumimoji="1" lang="en-US" altLang="ja-JP" sz="1800" b="1" i="0" u="none" strike="noStrike" kern="1200" cap="none" spc="0" normalizeH="0" baseline="0" noProof="0" dirty="0">
+              <a:ln>
+                <a:noFill/>
+              </a:ln>
+              <a:solidFill>
+                <a:prstClr val="black"/>
+              </a:solidFill>
+              <a:effectLst/>
+              <a:uLnTx/>
+              <a:uFillTx/>
+              <a:latin typeface="游ゴシック Medium" panose="020B0500000000000000" pitchFamily="50" charset="-128"/>
+              <a:ea typeface="游ゴシック Medium" panose="020B0500000000000000" pitchFamily="50" charset="-128"/>
+              <a:cs typeface="FiraCode Nerd Font Mono" panose="02000009000000000000" pitchFamily="49" charset="0"/>
+            </a:endParaRPr>
+          </a:p>
+          <a:p>
+            <a:pPr marL="0" marR="0" lvl="0" indent="0" algn="l" defTabSz="914400" rtl="0" eaLnBrk="0" fontAlgn="auto" latinLnBrk="0" hangingPunct="0">
+              <a:lnSpc>
+                <a:spcPct val="150000"/>
+              </a:lnSpc>
+              <a:spcBef>
+                <a:spcPts val="0"/>
+              </a:spcBef>
+              <a:spcAft>
+                <a:spcPts val="0"/>
+              </a:spcAft>
+              <a:buClrTx/>
+              <a:buSzTx/>
+              <a:buFont typeface="Arial" panose="020B0604020202020204" pitchFamily="34" charset="0"/>
+              <a:buNone/>
+              <a:tabLst/>
+              <a:defRPr/>
+            </a:pPr>
+            <a:r>
+              <a:rPr kumimoji="1" lang="ja-JP" altLang="en-US" sz="1600" b="0" i="0" u="none" strike="noStrike" kern="1200" cap="none" spc="0" normalizeH="0" baseline="0" noProof="0" dirty="0">
+                <a:ln>
+                  <a:noFill/>
+                </a:ln>
+                <a:solidFill>
+                  <a:prstClr val="black"/>
+                </a:solidFill>
+                <a:effectLst/>
+                <a:uLnTx/>
+                <a:uFillTx/>
+                <a:latin typeface="游ゴシック Medium" panose="020B0500000000000000" pitchFamily="50" charset="-128"/>
+                <a:ea typeface="游ゴシック Medium" panose="020B0500000000000000" pitchFamily="50" charset="-128"/>
+                <a:cs typeface="FiraCode Nerd Font Mono" panose="02000009000000000000" pitchFamily="49" charset="0"/>
+              </a:rPr>
+              <a:t>　</a:t>
+            </a:r>
+            <a:r>
+              <a:rPr kumimoji="1" lang="en-US" altLang="ja-JP" sz="1400" b="0" i="0" u="none" strike="noStrike" kern="1200" cap="none" spc="0" normalizeH="0" baseline="0" noProof="0" dirty="0" err="1">
+                <a:ln>
+                  <a:noFill/>
+                </a:ln>
+                <a:solidFill>
+                  <a:prstClr val="black"/>
+                </a:solidFill>
+                <a:effectLst/>
+                <a:highlight>
+                  <a:srgbClr val="EAEAEA"/>
+                </a:highlight>
+                <a:uLnTx/>
+                <a:uFillTx/>
+                <a:latin typeface="FiraCode Nerd Font Mono" panose="02000009000000000000" pitchFamily="49" charset="0"/>
+                <a:ea typeface="FiraCode Nerd Font Mono" panose="02000009000000000000" pitchFamily="49" charset="0"/>
+                <a:cs typeface="FiraCode Nerd Font Mono" panose="02000009000000000000" pitchFamily="49" charset="0"/>
+              </a:rPr>
+              <a:t>DailyAchievement</a:t>
+            </a:r>
+            <a:r>
+              <a:rPr kumimoji="1" lang="en-US" altLang="ja-JP" sz="1600" b="0" i="0" u="none" strike="noStrike" kern="1200" cap="none" spc="0" normalizeH="0" baseline="0" noProof="0" dirty="0">
+                <a:ln>
+                  <a:noFill/>
+                </a:ln>
+                <a:solidFill>
+                  <a:prstClr val="black"/>
+                </a:solidFill>
+                <a:effectLst/>
+                <a:uLnTx/>
+                <a:uFillTx/>
+                <a:latin typeface="游ゴシック Medium" panose="020B0500000000000000" pitchFamily="50" charset="-128"/>
+                <a:ea typeface="游ゴシック Medium" panose="020B0500000000000000" pitchFamily="50" charset="-128"/>
+                <a:cs typeface="FiraCode Nerd Font Mono" panose="02000009000000000000" pitchFamily="49" charset="0"/>
+              </a:rPr>
+              <a:t> </a:t>
+            </a:r>
+            <a:r>
+              <a:rPr kumimoji="1" lang="ja-JP" altLang="en-US" sz="1600" b="0" i="0" u="none" strike="noStrike" kern="1200" cap="none" spc="0" normalizeH="0" baseline="0" noProof="0" dirty="0">
+                <a:ln>
+                  <a:noFill/>
+                </a:ln>
+                <a:solidFill>
+                  <a:prstClr val="black"/>
+                </a:solidFill>
+                <a:effectLst/>
+                <a:uLnTx/>
+                <a:uFillTx/>
+                <a:latin typeface="游ゴシック Medium" panose="020B0500000000000000" pitchFamily="50" charset="-128"/>
+                <a:ea typeface="游ゴシック Medium" panose="020B0500000000000000" pitchFamily="50" charset="-128"/>
+                <a:cs typeface="FiraCode Nerd Font Mono" panose="02000009000000000000" pitchFamily="49" charset="0"/>
+              </a:rPr>
+              <a:t>を予測する回帰モデルを同様の手順で作成し、最適化したモデル </a:t>
+            </a:r>
+            <a:r>
+              <a:rPr kumimoji="1" lang="en-US" altLang="ja-JP" sz="1600" b="0" i="0" u="none" strike="noStrike" kern="1200" cap="none" spc="0" normalizeH="0" baseline="0" noProof="0" dirty="0">
+                <a:ln>
+                  <a:noFill/>
+                </a:ln>
+                <a:solidFill>
+                  <a:prstClr val="black"/>
+                </a:solidFill>
+                <a:effectLst/>
+                <a:uLnTx/>
+                <a:uFillTx/>
+                <a:latin typeface="游ゴシック Medium" panose="020B0500000000000000" pitchFamily="50" charset="-128"/>
+                <a:ea typeface="游ゴシック Medium" panose="020B0500000000000000" pitchFamily="50" charset="-128"/>
+                <a:cs typeface="FiraCode Nerd Font Mono" panose="02000009000000000000" pitchFamily="49" charset="0"/>
+              </a:rPr>
+              <a:t>(</a:t>
+            </a:r>
+            <a:r>
+              <a:rPr kumimoji="1" lang="en-US" altLang="ja-JP" sz="1600" b="0" i="0" u="none" strike="noStrike" kern="1200" cap="none" spc="0" normalizeH="0" baseline="0" noProof="0" dirty="0" err="1">
+                <a:ln>
+                  <a:noFill/>
+                </a:ln>
+                <a:solidFill>
+                  <a:prstClr val="black"/>
+                </a:solidFill>
+                <a:effectLst/>
+                <a:uLnTx/>
+                <a:uFillTx/>
+                <a:latin typeface="游ゴシック Medium" panose="020B0500000000000000" pitchFamily="50" charset="-128"/>
+                <a:ea typeface="游ゴシック Medium" panose="020B0500000000000000" pitchFamily="50" charset="-128"/>
+                <a:cs typeface="FiraCode Nerd Font Mono" panose="02000009000000000000" pitchFamily="49" charset="0"/>
+              </a:rPr>
+              <a:t>Model:Dummy</a:t>
+            </a:r>
+            <a:r>
+              <a:rPr lang="en-US" altLang="ja-JP" sz="1600" dirty="0">
+                <a:solidFill>
+                  <a:prstClr val="black"/>
+                </a:solidFill>
+                <a:latin typeface="游ゴシック Medium" panose="020B0500000000000000" pitchFamily="50" charset="-128"/>
+                <a:ea typeface="游ゴシック Medium" panose="020B0500000000000000" pitchFamily="50" charset="-128"/>
+                <a:cs typeface="FiraCode Nerd Font Mono" panose="02000009000000000000" pitchFamily="49" charset="0"/>
+              </a:rPr>
+              <a:t>,</a:t>
+            </a:r>
+            <a:r>
+              <a:rPr kumimoji="1" lang="en-US" altLang="ja-JP" sz="1600" b="0" i="0" u="none" strike="noStrike" kern="1200" cap="none" spc="0" normalizeH="0" baseline="0" noProof="0" dirty="0">
+                <a:ln>
+                  <a:noFill/>
+                </a:ln>
+                <a:solidFill>
+                  <a:prstClr val="black"/>
+                </a:solidFill>
+                <a:effectLst/>
+                <a:uLnTx/>
+                <a:uFillTx/>
+                <a:latin typeface="游ゴシック Medium" panose="020B0500000000000000" pitchFamily="50" charset="-128"/>
+                <a:ea typeface="游ゴシック Medium" panose="020B0500000000000000" pitchFamily="50" charset="-128"/>
+                <a:cs typeface="FiraCode Nerd Font Mono" panose="02000009000000000000" pitchFamily="49" charset="0"/>
+              </a:rPr>
+              <a:t> R2:-0.0089)</a:t>
+            </a:r>
+          </a:p>
+          <a:p>
+            <a:pPr marL="0" marR="0" lvl="0" indent="0" algn="l" defTabSz="914400" rtl="0" eaLnBrk="0" fontAlgn="auto" latinLnBrk="0" hangingPunct="0">
+              <a:lnSpc>
+                <a:spcPct val="150000"/>
+              </a:lnSpc>
+              <a:spcBef>
+                <a:spcPts val="0"/>
+              </a:spcBef>
+              <a:spcAft>
+                <a:spcPts val="0"/>
+              </a:spcAft>
+              <a:buClrTx/>
+              <a:buSzTx/>
+              <a:buFont typeface="Arial" panose="020B0604020202020204" pitchFamily="34" charset="0"/>
+              <a:buNone/>
+              <a:tabLst/>
+              <a:defRPr/>
+            </a:pPr>
+            <a:r>
+              <a:rPr lang="ja-JP" altLang="en-US" sz="1600" dirty="0">
+                <a:solidFill>
+                  <a:prstClr val="black"/>
+                </a:solidFill>
+                <a:latin typeface="游ゴシック Medium" panose="020B0500000000000000" pitchFamily="50" charset="-128"/>
+                <a:ea typeface="游ゴシック Medium" panose="020B0500000000000000" pitchFamily="50" charset="-128"/>
+                <a:cs typeface="FiraCode Nerd Font Mono" panose="02000009000000000000" pitchFamily="49" charset="0"/>
+              </a:rPr>
+              <a:t>　</a:t>
+            </a:r>
+            <a:r>
+              <a:rPr kumimoji="1" lang="ja-JP" altLang="en-US" sz="1600" b="0" i="0" u="none" strike="noStrike" kern="1200" cap="none" spc="0" normalizeH="0" baseline="0" noProof="0" dirty="0">
+                <a:ln>
+                  <a:noFill/>
+                </a:ln>
+                <a:solidFill>
+                  <a:prstClr val="black"/>
+                </a:solidFill>
+                <a:effectLst/>
+                <a:uLnTx/>
+                <a:uFillTx/>
+                <a:latin typeface="游ゴシック Medium" panose="020B0500000000000000" pitchFamily="50" charset="-128"/>
+                <a:ea typeface="游ゴシック Medium" panose="020B0500000000000000" pitchFamily="50" charset="-128"/>
+                <a:cs typeface="FiraCode Nerd Font Mono" panose="02000009000000000000" pitchFamily="49" charset="0"/>
+              </a:rPr>
+              <a:t>に</a:t>
+            </a:r>
+            <a:r>
+              <a:rPr kumimoji="1" lang="ja-JP" altLang="en-US" sz="1800" b="0" i="0" u="none" strike="noStrike" kern="1200" cap="none" spc="0" normalizeH="0" baseline="0" noProof="0" dirty="0">
+                <a:ln>
+                  <a:noFill/>
+                </a:ln>
+                <a:solidFill>
+                  <a:prstClr val="black"/>
+                </a:solidFill>
+                <a:effectLst/>
+                <a:uLnTx/>
+                <a:uFillTx/>
+                <a:latin typeface="游ゴシック Medium" panose="020B0500000000000000" pitchFamily="50" charset="-128"/>
+                <a:ea typeface="游ゴシック Medium" panose="020B0500000000000000" pitchFamily="50" charset="-128"/>
+                <a:cs typeface="FiraCode Nerd Font Mono" panose="02000009000000000000" pitchFamily="49" charset="0"/>
+              </a:rPr>
+              <a:t> </a:t>
+            </a:r>
+            <a:r>
+              <a:rPr kumimoji="1" lang="en-US" altLang="ja-JP" sz="1400" b="0" i="0" u="none" strike="noStrike" kern="1200" cap="none" spc="0" normalizeH="0" baseline="0" noProof="0" dirty="0">
+                <a:ln>
+                  <a:noFill/>
+                </a:ln>
+                <a:solidFill>
+                  <a:prstClr val="black"/>
+                </a:solidFill>
+                <a:effectLst/>
+                <a:highlight>
+                  <a:srgbClr val="EAEAEA"/>
+                </a:highlight>
+                <a:uLnTx/>
+                <a:uFillTx/>
+                <a:latin typeface="FiraCode Nerd Font Mono" panose="02000009000000000000" pitchFamily="49" charset="0"/>
+                <a:ea typeface="FiraCode Nerd Font Mono" panose="02000009000000000000" pitchFamily="49" charset="0"/>
+                <a:cs typeface="FiraCode Nerd Font Mono" panose="02000009000000000000" pitchFamily="49" charset="0"/>
+              </a:rPr>
+              <a:t>data[“</a:t>
+            </a:r>
+            <a:r>
+              <a:rPr kumimoji="1" lang="en-US" altLang="ja-JP" sz="1400" b="0" i="0" u="none" strike="noStrike" kern="1200" cap="none" spc="0" normalizeH="0" baseline="0" noProof="0" dirty="0" err="1">
+                <a:ln>
+                  <a:noFill/>
+                </a:ln>
+                <a:solidFill>
+                  <a:prstClr val="black"/>
+                </a:solidFill>
+                <a:effectLst/>
+                <a:highlight>
+                  <a:srgbClr val="EAEAEA"/>
+                </a:highlight>
+                <a:uLnTx/>
+                <a:uFillTx/>
+                <a:latin typeface="FiraCode Nerd Font Mono" panose="02000009000000000000" pitchFamily="49" charset="0"/>
+                <a:ea typeface="FiraCode Nerd Font Mono" panose="02000009000000000000" pitchFamily="49" charset="0"/>
+                <a:cs typeface="FiraCode Nerd Font Mono" panose="02000009000000000000" pitchFamily="49" charset="0"/>
+              </a:rPr>
+              <a:t>OverTime</a:t>
+            </a:r>
+            <a:r>
+              <a:rPr kumimoji="1" lang="en-US" altLang="ja-JP" sz="1400" b="0" i="0" u="none" strike="noStrike" kern="1200" cap="none" spc="0" normalizeH="0" baseline="0" noProof="0" dirty="0">
+                <a:ln>
+                  <a:noFill/>
+                </a:ln>
+                <a:solidFill>
+                  <a:prstClr val="black"/>
+                </a:solidFill>
+                <a:effectLst/>
+                <a:highlight>
+                  <a:srgbClr val="EAEAEA"/>
+                </a:highlight>
+                <a:uLnTx/>
+                <a:uFillTx/>
+                <a:latin typeface="FiraCode Nerd Font Mono" panose="02000009000000000000" pitchFamily="49" charset="0"/>
+                <a:ea typeface="FiraCode Nerd Font Mono" panose="02000009000000000000" pitchFamily="49" charset="0"/>
+                <a:cs typeface="FiraCode Nerd Font Mono" panose="02000009000000000000" pitchFamily="49" charset="0"/>
+              </a:rPr>
+              <a:t>”]=0</a:t>
+            </a:r>
+            <a:r>
+              <a:rPr kumimoji="1" lang="ja-JP" altLang="en-US" sz="1600" b="0" i="0" u="none" strike="noStrike" kern="1200" cap="none" spc="0" normalizeH="0" baseline="0" noProof="0" dirty="0">
+                <a:ln>
+                  <a:noFill/>
+                </a:ln>
+                <a:solidFill>
+                  <a:prstClr val="black"/>
+                </a:solidFill>
+                <a:effectLst/>
+                <a:uLnTx/>
+                <a:uFillTx/>
+                <a:latin typeface="游ゴシック Medium" panose="020B0500000000000000" pitchFamily="50" charset="-128"/>
+                <a:ea typeface="游ゴシック Medium" panose="020B0500000000000000" pitchFamily="50" charset="-128"/>
+                <a:cs typeface="FiraCode Nerd Font Mono" panose="02000009000000000000" pitchFamily="49" charset="0"/>
+              </a:rPr>
+              <a:t> の処理を行ったものを予測させ、</a:t>
+            </a:r>
+            <a:r>
+              <a:rPr kumimoji="1" lang="en-US" altLang="ja-JP" sz="1400" b="0" i="0" u="none" strike="noStrike" kern="1200" cap="none" spc="0" normalizeH="0" baseline="0" noProof="0" dirty="0" err="1">
+                <a:ln>
+                  <a:noFill/>
+                </a:ln>
+                <a:solidFill>
+                  <a:prstClr val="black"/>
+                </a:solidFill>
+                <a:effectLst/>
+                <a:highlight>
+                  <a:srgbClr val="EAEAEA"/>
+                </a:highlight>
+                <a:uLnTx/>
+                <a:uFillTx/>
+                <a:latin typeface="FiraCode Nerd Font Mono" panose="02000009000000000000" pitchFamily="49" charset="0"/>
+                <a:ea typeface="FiraCode Nerd Font Mono" panose="02000009000000000000" pitchFamily="49" charset="0"/>
+                <a:cs typeface="FiraCode Nerd Font Mono" panose="02000009000000000000" pitchFamily="49" charset="0"/>
+              </a:rPr>
+              <a:t>DailyAchievement</a:t>
+            </a:r>
+            <a:r>
+              <a:rPr kumimoji="1" lang="ja-JP" altLang="en-US" sz="1600" b="0" i="0" u="none" strike="noStrike" kern="1200" cap="none" spc="0" normalizeH="0" baseline="0" noProof="0" dirty="0">
+                <a:ln>
+                  <a:noFill/>
+                </a:ln>
+                <a:solidFill>
+                  <a:prstClr val="black"/>
+                </a:solidFill>
+                <a:effectLst/>
+                <a:uLnTx/>
+                <a:uFillTx/>
+                <a:latin typeface="游ゴシック Medium" panose="020B0500000000000000" pitchFamily="50" charset="-128"/>
+                <a:ea typeface="游ゴシック Medium" panose="020B0500000000000000" pitchFamily="50" charset="-128"/>
+                <a:cs typeface="FiraCode Nerd Font Mono" panose="02000009000000000000" pitchFamily="49" charset="0"/>
+              </a:rPr>
+              <a:t> の総和を、</a:t>
+            </a:r>
+            <a:endParaRPr kumimoji="1" lang="en-US" altLang="ja-JP" sz="1600" b="0" i="0" u="none" strike="noStrike" kern="1200" cap="none" spc="0" normalizeH="0" baseline="0" noProof="0" dirty="0">
+              <a:ln>
+                <a:noFill/>
+              </a:ln>
+              <a:solidFill>
+                <a:prstClr val="black"/>
+              </a:solidFill>
+              <a:effectLst/>
+              <a:uLnTx/>
+              <a:uFillTx/>
+              <a:latin typeface="游ゴシック Medium" panose="020B0500000000000000" pitchFamily="50" charset="-128"/>
+              <a:ea typeface="游ゴシック Medium" panose="020B0500000000000000" pitchFamily="50" charset="-128"/>
+              <a:cs typeface="FiraCode Nerd Font Mono" panose="02000009000000000000" pitchFamily="49" charset="0"/>
+            </a:endParaRPr>
+          </a:p>
+          <a:p>
+            <a:pPr marL="0" marR="0" lvl="0" indent="0" algn="l" defTabSz="914400" rtl="0" eaLnBrk="0" fontAlgn="auto" latinLnBrk="0" hangingPunct="0">
+              <a:lnSpc>
+                <a:spcPct val="150000"/>
+              </a:lnSpc>
+              <a:spcBef>
+                <a:spcPts val="0"/>
+              </a:spcBef>
+              <a:spcAft>
+                <a:spcPts val="0"/>
+              </a:spcAft>
+              <a:buClrTx/>
+              <a:buSzTx/>
+              <a:buFont typeface="Arial" panose="020B0604020202020204" pitchFamily="34" charset="0"/>
+              <a:buNone/>
+              <a:tabLst/>
+              <a:defRPr/>
+            </a:pPr>
+            <a:r>
+              <a:rPr kumimoji="1" lang="ja-JP" altLang="en-US" sz="1600" b="0" i="0" u="none" strike="noStrike" kern="1200" cap="none" spc="0" normalizeH="0" baseline="0" noProof="0" dirty="0">
+                <a:ln>
+                  <a:noFill/>
+                </a:ln>
+                <a:solidFill>
+                  <a:prstClr val="black"/>
+                </a:solidFill>
+                <a:effectLst/>
+                <a:uLnTx/>
+                <a:uFillTx/>
+                <a:latin typeface="游ゴシック Medium" panose="020B0500000000000000" pitchFamily="50" charset="-128"/>
+                <a:ea typeface="游ゴシック Medium" panose="020B0500000000000000" pitchFamily="50" charset="-128"/>
+                <a:cs typeface="FiraCode Nerd Font Mono" panose="02000009000000000000" pitchFamily="49" charset="0"/>
+              </a:rPr>
+              <a:t>　より厳密には </a:t>
+            </a:r>
+            <a:r>
+              <a:rPr lang="en-US" altLang="ja-JP" sz="1400" dirty="0">
+                <a:solidFill>
+                  <a:prstClr val="black"/>
+                </a:solidFill>
+                <a:latin typeface="FiraCode Nerd Font Mono" panose="02000009000000000000" pitchFamily="49" charset="0"/>
+                <a:ea typeface="FiraCode Nerd Font Mono" panose="02000009000000000000" pitchFamily="49" charset="0"/>
+                <a:cs typeface="FiraCode Nerd Font Mono" panose="02000009000000000000" pitchFamily="49" charset="0"/>
+              </a:rPr>
+              <a:t>0=</a:t>
+            </a:r>
+            <a:r>
+              <a:rPr lang="en-US" altLang="ja-JP" sz="1400" dirty="0">
+                <a:solidFill>
+                  <a:prstClr val="black"/>
+                </a:solidFill>
+                <a:highlight>
+                  <a:srgbClr val="EAEAEA"/>
+                </a:highlight>
+                <a:latin typeface="FiraCode Nerd Font Mono" panose="02000009000000000000" pitchFamily="49" charset="0"/>
+                <a:ea typeface="FiraCode Nerd Font Mono" panose="02000009000000000000" pitchFamily="49" charset="0"/>
+                <a:cs typeface="FiraCode Nerd Font Mono" panose="02000009000000000000" pitchFamily="49" charset="0"/>
+              </a:rPr>
+              <a:t>Attrition</a:t>
+            </a:r>
+            <a:r>
+              <a:rPr lang="en-US" altLang="ja-JP" sz="1400" dirty="0">
+                <a:solidFill>
+                  <a:prstClr val="black"/>
+                </a:solidFill>
+                <a:latin typeface="FiraCode Nerd Font Mono" panose="02000009000000000000" pitchFamily="49" charset="0"/>
+                <a:ea typeface="FiraCode Nerd Font Mono" panose="02000009000000000000" pitchFamily="49" charset="0"/>
+                <a:cs typeface="FiraCode Nerd Font Mono" panose="02000009000000000000" pitchFamily="49" charset="0"/>
+              </a:rPr>
+              <a:t> </a:t>
+            </a:r>
+            <a:r>
+              <a:rPr lang="ja-JP" altLang="en-US" sz="1600" dirty="0">
+                <a:solidFill>
+                  <a:prstClr val="black"/>
+                </a:solidFill>
+                <a:latin typeface="游ゴシック Medium" panose="020B0500000000000000" pitchFamily="50" charset="-128"/>
+                <a:ea typeface="游ゴシック Medium" panose="020B0500000000000000" pitchFamily="50" charset="-128"/>
+                <a:cs typeface="FiraCode Nerd Font Mono" panose="02000009000000000000" pitchFamily="49" charset="0"/>
+              </a:rPr>
+              <a:t>を満たす </a:t>
+            </a:r>
+            <a:r>
+              <a:rPr lang="en-US" altLang="ja-JP" sz="1600" dirty="0">
+                <a:solidFill>
+                  <a:prstClr val="black"/>
+                </a:solidFill>
+                <a:latin typeface="游ゴシック Medium" panose="020B0500000000000000" pitchFamily="50" charset="-128"/>
+                <a:ea typeface="游ゴシック Medium" panose="020B0500000000000000" pitchFamily="50" charset="-128"/>
+                <a:cs typeface="FiraCode Nerd Font Mono" panose="02000009000000000000" pitchFamily="49" charset="0"/>
+              </a:rPr>
+              <a:t>  </a:t>
+            </a:r>
+            <a:r>
+              <a:rPr lang="ja-JP" altLang="en-US" sz="1600" dirty="0">
+                <a:solidFill>
+                  <a:prstClr val="black"/>
+                </a:solidFill>
+                <a:latin typeface="游ゴシック Medium" panose="020B0500000000000000" pitchFamily="50" charset="-128"/>
+                <a:ea typeface="游ゴシック Medium" panose="020B0500000000000000" pitchFamily="50" charset="-128"/>
+                <a:cs typeface="FiraCode Nerd Font Mono" panose="02000009000000000000" pitchFamily="49" charset="0"/>
+              </a:rPr>
+              <a:t>で  </a:t>
+            </a:r>
+            <a:r>
+              <a:rPr kumimoji="1" lang="ja-JP" altLang="en-US" sz="1600" b="0" i="0" u="none" strike="noStrike" kern="1200" cap="none" spc="0" normalizeH="0" baseline="0" noProof="0" dirty="0">
+                <a:ln>
+                  <a:noFill/>
+                </a:ln>
+                <a:solidFill>
+                  <a:prstClr val="black"/>
+                </a:solidFill>
+                <a:effectLst/>
+                <a:uLnTx/>
+                <a:uFillTx/>
+                <a:latin typeface="游ゴシック Medium" panose="020B0500000000000000" pitchFamily="50" charset="-128"/>
+                <a:ea typeface="游ゴシック Medium" panose="020B0500000000000000" pitchFamily="50" charset="-128"/>
+                <a:cs typeface="FiraCode Nerd Font Mono" panose="02000009000000000000" pitchFamily="49" charset="0"/>
+              </a:rPr>
+              <a:t>    </a:t>
+            </a:r>
+            <a:r>
+              <a:rPr lang="en-US" altLang="ja-JP" sz="1400" dirty="0" err="1">
+                <a:solidFill>
+                  <a:prstClr val="black"/>
+                </a:solidFill>
+                <a:highlight>
+                  <a:srgbClr val="EAEAEA"/>
+                </a:highlight>
+                <a:latin typeface="FiraCode Nerd Font Mono" panose="02000009000000000000" pitchFamily="49" charset="0"/>
+                <a:ea typeface="FiraCode Nerd Font Mono" panose="02000009000000000000" pitchFamily="49" charset="0"/>
+                <a:cs typeface="FiraCode Nerd Font Mono" panose="02000009000000000000" pitchFamily="49" charset="0"/>
+              </a:rPr>
+              <a:t>DailyAchievement</a:t>
+            </a:r>
+            <a:r>
+              <a:rPr kumimoji="1" lang="en-US" altLang="ja-JP" sz="1800" b="0" i="0" u="none" strike="noStrike" kern="1200" cap="none" spc="0" normalizeH="0" baseline="0" noProof="0" dirty="0">
+                <a:ln>
+                  <a:noFill/>
+                </a:ln>
+                <a:solidFill>
+                  <a:prstClr val="black"/>
+                </a:solidFill>
+                <a:effectLst/>
+                <a:uLnTx/>
+                <a:uFillTx/>
+                <a:latin typeface="游ゴシック Medium" panose="020B0500000000000000" pitchFamily="50" charset="-128"/>
+                <a:ea typeface="游ゴシック Medium" panose="020B0500000000000000" pitchFamily="50" charset="-128"/>
+                <a:cs typeface="FiraCode Nerd Font Mono" panose="02000009000000000000" pitchFamily="49" charset="0"/>
+              </a:rPr>
+              <a:t>  </a:t>
+            </a:r>
+            <a:r>
+              <a:rPr kumimoji="1" lang="ja-JP" altLang="en-US" sz="1600" b="0" i="0" u="none" strike="noStrike" kern="1200" cap="none" spc="0" normalizeH="0" baseline="0" noProof="0" dirty="0">
+                <a:ln>
+                  <a:noFill/>
+                </a:ln>
+                <a:solidFill>
+                  <a:prstClr val="black"/>
+                </a:solidFill>
+                <a:effectLst/>
+                <a:uLnTx/>
+                <a:uFillTx/>
+                <a:latin typeface="游ゴシック Medium" panose="020B0500000000000000" pitchFamily="50" charset="-128"/>
+                <a:ea typeface="游ゴシック Medium" panose="020B0500000000000000" pitchFamily="50" charset="-128"/>
+                <a:cs typeface="FiraCode Nerd Font Mono" panose="02000009000000000000" pitchFamily="49" charset="0"/>
+              </a:rPr>
+              <a:t>を</a:t>
+            </a:r>
+            <a:r>
+              <a:rPr lang="ja-JP" altLang="en-US" sz="1600" dirty="0">
+                <a:solidFill>
+                  <a:prstClr val="black"/>
+                </a:solidFill>
+                <a:latin typeface="游ゴシック Medium" panose="020B0500000000000000" pitchFamily="50" charset="-128"/>
+                <a:ea typeface="游ゴシック Medium" panose="020B0500000000000000" pitchFamily="50" charset="-128"/>
+                <a:cs typeface="FiraCode Nerd Font Mono" panose="02000009000000000000" pitchFamily="49" charset="0"/>
+              </a:rPr>
+              <a:t>計算</a:t>
+            </a:r>
+            <a:r>
+              <a:rPr kumimoji="1" lang="ja-JP" altLang="en-US" sz="1600" b="0" i="0" u="none" strike="noStrike" kern="1200" cap="none" spc="0" normalizeH="0" baseline="0" noProof="0" dirty="0">
+                <a:ln>
+                  <a:noFill/>
+                </a:ln>
+                <a:solidFill>
+                  <a:prstClr val="black"/>
+                </a:solidFill>
+                <a:effectLst/>
+                <a:uLnTx/>
+                <a:uFillTx/>
+                <a:latin typeface="游ゴシック Medium" panose="020B0500000000000000" pitchFamily="50" charset="-128"/>
+                <a:ea typeface="游ゴシック Medium" panose="020B0500000000000000" pitchFamily="50" charset="-128"/>
+                <a:cs typeface="FiraCode Nerd Font Mono" panose="02000009000000000000" pitchFamily="49" charset="0"/>
+              </a:rPr>
+              <a:t>した。</a:t>
+            </a:r>
+            <a:endParaRPr kumimoji="1" lang="en-US" altLang="ja-JP" sz="1600" b="0" i="0" u="none" strike="noStrike" kern="1200" cap="none" spc="0" normalizeH="0" baseline="0" noProof="0" dirty="0">
+              <a:ln>
+                <a:noFill/>
+              </a:ln>
+              <a:solidFill>
+                <a:prstClr val="black"/>
+              </a:solidFill>
+              <a:effectLst/>
+              <a:uLnTx/>
+              <a:uFillTx/>
+              <a:latin typeface="游ゴシック Medium" panose="020B0500000000000000" pitchFamily="50" charset="-128"/>
+              <a:ea typeface="游ゴシック Medium" panose="020B0500000000000000" pitchFamily="50" charset="-128"/>
+              <a:cs typeface="FiraCode Nerd Font Mono" panose="02000009000000000000" pitchFamily="49" charset="0"/>
+            </a:endParaRPr>
+          </a:p>
+          <a:p>
+            <a:pPr marL="0" marR="0" lvl="0" indent="0" algn="l" defTabSz="914400" rtl="0" eaLnBrk="0" fontAlgn="auto" latinLnBrk="0" hangingPunct="0">
+              <a:lnSpc>
+                <a:spcPct val="150000"/>
+              </a:lnSpc>
+              <a:spcBef>
+                <a:spcPts val="0"/>
+              </a:spcBef>
+              <a:spcAft>
+                <a:spcPts val="0"/>
+              </a:spcAft>
+              <a:buClrTx/>
+              <a:buSzTx/>
+              <a:buFont typeface="Arial" panose="020B0604020202020204" pitchFamily="34" charset="0"/>
+              <a:buNone/>
+              <a:tabLst/>
+              <a:defRPr/>
+            </a:pPr>
+            <a:r>
+              <a:rPr kumimoji="1" lang="ja-JP" altLang="en-US" sz="1800" b="1" i="0" u="none" strike="noStrike" kern="1200" cap="none" spc="0" normalizeH="0" baseline="0" noProof="0" dirty="0">
+                <a:ln>
+                  <a:noFill/>
+                </a:ln>
+                <a:solidFill>
+                  <a:srgbClr val="03BDBA"/>
+                </a:solidFill>
+                <a:effectLst/>
+                <a:uLnTx/>
+                <a:uFillTx/>
+                <a:latin typeface="游ゴシック Medium" panose="020B0500000000000000" pitchFamily="50" charset="-128"/>
+                <a:ea typeface="游ゴシック Medium" panose="020B0500000000000000" pitchFamily="50" charset="-128"/>
+                <a:cs typeface="FiraCode Nerd Font Mono" panose="02000009000000000000" pitchFamily="49" charset="0"/>
+              </a:rPr>
+              <a:t>結</a:t>
+            </a:r>
+            <a:r>
+              <a:rPr kumimoji="1" lang="ja-JP" altLang="en-US" sz="1800" b="1" i="0" u="none" strike="noStrike" kern="1200" cap="none" spc="0" normalizeH="0" baseline="0" noProof="0" dirty="0">
+                <a:ln>
+                  <a:noFill/>
+                </a:ln>
+                <a:solidFill>
+                  <a:prstClr val="black"/>
+                </a:solidFill>
+                <a:effectLst/>
+                <a:uLnTx/>
+                <a:uFillTx/>
+                <a:latin typeface="游ゴシック Medium" panose="020B0500000000000000" pitchFamily="50" charset="-128"/>
+                <a:ea typeface="游ゴシック Medium" panose="020B0500000000000000" pitchFamily="50" charset="-128"/>
+                <a:cs typeface="FiraCode Nerd Font Mono" panose="02000009000000000000" pitchFamily="49" charset="0"/>
+              </a:rPr>
+              <a:t>果</a:t>
+            </a:r>
+            <a:endParaRPr kumimoji="1" lang="en-US" altLang="ja-JP" sz="1800" b="0" i="0" u="none" strike="noStrike" kern="1200" cap="none" spc="0" normalizeH="0" baseline="0" noProof="0" dirty="0">
+              <a:ln>
+                <a:noFill/>
+              </a:ln>
+              <a:solidFill>
+                <a:prstClr val="black"/>
+              </a:solidFill>
+              <a:effectLst/>
+              <a:uLnTx/>
+              <a:uFillTx/>
+              <a:latin typeface="游ゴシック Medium" panose="020B0500000000000000" pitchFamily="50" charset="-128"/>
+              <a:ea typeface="游ゴシック Medium" panose="020B0500000000000000" pitchFamily="50" charset="-128"/>
+              <a:cs typeface="FiraCode Nerd Font Mono" panose="02000009000000000000" pitchFamily="49" charset="0"/>
+            </a:endParaRPr>
+          </a:p>
+          <a:p>
+            <a:pPr marL="0" marR="0" lvl="0" indent="0" algn="l" defTabSz="914400" rtl="0" eaLnBrk="0" fontAlgn="auto" latinLnBrk="0" hangingPunct="0">
+              <a:lnSpc>
+                <a:spcPct val="150000"/>
+              </a:lnSpc>
+              <a:spcBef>
+                <a:spcPts val="0"/>
+              </a:spcBef>
+              <a:spcAft>
+                <a:spcPts val="0"/>
+              </a:spcAft>
+              <a:buClrTx/>
+              <a:buSzTx/>
+              <a:buFont typeface="Arial" panose="020B0604020202020204" pitchFamily="34" charset="0"/>
+              <a:buNone/>
+              <a:tabLst/>
+              <a:defRPr/>
+            </a:pPr>
+            <a:r>
+              <a:rPr kumimoji="1" lang="ja-JP" altLang="en-US" sz="1400" b="0" i="0" u="none" strike="noStrike" kern="1200" cap="none" spc="0" normalizeH="0" baseline="0" noProof="0" dirty="0">
+                <a:ln>
+                  <a:noFill/>
+                </a:ln>
+                <a:solidFill>
+                  <a:prstClr val="black"/>
+                </a:solidFill>
+                <a:effectLst/>
+                <a:uLnTx/>
+                <a:uFillTx/>
+                <a:latin typeface="FiraCode Nerd Font Mono" panose="02000009000000000000" pitchFamily="49" charset="0"/>
+                <a:ea typeface="FiraCode Nerd Font Mono" panose="02000009000000000000" pitchFamily="49" charset="0"/>
+                <a:cs typeface="FiraCode Nerd Font Mono" panose="02000009000000000000" pitchFamily="49" charset="0"/>
+              </a:rPr>
+              <a:t>　</a:t>
+            </a:r>
+            <a:r>
+              <a:rPr kumimoji="1" lang="en-US" altLang="ja-JP" sz="1400" b="0" i="0" u="none" strike="noStrike" kern="1200" cap="none" spc="0" normalizeH="0" baseline="0" noProof="0" dirty="0">
+                <a:ln>
+                  <a:noFill/>
+                </a:ln>
+                <a:solidFill>
+                  <a:prstClr val="black"/>
+                </a:solidFill>
+                <a:effectLst/>
+                <a:uLnTx/>
+                <a:uFillTx/>
+                <a:latin typeface="FiraCode Nerd Font Mono" panose="02000009000000000000" pitchFamily="49" charset="0"/>
+                <a:ea typeface="FiraCode Nerd Font Mono" panose="02000009000000000000" pitchFamily="49" charset="0"/>
+                <a:cs typeface="FiraCode Nerd Font Mono" panose="02000009000000000000" pitchFamily="49" charset="0"/>
+              </a:rPr>
+              <a:t>Data=1001818, </a:t>
+            </a:r>
+            <a:r>
+              <a:rPr kumimoji="1" lang="en-US" altLang="ja-JP" sz="1400" b="0" i="0" u="none" strike="noStrike" kern="1200" cap="none" spc="0" normalizeH="0" baseline="0" noProof="0" dirty="0" err="1">
+                <a:ln>
+                  <a:noFill/>
+                </a:ln>
+                <a:solidFill>
+                  <a:prstClr val="black"/>
+                </a:solidFill>
+                <a:effectLst/>
+                <a:uLnTx/>
+                <a:uFillTx/>
+                <a:latin typeface="FiraCode Nerd Font Mono" panose="02000009000000000000" pitchFamily="49" charset="0"/>
+                <a:ea typeface="FiraCode Nerd Font Mono" panose="02000009000000000000" pitchFamily="49" charset="0"/>
+                <a:cs typeface="FiraCode Nerd Font Mono" panose="02000009000000000000" pitchFamily="49" charset="0"/>
+              </a:rPr>
+              <a:t>Data_No_OverTime</a:t>
+            </a:r>
+            <a:r>
+              <a:rPr kumimoji="1" lang="en-US" altLang="ja-JP" sz="1400" b="0" i="0" u="none" strike="noStrike" kern="1200" cap="none" spc="0" normalizeH="0" baseline="0" noProof="0" dirty="0">
+                <a:ln>
+                  <a:noFill/>
+                </a:ln>
+                <a:solidFill>
+                  <a:prstClr val="black"/>
+                </a:solidFill>
+                <a:effectLst/>
+                <a:uLnTx/>
+                <a:uFillTx/>
+                <a:latin typeface="FiraCode Nerd Font Mono" panose="02000009000000000000" pitchFamily="49" charset="0"/>
+                <a:ea typeface="FiraCode Nerd Font Mono" panose="02000009000000000000" pitchFamily="49" charset="0"/>
+                <a:cs typeface="FiraCode Nerd Font Mono" panose="02000009000000000000" pitchFamily="49" charset="0"/>
+              </a:rPr>
+              <a:t>=1250669</a:t>
+            </a:r>
+            <a:r>
+              <a:rPr kumimoji="1" lang="ja-JP" altLang="en-US" sz="1400" b="0" i="0" u="none" strike="noStrike" kern="1200" cap="none" spc="0" normalizeH="0" baseline="0" noProof="0" dirty="0">
+                <a:ln>
+                  <a:noFill/>
+                </a:ln>
+                <a:solidFill>
+                  <a:prstClr val="black"/>
+                </a:solidFill>
+                <a:effectLst/>
+                <a:uLnTx/>
+                <a:uFillTx/>
+                <a:latin typeface="游ゴシック Medium" panose="020B0500000000000000" pitchFamily="50" charset="-128"/>
+                <a:ea typeface="游ゴシック Medium" panose="020B0500000000000000" pitchFamily="50" charset="-128"/>
+                <a:cs typeface="FiraCode Nerd Font Mono" panose="02000009000000000000" pitchFamily="49" charset="0"/>
+              </a:rPr>
+              <a:t>　</a:t>
+            </a:r>
+            <a:endParaRPr kumimoji="1" lang="en-US" altLang="ja-JP" sz="1400" b="0" i="0" u="none" strike="noStrike" kern="1200" cap="none" spc="0" normalizeH="0" baseline="0" noProof="0" dirty="0">
+              <a:ln>
+                <a:noFill/>
+              </a:ln>
+              <a:solidFill>
+                <a:prstClr val="black"/>
+              </a:solidFill>
+              <a:effectLst/>
+              <a:uLnTx/>
+              <a:uFillTx/>
+              <a:latin typeface="游ゴシック Medium" panose="020B0500000000000000" pitchFamily="50" charset="-128"/>
+              <a:ea typeface="游ゴシック Medium" panose="020B0500000000000000" pitchFamily="50" charset="-128"/>
+              <a:cs typeface="FiraCode Nerd Font Mono" panose="02000009000000000000" pitchFamily="49" charset="0"/>
+            </a:endParaRPr>
+          </a:p>
+          <a:p>
+            <a:pPr marL="0" marR="0" lvl="0" indent="0" algn="l" defTabSz="914400" rtl="0" eaLnBrk="0" fontAlgn="auto" latinLnBrk="0" hangingPunct="0">
+              <a:lnSpc>
+                <a:spcPct val="150000"/>
+              </a:lnSpc>
+              <a:spcBef>
+                <a:spcPts val="0"/>
+              </a:spcBef>
+              <a:spcAft>
+                <a:spcPts val="0"/>
+              </a:spcAft>
+              <a:buClrTx/>
+              <a:buSzTx/>
+              <a:buFont typeface="Arial" panose="020B0604020202020204" pitchFamily="34" charset="0"/>
+              <a:buNone/>
+              <a:tabLst/>
+              <a:defRPr/>
+            </a:pPr>
+            <a:endParaRPr kumimoji="1" lang="en-US" altLang="ja-JP" sz="1400" b="0" i="0" u="none" strike="noStrike" kern="1200" cap="none" spc="0" normalizeH="0" baseline="0" noProof="0" dirty="0">
+              <a:ln>
+                <a:noFill/>
+              </a:ln>
+              <a:solidFill>
+                <a:prstClr val="black"/>
+              </a:solidFill>
+              <a:effectLst/>
+              <a:uLnTx/>
+              <a:uFillTx/>
+              <a:latin typeface="游ゴシック Medium" panose="020B0500000000000000" pitchFamily="50" charset="-128"/>
+              <a:ea typeface="游ゴシック Medium" panose="020B0500000000000000" pitchFamily="50" charset="-128"/>
+              <a:cs typeface="FiraCode Nerd Font Mono" panose="02000009000000000000" pitchFamily="49" charset="0"/>
+            </a:endParaRPr>
+          </a:p>
+          <a:p>
+            <a:pPr marL="0" marR="0" lvl="0" indent="0" algn="l" defTabSz="914400" rtl="0" eaLnBrk="0" fontAlgn="auto" latinLnBrk="0" hangingPunct="0">
+              <a:lnSpc>
+                <a:spcPct val="150000"/>
+              </a:lnSpc>
+              <a:spcBef>
+                <a:spcPts val="0"/>
+              </a:spcBef>
+              <a:spcAft>
+                <a:spcPts val="0"/>
+              </a:spcAft>
+              <a:buClrTx/>
+              <a:buSzTx/>
+              <a:buFont typeface="Arial" panose="020B0604020202020204" pitchFamily="34" charset="0"/>
+              <a:buNone/>
+              <a:tabLst/>
+              <a:defRPr/>
+            </a:pPr>
+            <a:r>
+              <a:rPr lang="ja-JP" altLang="en-US" sz="1800" dirty="0">
+                <a:solidFill>
+                  <a:prstClr val="black"/>
+                </a:solidFill>
+                <a:latin typeface="游ゴシック Medium" panose="020B0500000000000000" pitchFamily="50" charset="-128"/>
+                <a:ea typeface="游ゴシック Medium" panose="020B0500000000000000" pitchFamily="50" charset="-128"/>
+                <a:cs typeface="FiraCode Nerd Font Mono" panose="02000009000000000000" pitchFamily="49" charset="0"/>
+              </a:rPr>
+              <a:t>　</a:t>
+            </a:r>
+            <a:r>
+              <a:rPr kumimoji="1" lang="en-US" altLang="ja-JP" sz="1800" b="0" i="0" u="none" strike="noStrike" kern="1200" cap="none" spc="0" normalizeH="0" baseline="0" noProof="0" dirty="0">
+                <a:ln>
+                  <a:noFill/>
+                </a:ln>
+                <a:solidFill>
+                  <a:prstClr val="black"/>
+                </a:solidFill>
+                <a:effectLst/>
+                <a:uLnTx/>
+                <a:uFillTx/>
+                <a:latin typeface="游ゴシック Medium" panose="020B0500000000000000" pitchFamily="50" charset="-128"/>
+                <a:ea typeface="游ゴシック Medium" panose="020B0500000000000000" pitchFamily="50" charset="-128"/>
+                <a:cs typeface="FiraCode Nerd Font Mono" panose="02000009000000000000" pitchFamily="49" charset="0"/>
+              </a:rPr>
+              <a:t>=&gt; </a:t>
+            </a:r>
+            <a:r>
+              <a:rPr kumimoji="1" lang="ja-JP" altLang="en-US" sz="1800" b="0" i="0" u="none" strike="noStrike" kern="1200" cap="none" spc="0" normalizeH="0" baseline="0" noProof="0" dirty="0">
+                <a:ln>
+                  <a:noFill/>
+                </a:ln>
+                <a:solidFill>
+                  <a:prstClr val="black"/>
+                </a:solidFill>
+                <a:effectLst/>
+                <a:uLnTx/>
+                <a:uFillTx/>
+                <a:latin typeface="游ゴシック Medium" panose="020B0500000000000000" pitchFamily="50" charset="-128"/>
+                <a:ea typeface="游ゴシック Medium" panose="020B0500000000000000" pitchFamily="50" charset="-128"/>
+                <a:cs typeface="FiraCode Nerd Font Mono" panose="02000009000000000000" pitchFamily="49" charset="0"/>
+              </a:rPr>
+              <a:t>予想とは反対に、会社全体で </a:t>
+            </a:r>
+            <a:r>
+              <a:rPr kumimoji="1" lang="ja-JP" altLang="en-US" sz="1800" b="1" i="0" u="none" strike="noStrike" kern="1200" cap="none" spc="0" normalizeH="0" baseline="0" noProof="0" dirty="0">
+                <a:ln>
+                  <a:noFill/>
+                </a:ln>
+                <a:solidFill>
+                  <a:srgbClr val="03BDBA"/>
+                </a:solidFill>
+                <a:effectLst/>
+                <a:uLnTx/>
+                <a:uFillTx/>
+                <a:latin typeface="游ゴシック Medium" panose="020B0500000000000000" pitchFamily="50" charset="-128"/>
+                <a:ea typeface="游ゴシック Medium" panose="020B0500000000000000" pitchFamily="50" charset="-128"/>
+                <a:cs typeface="FiraCode Nerd Font Mono" panose="02000009000000000000" pitchFamily="49" charset="0"/>
+              </a:rPr>
+              <a:t>約</a:t>
+            </a:r>
+            <a:r>
+              <a:rPr kumimoji="1" lang="ja-JP" altLang="en-US" sz="1800" b="0" i="0" u="none" strike="noStrike" kern="1200" cap="none" spc="0" normalizeH="0" baseline="0" noProof="0" dirty="0">
+                <a:ln>
+                  <a:noFill/>
+                </a:ln>
+                <a:solidFill>
+                  <a:prstClr val="black"/>
+                </a:solidFill>
+                <a:effectLst/>
+                <a:uLnTx/>
+                <a:uFillTx/>
+                <a:latin typeface="游ゴシック Medium" panose="020B0500000000000000" pitchFamily="50" charset="-128"/>
+                <a:ea typeface="游ゴシック Medium" panose="020B0500000000000000" pitchFamily="50" charset="-128"/>
+                <a:cs typeface="FiraCode Nerd Font Mono" panose="02000009000000000000" pitchFamily="49" charset="0"/>
+              </a:rPr>
+              <a:t> </a:t>
+            </a:r>
+            <a:r>
+              <a:rPr kumimoji="1" lang="en-US" altLang="ja-JP" sz="2000" i="0" u="none" strike="noStrike" kern="1200" cap="none" spc="0" normalizeH="0" baseline="0" noProof="0" dirty="0">
+                <a:ln>
+                  <a:noFill/>
+                </a:ln>
+                <a:solidFill>
+                  <a:srgbClr val="00B0F0"/>
+                </a:solidFill>
+                <a:effectLst/>
+                <a:uLnTx/>
+                <a:uFillTx/>
+                <a:latin typeface="FiraCode Nerd Font Mono" panose="02000009000000000000" pitchFamily="49" charset="0"/>
+                <a:ea typeface="FiraCode Nerd Font Mono" panose="02000009000000000000" pitchFamily="49" charset="0"/>
+                <a:cs typeface="FiraCode Nerd Font Mono" panose="02000009000000000000" pitchFamily="49" charset="0"/>
+              </a:rPr>
+              <a:t>1.25</a:t>
+            </a:r>
+            <a:r>
+              <a:rPr kumimoji="1" lang="ja-JP" altLang="en-US" sz="2000" i="0" u="none" strike="noStrike" kern="1200" cap="none" spc="0" normalizeH="0" baseline="0" noProof="0" dirty="0">
+                <a:ln>
+                  <a:noFill/>
+                </a:ln>
+                <a:solidFill>
+                  <a:srgbClr val="00B0F0"/>
+                </a:solidFill>
+                <a:effectLst/>
+                <a:uLnTx/>
+                <a:uFillTx/>
+                <a:latin typeface="游ゴシック Medium" panose="020B0500000000000000" pitchFamily="50" charset="-128"/>
+                <a:ea typeface="游ゴシック Medium" panose="020B0500000000000000" pitchFamily="50" charset="-128"/>
+                <a:cs typeface="FiraCode Nerd Font Mono" panose="02000009000000000000" pitchFamily="49" charset="0"/>
+              </a:rPr>
+              <a:t>倍</a:t>
+            </a:r>
+            <a:r>
+              <a:rPr kumimoji="1" lang="ja-JP" altLang="en-US" sz="1800" i="0" u="none" strike="noStrike" kern="1200" cap="none" spc="0" normalizeH="0" baseline="0" noProof="0" dirty="0">
+                <a:ln>
+                  <a:noFill/>
+                </a:ln>
+                <a:solidFill>
+                  <a:prstClr val="black"/>
+                </a:solidFill>
+                <a:effectLst/>
+                <a:uLnTx/>
+                <a:uFillTx/>
+                <a:latin typeface="游ゴシック Medium" panose="020B0500000000000000" pitchFamily="50" charset="-128"/>
+                <a:ea typeface="游ゴシック Medium" panose="020B0500000000000000" pitchFamily="50" charset="-128"/>
+                <a:cs typeface="FiraCode Nerd Font Mono" panose="02000009000000000000" pitchFamily="49" charset="0"/>
+              </a:rPr>
+              <a:t> </a:t>
+            </a:r>
+            <a:r>
+              <a:rPr kumimoji="1" lang="ja-JP" altLang="en-US" sz="1800" b="1" i="0" u="none" strike="noStrike" kern="1200" cap="none" spc="0" normalizeH="0" baseline="0" noProof="0" dirty="0">
+                <a:ln>
+                  <a:noFill/>
+                </a:ln>
+                <a:solidFill>
+                  <a:srgbClr val="03BDBA"/>
+                </a:solidFill>
+                <a:effectLst/>
+                <a:uLnTx/>
+                <a:uFillTx/>
+                <a:latin typeface="游ゴシック Medium" panose="020B0500000000000000" pitchFamily="50" charset="-128"/>
+                <a:ea typeface="游ゴシック Medium" panose="020B0500000000000000" pitchFamily="50" charset="-128"/>
+                <a:cs typeface="FiraCode Nerd Font Mono" panose="02000009000000000000" pitchFamily="49" charset="0"/>
+              </a:rPr>
+              <a:t>の成果</a:t>
+            </a:r>
+            <a:r>
+              <a:rPr kumimoji="1" lang="ja-JP" altLang="en-US" sz="1800" b="0" i="0" u="none" strike="noStrike" kern="1200" cap="none" spc="0" normalizeH="0" baseline="0" noProof="0" dirty="0">
+                <a:ln>
+                  <a:noFill/>
+                </a:ln>
+                <a:solidFill>
+                  <a:prstClr val="black"/>
+                </a:solidFill>
+                <a:effectLst/>
+                <a:uLnTx/>
+                <a:uFillTx/>
+                <a:latin typeface="游ゴシック Medium" panose="020B0500000000000000" pitchFamily="50" charset="-128"/>
+                <a:ea typeface="游ゴシック Medium" panose="020B0500000000000000" pitchFamily="50" charset="-128"/>
+                <a:cs typeface="FiraCode Nerd Font Mono" panose="02000009000000000000" pitchFamily="49" charset="0"/>
+              </a:rPr>
+              <a:t>が</a:t>
+            </a:r>
+            <a:r>
+              <a:rPr lang="ja-JP" altLang="en-US" sz="1800" dirty="0">
+                <a:solidFill>
+                  <a:prstClr val="black"/>
+                </a:solidFill>
+                <a:latin typeface="游ゴシック Medium" panose="020B0500000000000000" pitchFamily="50" charset="-128"/>
+                <a:ea typeface="游ゴシック Medium" panose="020B0500000000000000" pitchFamily="50" charset="-128"/>
+                <a:cs typeface="FiraCode Nerd Font Mono" panose="02000009000000000000" pitchFamily="49" charset="0"/>
+              </a:rPr>
+              <a:t>見込めるという結果となった。</a:t>
+            </a:r>
+            <a:endParaRPr kumimoji="1" lang="en-US" altLang="ja-JP" sz="1800" b="0" i="0" u="none" strike="noStrike" kern="1200" cap="none" spc="0" normalizeH="0" baseline="0" noProof="0" dirty="0">
+              <a:ln>
+                <a:noFill/>
+              </a:ln>
+              <a:solidFill>
+                <a:prstClr val="black"/>
+              </a:solidFill>
+              <a:effectLst/>
+              <a:uLnTx/>
+              <a:uFillTx/>
+              <a:latin typeface="游ゴシック Medium" panose="020B0500000000000000" pitchFamily="50" charset="-128"/>
+              <a:ea typeface="游ゴシック Medium" panose="020B0500000000000000" pitchFamily="50" charset="-128"/>
+              <a:cs typeface="FiraCode Nerd Font Mono" panose="02000009000000000000" pitchFamily="49" charset="0"/>
+            </a:endParaRPr>
+          </a:p>
+          <a:p>
+            <a:pPr marL="0" marR="0" lvl="0" indent="0" algn="l" defTabSz="914400" rtl="0" eaLnBrk="0" fontAlgn="auto" latinLnBrk="0" hangingPunct="0">
+              <a:lnSpc>
+                <a:spcPct val="150000"/>
+              </a:lnSpc>
+              <a:spcBef>
+                <a:spcPts val="0"/>
+              </a:spcBef>
+              <a:spcAft>
+                <a:spcPts val="0"/>
+              </a:spcAft>
+              <a:buClrTx/>
+              <a:buSzTx/>
+              <a:buFont typeface="Arial" panose="020B0604020202020204" pitchFamily="34" charset="0"/>
+              <a:buNone/>
+              <a:tabLst/>
+              <a:defRPr/>
+            </a:pPr>
+            <a:r>
+              <a:rPr lang="ja-JP" altLang="en-US" sz="1800" dirty="0">
+                <a:solidFill>
+                  <a:prstClr val="black"/>
+                </a:solidFill>
+                <a:latin typeface="游ゴシック Medium" panose="020B0500000000000000" pitchFamily="50" charset="-128"/>
+                <a:ea typeface="游ゴシック Medium" panose="020B0500000000000000" pitchFamily="50" charset="-128"/>
+                <a:cs typeface="FiraCode Nerd Font Mono" panose="02000009000000000000" pitchFamily="49" charset="0"/>
+              </a:rPr>
+              <a:t>　　  </a:t>
+            </a:r>
+            <a:r>
+              <a:rPr kumimoji="1" lang="ja-JP" altLang="en-US" sz="1800" b="0" i="0" u="none" strike="noStrike" kern="1200" cap="none" spc="0" normalizeH="0" baseline="0" noProof="0" dirty="0">
+                <a:ln>
+                  <a:noFill/>
+                </a:ln>
+                <a:solidFill>
+                  <a:prstClr val="black"/>
+                </a:solidFill>
+                <a:effectLst/>
+                <a:uLnTx/>
+                <a:uFillTx/>
+                <a:latin typeface="游ゴシック Medium" panose="020B0500000000000000" pitchFamily="50" charset="-128"/>
+                <a:ea typeface="游ゴシック Medium" panose="020B0500000000000000" pitchFamily="50" charset="-128"/>
+                <a:cs typeface="FiraCode Nerd Font Mono" panose="02000009000000000000" pitchFamily="49" charset="0"/>
+              </a:rPr>
+              <a:t>これは時間外労働をしないほうが成果</a:t>
+            </a:r>
+            <a:r>
+              <a:rPr lang="ja-JP" altLang="en-US" sz="1800" dirty="0">
+                <a:solidFill>
+                  <a:prstClr val="black"/>
+                </a:solidFill>
+                <a:latin typeface="游ゴシック Medium" panose="020B0500000000000000" pitchFamily="50" charset="-128"/>
+                <a:ea typeface="游ゴシック Medium" panose="020B0500000000000000" pitchFamily="50" charset="-128"/>
+                <a:cs typeface="FiraCode Nerd Font Mono" panose="02000009000000000000" pitchFamily="49" charset="0"/>
+              </a:rPr>
+              <a:t>が</a:t>
+            </a:r>
+            <a:r>
+              <a:rPr kumimoji="1" lang="ja-JP" altLang="en-US" sz="1800" b="0" i="0" u="none" strike="noStrike" kern="1200" cap="none" spc="0" normalizeH="0" baseline="0" noProof="0" dirty="0">
+                <a:ln>
+                  <a:noFill/>
+                </a:ln>
+                <a:solidFill>
+                  <a:prstClr val="black"/>
+                </a:solidFill>
+                <a:effectLst/>
+                <a:uLnTx/>
+                <a:uFillTx/>
+                <a:latin typeface="游ゴシック Medium" panose="020B0500000000000000" pitchFamily="50" charset="-128"/>
+                <a:ea typeface="游ゴシック Medium" panose="020B0500000000000000" pitchFamily="50" charset="-128"/>
+                <a:cs typeface="FiraCode Nerd Font Mono" panose="02000009000000000000" pitchFamily="49" charset="0"/>
+              </a:rPr>
+              <a:t>出ること</a:t>
+            </a:r>
+            <a:r>
+              <a:rPr lang="ja-JP" altLang="en-US" sz="1800" dirty="0">
+                <a:solidFill>
+                  <a:prstClr val="black"/>
+                </a:solidFill>
+                <a:latin typeface="游ゴシック Medium" panose="020B0500000000000000" pitchFamily="50" charset="-128"/>
+                <a:ea typeface="游ゴシック Medium" panose="020B0500000000000000" pitchFamily="50" charset="-128"/>
+                <a:cs typeface="FiraCode Nerd Font Mono" panose="02000009000000000000" pitchFamily="49" charset="0"/>
+              </a:rPr>
+              <a:t>を意味するほか、</a:t>
+            </a:r>
+            <a:endParaRPr lang="en-US" altLang="ja-JP" sz="1800" dirty="0">
+              <a:solidFill>
+                <a:prstClr val="black"/>
+              </a:solidFill>
+              <a:latin typeface="游ゴシック Medium" panose="020B0500000000000000" pitchFamily="50" charset="-128"/>
+              <a:ea typeface="游ゴシック Medium" panose="020B0500000000000000" pitchFamily="50" charset="-128"/>
+              <a:cs typeface="FiraCode Nerd Font Mono" panose="02000009000000000000" pitchFamily="49" charset="0"/>
+            </a:endParaRPr>
+          </a:p>
+          <a:p>
+            <a:pPr marL="0" marR="0" lvl="0" indent="0" algn="l" defTabSz="914400" rtl="0" eaLnBrk="0" fontAlgn="auto" latinLnBrk="0" hangingPunct="0">
+              <a:lnSpc>
+                <a:spcPct val="150000"/>
+              </a:lnSpc>
+              <a:spcBef>
+                <a:spcPts val="0"/>
+              </a:spcBef>
+              <a:spcAft>
+                <a:spcPts val="0"/>
+              </a:spcAft>
+              <a:buClrTx/>
+              <a:buSzTx/>
+              <a:buFont typeface="Arial" panose="020B0604020202020204" pitchFamily="34" charset="0"/>
+              <a:buNone/>
+              <a:tabLst/>
+              <a:defRPr/>
+            </a:pPr>
+            <a:r>
+              <a:rPr lang="ja-JP" altLang="en-US" sz="1800" dirty="0">
+                <a:solidFill>
+                  <a:prstClr val="black"/>
+                </a:solidFill>
+                <a:latin typeface="游ゴシック Medium" panose="020B0500000000000000" pitchFamily="50" charset="-128"/>
+                <a:ea typeface="游ゴシック Medium" panose="020B0500000000000000" pitchFamily="50" charset="-128"/>
+                <a:cs typeface="FiraCode Nerd Font Mono" panose="02000009000000000000" pitchFamily="49" charset="0"/>
+              </a:rPr>
+              <a:t>　　  </a:t>
+            </a:r>
+            <a:r>
+              <a:rPr kumimoji="1" lang="ja-JP" altLang="en-US" sz="1800" b="0" i="0" u="none" strike="noStrike" kern="1200" cap="none" spc="0" normalizeH="0" baseline="0" noProof="0" dirty="0">
+                <a:ln>
+                  <a:noFill/>
+                </a:ln>
+                <a:solidFill>
+                  <a:prstClr val="black"/>
+                </a:solidFill>
+                <a:effectLst/>
+                <a:uLnTx/>
+                <a:uFillTx/>
+                <a:latin typeface="游ゴシック Medium" panose="020B0500000000000000" pitchFamily="50" charset="-128"/>
+                <a:ea typeface="游ゴシック Medium" panose="020B0500000000000000" pitchFamily="50" charset="-128"/>
+                <a:cs typeface="FiraCode Nerd Font Mono" panose="02000009000000000000" pitchFamily="49" charset="0"/>
+              </a:rPr>
+              <a:t>他カラムの値と相関があったことが考えられる。</a:t>
+            </a:r>
+            <a:endParaRPr kumimoji="1" lang="en-US" altLang="ja-JP" sz="1800" b="0" i="0" u="none" strike="noStrike" kern="1200" cap="none" spc="0" normalizeH="0" baseline="0" noProof="0" dirty="0">
+              <a:ln>
+                <a:noFill/>
+              </a:ln>
+              <a:solidFill>
+                <a:prstClr val="black"/>
+              </a:solidFill>
+              <a:effectLst/>
+              <a:uLnTx/>
+              <a:uFillTx/>
+              <a:latin typeface="FiraCode Nerd Font Mono" panose="02000009000000000000" pitchFamily="49" charset="0"/>
+              <a:ea typeface="FiraCode Nerd Font Mono" panose="02000009000000000000" pitchFamily="49" charset="0"/>
+              <a:cs typeface="FiraCode Nerd Font Mono" panose="02000009000000000000" pitchFamily="49" charset="0"/>
+            </a:endParaRPr>
+          </a:p>
+          <a:p>
+            <a:pPr marL="0" marR="0" lvl="0" indent="0" algn="l" defTabSz="914400" rtl="0" eaLnBrk="0" fontAlgn="auto" latinLnBrk="0" hangingPunct="0">
+              <a:lnSpc>
+                <a:spcPct val="150000"/>
+              </a:lnSpc>
+              <a:spcBef>
+                <a:spcPts val="0"/>
+              </a:spcBef>
+              <a:spcAft>
+                <a:spcPts val="0"/>
+              </a:spcAft>
+              <a:buClrTx/>
+              <a:buSzTx/>
+              <a:buFont typeface="Arial" panose="020B0604020202020204" pitchFamily="34" charset="0"/>
+              <a:buNone/>
+              <a:tabLst/>
+              <a:defRPr/>
+            </a:pPr>
+            <a:endParaRPr lang="en-US" altLang="ja-JP" sz="1800" dirty="0">
+              <a:solidFill>
+                <a:prstClr val="black"/>
+              </a:solidFill>
+              <a:latin typeface="游ゴシック Medium" panose="020B0500000000000000" pitchFamily="50" charset="-128"/>
+              <a:ea typeface="游ゴシック Medium" panose="020B0500000000000000" pitchFamily="50" charset="-128"/>
+              <a:cs typeface="FiraCode Nerd Font Mono" panose="02000009000000000000" pitchFamily="49" charset="0"/>
+            </a:endParaRPr>
+          </a:p>
+          <a:p>
+            <a:pPr marL="0" marR="0" lvl="0" indent="0" algn="l" defTabSz="914400" rtl="0" eaLnBrk="0" fontAlgn="auto" latinLnBrk="0" hangingPunct="0">
+              <a:lnSpc>
+                <a:spcPct val="150000"/>
+              </a:lnSpc>
+              <a:spcBef>
+                <a:spcPts val="0"/>
+              </a:spcBef>
+              <a:spcAft>
+                <a:spcPts val="0"/>
+              </a:spcAft>
+              <a:buClrTx/>
+              <a:buSzTx/>
+              <a:buFont typeface="Arial" panose="020B0604020202020204" pitchFamily="34" charset="0"/>
+              <a:buNone/>
+              <a:tabLst/>
+              <a:defRPr/>
+            </a:pPr>
+            <a:endParaRPr lang="en-US" altLang="ja-JP" sz="1800" dirty="0">
+              <a:solidFill>
+                <a:prstClr val="black"/>
+              </a:solidFill>
+              <a:latin typeface="游ゴシック Medium" panose="020B0500000000000000" pitchFamily="50" charset="-128"/>
+              <a:ea typeface="游ゴシック Medium" panose="020B0500000000000000" pitchFamily="50" charset="-128"/>
+              <a:cs typeface="FiraCode Nerd Font Mono" panose="02000009000000000000" pitchFamily="49" charset="0"/>
+            </a:endParaRPr>
+          </a:p>
+        </p:txBody>
+      </p:sp>
+      <p:pic>
+        <p:nvPicPr>
+          <p:cNvPr id="5" name="図 4">
+            <a:extLst>
+              <a:ext uri="{FF2B5EF4-FFF2-40B4-BE49-F238E27FC236}">
+                <a16:creationId xmlns:a16="http://schemas.microsoft.com/office/drawing/2014/main" id="{3751F9F6-DAE3-6261-2B67-D4116FDB8E95}"/>
+              </a:ext>
+            </a:extLst>
+          </p:cNvPr>
+          <p:cNvPicPr>
+            <a:picLocks noChangeAspect="1"/>
+          </p:cNvPicPr>
+          <p:nvPr/>
+        </p:nvPicPr>
+        <p:blipFill>
+          <a:blip r:embed="rId2"/>
+          <a:stretch>
+            <a:fillRect/>
+          </a:stretch>
+        </p:blipFill>
+        <p:spPr>
+          <a:xfrm>
+            <a:off x="437541" y="1105642"/>
+            <a:ext cx="4528160" cy="45719"/>
+          </a:xfrm>
+          <a:prstGeom prst="rect">
+            <a:avLst/>
+          </a:prstGeom>
+        </p:spPr>
+      </p:pic>
+      <p:pic>
+        <p:nvPicPr>
+          <p:cNvPr id="12" name="図 11">
+            <a:extLst>
+              <a:ext uri="{FF2B5EF4-FFF2-40B4-BE49-F238E27FC236}">
+                <a16:creationId xmlns:a16="http://schemas.microsoft.com/office/drawing/2014/main" id="{F727FCB7-9D0F-D4DA-B50F-57809D283C9E}"/>
+              </a:ext>
+            </a:extLst>
+          </p:cNvPr>
+          <p:cNvPicPr>
+            <a:picLocks noChangeAspect="1"/>
+          </p:cNvPicPr>
+          <p:nvPr/>
+        </p:nvPicPr>
+        <p:blipFill>
+          <a:blip r:embed="rId2"/>
+          <a:stretch>
+            <a:fillRect/>
+          </a:stretch>
+        </p:blipFill>
+        <p:spPr>
+          <a:xfrm flipV="1">
+            <a:off x="349250" y="6380322"/>
+            <a:ext cx="11493501" cy="45719"/>
+          </a:xfrm>
+          <a:prstGeom prst="rect">
+            <a:avLst/>
+          </a:prstGeom>
+        </p:spPr>
+      </p:pic>
+      <p:sp>
+        <p:nvSpPr>
+          <p:cNvPr id="22" name="テキスト ボックス 21">
+            <a:extLst>
+              <a:ext uri="{FF2B5EF4-FFF2-40B4-BE49-F238E27FC236}">
+                <a16:creationId xmlns:a16="http://schemas.microsoft.com/office/drawing/2014/main" id="{3F4986A2-F65C-7428-7ADB-E06083BF5661}"/>
+              </a:ext>
+            </a:extLst>
+          </p:cNvPr>
+          <p:cNvSpPr txBox="1"/>
+          <p:nvPr/>
+        </p:nvSpPr>
+        <p:spPr>
+          <a:xfrm>
+            <a:off x="271460" y="6473542"/>
+            <a:ext cx="11649078" cy="307777"/>
+          </a:xfrm>
+          <a:prstGeom prst="rect">
+            <a:avLst/>
+          </a:prstGeom>
+          <a:noFill/>
+        </p:spPr>
+        <p:txBody>
+          <a:bodyPr wrap="square">
+            <a:spAutoFit/>
+          </a:bodyPr>
+          <a:lstStyle/>
+          <a:p>
+            <a:r>
+              <a:rPr lang="en-US" altLang="ja-JP" sz="1400" dirty="0">
+                <a:latin typeface="コーポレート・ロゴ ver2 Medium" panose="02000600000000000000" pitchFamily="50" charset="-128"/>
+                <a:ea typeface="コーポレート・ロゴ ver2 Medium" panose="02000600000000000000" pitchFamily="50" charset="-128"/>
+              </a:rPr>
+              <a:t>GCI</a:t>
+            </a:r>
+            <a:r>
+              <a:rPr lang="ja-JP" altLang="en-US" sz="1400" dirty="0">
+                <a:latin typeface="コーポレート・ロゴ ver2 Medium" panose="02000600000000000000" pitchFamily="50" charset="-128"/>
+                <a:ea typeface="コーポレート・ロゴ ver2 Medium" panose="02000600000000000000" pitchFamily="50" charset="-128"/>
+              </a:rPr>
+              <a:t> 東京大学グローバル消費インテリジェンス寄付講座</a:t>
+            </a:r>
+          </a:p>
+        </p:txBody>
+      </p:sp>
+      <p:sp>
+        <p:nvSpPr>
           <p:cNvPr id="6" name="テキスト ボックス 5">
             <a:extLst>
               <a:ext uri="{FF2B5EF4-FFF2-40B4-BE49-F238E27FC236}">
@@ -8322,7 +10031,7 @@
         </p:nvSpPr>
         <p:spPr>
           <a:xfrm>
-            <a:off x="7957354" y="4771537"/>
+            <a:off x="4507398" y="3362241"/>
             <a:ext cx="515074" cy="369332"/>
           </a:xfrm>
           <a:prstGeom prst="rect">
@@ -8345,8 +10054,8 @@
           </a:p>
         </p:txBody>
       </p:sp>
-      <mc:AlternateContent xmlns:mc="http://schemas.openxmlformats.org/markup-compatibility/2006">
-        <mc:Choice xmlns:a14="http://schemas.microsoft.com/office/drawing/2010/main" Requires="a14">
+      <mc:AlternateContent xmlns:mc="http://schemas.openxmlformats.org/markup-compatibility/2006" xmlns:a14="http://schemas.microsoft.com/office/drawing/2010/main">
+        <mc:Choice Requires="a14">
           <p:sp>
             <p:nvSpPr>
               <p:cNvPr id="18" name="テキスト ボックス 17">
@@ -8361,7 +10070,7 @@
             </p:nvSpPr>
             <p:spPr>
               <a:xfrm>
-                <a:off x="9843908" y="4834009"/>
+                <a:off x="6393952" y="3424713"/>
                 <a:ext cx="515074" cy="376129"/>
               </a:xfrm>
               <a:prstGeom prst="rect">
@@ -8375,6 +10084,7 @@
               </a:bodyPr>
               <a:lstStyle/>
               <a:p>
+                <a:pPr/>
                 <a14:m>
                   <m:oMathPara xmlns:m="http://schemas.openxmlformats.org/officeDocument/2006/math">
                     <m:oMathParaPr>
@@ -8385,7 +10095,7 @@
                         <m:sSubPr>
                           <m:ctrlPr>
                             <a:rPr kumimoji="1" lang="en-US" altLang="ja-JP" i="1" smtClean="0">
-                              <a:latin typeface="Latin Modern Math" panose="02000503000000000000" pitchFamily="50" charset="0"/>
+                              <a:latin typeface="Cambria Math" panose="02040503050406030204" pitchFamily="18" charset="0"/>
                               <a:ea typeface="Latin Modern Math" panose="02000503000000000000" pitchFamily="50" charset="0"/>
                             </a:rPr>
                           </m:ctrlPr>
@@ -8419,7 +10129,7 @@
             </p:txBody>
           </p:sp>
         </mc:Choice>
-        <mc:Fallback>
+        <mc:Fallback xmlns="">
           <p:sp>
             <p:nvSpPr>
               <p:cNvPr id="18" name="テキスト ボックス 17">
@@ -8436,7 +10146,7 @@
             </p:nvSpPr>
             <p:spPr>
               <a:xfrm>
-                <a:off x="9843908" y="4834009"/>
+                <a:off x="6393952" y="3424713"/>
                 <a:ext cx="515074" cy="376129"/>
               </a:xfrm>
               <a:prstGeom prst="rect">
@@ -8464,8 +10174,8 @@
           </p:sp>
         </mc:Fallback>
       </mc:AlternateContent>
-      <mc:AlternateContent xmlns:mc="http://schemas.openxmlformats.org/markup-compatibility/2006">
-        <mc:Choice xmlns:a14="http://schemas.microsoft.com/office/drawing/2010/main" Requires="a14">
+      <mc:AlternateContent xmlns:mc="http://schemas.openxmlformats.org/markup-compatibility/2006" xmlns:a14="http://schemas.microsoft.com/office/drawing/2010/main">
+        <mc:Choice Requires="a14">
           <p:sp>
             <p:nvSpPr>
               <p:cNvPr id="19" name="テキスト ボックス 18">
@@ -8480,7 +10190,7 @@
             </p:nvSpPr>
             <p:spPr>
               <a:xfrm>
-                <a:off x="7897633" y="4956203"/>
+                <a:off x="4447677" y="3546907"/>
                 <a:ext cx="515074" cy="261610"/>
               </a:xfrm>
               <a:prstGeom prst="rect">
@@ -8494,6 +10204,7 @@
               </a:bodyPr>
               <a:lstStyle/>
               <a:p>
+                <a:pPr/>
                 <a14:m>
                   <m:oMathPara xmlns:m="http://schemas.openxmlformats.org/officeDocument/2006/math">
                     <m:oMathParaPr>
@@ -8504,7 +10215,7 @@
                         <m:sSubPr>
                           <m:ctrlPr>
                             <a:rPr kumimoji="1" lang="en-US" altLang="ja-JP" sz="1100" i="1" smtClean="0">
-                              <a:latin typeface="Latin Modern Math" panose="02000503000000000000" pitchFamily="50" charset="0"/>
+                              <a:latin typeface="Cambria Math" panose="02040503050406030204" pitchFamily="18" charset="0"/>
                               <a:ea typeface="Latin Modern Math" panose="02000503000000000000" pitchFamily="50" charset="0"/>
                             </a:rPr>
                           </m:ctrlPr>
@@ -8538,7 +10249,7 @@
             </p:txBody>
           </p:sp>
         </mc:Choice>
-        <mc:Fallback>
+        <mc:Fallback xmlns="">
           <p:sp>
             <p:nvSpPr>
               <p:cNvPr id="19" name="テキスト ボックス 18">
@@ -8555,7 +10266,7 @@
             </p:nvSpPr>
             <p:spPr>
               <a:xfrm>
-                <a:off x="7897633" y="4956203"/>
+                <a:off x="4447677" y="3546907"/>
                 <a:ext cx="515074" cy="261610"/>
               </a:xfrm>
               <a:prstGeom prst="rect">
@@ -8583,8 +10294,8 @@
           </p:sp>
         </mc:Fallback>
       </mc:AlternateContent>
-      <mc:AlternateContent xmlns:mc="http://schemas.openxmlformats.org/markup-compatibility/2006">
-        <mc:Choice xmlns:a14="http://schemas.microsoft.com/office/drawing/2010/main" Requires="a14">
+      <mc:AlternateContent xmlns:mc="http://schemas.openxmlformats.org/markup-compatibility/2006" xmlns:a14="http://schemas.microsoft.com/office/drawing/2010/main">
+        <mc:Choice Requires="a14">
           <p:sp>
             <p:nvSpPr>
               <p:cNvPr id="21" name="テキスト ボックス 20">
@@ -8599,7 +10310,7 @@
             </p:nvSpPr>
             <p:spPr>
               <a:xfrm>
-                <a:off x="7363698" y="4617649"/>
+                <a:off x="3913742" y="3208353"/>
                 <a:ext cx="515074" cy="523220"/>
               </a:xfrm>
               <a:prstGeom prst="rect">
@@ -8613,6 +10324,7 @@
               </a:bodyPr>
               <a:lstStyle/>
               <a:p>
+                <a:pPr/>
                 <a14:m>
                   <m:oMathPara xmlns:m="http://schemas.openxmlformats.org/officeDocument/2006/math">
                     <m:oMathParaPr>
@@ -8623,7 +10335,7 @@
                         <m:sSubPr>
                           <m:ctrlPr>
                             <a:rPr kumimoji="1" lang="en-US" altLang="ja-JP" sz="2800" i="1" smtClean="0">
-                              <a:latin typeface="Latin Modern Math" panose="02000503000000000000" pitchFamily="50" charset="0"/>
+                              <a:latin typeface="Cambria Math" panose="02040503050406030204" pitchFamily="18" charset="0"/>
                               <a:ea typeface="Latin Modern Math" panose="02000503000000000000" pitchFamily="50" charset="0"/>
                             </a:rPr>
                           </m:ctrlPr>
@@ -8657,7 +10369,7 @@
             </p:txBody>
           </p:sp>
         </mc:Choice>
-        <mc:Fallback>
+        <mc:Fallback xmlns="">
           <p:sp>
             <p:nvSpPr>
               <p:cNvPr id="21" name="テキスト ボックス 20">
@@ -8674,7 +10386,7 @@
             </p:nvSpPr>
             <p:spPr>
               <a:xfrm>
-                <a:off x="7363698" y="4617649"/>
+                <a:off x="3913742" y="3208353"/>
                 <a:ext cx="515074" cy="523220"/>
               </a:xfrm>
               <a:prstGeom prst="rect">
@@ -8702,8 +10414,8 @@
           </p:sp>
         </mc:Fallback>
       </mc:AlternateContent>
-      <mc:AlternateContent xmlns:mc="http://schemas.openxmlformats.org/markup-compatibility/2006">
-        <mc:Choice xmlns:a14="http://schemas.microsoft.com/office/drawing/2010/main" Requires="a14">
+      <mc:AlternateContent xmlns:mc="http://schemas.openxmlformats.org/markup-compatibility/2006" xmlns:a14="http://schemas.microsoft.com/office/drawing/2010/main">
+        <mc:Choice Requires="a14">
           <p:sp>
             <p:nvSpPr>
               <p:cNvPr id="23" name="テキスト ボックス 22">
@@ -8718,7 +10430,7 @@
             </p:nvSpPr>
             <p:spPr>
               <a:xfrm>
-                <a:off x="6420421" y="4797045"/>
+                <a:off x="2970465" y="3387749"/>
                 <a:ext cx="515074" cy="376129"/>
               </a:xfrm>
               <a:prstGeom prst="rect">
@@ -8732,6 +10444,7 @@
               </a:bodyPr>
               <a:lstStyle/>
               <a:p>
+                <a:pPr/>
                 <a14:m>
                   <m:oMathPara xmlns:m="http://schemas.openxmlformats.org/officeDocument/2006/math">
                     <m:oMathParaPr>
@@ -8742,7 +10455,7 @@
                         <m:sSubPr>
                           <m:ctrlPr>
                             <a:rPr kumimoji="1" lang="en-US" altLang="ja-JP" i="1" smtClean="0">
-                              <a:latin typeface="Latin Modern Math" panose="02000503000000000000" pitchFamily="50" charset="0"/>
+                              <a:latin typeface="Cambria Math" panose="02040503050406030204" pitchFamily="18" charset="0"/>
                               <a:ea typeface="Latin Modern Math" panose="02000503000000000000" pitchFamily="50" charset="0"/>
                             </a:rPr>
                           </m:ctrlPr>
@@ -8776,7 +10489,7 @@
             </p:txBody>
           </p:sp>
         </mc:Choice>
-        <mc:Fallback>
+        <mc:Fallback xmlns="">
           <p:sp>
             <p:nvSpPr>
               <p:cNvPr id="23" name="テキスト ボックス 22">
@@ -8793,7 +10506,7 @@
             </p:nvSpPr>
             <p:spPr>
               <a:xfrm>
-                <a:off x="6420421" y="4797045"/>
+                <a:off x="2970465" y="3387749"/>
                 <a:ext cx="515074" cy="376129"/>
               </a:xfrm>
               <a:prstGeom prst="rect">
@@ -8821,10 +10534,53 @@
           </p:sp>
         </mc:Fallback>
       </mc:AlternateContent>
+      <p:sp>
+        <p:nvSpPr>
+          <p:cNvPr id="4" name="テキスト ボックス 3">
+            <a:extLst>
+              <a:ext uri="{FF2B5EF4-FFF2-40B4-BE49-F238E27FC236}">
+                <a16:creationId xmlns:a16="http://schemas.microsoft.com/office/drawing/2014/main" id="{79532E31-F797-71BB-CFD7-15E5BDAA229D}"/>
+              </a:ext>
+            </a:extLst>
+          </p:cNvPr>
+          <p:cNvSpPr txBox="1"/>
+          <p:nvPr/>
+        </p:nvSpPr>
+        <p:spPr>
+          <a:xfrm>
+            <a:off x="5711030" y="6473541"/>
+            <a:ext cx="769937" cy="369332"/>
+          </a:xfrm>
+          <a:prstGeom prst="rect">
+            <a:avLst/>
+          </a:prstGeom>
+          <a:noFill/>
+        </p:spPr>
+        <p:txBody>
+          <a:bodyPr wrap="square" rtlCol="0">
+            <a:spAutoFit/>
+          </a:bodyPr>
+          <a:lstStyle/>
+          <a:p>
+            <a:pPr algn="ctr"/>
+            <a:r>
+              <a:rPr kumimoji="1" lang="en-US" altLang="ja-JP" dirty="0">
+                <a:latin typeface="マキナス 4 Flat" panose="02000600000000000000" pitchFamily="50" charset="-128"/>
+                <a:ea typeface="マキナス 4 Flat" panose="02000600000000000000" pitchFamily="50" charset="-128"/>
+              </a:rPr>
+              <a:t>12</a:t>
+            </a:r>
+            <a:endParaRPr kumimoji="1" lang="ja-JP" altLang="en-US" dirty="0">
+              <a:latin typeface="マキナス 4 Flat" panose="02000600000000000000" pitchFamily="50" charset="-128"/>
+              <a:ea typeface="マキナス 4 Flat" panose="02000600000000000000" pitchFamily="50" charset="-128"/>
+            </a:endParaRPr>
+          </a:p>
+        </p:txBody>
+      </p:sp>
     </p:spTree>
     <p:extLst>
       <p:ext uri="{BB962C8B-B14F-4D97-AF65-F5344CB8AC3E}">
-        <p14:creationId xmlns:p14="http://schemas.microsoft.com/office/powerpoint/2010/main" val="2794611558"/>
+        <p14:creationId xmlns:p14="http://schemas.microsoft.com/office/powerpoint/2010/main" val="1300619712"/>
       </p:ext>
     </p:extLst>
   </p:cSld>
@@ -8834,7 +10590,7 @@
 </p:sld>
 </file>
 
-<file path=ppt/slides/slide12.xml><?xml version="1.0" encoding="utf-8"?>
+<file path=ppt/slides/slide13.xml><?xml version="1.0" encoding="utf-8"?>
 <p:sld xmlns:a="http://schemas.openxmlformats.org/drawingml/2006/main" xmlns:r="http://schemas.openxmlformats.org/officeDocument/2006/relationships" xmlns:p="http://schemas.openxmlformats.org/presentationml/2006/main">
   <p:cSld>
     <p:spTree>
@@ -8869,8 +10625,8 @@
         </p:nvSpPr>
         <p:spPr>
           <a:xfrm>
-            <a:off x="437538" y="1761266"/>
-            <a:ext cx="18269561" cy="6651214"/>
+            <a:off x="437538" y="1609066"/>
+            <a:ext cx="11754462" cy="4556784"/>
           </a:xfrm>
         </p:spPr>
         <p:txBody>
@@ -8897,10 +10653,16 @@
               <a:defRPr/>
             </a:pPr>
             <a:r>
-              <a:rPr lang="ja-JP" altLang="en-US" sz="1600" b="1" dirty="0">
+              <a:rPr kumimoji="1" lang="ja-JP" altLang="en-US" sz="1800" b="1" i="0" u="none" strike="noStrike" kern="1200" cap="none" spc="0" normalizeH="0" baseline="0" noProof="0" dirty="0">
+                <a:ln>
+                  <a:noFill/>
+                </a:ln>
                 <a:solidFill>
                   <a:srgbClr val="03BDBA"/>
                 </a:solidFill>
+                <a:effectLst/>
+                <a:uLnTx/>
+                <a:uFillTx/>
                 <a:latin typeface="游ゴシック Medium" panose="020B0500000000000000" pitchFamily="50" charset="-128"/>
                 <a:ea typeface="游ゴシック Medium" panose="020B0500000000000000" pitchFamily="50" charset="-128"/>
                 <a:cs typeface="FiraCode Nerd Font Mono" panose="02000009000000000000" pitchFamily="49" charset="0"/>
@@ -8908,20 +10670,32 @@
               <a:t>検</a:t>
             </a:r>
             <a:r>
-              <a:rPr lang="ja-JP" altLang="en-US" sz="1600" b="1" dirty="0">
-                <a:solidFill>
-                  <a:prstClr val="black"/>
-                </a:solidFill>
+              <a:rPr kumimoji="1" lang="ja-JP" altLang="en-US" sz="1800" b="1" i="0" u="none" strike="noStrike" kern="1200" cap="none" spc="0" normalizeH="0" baseline="0" noProof="0" dirty="0">
+                <a:ln>
+                  <a:noFill/>
+                </a:ln>
+                <a:solidFill>
+                  <a:prstClr val="black"/>
+                </a:solidFill>
+                <a:effectLst/>
+                <a:uLnTx/>
+                <a:uFillTx/>
                 <a:latin typeface="游ゴシック Medium" panose="020B0500000000000000" pitchFamily="50" charset="-128"/>
                 <a:ea typeface="游ゴシック Medium" panose="020B0500000000000000" pitchFamily="50" charset="-128"/>
                 <a:cs typeface="FiraCode Nerd Font Mono" panose="02000009000000000000" pitchFamily="49" charset="0"/>
               </a:rPr>
               <a:t>証</a:t>
             </a:r>
-            <a:endParaRPr lang="en-US" altLang="ja-JP" sz="1600" b="1" dirty="0">
+            <a:endParaRPr kumimoji="1" lang="en-US" altLang="ja-JP" sz="1800" b="1" i="0" u="none" strike="noStrike" kern="1200" cap="none" spc="0" normalizeH="0" baseline="0" noProof="0" dirty="0">
+              <a:ln>
+                <a:noFill/>
+              </a:ln>
               <a:solidFill>
                 <a:prstClr val="black"/>
               </a:solidFill>
+              <a:effectLst/>
+              <a:uLnTx/>
+              <a:uFillTx/>
               <a:latin typeface="游ゴシック Medium" panose="020B0500000000000000" pitchFamily="50" charset="-128"/>
               <a:ea typeface="游ゴシック Medium" panose="020B0500000000000000" pitchFamily="50" charset="-128"/>
               <a:cs typeface="FiraCode Nerd Font Mono" panose="02000009000000000000" pitchFamily="49" charset="0"/>
@@ -8950,7 +10724,7 @@
               <a:t>　</a:t>
             </a:r>
             <a:r>
-              <a:rPr kumimoji="1" lang="en-US" altLang="ja-JP" sz="1400" b="0" i="0" u="none" strike="noStrike" kern="1200" cap="none" spc="0" normalizeH="0" baseline="0" noProof="0" dirty="0">
+              <a:rPr kumimoji="1" lang="en-US" altLang="ja-JP" sz="1400" b="0" i="0" u="none" strike="noStrike" kern="1200" cap="none" spc="0" normalizeH="0" baseline="0" noProof="0" dirty="0" err="1">
                 <a:ln>
                   <a:noFill/>
                 </a:ln>
@@ -9143,7 +10917,7 @@
               <a:t>　</a:t>
             </a:r>
             <a:r>
-              <a:rPr lang="ja-JP" altLang="en-US" sz="1400" dirty="0">
+              <a:rPr lang="ja-JP" altLang="en-US" sz="1600" dirty="0">
                 <a:solidFill>
                   <a:prstClr val="black"/>
                 </a:solidFill>
@@ -9366,7 +11140,7 @@
                 <a:ea typeface="游ゴシック Medium" panose="020B0500000000000000" pitchFamily="50" charset="-128"/>
                 <a:cs typeface="FiraCode Nerd Font Mono" panose="02000009000000000000" pitchFamily="49" charset="0"/>
               </a:rPr>
-              <a:t>評価する</a:t>
+              <a:t>評価する。</a:t>
             </a:r>
             <a:endParaRPr lang="en-US" altLang="ja-JP" sz="1600" b="1" dirty="0">
               <a:solidFill>
@@ -9776,48 +11550,6 @@
             </a:endParaRPr>
           </a:p>
           <a:p>
-            <a:pPr marL="0" indent="0" eaLnBrk="0" hangingPunct="0">
-              <a:lnSpc>
-                <a:spcPct val="150000"/>
-              </a:lnSpc>
-              <a:spcBef>
-                <a:spcPts val="0"/>
-              </a:spcBef>
-              <a:buNone/>
-              <a:defRPr/>
-            </a:pPr>
-            <a:r>
-              <a:rPr lang="ja-JP" altLang="en-US" sz="1600" b="1" dirty="0">
-                <a:solidFill>
-                  <a:srgbClr val="03BDBA"/>
-                </a:solidFill>
-                <a:latin typeface="游ゴシック Medium" panose="020B0500000000000000" pitchFamily="50" charset="-128"/>
-                <a:ea typeface="游ゴシック Medium" panose="020B0500000000000000" pitchFamily="50" charset="-128"/>
-                <a:cs typeface="FiraCode Nerd Font Mono" panose="02000009000000000000" pitchFamily="49" charset="0"/>
-              </a:rPr>
-              <a:t>結</a:t>
-            </a:r>
-            <a:r>
-              <a:rPr lang="ja-JP" altLang="en-US" sz="1600" b="1" dirty="0">
-                <a:solidFill>
-                  <a:prstClr val="black"/>
-                </a:solidFill>
-                <a:latin typeface="游ゴシック Medium" panose="020B0500000000000000" pitchFamily="50" charset="-128"/>
-                <a:ea typeface="游ゴシック Medium" panose="020B0500000000000000" pitchFamily="50" charset="-128"/>
-                <a:cs typeface="FiraCode Nerd Font Mono" panose="02000009000000000000" pitchFamily="49" charset="0"/>
-              </a:rPr>
-              <a:t>果</a:t>
-            </a:r>
-            <a:endParaRPr lang="en-US" altLang="ja-JP" sz="1400" dirty="0">
-              <a:solidFill>
-                <a:prstClr val="black"/>
-              </a:solidFill>
-              <a:latin typeface="FiraCode Nerd Font Mono" panose="02000009000000000000" pitchFamily="49" charset="0"/>
-              <a:ea typeface="FiraCode Nerd Font Mono" panose="02000009000000000000" pitchFamily="49" charset="0"/>
-              <a:cs typeface="FiraCode Nerd Font Mono" panose="02000009000000000000" pitchFamily="49" charset="0"/>
-            </a:endParaRPr>
-          </a:p>
-          <a:p>
             <a:pPr marL="0" marR="0" lvl="0" indent="0" algn="l" defTabSz="914400" rtl="0" eaLnBrk="0" fontAlgn="auto" latinLnBrk="0" hangingPunct="0">
               <a:lnSpc>
                 <a:spcPct val="150000"/>
@@ -9836,67 +11568,12 @@
               <a:defRPr/>
             </a:pPr>
             <a:r>
-              <a:rPr lang="ja-JP" altLang="en-US" sz="1400" dirty="0">
-                <a:solidFill>
-                  <a:prstClr val="black"/>
-                </a:solidFill>
-                <a:latin typeface="FiraCode Nerd Font Mono" panose="02000009000000000000" pitchFamily="49" charset="0"/>
-                <a:ea typeface="FiraCode Nerd Font Mono" panose="02000009000000000000" pitchFamily="49" charset="0"/>
-                <a:cs typeface="FiraCode Nerd Font Mono" panose="02000009000000000000" pitchFamily="49" charset="0"/>
-              </a:rPr>
-              <a:t>　</a:t>
-            </a:r>
-            <a:r>
-              <a:rPr lang="en-US" altLang="ja-JP" sz="1400" dirty="0">
-                <a:solidFill>
-                  <a:prstClr val="black"/>
-                </a:solidFill>
-                <a:latin typeface="FiraCode Nerd Font Mono" panose="02000009000000000000" pitchFamily="49" charset="0"/>
-                <a:ea typeface="FiraCode Nerd Font Mono" panose="02000009000000000000" pitchFamily="49" charset="0"/>
-                <a:cs typeface="FiraCode Nerd Font Mono" panose="02000009000000000000" pitchFamily="49" charset="0"/>
-              </a:rPr>
-              <a:t>Data={0:1233, 1:237}(19.2%) Data_No_OverTime={0:1395, 1:75}(5.4%)</a:t>
-            </a:r>
-            <a:r>
-              <a:rPr lang="ja-JP" altLang="en-US" sz="1400" dirty="0">
-                <a:solidFill>
-                  <a:prstClr val="black"/>
-                </a:solidFill>
-                <a:latin typeface="游ゴシック Medium" panose="020B0500000000000000" pitchFamily="50" charset="-128"/>
-                <a:ea typeface="游ゴシック Medium" panose="020B0500000000000000" pitchFamily="50" charset="-128"/>
-                <a:cs typeface="FiraCode Nerd Font Mono" panose="02000009000000000000" pitchFamily="49" charset="0"/>
-              </a:rPr>
-              <a:t>　</a:t>
-            </a:r>
-            <a:r>
-              <a:rPr lang="en-US" altLang="ja-JP" sz="1400" dirty="0">
-                <a:solidFill>
-                  <a:prstClr val="black"/>
-                </a:solidFill>
-                <a:latin typeface="游ゴシック Medium" panose="020B0500000000000000" pitchFamily="50" charset="-128"/>
-                <a:ea typeface="游ゴシック Medium" panose="020B0500000000000000" pitchFamily="50" charset="-128"/>
-                <a:cs typeface="FiraCode Nerd Font Mono" panose="02000009000000000000" pitchFamily="49" charset="0"/>
-              </a:rPr>
-              <a:t>=&gt; </a:t>
-            </a:r>
-            <a:r>
-              <a:rPr lang="ja-JP" altLang="en-US" sz="1600" dirty="0">
-                <a:solidFill>
-                  <a:prstClr val="black"/>
-                </a:solidFill>
-                <a:latin typeface="游ゴシック Medium" panose="020B0500000000000000" pitchFamily="50" charset="-128"/>
-                <a:ea typeface="游ゴシック Medium" panose="020B0500000000000000" pitchFamily="50" charset="-128"/>
-                <a:cs typeface="FiraCode Nerd Font Mono" panose="02000009000000000000" pitchFamily="49" charset="0"/>
-              </a:rPr>
-              <a:t>予想通り離職率はかなり減った。</a:t>
-            </a:r>
-            <a:r>
-              <a:rPr kumimoji="1" lang="ja-JP" altLang="en-US" sz="1600" b="0" i="0" u="none" strike="noStrike" kern="1200" cap="none" spc="0" normalizeH="0" baseline="0" noProof="0" dirty="0">
+              <a:rPr kumimoji="1" lang="ja-JP" altLang="en-US" sz="1800" b="1" i="0" u="none" strike="noStrike" kern="1200" cap="none" spc="0" normalizeH="0" baseline="0" noProof="0" dirty="0">
                 <a:ln>
                   <a:noFill/>
                 </a:ln>
                 <a:solidFill>
-                  <a:prstClr val="black"/>
+                  <a:srgbClr val="03BDBA"/>
                 </a:solidFill>
                 <a:effectLst/>
                 <a:uLnTx/>
@@ -9905,12 +11582,35 @@
                 <a:ea typeface="游ゴシック Medium" panose="020B0500000000000000" pitchFamily="50" charset="-128"/>
                 <a:cs typeface="FiraCode Nerd Font Mono" panose="02000009000000000000" pitchFamily="49" charset="0"/>
               </a:rPr>
-              <a:t>。</a:t>
-            </a:r>
-            <a:endParaRPr lang="en-US" altLang="ja-JP" sz="1800" dirty="0">
+              <a:t>結</a:t>
+            </a:r>
+            <a:r>
+              <a:rPr kumimoji="1" lang="ja-JP" altLang="en-US" sz="1800" b="1" i="0" u="none" strike="noStrike" kern="1200" cap="none" spc="0" normalizeH="0" baseline="0" noProof="0" dirty="0">
+                <a:ln>
+                  <a:noFill/>
+                </a:ln>
+                <a:solidFill>
+                  <a:prstClr val="black"/>
+                </a:solidFill>
+                <a:effectLst/>
+                <a:uLnTx/>
+                <a:uFillTx/>
+                <a:latin typeface="游ゴシック Medium" panose="020B0500000000000000" pitchFamily="50" charset="-128"/>
+                <a:ea typeface="游ゴシック Medium" panose="020B0500000000000000" pitchFamily="50" charset="-128"/>
+                <a:cs typeface="FiraCode Nerd Font Mono" panose="02000009000000000000" pitchFamily="49" charset="0"/>
+              </a:rPr>
+              <a:t>果</a:t>
+            </a:r>
+            <a:endParaRPr kumimoji="1" lang="en-US" altLang="ja-JP" sz="1800" b="0" i="0" u="none" strike="noStrike" kern="1200" cap="none" spc="0" normalizeH="0" baseline="0" noProof="0" dirty="0">
+              <a:ln>
+                <a:noFill/>
+              </a:ln>
               <a:solidFill>
                 <a:prstClr val="black"/>
               </a:solidFill>
+              <a:effectLst/>
+              <a:uLnTx/>
+              <a:uFillTx/>
               <a:latin typeface="游ゴシック Medium" panose="020B0500000000000000" pitchFamily="50" charset="-128"/>
               <a:ea typeface="游ゴシック Medium" panose="020B0500000000000000" pitchFamily="50" charset="-128"/>
               <a:cs typeface="FiraCode Nerd Font Mono" panose="02000009000000000000" pitchFamily="49" charset="0"/>
@@ -9934,7 +11634,193 @@
               <a:tabLst/>
               <a:defRPr/>
             </a:pPr>
-            <a:endParaRPr lang="en-US" altLang="ja-JP" sz="1800" dirty="0">
+            <a:r>
+              <a:rPr lang="ja-JP" altLang="en-US" sz="1400" dirty="0">
+                <a:solidFill>
+                  <a:prstClr val="black"/>
+                </a:solidFill>
+                <a:latin typeface="FiraCode Nerd Font Mono" panose="02000009000000000000" pitchFamily="49" charset="0"/>
+                <a:ea typeface="FiraCode Nerd Font Mono" panose="02000009000000000000" pitchFamily="49" charset="0"/>
+                <a:cs typeface="FiraCode Nerd Font Mono" panose="02000009000000000000" pitchFamily="49" charset="0"/>
+              </a:rPr>
+              <a:t>　</a:t>
+            </a:r>
+            <a:r>
+              <a:rPr lang="en-US" altLang="ja-JP" sz="1600" dirty="0">
+                <a:solidFill>
+                  <a:prstClr val="black"/>
+                </a:solidFill>
+                <a:latin typeface="FiraCode Nerd Font Mono" panose="02000009000000000000" pitchFamily="49" charset="0"/>
+                <a:ea typeface="FiraCode Nerd Font Mono" panose="02000009000000000000" pitchFamily="49" charset="0"/>
+                <a:cs typeface="FiraCode Nerd Font Mono" panose="02000009000000000000" pitchFamily="49" charset="0"/>
+              </a:rPr>
+              <a:t>Data=812.504, </a:t>
+            </a:r>
+            <a:r>
+              <a:rPr lang="en-US" altLang="ja-JP" sz="1600" dirty="0" err="1">
+                <a:solidFill>
+                  <a:prstClr val="black"/>
+                </a:solidFill>
+                <a:latin typeface="FiraCode Nerd Font Mono" panose="02000009000000000000" pitchFamily="49" charset="0"/>
+                <a:ea typeface="FiraCode Nerd Font Mono" panose="02000009000000000000" pitchFamily="49" charset="0"/>
+                <a:cs typeface="FiraCode Nerd Font Mono" panose="02000009000000000000" pitchFamily="49" charset="0"/>
+              </a:rPr>
+              <a:t>Data_No_OverTime</a:t>
+            </a:r>
+            <a:r>
+              <a:rPr lang="en-US" altLang="ja-JP" sz="1600" dirty="0">
+                <a:solidFill>
+                  <a:prstClr val="black"/>
+                </a:solidFill>
+                <a:latin typeface="FiraCode Nerd Font Mono" panose="02000009000000000000" pitchFamily="49" charset="0"/>
+                <a:ea typeface="FiraCode Nerd Font Mono" panose="02000009000000000000" pitchFamily="49" charset="0"/>
+                <a:cs typeface="FiraCode Nerd Font Mono" panose="02000009000000000000" pitchFamily="49" charset="0"/>
+              </a:rPr>
+              <a:t>=896.536</a:t>
+            </a:r>
+            <a:r>
+              <a:rPr lang="ja-JP" altLang="en-US" sz="1400" dirty="0">
+                <a:solidFill>
+                  <a:prstClr val="black"/>
+                </a:solidFill>
+                <a:latin typeface="游ゴシック Medium" panose="020B0500000000000000" pitchFamily="50" charset="-128"/>
+                <a:ea typeface="游ゴシック Medium" panose="020B0500000000000000" pitchFamily="50" charset="-128"/>
+                <a:cs typeface="FiraCode Nerd Font Mono" panose="02000009000000000000" pitchFamily="49" charset="0"/>
+              </a:rPr>
+              <a:t>　</a:t>
+            </a:r>
+            <a:endParaRPr lang="en-US" altLang="ja-JP" sz="1400" dirty="0">
+              <a:solidFill>
+                <a:prstClr val="black"/>
+              </a:solidFill>
+              <a:latin typeface="游ゴシック Medium" panose="020B0500000000000000" pitchFamily="50" charset="-128"/>
+              <a:ea typeface="游ゴシック Medium" panose="020B0500000000000000" pitchFamily="50" charset="-128"/>
+              <a:cs typeface="FiraCode Nerd Font Mono" panose="02000009000000000000" pitchFamily="49" charset="0"/>
+            </a:endParaRPr>
+          </a:p>
+          <a:p>
+            <a:pPr marL="0" marR="0" lvl="0" indent="0" algn="l" defTabSz="914400" rtl="0" eaLnBrk="0" fontAlgn="auto" latinLnBrk="0" hangingPunct="0">
+              <a:lnSpc>
+                <a:spcPct val="100000"/>
+              </a:lnSpc>
+              <a:spcBef>
+                <a:spcPts val="0"/>
+              </a:spcBef>
+              <a:spcAft>
+                <a:spcPts val="0"/>
+              </a:spcAft>
+              <a:buClrTx/>
+              <a:buSzTx/>
+              <a:buFont typeface="Arial" panose="020B0604020202020204" pitchFamily="34" charset="0"/>
+              <a:buNone/>
+              <a:tabLst/>
+              <a:defRPr/>
+            </a:pPr>
+            <a:endParaRPr lang="en-US" altLang="ja-JP" sz="1400" dirty="0">
+              <a:solidFill>
+                <a:prstClr val="black"/>
+              </a:solidFill>
+              <a:latin typeface="游ゴシック Medium" panose="020B0500000000000000" pitchFamily="50" charset="-128"/>
+              <a:ea typeface="游ゴシック Medium" panose="020B0500000000000000" pitchFamily="50" charset="-128"/>
+              <a:cs typeface="FiraCode Nerd Font Mono" panose="02000009000000000000" pitchFamily="49" charset="0"/>
+            </a:endParaRPr>
+          </a:p>
+          <a:p>
+            <a:pPr marL="0" marR="0" lvl="0" indent="0" algn="l" defTabSz="914400" rtl="0" eaLnBrk="0" fontAlgn="auto" latinLnBrk="0" hangingPunct="0">
+              <a:lnSpc>
+                <a:spcPct val="100000"/>
+              </a:lnSpc>
+              <a:spcBef>
+                <a:spcPts val="0"/>
+              </a:spcBef>
+              <a:spcAft>
+                <a:spcPts val="0"/>
+              </a:spcAft>
+              <a:buClrTx/>
+              <a:buSzTx/>
+              <a:buFont typeface="Arial" panose="020B0604020202020204" pitchFamily="34" charset="0"/>
+              <a:buNone/>
+              <a:tabLst/>
+              <a:defRPr/>
+            </a:pPr>
+            <a:r>
+              <a:rPr lang="ja-JP" altLang="en-US" sz="1600" dirty="0">
+                <a:solidFill>
+                  <a:prstClr val="black"/>
+                </a:solidFill>
+                <a:latin typeface="游ゴシック Medium" panose="020B0500000000000000" pitchFamily="50" charset="-128"/>
+                <a:ea typeface="游ゴシック Medium" panose="020B0500000000000000" pitchFamily="50" charset="-128"/>
+                <a:cs typeface="FiraCode Nerd Font Mono" panose="02000009000000000000" pitchFamily="49" charset="0"/>
+              </a:rPr>
+              <a:t>　</a:t>
+            </a:r>
+            <a:r>
+              <a:rPr lang="en-US" altLang="ja-JP" sz="1800" dirty="0">
+                <a:solidFill>
+                  <a:prstClr val="black"/>
+                </a:solidFill>
+                <a:latin typeface="游ゴシック Medium" panose="020B0500000000000000" pitchFamily="50" charset="-128"/>
+                <a:ea typeface="游ゴシック Medium" panose="020B0500000000000000" pitchFamily="50" charset="-128"/>
+                <a:cs typeface="FiraCode Nerd Font Mono" panose="02000009000000000000" pitchFamily="49" charset="0"/>
+              </a:rPr>
+              <a:t>=&gt; </a:t>
+            </a:r>
+            <a:r>
+              <a:rPr lang="ja-JP" altLang="en-US" sz="1800" b="1" dirty="0">
+                <a:solidFill>
+                  <a:srgbClr val="03BDBA"/>
+                </a:solidFill>
+                <a:latin typeface="游ゴシック Medium" panose="020B0500000000000000" pitchFamily="50" charset="-128"/>
+                <a:ea typeface="游ゴシック Medium" panose="020B0500000000000000" pitchFamily="50" charset="-128"/>
+                <a:cs typeface="FiraCode Nerd Font Mono" panose="02000009000000000000" pitchFamily="49" charset="0"/>
+              </a:rPr>
+              <a:t>従業員１人当たり</a:t>
+            </a:r>
+            <a:r>
+              <a:rPr lang="ja-JP" altLang="en-US" sz="1800" dirty="0">
+                <a:solidFill>
+                  <a:srgbClr val="03BDBA"/>
+                </a:solidFill>
+                <a:latin typeface="游ゴシック Medium" panose="020B0500000000000000" pitchFamily="50" charset="-128"/>
+                <a:ea typeface="游ゴシック Medium" panose="020B0500000000000000" pitchFamily="50" charset="-128"/>
+                <a:cs typeface="FiraCode Nerd Font Mono" panose="02000009000000000000" pitchFamily="49" charset="0"/>
+              </a:rPr>
+              <a:t> </a:t>
+            </a:r>
+            <a:r>
+              <a:rPr lang="en-US" altLang="ja-JP" sz="2000" dirty="0">
+                <a:solidFill>
+                  <a:srgbClr val="00B0F0"/>
+                </a:solidFill>
+                <a:latin typeface="FiraCode Nerd Font Mono" panose="02000009000000000000" pitchFamily="49" charset="0"/>
+                <a:ea typeface="FiraCode Nerd Font Mono" panose="02000009000000000000" pitchFamily="49" charset="0"/>
+                <a:cs typeface="FiraCode Nerd Font Mono" panose="02000009000000000000" pitchFamily="49" charset="0"/>
+              </a:rPr>
+              <a:t>1.10</a:t>
+            </a:r>
+            <a:r>
+              <a:rPr lang="ja-JP" altLang="en-US" sz="2000" dirty="0">
+                <a:solidFill>
+                  <a:srgbClr val="00B0F0"/>
+                </a:solidFill>
+                <a:latin typeface="游ゴシック Medium" panose="020B0500000000000000" pitchFamily="50" charset="-128"/>
+                <a:ea typeface="游ゴシック Medium" panose="020B0500000000000000" pitchFamily="50" charset="-128"/>
+                <a:cs typeface="FiraCode Nerd Font Mono" panose="02000009000000000000" pitchFamily="49" charset="0"/>
+              </a:rPr>
+              <a:t>倍</a:t>
+            </a:r>
+            <a:r>
+              <a:rPr lang="ja-JP" altLang="en-US" sz="1800" dirty="0">
+                <a:solidFill>
+                  <a:prstClr val="black"/>
+                </a:solidFill>
+                <a:latin typeface="游ゴシック Medium" panose="020B0500000000000000" pitchFamily="50" charset="-128"/>
+                <a:ea typeface="游ゴシック Medium" panose="020B0500000000000000" pitchFamily="50" charset="-128"/>
+                <a:cs typeface="FiraCode Nerd Font Mono" panose="02000009000000000000" pitchFamily="49" charset="0"/>
+              </a:rPr>
+              <a:t> の成果が見込めるという結果となった。</a:t>
+            </a:r>
+            <a:endParaRPr lang="en-US" altLang="ja-JP" sz="1600" dirty="0">
               <a:solidFill>
                 <a:prstClr val="black"/>
               </a:solidFill>
@@ -10153,7 +12039,7 @@
         </p:nvSpPr>
         <p:spPr>
           <a:xfrm>
-            <a:off x="4372780" y="2630220"/>
+            <a:off x="4532324" y="2532851"/>
             <a:ext cx="515074" cy="369332"/>
           </a:xfrm>
           <a:prstGeom prst="rect">
@@ -10176,8 +12062,8 @@
           </a:p>
         </p:txBody>
       </p:sp>
-      <mc:AlternateContent xmlns:mc="http://schemas.openxmlformats.org/markup-compatibility/2006">
-        <mc:Choice xmlns:a14="http://schemas.microsoft.com/office/drawing/2010/main" Requires="a14">
+      <mc:AlternateContent xmlns:mc="http://schemas.openxmlformats.org/markup-compatibility/2006" xmlns:a14="http://schemas.microsoft.com/office/drawing/2010/main">
+        <mc:Choice Requires="a14">
           <p:sp>
             <p:nvSpPr>
               <p:cNvPr id="7" name="テキスト ボックス 6">
@@ -10192,7 +12078,7 @@
             </p:nvSpPr>
             <p:spPr>
               <a:xfrm>
-                <a:off x="6259334" y="2692692"/>
+                <a:off x="6418878" y="2579173"/>
                 <a:ext cx="515074" cy="376129"/>
               </a:xfrm>
               <a:prstGeom prst="rect">
@@ -10206,6 +12092,7 @@
               </a:bodyPr>
               <a:lstStyle/>
               <a:p>
+                <a:pPr/>
                 <a14:m>
                   <m:oMathPara xmlns:m="http://schemas.openxmlformats.org/officeDocument/2006/math">
                     <m:oMathParaPr>
@@ -10216,7 +12103,7 @@
                         <m:sSubPr>
                           <m:ctrlPr>
                             <a:rPr kumimoji="1" lang="en-US" altLang="ja-JP" i="1" smtClean="0">
-                              <a:latin typeface="Latin Modern Math" panose="02000503000000000000" pitchFamily="50" charset="0"/>
+                              <a:latin typeface="Cambria Math" panose="02040503050406030204" pitchFamily="18" charset="0"/>
                               <a:ea typeface="Latin Modern Math" panose="02000503000000000000" pitchFamily="50" charset="0"/>
                             </a:rPr>
                           </m:ctrlPr>
@@ -10250,7 +12137,7 @@
             </p:txBody>
           </p:sp>
         </mc:Choice>
-        <mc:Fallback>
+        <mc:Fallback xmlns="">
           <p:sp>
             <p:nvSpPr>
               <p:cNvPr id="7" name="テキスト ボックス 6">
@@ -10267,7 +12154,7 @@
             </p:nvSpPr>
             <p:spPr>
               <a:xfrm>
-                <a:off x="6259334" y="2692692"/>
+                <a:off x="6418878" y="2579173"/>
                 <a:ext cx="515074" cy="376129"/>
               </a:xfrm>
               <a:prstGeom prst="rect">
@@ -10295,8 +12182,8 @@
           </p:sp>
         </mc:Fallback>
       </mc:AlternateContent>
-      <mc:AlternateContent xmlns:mc="http://schemas.openxmlformats.org/markup-compatibility/2006">
-        <mc:Choice xmlns:a14="http://schemas.microsoft.com/office/drawing/2010/main" Requires="a14">
+      <mc:AlternateContent xmlns:mc="http://schemas.openxmlformats.org/markup-compatibility/2006" xmlns:a14="http://schemas.microsoft.com/office/drawing/2010/main">
+        <mc:Choice Requires="a14">
           <p:sp>
             <p:nvSpPr>
               <p:cNvPr id="8" name="テキスト ボックス 7">
@@ -10311,7 +12198,7 @@
             </p:nvSpPr>
             <p:spPr>
               <a:xfrm>
-                <a:off x="4313059" y="2814886"/>
+                <a:off x="4472603" y="2717517"/>
                 <a:ext cx="515074" cy="261610"/>
               </a:xfrm>
               <a:prstGeom prst="rect">
@@ -10325,6 +12212,7 @@
               </a:bodyPr>
               <a:lstStyle/>
               <a:p>
+                <a:pPr/>
                 <a14:m>
                   <m:oMathPara xmlns:m="http://schemas.openxmlformats.org/officeDocument/2006/math">
                     <m:oMathParaPr>
@@ -10335,7 +12223,7 @@
                         <m:sSubPr>
                           <m:ctrlPr>
                             <a:rPr kumimoji="1" lang="en-US" altLang="ja-JP" sz="1100" i="1" smtClean="0">
-                              <a:latin typeface="Latin Modern Math" panose="02000503000000000000" pitchFamily="50" charset="0"/>
+                              <a:latin typeface="Cambria Math" panose="02040503050406030204" pitchFamily="18" charset="0"/>
                               <a:ea typeface="Latin Modern Math" panose="02000503000000000000" pitchFamily="50" charset="0"/>
                             </a:rPr>
                           </m:ctrlPr>
@@ -10369,7 +12257,7 @@
             </p:txBody>
           </p:sp>
         </mc:Choice>
-        <mc:Fallback>
+        <mc:Fallback xmlns="">
           <p:sp>
             <p:nvSpPr>
               <p:cNvPr id="8" name="テキスト ボックス 7">
@@ -10386,7 +12274,7 @@
             </p:nvSpPr>
             <p:spPr>
               <a:xfrm>
-                <a:off x="4313059" y="2814886"/>
+                <a:off x="4472603" y="2717517"/>
                 <a:ext cx="515074" cy="261610"/>
               </a:xfrm>
               <a:prstGeom prst="rect">
@@ -10414,8 +12302,8 @@
           </p:sp>
         </mc:Fallback>
       </mc:AlternateContent>
-      <mc:AlternateContent xmlns:mc="http://schemas.openxmlformats.org/markup-compatibility/2006">
-        <mc:Choice xmlns:a14="http://schemas.microsoft.com/office/drawing/2010/main" Requires="a14">
+      <mc:AlternateContent xmlns:mc="http://schemas.openxmlformats.org/markup-compatibility/2006" xmlns:a14="http://schemas.microsoft.com/office/drawing/2010/main">
+        <mc:Choice Requires="a14">
           <p:sp>
             <p:nvSpPr>
               <p:cNvPr id="9" name="テキスト ボックス 8">
@@ -10430,7 +12318,7 @@
             </p:nvSpPr>
             <p:spPr>
               <a:xfrm>
-                <a:off x="3779124" y="2476332"/>
+                <a:off x="3938668" y="2362813"/>
                 <a:ext cx="515074" cy="523220"/>
               </a:xfrm>
               <a:prstGeom prst="rect">
@@ -10444,6 +12332,7 @@
               </a:bodyPr>
               <a:lstStyle/>
               <a:p>
+                <a:pPr/>
                 <a14:m>
                   <m:oMathPara xmlns:m="http://schemas.openxmlformats.org/officeDocument/2006/math">
                     <m:oMathParaPr>
@@ -10454,7 +12343,7 @@
                         <m:sSubPr>
                           <m:ctrlPr>
                             <a:rPr kumimoji="1" lang="en-US" altLang="ja-JP" sz="2800" i="1" smtClean="0">
-                              <a:latin typeface="Latin Modern Math" panose="02000503000000000000" pitchFamily="50" charset="0"/>
+                              <a:latin typeface="Cambria Math" panose="02040503050406030204" pitchFamily="18" charset="0"/>
                               <a:ea typeface="Latin Modern Math" panose="02000503000000000000" pitchFamily="50" charset="0"/>
                             </a:rPr>
                           </m:ctrlPr>
@@ -10488,7 +12377,7 @@
             </p:txBody>
           </p:sp>
         </mc:Choice>
-        <mc:Fallback>
+        <mc:Fallback xmlns="">
           <p:sp>
             <p:nvSpPr>
               <p:cNvPr id="9" name="テキスト ボックス 8">
@@ -10505,7 +12394,7 @@
             </p:nvSpPr>
             <p:spPr>
               <a:xfrm>
-                <a:off x="3779124" y="2476332"/>
+                <a:off x="3938668" y="2362813"/>
                 <a:ext cx="515074" cy="523220"/>
               </a:xfrm>
               <a:prstGeom prst="rect">
@@ -10533,8 +12422,8 @@
           </p:sp>
         </mc:Fallback>
       </mc:AlternateContent>
-      <mc:AlternateContent xmlns:mc="http://schemas.openxmlformats.org/markup-compatibility/2006">
-        <mc:Choice xmlns:a14="http://schemas.microsoft.com/office/drawing/2010/main" Requires="a14">
+      <mc:AlternateContent xmlns:mc="http://schemas.openxmlformats.org/markup-compatibility/2006" xmlns:a14="http://schemas.microsoft.com/office/drawing/2010/main">
+        <mc:Choice Requires="a14">
           <p:sp>
             <p:nvSpPr>
               <p:cNvPr id="11" name="テキスト ボックス 10">
@@ -10549,7 +12438,7 @@
             </p:nvSpPr>
             <p:spPr>
               <a:xfrm>
-                <a:off x="2835847" y="2655728"/>
+                <a:off x="2995391" y="2542209"/>
                 <a:ext cx="515074" cy="376129"/>
               </a:xfrm>
               <a:prstGeom prst="rect">
@@ -10563,6 +12452,7 @@
               </a:bodyPr>
               <a:lstStyle/>
               <a:p>
+                <a:pPr/>
                 <a14:m>
                   <m:oMathPara xmlns:m="http://schemas.openxmlformats.org/officeDocument/2006/math">
                     <m:oMathParaPr>
@@ -10573,7 +12463,7 @@
                         <m:sSubPr>
                           <m:ctrlPr>
                             <a:rPr kumimoji="1" lang="en-US" altLang="ja-JP" i="1" smtClean="0">
-                              <a:latin typeface="Latin Modern Math" panose="02000503000000000000" pitchFamily="50" charset="0"/>
+                              <a:latin typeface="Cambria Math" panose="02040503050406030204" pitchFamily="18" charset="0"/>
                               <a:ea typeface="Latin Modern Math" panose="02000503000000000000" pitchFamily="50" charset="0"/>
                             </a:rPr>
                           </m:ctrlPr>
@@ -10607,7 +12497,7 @@
             </p:txBody>
           </p:sp>
         </mc:Choice>
-        <mc:Fallback>
+        <mc:Fallback xmlns="">
           <p:sp>
             <p:nvSpPr>
               <p:cNvPr id="11" name="テキスト ボックス 10">
@@ -10624,7 +12514,7 @@
             </p:nvSpPr>
             <p:spPr>
               <a:xfrm>
-                <a:off x="2835847" y="2655728"/>
+                <a:off x="2995391" y="2542209"/>
                 <a:ext cx="515074" cy="376129"/>
               </a:xfrm>
               <a:prstGeom prst="rect">
@@ -10652,8 +12542,8 @@
           </p:sp>
         </mc:Fallback>
       </mc:AlternateContent>
-      <mc:AlternateContent xmlns:mc="http://schemas.openxmlformats.org/markup-compatibility/2006">
-        <mc:Choice xmlns:a14="http://schemas.microsoft.com/office/drawing/2010/main" Requires="a14">
+      <mc:AlternateContent xmlns:mc="http://schemas.openxmlformats.org/markup-compatibility/2006" xmlns:a14="http://schemas.microsoft.com/office/drawing/2010/main">
+        <mc:Choice Requires="a14">
           <p:sp>
             <p:nvSpPr>
               <p:cNvPr id="13" name="テキスト ボックス 12">
@@ -10668,7 +12558,7 @@
             </p:nvSpPr>
             <p:spPr>
               <a:xfrm>
-                <a:off x="6533539" y="2476332"/>
+                <a:off x="6693083" y="2362813"/>
                 <a:ext cx="515074" cy="523220"/>
               </a:xfrm>
               <a:prstGeom prst="rect">
@@ -10682,6 +12572,7 @@
               </a:bodyPr>
               <a:lstStyle/>
               <a:p>
+                <a:pPr/>
                 <a14:m>
                   <m:oMathPara xmlns:m="http://schemas.openxmlformats.org/officeDocument/2006/math">
                     <m:oMathParaPr>
@@ -10692,7 +12583,7 @@
                         <m:sSubPr>
                           <m:ctrlPr>
                             <a:rPr kumimoji="1" lang="en-US" altLang="ja-JP" sz="2800" i="1" smtClean="0">
-                              <a:latin typeface="Latin Modern Math" panose="02000503000000000000" pitchFamily="50" charset="0"/>
+                              <a:latin typeface="Cambria Math" panose="02040503050406030204" pitchFamily="18" charset="0"/>
                               <a:ea typeface="Latin Modern Math" panose="02000503000000000000" pitchFamily="50" charset="0"/>
                             </a:rPr>
                           </m:ctrlPr>
@@ -10726,7 +12617,7 @@
             </p:txBody>
           </p:sp>
         </mc:Choice>
-        <mc:Fallback>
+        <mc:Fallback xmlns="">
           <p:sp>
             <p:nvSpPr>
               <p:cNvPr id="13" name="テキスト ボックス 12">
@@ -10743,7 +12634,7 @@
             </p:nvSpPr>
             <p:spPr>
               <a:xfrm>
-                <a:off x="6533539" y="2476332"/>
+                <a:off x="6693083" y="2362813"/>
                 <a:ext cx="515074" cy="523220"/>
               </a:xfrm>
               <a:prstGeom prst="rect">
@@ -10785,7 +12676,7 @@
         </p:nvSpPr>
         <p:spPr>
           <a:xfrm>
-            <a:off x="3323771" y="3447738"/>
+            <a:off x="3323771" y="3353481"/>
             <a:ext cx="515074" cy="369332"/>
           </a:xfrm>
           <a:prstGeom prst="rect">
@@ -10808,8 +12699,8 @@
           </a:p>
         </p:txBody>
       </p:sp>
-      <mc:AlternateContent xmlns:mc="http://schemas.openxmlformats.org/markup-compatibility/2006">
-        <mc:Choice xmlns:a14="http://schemas.microsoft.com/office/drawing/2010/main" Requires="a14">
+      <mc:AlternateContent xmlns:mc="http://schemas.openxmlformats.org/markup-compatibility/2006" xmlns:a14="http://schemas.microsoft.com/office/drawing/2010/main">
+        <mc:Choice Requires="a14">
           <p:sp>
             <p:nvSpPr>
               <p:cNvPr id="15" name="テキスト ボックス 14">
@@ -10824,7 +12715,7 @@
             </p:nvSpPr>
             <p:spPr>
               <a:xfrm>
-                <a:off x="5210325" y="3493963"/>
+                <a:off x="5210325" y="3380444"/>
                 <a:ext cx="515074" cy="376129"/>
               </a:xfrm>
               <a:prstGeom prst="rect">
@@ -10838,6 +12729,7 @@
               </a:bodyPr>
               <a:lstStyle/>
               <a:p>
+                <a:pPr/>
                 <a14:m>
                   <m:oMathPara xmlns:m="http://schemas.openxmlformats.org/officeDocument/2006/math">
                     <m:oMathParaPr>
@@ -10848,7 +12740,7 @@
                         <m:sSubPr>
                           <m:ctrlPr>
                             <a:rPr kumimoji="1" lang="en-US" altLang="ja-JP" i="1" smtClean="0">
-                              <a:latin typeface="Latin Modern Math" panose="02000503000000000000" pitchFamily="50" charset="0"/>
+                              <a:latin typeface="Cambria Math" panose="02040503050406030204" pitchFamily="18" charset="0"/>
                               <a:ea typeface="Latin Modern Math" panose="02000503000000000000" pitchFamily="50" charset="0"/>
                             </a:rPr>
                           </m:ctrlPr>
@@ -10882,7 +12774,7 @@
             </p:txBody>
           </p:sp>
         </mc:Choice>
-        <mc:Fallback>
+        <mc:Fallback xmlns="">
           <p:sp>
             <p:nvSpPr>
               <p:cNvPr id="15" name="テキスト ボックス 14">
@@ -10899,7 +12791,7 @@
             </p:nvSpPr>
             <p:spPr>
               <a:xfrm>
-                <a:off x="5210325" y="3493963"/>
+                <a:off x="5210325" y="3380444"/>
                 <a:ext cx="515074" cy="376129"/>
               </a:xfrm>
               <a:prstGeom prst="rect">
@@ -10927,8 +12819,8 @@
           </p:sp>
         </mc:Fallback>
       </mc:AlternateContent>
-      <mc:AlternateContent xmlns:mc="http://schemas.openxmlformats.org/markup-compatibility/2006">
-        <mc:Choice xmlns:a14="http://schemas.microsoft.com/office/drawing/2010/main" Requires="a14">
+      <mc:AlternateContent xmlns:mc="http://schemas.openxmlformats.org/markup-compatibility/2006" xmlns:a14="http://schemas.microsoft.com/office/drawing/2010/main">
+        <mc:Choice Requires="a14">
           <p:sp>
             <p:nvSpPr>
               <p:cNvPr id="17" name="テキスト ボックス 16">
@@ -10943,7 +12835,7 @@
             </p:nvSpPr>
             <p:spPr>
               <a:xfrm>
-                <a:off x="3264050" y="3632404"/>
+                <a:off x="3264050" y="3538147"/>
                 <a:ext cx="515074" cy="261610"/>
               </a:xfrm>
               <a:prstGeom prst="rect">
@@ -10957,6 +12849,7 @@
               </a:bodyPr>
               <a:lstStyle/>
               <a:p>
+                <a:pPr/>
                 <a14:m>
                   <m:oMathPara xmlns:m="http://schemas.openxmlformats.org/officeDocument/2006/math">
                     <m:oMathParaPr>
@@ -10967,7 +12860,7 @@
                         <m:sSubPr>
                           <m:ctrlPr>
                             <a:rPr kumimoji="1" lang="en-US" altLang="ja-JP" sz="1100" i="1" smtClean="0">
-                              <a:latin typeface="Latin Modern Math" panose="02000503000000000000" pitchFamily="50" charset="0"/>
+                              <a:latin typeface="Cambria Math" panose="02040503050406030204" pitchFamily="18" charset="0"/>
                               <a:ea typeface="Latin Modern Math" panose="02000503000000000000" pitchFamily="50" charset="0"/>
                             </a:rPr>
                           </m:ctrlPr>
@@ -11001,7 +12894,7 @@
             </p:txBody>
           </p:sp>
         </mc:Choice>
-        <mc:Fallback>
+        <mc:Fallback xmlns="">
           <p:sp>
             <p:nvSpPr>
               <p:cNvPr id="17" name="テキスト ボックス 16">
@@ -11018,7 +12911,7 @@
             </p:nvSpPr>
             <p:spPr>
               <a:xfrm>
-                <a:off x="3264050" y="3632404"/>
+                <a:off x="3264050" y="3538147"/>
                 <a:ext cx="515074" cy="261610"/>
               </a:xfrm>
               <a:prstGeom prst="rect">
@@ -11046,8 +12939,8 @@
           </p:sp>
         </mc:Fallback>
       </mc:AlternateContent>
-      <mc:AlternateContent xmlns:mc="http://schemas.openxmlformats.org/markup-compatibility/2006">
-        <mc:Choice xmlns:a14="http://schemas.microsoft.com/office/drawing/2010/main" Requires="a14">
+      <mc:AlternateContent xmlns:mc="http://schemas.openxmlformats.org/markup-compatibility/2006" xmlns:a14="http://schemas.microsoft.com/office/drawing/2010/main">
+        <mc:Choice Requires="a14">
           <p:sp>
             <p:nvSpPr>
               <p:cNvPr id="20" name="テキスト ボックス 19">
@@ -11062,7 +12955,7 @@
             </p:nvSpPr>
             <p:spPr>
               <a:xfrm>
-                <a:off x="2704832" y="3298494"/>
+                <a:off x="2704832" y="3184975"/>
                 <a:ext cx="515074" cy="523220"/>
               </a:xfrm>
               <a:prstGeom prst="rect">
@@ -11076,6 +12969,7 @@
               </a:bodyPr>
               <a:lstStyle/>
               <a:p>
+                <a:pPr/>
                 <a14:m>
                   <m:oMathPara xmlns:m="http://schemas.openxmlformats.org/officeDocument/2006/math">
                     <m:oMathParaPr>
@@ -11086,7 +12980,7 @@
                         <m:sSubPr>
                           <m:ctrlPr>
                             <a:rPr kumimoji="1" lang="en-US" altLang="ja-JP" sz="2800" i="1" smtClean="0">
-                              <a:latin typeface="Latin Modern Math" panose="02000503000000000000" pitchFamily="50" charset="0"/>
+                              <a:latin typeface="Cambria Math" panose="02040503050406030204" pitchFamily="18" charset="0"/>
                               <a:ea typeface="Latin Modern Math" panose="02000503000000000000" pitchFamily="50" charset="0"/>
                             </a:rPr>
                           </m:ctrlPr>
@@ -11120,7 +13014,7 @@
             </p:txBody>
           </p:sp>
         </mc:Choice>
-        <mc:Fallback>
+        <mc:Fallback xmlns="">
           <p:sp>
             <p:nvSpPr>
               <p:cNvPr id="20" name="テキスト ボックス 19">
@@ -11137,7 +13031,7 @@
             </p:nvSpPr>
             <p:spPr>
               <a:xfrm>
-                <a:off x="2704832" y="3298494"/>
+                <a:off x="2704832" y="3184975"/>
                 <a:ext cx="515074" cy="523220"/>
               </a:xfrm>
               <a:prstGeom prst="rect">
@@ -11165,8 +13059,8 @@
           </p:sp>
         </mc:Fallback>
       </mc:AlternateContent>
-      <mc:AlternateContent xmlns:mc="http://schemas.openxmlformats.org/markup-compatibility/2006">
-        <mc:Choice xmlns:a14="http://schemas.microsoft.com/office/drawing/2010/main" Requires="a14">
+      <mc:AlternateContent xmlns:mc="http://schemas.openxmlformats.org/markup-compatibility/2006" xmlns:a14="http://schemas.microsoft.com/office/drawing/2010/main">
+        <mc:Choice Requires="a14">
           <p:sp>
             <p:nvSpPr>
               <p:cNvPr id="21" name="テキスト ボックス 20">
@@ -11181,7 +13075,7 @@
             </p:nvSpPr>
             <p:spPr>
               <a:xfrm>
-                <a:off x="1786838" y="3486418"/>
+                <a:off x="1786838" y="3372899"/>
                 <a:ext cx="515074" cy="376129"/>
               </a:xfrm>
               <a:prstGeom prst="rect">
@@ -11195,6 +13089,7 @@
               </a:bodyPr>
               <a:lstStyle/>
               <a:p>
+                <a:pPr/>
                 <a14:m>
                   <m:oMathPara xmlns:m="http://schemas.openxmlformats.org/officeDocument/2006/math">
                     <m:oMathParaPr>
@@ -11205,7 +13100,7 @@
                         <m:sSubPr>
                           <m:ctrlPr>
                             <a:rPr kumimoji="1" lang="en-US" altLang="ja-JP" i="1" smtClean="0">
-                              <a:latin typeface="Latin Modern Math" panose="02000503000000000000" pitchFamily="50" charset="0"/>
+                              <a:latin typeface="Cambria Math" panose="02040503050406030204" pitchFamily="18" charset="0"/>
                               <a:ea typeface="Latin Modern Math" panose="02000503000000000000" pitchFamily="50" charset="0"/>
                             </a:rPr>
                           </m:ctrlPr>
@@ -11239,7 +13134,7 @@
             </p:txBody>
           </p:sp>
         </mc:Choice>
-        <mc:Fallback>
+        <mc:Fallback xmlns="">
           <p:sp>
             <p:nvSpPr>
               <p:cNvPr id="21" name="テキスト ボックス 20">
@@ -11256,14 +13151,14 @@
             </p:nvSpPr>
             <p:spPr>
               <a:xfrm>
-                <a:off x="1786838" y="3486418"/>
+                <a:off x="1786838" y="3372899"/>
                 <a:ext cx="515074" cy="376129"/>
               </a:xfrm>
               <a:prstGeom prst="rect">
                 <a:avLst/>
               </a:prstGeom>
               <a:blipFill>
-                <a:blip r:embed="rId11"/>
+                <a:blip r:embed="rId6"/>
                 <a:stretch>
                   <a:fillRect/>
                 </a:stretch>
@@ -11284,8 +13179,8 @@
           </p:sp>
         </mc:Fallback>
       </mc:AlternateContent>
-      <mc:AlternateContent xmlns:mc="http://schemas.openxmlformats.org/markup-compatibility/2006">
-        <mc:Choice xmlns:a14="http://schemas.microsoft.com/office/drawing/2010/main" Requires="a14">
+      <mc:AlternateContent xmlns:mc="http://schemas.openxmlformats.org/markup-compatibility/2006" xmlns:a14="http://schemas.microsoft.com/office/drawing/2010/main">
+        <mc:Choice Requires="a14">
           <p:sp>
             <p:nvSpPr>
               <p:cNvPr id="23" name="テキスト ボックス 22">
@@ -11300,7 +13195,7 @@
             </p:nvSpPr>
             <p:spPr>
               <a:xfrm>
-                <a:off x="5467862" y="3298494"/>
+                <a:off x="5467862" y="3184975"/>
                 <a:ext cx="515074" cy="523220"/>
               </a:xfrm>
               <a:prstGeom prst="rect">
@@ -11314,6 +13209,7 @@
               </a:bodyPr>
               <a:lstStyle/>
               <a:p>
+                <a:pPr/>
                 <a14:m>
                   <m:oMathPara xmlns:m="http://schemas.openxmlformats.org/officeDocument/2006/math">
                     <m:oMathParaPr>
@@ -11324,7 +13220,7 @@
                         <m:sSubPr>
                           <m:ctrlPr>
                             <a:rPr kumimoji="1" lang="en-US" altLang="ja-JP" sz="2800" i="1" smtClean="0">
-                              <a:latin typeface="Latin Modern Math" panose="02000503000000000000" pitchFamily="50" charset="0"/>
+                              <a:latin typeface="Cambria Math" panose="02040503050406030204" pitchFamily="18" charset="0"/>
                               <a:ea typeface="Latin Modern Math" panose="02000503000000000000" pitchFamily="50" charset="0"/>
                             </a:rPr>
                           </m:ctrlPr>
@@ -11358,7 +13254,7 @@
             </p:txBody>
           </p:sp>
         </mc:Choice>
-        <mc:Fallback>
+        <mc:Fallback xmlns="">
           <p:sp>
             <p:nvSpPr>
               <p:cNvPr id="23" name="テキスト ボックス 22">
@@ -11375,14 +13271,14 @@
             </p:nvSpPr>
             <p:spPr>
               <a:xfrm>
-                <a:off x="5467862" y="3298494"/>
+                <a:off x="5467862" y="3184975"/>
                 <a:ext cx="515074" cy="523220"/>
               </a:xfrm>
               <a:prstGeom prst="rect">
                 <a:avLst/>
               </a:prstGeom>
               <a:blipFill>
-                <a:blip r:embed="rId12"/>
+                <a:blip r:embed="rId11"/>
                 <a:stretch>
                   <a:fillRect/>
                 </a:stretch>
@@ -11594,6 +13490,49 @@
           </a:p>
         </p:txBody>
       </p:sp>
+      <p:sp>
+        <p:nvSpPr>
+          <p:cNvPr id="5" name="テキスト ボックス 4">
+            <a:extLst>
+              <a:ext uri="{FF2B5EF4-FFF2-40B4-BE49-F238E27FC236}">
+                <a16:creationId xmlns:a16="http://schemas.microsoft.com/office/drawing/2014/main" id="{952C04A7-F93B-C829-1490-21F2E55DC1B5}"/>
+              </a:ext>
+            </a:extLst>
+          </p:cNvPr>
+          <p:cNvSpPr txBox="1"/>
+          <p:nvPr/>
+        </p:nvSpPr>
+        <p:spPr>
+          <a:xfrm>
+            <a:off x="5711030" y="6473541"/>
+            <a:ext cx="769937" cy="369332"/>
+          </a:xfrm>
+          <a:prstGeom prst="rect">
+            <a:avLst/>
+          </a:prstGeom>
+          <a:noFill/>
+        </p:spPr>
+        <p:txBody>
+          <a:bodyPr wrap="square" rtlCol="0">
+            <a:spAutoFit/>
+          </a:bodyPr>
+          <a:lstStyle/>
+          <a:p>
+            <a:pPr algn="ctr"/>
+            <a:r>
+              <a:rPr kumimoji="1" lang="en-US" altLang="ja-JP" dirty="0">
+                <a:latin typeface="マキナス 4 Flat" panose="02000600000000000000" pitchFamily="50" charset="-128"/>
+                <a:ea typeface="マキナス 4 Flat" panose="02000600000000000000" pitchFamily="50" charset="-128"/>
+              </a:rPr>
+              <a:t>13</a:t>
+            </a:r>
+            <a:endParaRPr kumimoji="1" lang="ja-JP" altLang="en-US" dirty="0">
+              <a:latin typeface="マキナス 4 Flat" panose="02000600000000000000" pitchFamily="50" charset="-128"/>
+              <a:ea typeface="マキナス 4 Flat" panose="02000600000000000000" pitchFamily="50" charset="-128"/>
+            </a:endParaRPr>
+          </a:p>
+        </p:txBody>
+      </p:sp>
     </p:spTree>
     <p:extLst>
       <p:ext uri="{BB962C8B-B14F-4D97-AF65-F5344CB8AC3E}">
@@ -11607,7 +13546,7 @@
 </p:sld>
 </file>
 
-<file path=ppt/slides/slide13.xml><?xml version="1.0" encoding="utf-8"?>
+<file path=ppt/slides/slide14.xml><?xml version="1.0" encoding="utf-8"?>
 <p:sld xmlns:a="http://schemas.openxmlformats.org/drawingml/2006/main" xmlns:r="http://schemas.openxmlformats.org/officeDocument/2006/relationships" xmlns:p="http://schemas.openxmlformats.org/presentationml/2006/main">
   <p:cSld>
     <p:spTree>
@@ -11735,6 +13674,944 @@
                 <a:latin typeface="游ゴシック Medium" panose="020B0500000000000000" pitchFamily="50" charset="-128"/>
                 <a:ea typeface="游ゴシック Medium" panose="020B0500000000000000" pitchFamily="50" charset="-128"/>
               </a:rPr>
+              <a:t>新</a:t>
+            </a:r>
+            <a:r>
+              <a:rPr lang="ja-JP" altLang="en-US" sz="3600" b="1" dirty="0">
+                <a:latin typeface="游ゴシック Medium" panose="020B0500000000000000" pitchFamily="50" charset="-128"/>
+                <a:ea typeface="游ゴシック Medium" panose="020B0500000000000000" pitchFamily="50" charset="-128"/>
+              </a:rPr>
+              <a:t>規事業の</a:t>
+            </a:r>
+            <a:r>
+              <a:rPr lang="ja-JP" altLang="en-US" sz="3600" b="1" dirty="0">
+                <a:solidFill>
+                  <a:srgbClr val="03BDBA"/>
+                </a:solidFill>
+                <a:latin typeface="游ゴシック Medium" panose="020B0500000000000000" pitchFamily="50" charset="-128"/>
+                <a:ea typeface="游ゴシック Medium" panose="020B0500000000000000" pitchFamily="50" charset="-128"/>
+              </a:rPr>
+              <a:t>利</a:t>
+            </a:r>
+            <a:r>
+              <a:rPr lang="ja-JP" altLang="en-US" sz="3600" b="1" dirty="0">
+                <a:latin typeface="游ゴシック Medium" panose="020B0500000000000000" pitchFamily="50" charset="-128"/>
+                <a:ea typeface="游ゴシック Medium" panose="020B0500000000000000" pitchFamily="50" charset="-128"/>
+              </a:rPr>
+              <a:t>得の</a:t>
+            </a:r>
+            <a:r>
+              <a:rPr lang="ja-JP" altLang="en-US" sz="3600" b="1" dirty="0">
+                <a:solidFill>
+                  <a:srgbClr val="03BDBA"/>
+                </a:solidFill>
+                <a:latin typeface="游ゴシック Medium" panose="020B0500000000000000" pitchFamily="50" charset="-128"/>
+                <a:ea typeface="游ゴシック Medium" panose="020B0500000000000000" pitchFamily="50" charset="-128"/>
+              </a:rPr>
+              <a:t>予</a:t>
+            </a:r>
+            <a:r>
+              <a:rPr lang="ja-JP" altLang="en-US" sz="3600" b="1" dirty="0">
+                <a:latin typeface="游ゴシック Medium" panose="020B0500000000000000" pitchFamily="50" charset="-128"/>
+                <a:ea typeface="游ゴシック Medium" panose="020B0500000000000000" pitchFamily="50" charset="-128"/>
+              </a:rPr>
+              <a:t>測</a:t>
+            </a:r>
+          </a:p>
+        </p:txBody>
+      </p:sp>
+      <p:pic>
+        <p:nvPicPr>
+          <p:cNvPr id="27" name="図 26">
+            <a:extLst>
+              <a:ext uri="{FF2B5EF4-FFF2-40B4-BE49-F238E27FC236}">
+                <a16:creationId xmlns:a16="http://schemas.microsoft.com/office/drawing/2014/main" id="{F7EE1A3A-A59E-E5D8-A58A-2ACF1EC489A5}"/>
+              </a:ext>
+            </a:extLst>
+          </p:cNvPr>
+          <p:cNvPicPr>
+            <a:picLocks noChangeAspect="1"/>
+          </p:cNvPicPr>
+          <p:nvPr/>
+        </p:nvPicPr>
+        <p:blipFill>
+          <a:blip r:embed="rId2"/>
+          <a:stretch>
+            <a:fillRect/>
+          </a:stretch>
+        </p:blipFill>
+        <p:spPr>
+          <a:xfrm>
+            <a:off x="437541" y="1105642"/>
+            <a:ext cx="4528160" cy="45719"/>
+          </a:xfrm>
+          <a:prstGeom prst="rect">
+            <a:avLst/>
+          </a:prstGeom>
+        </p:spPr>
+      </p:pic>
+      <p:sp>
+        <p:nvSpPr>
+          <p:cNvPr id="28" name="テキスト ボックス 27">
+            <a:extLst>
+              <a:ext uri="{FF2B5EF4-FFF2-40B4-BE49-F238E27FC236}">
+                <a16:creationId xmlns:a16="http://schemas.microsoft.com/office/drawing/2014/main" id="{5C88CF4C-CB97-A55C-A6F0-9D098B7FC23D}"/>
+              </a:ext>
+            </a:extLst>
+          </p:cNvPr>
+          <p:cNvSpPr txBox="1"/>
+          <p:nvPr/>
+        </p:nvSpPr>
+        <p:spPr>
+          <a:xfrm>
+            <a:off x="6991350" y="6473541"/>
+            <a:ext cx="4929188" cy="307777"/>
+          </a:xfrm>
+          <a:prstGeom prst="rect">
+            <a:avLst/>
+          </a:prstGeom>
+          <a:noFill/>
+        </p:spPr>
+        <p:txBody>
+          <a:bodyPr wrap="square">
+            <a:spAutoFit/>
+          </a:bodyPr>
+          <a:lstStyle/>
+          <a:p>
+            <a:pPr marL="0" marR="0" lvl="0" indent="0" algn="r" defTabSz="914400" rtl="0" eaLnBrk="1" fontAlgn="auto" latinLnBrk="0" hangingPunct="1">
+              <a:lnSpc>
+                <a:spcPct val="100000"/>
+              </a:lnSpc>
+              <a:spcBef>
+                <a:spcPts val="1000"/>
+              </a:spcBef>
+              <a:spcAft>
+                <a:spcPts val="0"/>
+              </a:spcAft>
+              <a:buClrTx/>
+              <a:buSzTx/>
+              <a:buFont typeface="Arial" panose="020B0604020202020204" pitchFamily="34" charset="0"/>
+              <a:buNone/>
+              <a:tabLst/>
+              <a:defRPr/>
+            </a:pPr>
+            <a:r>
+              <a:rPr kumimoji="1" lang="ja-JP" altLang="en-US" sz="1400" b="0" i="0" u="none" strike="noStrike" kern="1200" cap="none" spc="0" normalizeH="0" baseline="0" noProof="0" dirty="0">
+                <a:ln>
+                  <a:noFill/>
+                </a:ln>
+                <a:solidFill>
+                  <a:prstClr val="black"/>
+                </a:solidFill>
+                <a:effectLst/>
+                <a:uLnTx/>
+                <a:uFillTx/>
+                <a:latin typeface="コーポレート・ロゴ ver2 Medium" panose="02000600000000000000" pitchFamily="50" charset="-128"/>
+                <a:ea typeface="コーポレート・ロゴ ver2 Medium" panose="02000600000000000000" pitchFamily="50" charset="-128"/>
+                <a:cs typeface="+mn-cs"/>
+              </a:rPr>
+              <a:t>新規事業の利得の予測</a:t>
+            </a:r>
+            <a:endParaRPr kumimoji="1" lang="en-US" altLang="ja-JP" sz="1400" b="0" i="0" u="none" strike="noStrike" kern="1200" cap="none" spc="0" normalizeH="0" baseline="0" noProof="0" dirty="0">
+              <a:ln>
+                <a:noFill/>
+              </a:ln>
+              <a:solidFill>
+                <a:prstClr val="black"/>
+              </a:solidFill>
+              <a:effectLst/>
+              <a:uLnTx/>
+              <a:uFillTx/>
+              <a:latin typeface="コーポレート・ロゴ ver2 Medium" panose="02000600000000000000" pitchFamily="50" charset="-128"/>
+              <a:ea typeface="コーポレート・ロゴ ver2 Medium" panose="02000600000000000000" pitchFamily="50" charset="-128"/>
+              <a:cs typeface="+mn-cs"/>
+            </a:endParaRPr>
+          </a:p>
+        </p:txBody>
+      </p:sp>
+      <p:sp>
+        <p:nvSpPr>
+          <p:cNvPr id="6" name="テキスト ボックス 5">
+            <a:extLst>
+              <a:ext uri="{FF2B5EF4-FFF2-40B4-BE49-F238E27FC236}">
+                <a16:creationId xmlns:a16="http://schemas.microsoft.com/office/drawing/2014/main" id="{BFC5FA12-DB9F-57F8-D293-8CF1B9FF7111}"/>
+              </a:ext>
+            </a:extLst>
+          </p:cNvPr>
+          <p:cNvSpPr txBox="1"/>
+          <p:nvPr/>
+        </p:nvSpPr>
+        <p:spPr>
+          <a:xfrm>
+            <a:off x="437539" y="1313656"/>
+            <a:ext cx="6096000" cy="400110"/>
+          </a:xfrm>
+          <a:prstGeom prst="rect">
+            <a:avLst/>
+          </a:prstGeom>
+          <a:noFill/>
+        </p:spPr>
+        <p:txBody>
+          <a:bodyPr wrap="square">
+            <a:spAutoFit/>
+          </a:bodyPr>
+          <a:lstStyle/>
+          <a:p>
+            <a:pPr marL="0" marR="0" lvl="0" indent="0" algn="l" defTabSz="914400" rtl="0" eaLnBrk="0" fontAlgn="auto" latinLnBrk="0" hangingPunct="0">
+              <a:lnSpc>
+                <a:spcPct val="100000"/>
+              </a:lnSpc>
+              <a:spcBef>
+                <a:spcPts val="1000"/>
+              </a:spcBef>
+              <a:spcAft>
+                <a:spcPts val="0"/>
+              </a:spcAft>
+              <a:buClrTx/>
+              <a:buSzTx/>
+              <a:buFont typeface="Arial" panose="020B0604020202020204" pitchFamily="34" charset="0"/>
+              <a:buNone/>
+              <a:tabLst/>
+              <a:defRPr/>
+            </a:pPr>
+            <a:r>
+              <a:rPr lang="ja-JP" altLang="en-US" sz="2000" b="1" dirty="0">
+                <a:solidFill>
+                  <a:srgbClr val="03BDBA"/>
+                </a:solidFill>
+                <a:latin typeface="コーポレート・ロゴ ver2 Medium" panose="02000600000000000000" pitchFamily="50" charset="-128"/>
+                <a:ea typeface="コーポレート・ロゴ ver2 Medium" panose="02000600000000000000" pitchFamily="50" charset="-128"/>
+              </a:rPr>
+              <a:t>改</a:t>
+            </a:r>
+            <a:r>
+              <a:rPr lang="ja-JP" altLang="en-US" sz="2000" b="1" dirty="0">
+                <a:latin typeface="コーポレート・ロゴ ver2 Medium" panose="02000600000000000000" pitchFamily="50" charset="-128"/>
+                <a:ea typeface="コーポレート・ロゴ ver2 Medium" panose="02000600000000000000" pitchFamily="50" charset="-128"/>
+              </a:rPr>
+              <a:t>善策の</a:t>
+            </a:r>
+            <a:r>
+              <a:rPr lang="ja-JP" altLang="en-US" sz="2000" b="1" dirty="0">
+                <a:solidFill>
+                  <a:srgbClr val="03BDBA"/>
+                </a:solidFill>
+                <a:latin typeface="コーポレート・ロゴ ver2 Medium" panose="02000600000000000000" pitchFamily="50" charset="-128"/>
+                <a:ea typeface="コーポレート・ロゴ ver2 Medium" panose="02000600000000000000" pitchFamily="50" charset="-128"/>
+              </a:rPr>
+              <a:t>提</a:t>
+            </a:r>
+            <a:r>
+              <a:rPr lang="ja-JP" altLang="en-US" sz="2000" b="1" dirty="0">
+                <a:latin typeface="コーポレート・ロゴ ver2 Medium" panose="02000600000000000000" pitchFamily="50" charset="-128"/>
+                <a:ea typeface="コーポレート・ロゴ ver2 Medium" panose="02000600000000000000" pitchFamily="50" charset="-128"/>
+              </a:rPr>
+              <a:t>案</a:t>
+            </a:r>
+            <a:r>
+              <a:rPr lang="en-US" altLang="ja-JP" sz="2000" b="1" dirty="0">
+                <a:latin typeface="コーポレート・ロゴ ver2 Medium" panose="02000600000000000000" pitchFamily="50" charset="-128"/>
+                <a:ea typeface="コーポレート・ロゴ ver2 Medium" panose="02000600000000000000" pitchFamily="50" charset="-128"/>
+              </a:rPr>
+              <a:t>(</a:t>
+            </a:r>
+            <a:r>
+              <a:rPr lang="ja-JP" altLang="en-US" sz="2000" b="1" dirty="0">
+                <a:latin typeface="コーポレート・ロゴ ver2 Medium" panose="02000600000000000000" pitchFamily="50" charset="-128"/>
+                <a:ea typeface="コーポレート・ロゴ ver2 Medium" panose="02000600000000000000" pitchFamily="50" charset="-128"/>
+              </a:rPr>
+              <a:t>まとめ</a:t>
+            </a:r>
+            <a:r>
+              <a:rPr lang="en-US" altLang="ja-JP" sz="2000" b="1" dirty="0">
+                <a:latin typeface="コーポレート・ロゴ ver2 Medium" panose="02000600000000000000" pitchFamily="50" charset="-128"/>
+                <a:ea typeface="コーポレート・ロゴ ver2 Medium" panose="02000600000000000000" pitchFamily="50" charset="-128"/>
+              </a:rPr>
+              <a:t>)</a:t>
+            </a:r>
+            <a:endParaRPr kumimoji="1" lang="en-US" altLang="ja-JP" sz="2000" b="1" i="0" u="none" strike="noStrike" kern="1200" cap="none" spc="0" normalizeH="0" baseline="0" noProof="0" dirty="0">
+              <a:ln>
+                <a:noFill/>
+              </a:ln>
+              <a:solidFill>
+                <a:prstClr val="black"/>
+              </a:solidFill>
+              <a:effectLst/>
+              <a:uLnTx/>
+              <a:uFillTx/>
+              <a:latin typeface="コーポレート・ロゴ ver2 Medium" panose="02000600000000000000" pitchFamily="50" charset="-128"/>
+              <a:ea typeface="コーポレート・ロゴ ver2 Medium" panose="02000600000000000000" pitchFamily="50" charset="-128"/>
+              <a:cs typeface="+mn-cs"/>
+            </a:endParaRPr>
+          </a:p>
+        </p:txBody>
+      </p:sp>
+      <p:sp>
+        <p:nvSpPr>
+          <p:cNvPr id="16" name="テキスト ボックス 15">
+            <a:extLst>
+              <a:ext uri="{FF2B5EF4-FFF2-40B4-BE49-F238E27FC236}">
+                <a16:creationId xmlns:a16="http://schemas.microsoft.com/office/drawing/2014/main" id="{750E3A97-E2A9-4CCD-6609-5C56488500C3}"/>
+              </a:ext>
+            </a:extLst>
+          </p:cNvPr>
+          <p:cNvSpPr txBox="1"/>
+          <p:nvPr/>
+        </p:nvSpPr>
+        <p:spPr>
+          <a:xfrm>
+            <a:off x="525828" y="1501533"/>
+            <a:ext cx="11394710" cy="1514325"/>
+          </a:xfrm>
+          <a:prstGeom prst="rect">
+            <a:avLst/>
+          </a:prstGeom>
+          <a:noFill/>
+        </p:spPr>
+        <p:txBody>
+          <a:bodyPr wrap="square">
+            <a:spAutoFit/>
+          </a:bodyPr>
+          <a:lstStyle/>
+          <a:p>
+            <a:pPr marL="0" marR="0" lvl="0" indent="0" algn="l" defTabSz="914400" rtl="0" eaLnBrk="0" fontAlgn="auto" latinLnBrk="0" hangingPunct="0">
+              <a:lnSpc>
+                <a:spcPct val="100000"/>
+              </a:lnSpc>
+              <a:spcBef>
+                <a:spcPts val="0"/>
+              </a:spcBef>
+              <a:spcAft>
+                <a:spcPts val="0"/>
+              </a:spcAft>
+              <a:buClrTx/>
+              <a:buSzTx/>
+              <a:buFont typeface="Arial" panose="020B0604020202020204" pitchFamily="34" charset="0"/>
+              <a:buNone/>
+              <a:tabLst/>
+              <a:defRPr/>
+            </a:pPr>
+            <a:endParaRPr kumimoji="1" lang="en-US" altLang="ja-JP" sz="1800" b="0" i="0" u="none" strike="noStrike" kern="1200" cap="none" spc="0" normalizeH="0" baseline="0" noProof="0" dirty="0">
+              <a:ln>
+                <a:noFill/>
+              </a:ln>
+              <a:solidFill>
+                <a:prstClr val="black"/>
+              </a:solidFill>
+              <a:effectLst/>
+              <a:uLnTx/>
+              <a:uFillTx/>
+              <a:latin typeface="游ゴシック Medium" panose="020B0500000000000000" pitchFamily="50" charset="-128"/>
+              <a:ea typeface="游ゴシック Medium" panose="020B0500000000000000" pitchFamily="50" charset="-128"/>
+              <a:cs typeface="FiraCode Nerd Font Mono" panose="02000009000000000000" pitchFamily="49" charset="0"/>
+            </a:endParaRPr>
+          </a:p>
+          <a:p>
+            <a:pPr marL="0" marR="0" lvl="0" indent="0" algn="l" defTabSz="914400" rtl="0" eaLnBrk="0" fontAlgn="auto" latinLnBrk="0" hangingPunct="0">
+              <a:lnSpc>
+                <a:spcPct val="100000"/>
+              </a:lnSpc>
+              <a:spcBef>
+                <a:spcPts val="0"/>
+              </a:spcBef>
+              <a:spcAft>
+                <a:spcPts val="0"/>
+              </a:spcAft>
+              <a:buClrTx/>
+              <a:buSzTx/>
+              <a:buFont typeface="Arial" panose="020B0604020202020204" pitchFamily="34" charset="0"/>
+              <a:buNone/>
+              <a:tabLst/>
+              <a:defRPr/>
+            </a:pPr>
+            <a:r>
+              <a:rPr kumimoji="1" lang="ja-JP" altLang="en-US" b="0" i="0" u="none" strike="noStrike" kern="1200" cap="none" spc="0" normalizeH="0" baseline="0" noProof="0" dirty="0">
+                <a:ln>
+                  <a:noFill/>
+                </a:ln>
+                <a:solidFill>
+                  <a:prstClr val="black"/>
+                </a:solidFill>
+                <a:effectLst/>
+                <a:uLnTx/>
+                <a:uFillTx/>
+                <a:latin typeface="游ゴシック Medium" panose="020B0500000000000000" pitchFamily="50" charset="-128"/>
+                <a:ea typeface="游ゴシック Medium" panose="020B0500000000000000" pitchFamily="50" charset="-128"/>
+                <a:cs typeface="FiraCode Nerd Font Mono" panose="02000009000000000000" pitchFamily="49" charset="0"/>
+              </a:rPr>
+              <a:t>以上の</a:t>
+            </a:r>
+            <a:r>
+              <a:rPr lang="ja-JP" altLang="en-US" dirty="0">
+                <a:solidFill>
+                  <a:prstClr val="black"/>
+                </a:solidFill>
+                <a:latin typeface="游ゴシック Medium" panose="020B0500000000000000" pitchFamily="50" charset="-128"/>
+                <a:ea typeface="游ゴシック Medium" panose="020B0500000000000000" pitchFamily="50" charset="-128"/>
+                <a:cs typeface="FiraCode Nerd Font Mono" panose="02000009000000000000" pitchFamily="49" charset="0"/>
+              </a:rPr>
+              <a:t>検証</a:t>
+            </a:r>
+            <a:r>
+              <a:rPr kumimoji="1" lang="ja-JP" altLang="en-US" b="0" i="0" u="none" strike="noStrike" kern="1200" cap="none" spc="0" normalizeH="0" baseline="0" noProof="0" dirty="0">
+                <a:ln>
+                  <a:noFill/>
+                </a:ln>
+                <a:solidFill>
+                  <a:prstClr val="black"/>
+                </a:solidFill>
+                <a:effectLst/>
+                <a:uLnTx/>
+                <a:uFillTx/>
+                <a:latin typeface="游ゴシック Medium" panose="020B0500000000000000" pitchFamily="50" charset="-128"/>
+                <a:ea typeface="游ゴシック Medium" panose="020B0500000000000000" pitchFamily="50" charset="-128"/>
+                <a:cs typeface="FiraCode Nerd Font Mono" panose="02000009000000000000" pitchFamily="49" charset="0"/>
+              </a:rPr>
+              <a:t>より時間外労働</a:t>
+            </a:r>
+            <a:r>
+              <a:rPr kumimoji="1" lang="en-US" altLang="ja-JP" b="0" i="0" u="none" strike="noStrike" kern="1200" cap="none" spc="0" normalizeH="0" baseline="0" noProof="0" dirty="0">
+                <a:ln>
+                  <a:noFill/>
+                </a:ln>
+                <a:solidFill>
+                  <a:prstClr val="black"/>
+                </a:solidFill>
+                <a:effectLst/>
+                <a:uLnTx/>
+                <a:uFillTx/>
+                <a:latin typeface="游ゴシック Medium" panose="020B0500000000000000" pitchFamily="50" charset="-128"/>
+                <a:ea typeface="游ゴシック Medium" panose="020B0500000000000000" pitchFamily="50" charset="-128"/>
+                <a:cs typeface="FiraCode Nerd Font Mono" panose="02000009000000000000" pitchFamily="49" charset="0"/>
+              </a:rPr>
+              <a:t>(</a:t>
+            </a:r>
+            <a:r>
+              <a:rPr kumimoji="1" lang="en-US" altLang="ja-JP" sz="1600" b="0" i="0" u="none" strike="noStrike" kern="1200" cap="none" spc="0" normalizeH="0" baseline="0" noProof="0" dirty="0">
+                <a:ln>
+                  <a:noFill/>
+                </a:ln>
+                <a:solidFill>
+                  <a:prstClr val="black"/>
+                </a:solidFill>
+                <a:effectLst/>
+                <a:highlight>
+                  <a:srgbClr val="EAEAEA"/>
+                </a:highlight>
+                <a:uLnTx/>
+                <a:uFillTx/>
+                <a:latin typeface="FiraCode Nerd Font Mono" panose="02000009000000000000" pitchFamily="49" charset="0"/>
+                <a:ea typeface="FiraCode Nerd Font Mono" panose="02000009000000000000" pitchFamily="49" charset="0"/>
+                <a:cs typeface="FiraCode Nerd Font Mono" panose="02000009000000000000" pitchFamily="49" charset="0"/>
+              </a:rPr>
+              <a:t>Overtime</a:t>
+            </a:r>
+            <a:r>
+              <a:rPr kumimoji="1" lang="en-US" altLang="ja-JP" sz="1800" b="0" i="0" u="none" strike="noStrike" kern="1200" cap="none" spc="0" normalizeH="0" baseline="0" noProof="0" dirty="0">
+                <a:ln>
+                  <a:noFill/>
+                </a:ln>
+                <a:solidFill>
+                  <a:prstClr val="black"/>
+                </a:solidFill>
+                <a:effectLst/>
+                <a:uLnTx/>
+                <a:uFillTx/>
+                <a:latin typeface="游ゴシック Medium" panose="020B0500000000000000" pitchFamily="50" charset="-128"/>
+                <a:ea typeface="游ゴシック Medium" panose="020B0500000000000000" pitchFamily="50" charset="-128"/>
+                <a:cs typeface="FiraCode Nerd Font Mono" panose="02000009000000000000" pitchFamily="49" charset="0"/>
+              </a:rPr>
+              <a:t>) </a:t>
+            </a:r>
+            <a:r>
+              <a:rPr kumimoji="1" lang="ja-JP" altLang="en-US" b="0" i="0" u="none" strike="noStrike" kern="1200" cap="none" spc="0" normalizeH="0" baseline="0" noProof="0" dirty="0">
+                <a:ln>
+                  <a:noFill/>
+                </a:ln>
+                <a:solidFill>
+                  <a:prstClr val="black"/>
+                </a:solidFill>
+                <a:effectLst/>
+                <a:uLnTx/>
+                <a:uFillTx/>
+                <a:latin typeface="游ゴシック Medium" panose="020B0500000000000000" pitchFamily="50" charset="-128"/>
+                <a:ea typeface="游ゴシック Medium" panose="020B0500000000000000" pitchFamily="50" charset="-128"/>
+                <a:cs typeface="FiraCode Nerd Font Mono" panose="02000009000000000000" pitchFamily="49" charset="0"/>
+              </a:rPr>
+              <a:t>を削減することにより、</a:t>
+            </a:r>
+            <a:r>
+              <a:rPr kumimoji="1" lang="en-US" altLang="ja-JP" sz="2000" b="0" i="0" u="none" strike="noStrike" kern="1200" cap="none" spc="0" normalizeH="0" baseline="0" noProof="0" dirty="0">
+                <a:ln>
+                  <a:noFill/>
+                </a:ln>
+                <a:solidFill>
+                  <a:srgbClr val="FF0000"/>
+                </a:solidFill>
+                <a:effectLst/>
+                <a:uLnTx/>
+                <a:uFillTx/>
+                <a:latin typeface="FiraCode Nerd Font Mono" panose="02000009000000000000" pitchFamily="49" charset="0"/>
+                <a:ea typeface="FiraCode Nerd Font Mono" panose="02000009000000000000" pitchFamily="49" charset="0"/>
+                <a:cs typeface="FiraCode Nerd Font Mono" panose="02000009000000000000" pitchFamily="49" charset="0"/>
+              </a:rPr>
+              <a:t>19.2%</a:t>
+            </a:r>
+            <a:r>
+              <a:rPr kumimoji="1" lang="en-US" altLang="ja-JP" sz="1200" b="0" i="0" u="none" strike="noStrike" kern="1200" cap="none" spc="0" normalizeH="0" baseline="0" noProof="0" dirty="0">
+                <a:ln>
+                  <a:noFill/>
+                </a:ln>
+                <a:solidFill>
+                  <a:srgbClr val="FF0000"/>
+                </a:solidFill>
+                <a:effectLst/>
+                <a:uLnTx/>
+                <a:uFillTx/>
+                <a:latin typeface="FiraCode Nerd Font Mono" panose="02000009000000000000" pitchFamily="49" charset="0"/>
+                <a:ea typeface="FiraCode Nerd Font Mono" panose="02000009000000000000" pitchFamily="49" charset="0"/>
+                <a:cs typeface="FiraCode Nerd Font Mono" panose="02000009000000000000" pitchFamily="49" charset="0"/>
+              </a:rPr>
+              <a:t> </a:t>
+            </a:r>
+            <a:r>
+              <a:rPr kumimoji="1" lang="ja-JP" altLang="en-US" b="0" i="0" u="none" strike="noStrike" kern="1200" cap="none" spc="0" normalizeH="0" baseline="0" noProof="0" dirty="0">
+                <a:ln>
+                  <a:noFill/>
+                </a:ln>
+                <a:solidFill>
+                  <a:prstClr val="black"/>
+                </a:solidFill>
+                <a:effectLst/>
+                <a:uLnTx/>
+                <a:uFillTx/>
+                <a:latin typeface="游ゴシック Medium" panose="020B0500000000000000" pitchFamily="50" charset="-128"/>
+                <a:ea typeface="游ゴシック Medium" panose="020B0500000000000000" pitchFamily="50" charset="-128"/>
+                <a:cs typeface="FiraCode Nerd Font Mono" panose="02000009000000000000" pitchFamily="49" charset="0"/>
+              </a:rPr>
+              <a:t>であった離職率は</a:t>
+            </a:r>
+            <a:r>
+              <a:rPr kumimoji="1" lang="en-US" altLang="ja-JP" b="0" i="0" u="none" strike="noStrike" kern="1200" cap="none" spc="0" normalizeH="0" baseline="0" noProof="0" dirty="0">
+                <a:ln>
+                  <a:noFill/>
+                </a:ln>
+                <a:solidFill>
+                  <a:prstClr val="black"/>
+                </a:solidFill>
+                <a:effectLst/>
+                <a:uLnTx/>
+                <a:uFillTx/>
+                <a:latin typeface="游ゴシック Medium" panose="020B0500000000000000" pitchFamily="50" charset="-128"/>
+                <a:ea typeface="游ゴシック Medium" panose="020B0500000000000000" pitchFamily="50" charset="-128"/>
+                <a:cs typeface="FiraCode Nerd Font Mono" panose="02000009000000000000" pitchFamily="49" charset="0"/>
+              </a:rPr>
+              <a:t> </a:t>
+            </a:r>
+            <a:r>
+              <a:rPr kumimoji="1" lang="en-US" altLang="ja-JP" sz="2000" b="0" i="0" u="none" strike="noStrike" kern="1200" cap="none" spc="0" normalizeH="0" baseline="0" noProof="0" dirty="0">
+                <a:ln>
+                  <a:noFill/>
+                </a:ln>
+                <a:solidFill>
+                  <a:srgbClr val="00B0F0"/>
+                </a:solidFill>
+                <a:effectLst/>
+                <a:uLnTx/>
+                <a:uFillTx/>
+                <a:latin typeface="FiraCode Nerd Font Mono" panose="02000009000000000000" pitchFamily="49" charset="0"/>
+                <a:ea typeface="FiraCode Nerd Font Mono" panose="02000009000000000000" pitchFamily="49" charset="0"/>
+                <a:cs typeface="FiraCode Nerd Font Mono" panose="02000009000000000000" pitchFamily="49" charset="0"/>
+              </a:rPr>
+              <a:t>5.4%</a:t>
+            </a:r>
+            <a:r>
+              <a:rPr kumimoji="1" lang="en-US" altLang="ja-JP" sz="1100" b="0" i="0" u="none" strike="noStrike" kern="1200" cap="none" spc="0" normalizeH="0" baseline="0" noProof="0" dirty="0">
+                <a:ln>
+                  <a:noFill/>
+                </a:ln>
+                <a:solidFill>
+                  <a:srgbClr val="00B0F0"/>
+                </a:solidFill>
+                <a:effectLst/>
+                <a:uLnTx/>
+                <a:uFillTx/>
+                <a:latin typeface="FiraCode Nerd Font Mono" panose="02000009000000000000" pitchFamily="49" charset="0"/>
+                <a:ea typeface="FiraCode Nerd Font Mono" panose="02000009000000000000" pitchFamily="49" charset="0"/>
+                <a:cs typeface="FiraCode Nerd Font Mono" panose="02000009000000000000" pitchFamily="49" charset="0"/>
+              </a:rPr>
+              <a:t> </a:t>
+            </a:r>
+            <a:r>
+              <a:rPr kumimoji="1" lang="ja-JP" altLang="en-US" b="0" i="0" u="none" strike="noStrike" kern="1200" cap="none" spc="0" normalizeH="0" baseline="0" noProof="0" dirty="0">
+                <a:ln>
+                  <a:noFill/>
+                </a:ln>
+                <a:solidFill>
+                  <a:prstClr val="black"/>
+                </a:solidFill>
+                <a:effectLst/>
+                <a:uLnTx/>
+                <a:uFillTx/>
+                <a:latin typeface="游ゴシック Medium" panose="020B0500000000000000" pitchFamily="50" charset="-128"/>
+                <a:ea typeface="游ゴシック Medium" panose="020B0500000000000000" pitchFamily="50" charset="-128"/>
+                <a:cs typeface="FiraCode Nerd Font Mono" panose="02000009000000000000" pitchFamily="49" charset="0"/>
+              </a:rPr>
+              <a:t>まで減少し</a:t>
+            </a:r>
+            <a:endParaRPr kumimoji="1" lang="en-US" altLang="ja-JP" b="0" i="0" u="none" strike="noStrike" kern="1200" cap="none" spc="0" normalizeH="0" baseline="0" noProof="0" dirty="0">
+              <a:ln>
+                <a:noFill/>
+              </a:ln>
+              <a:solidFill>
+                <a:prstClr val="black"/>
+              </a:solidFill>
+              <a:effectLst/>
+              <a:uLnTx/>
+              <a:uFillTx/>
+              <a:latin typeface="游ゴシック Medium" panose="020B0500000000000000" pitchFamily="50" charset="-128"/>
+              <a:ea typeface="游ゴシック Medium" panose="020B0500000000000000" pitchFamily="50" charset="-128"/>
+              <a:cs typeface="FiraCode Nerd Font Mono" panose="02000009000000000000" pitchFamily="49" charset="0"/>
+            </a:endParaRPr>
+          </a:p>
+          <a:p>
+            <a:pPr marL="0" marR="0" lvl="0" indent="0" algn="l" defTabSz="914400" rtl="0" eaLnBrk="0" fontAlgn="auto" latinLnBrk="0" hangingPunct="0">
+              <a:lnSpc>
+                <a:spcPct val="150000"/>
+              </a:lnSpc>
+              <a:spcBef>
+                <a:spcPts val="0"/>
+              </a:spcBef>
+              <a:spcAft>
+                <a:spcPts val="0"/>
+              </a:spcAft>
+              <a:buClrTx/>
+              <a:buSzTx/>
+              <a:buFont typeface="Arial" panose="020B0604020202020204" pitchFamily="34" charset="0"/>
+              <a:buNone/>
+              <a:tabLst/>
+              <a:defRPr/>
+            </a:pPr>
+            <a:r>
+              <a:rPr kumimoji="1" lang="ja-JP" altLang="en-US" b="0" i="0" u="none" strike="noStrike" kern="1200" cap="none" spc="0" normalizeH="0" baseline="0" noProof="0" dirty="0">
+                <a:ln>
+                  <a:noFill/>
+                </a:ln>
+                <a:solidFill>
+                  <a:prstClr val="black"/>
+                </a:solidFill>
+                <a:effectLst/>
+                <a:uLnTx/>
+                <a:uFillTx/>
+                <a:latin typeface="游ゴシック Medium" panose="020B0500000000000000" pitchFamily="50" charset="-128"/>
+                <a:ea typeface="游ゴシック Medium" panose="020B0500000000000000" pitchFamily="50" charset="-128"/>
+                <a:cs typeface="FiraCode Nerd Font Mono" panose="02000009000000000000" pitchFamily="49" charset="0"/>
+              </a:rPr>
+              <a:t>以前より一人当たり </a:t>
+            </a:r>
+            <a:r>
+              <a:rPr kumimoji="1" lang="en-US" altLang="ja-JP" sz="2000" b="0" i="0" u="none" strike="noStrike" kern="1200" cap="none" spc="0" normalizeH="0" baseline="0" noProof="0" dirty="0">
+                <a:ln>
+                  <a:noFill/>
+                </a:ln>
+                <a:solidFill>
+                  <a:srgbClr val="00B0F0"/>
+                </a:solidFill>
+                <a:effectLst/>
+                <a:uLnTx/>
+                <a:uFillTx/>
+                <a:latin typeface="FiraCode Nerd Font Mono" panose="02000009000000000000" pitchFamily="49" charset="0"/>
+                <a:ea typeface="FiraCode Nerd Font Mono" panose="02000009000000000000" pitchFamily="49" charset="0"/>
+                <a:cs typeface="FiraCode Nerd Font Mono" panose="02000009000000000000" pitchFamily="49" charset="0"/>
+              </a:rPr>
+              <a:t>1.10</a:t>
+            </a:r>
+            <a:r>
+              <a:rPr kumimoji="1" lang="ja-JP" altLang="en-US" sz="2000" b="0" i="0" u="none" strike="noStrike" kern="1200" cap="none" spc="0" normalizeH="0" baseline="0" noProof="0" dirty="0">
+                <a:ln>
+                  <a:noFill/>
+                </a:ln>
+                <a:solidFill>
+                  <a:srgbClr val="00B0F0"/>
+                </a:solidFill>
+                <a:effectLst/>
+                <a:uLnTx/>
+                <a:uFillTx/>
+                <a:latin typeface="游ゴシック Medium" panose="020B0500000000000000" pitchFamily="50" charset="-128"/>
+                <a:ea typeface="游ゴシック Medium" panose="020B0500000000000000" pitchFamily="50" charset="-128"/>
+                <a:cs typeface="FiraCode Nerd Font Mono" panose="02000009000000000000" pitchFamily="49" charset="0"/>
+              </a:rPr>
+              <a:t>倍</a:t>
+            </a:r>
+            <a:r>
+              <a:rPr kumimoji="1" lang="ja-JP" altLang="en-US" b="0" i="0" u="none" strike="noStrike" kern="1200" cap="none" spc="0" normalizeH="0" baseline="0" noProof="0" dirty="0">
+                <a:ln>
+                  <a:noFill/>
+                </a:ln>
+                <a:solidFill>
+                  <a:prstClr val="black"/>
+                </a:solidFill>
+                <a:effectLst/>
+                <a:uLnTx/>
+                <a:uFillTx/>
+                <a:latin typeface="游ゴシック Medium" panose="020B0500000000000000" pitchFamily="50" charset="-128"/>
+                <a:ea typeface="游ゴシック Medium" panose="020B0500000000000000" pitchFamily="50" charset="-128"/>
+                <a:cs typeface="FiraCode Nerd Font Mono" panose="02000009000000000000" pitchFamily="49" charset="0"/>
+              </a:rPr>
+              <a:t> の成果が見込めるという結果が予測されたため、</a:t>
+            </a:r>
+            <a:endParaRPr kumimoji="1" lang="en-US" altLang="ja-JP" b="0" i="0" u="none" strike="noStrike" kern="1200" cap="none" spc="0" normalizeH="0" baseline="0" noProof="0" dirty="0">
+              <a:ln>
+                <a:noFill/>
+              </a:ln>
+              <a:solidFill>
+                <a:prstClr val="black"/>
+              </a:solidFill>
+              <a:effectLst/>
+              <a:uLnTx/>
+              <a:uFillTx/>
+              <a:latin typeface="游ゴシック Medium" panose="020B0500000000000000" pitchFamily="50" charset="-128"/>
+              <a:ea typeface="游ゴシック Medium" panose="020B0500000000000000" pitchFamily="50" charset="-128"/>
+              <a:cs typeface="FiraCode Nerd Font Mono" panose="02000009000000000000" pitchFamily="49" charset="0"/>
+            </a:endParaRPr>
+          </a:p>
+          <a:p>
+            <a:pPr marL="0" marR="0" lvl="0" indent="0" algn="l" defTabSz="914400" rtl="0" eaLnBrk="0" fontAlgn="auto" latinLnBrk="0" hangingPunct="0">
+              <a:lnSpc>
+                <a:spcPct val="150000"/>
+              </a:lnSpc>
+              <a:spcBef>
+                <a:spcPts val="0"/>
+              </a:spcBef>
+              <a:spcAft>
+                <a:spcPts val="0"/>
+              </a:spcAft>
+              <a:buClrTx/>
+              <a:buSzTx/>
+              <a:buFont typeface="Arial" panose="020B0604020202020204" pitchFamily="34" charset="0"/>
+              <a:buNone/>
+              <a:tabLst/>
+              <a:defRPr/>
+            </a:pPr>
+            <a:r>
+              <a:rPr kumimoji="1" lang="ja-JP" altLang="en-US" b="0" i="0" u="none" strike="noStrike" kern="1200" cap="none" spc="0" normalizeH="0" baseline="0" noProof="0" dirty="0">
+                <a:ln>
+                  <a:noFill/>
+                </a:ln>
+                <a:solidFill>
+                  <a:prstClr val="black"/>
+                </a:solidFill>
+                <a:effectLst/>
+                <a:uLnTx/>
+                <a:uFillTx/>
+                <a:latin typeface="游ゴシック Medium" panose="020B0500000000000000" pitchFamily="50" charset="-128"/>
+                <a:ea typeface="游ゴシック Medium" panose="020B0500000000000000" pitchFamily="50" charset="-128"/>
+                <a:cs typeface="FiraCode Nerd Font Mono" panose="02000009000000000000" pitchFamily="49" charset="0"/>
+              </a:rPr>
+              <a:t>会社の利益を上げるために時間外労働の削減を</a:t>
+            </a:r>
+            <a:r>
+              <a:rPr lang="ja-JP" altLang="en-US" dirty="0">
+                <a:solidFill>
+                  <a:prstClr val="black"/>
+                </a:solidFill>
+                <a:latin typeface="游ゴシック Medium" panose="020B0500000000000000" pitchFamily="50" charset="-128"/>
+                <a:ea typeface="游ゴシック Medium" panose="020B0500000000000000" pitchFamily="50" charset="-128"/>
+                <a:cs typeface="FiraCode Nerd Font Mono" panose="02000009000000000000" pitchFamily="49" charset="0"/>
+              </a:rPr>
+              <a:t>行うことを提案する。</a:t>
+            </a:r>
+            <a:endParaRPr lang="en-US" altLang="ja-JP" dirty="0">
+              <a:solidFill>
+                <a:prstClr val="black"/>
+              </a:solidFill>
+              <a:latin typeface="游ゴシック Medium" panose="020B0500000000000000" pitchFamily="50" charset="-128"/>
+              <a:ea typeface="游ゴシック Medium" panose="020B0500000000000000" pitchFamily="50" charset="-128"/>
+              <a:cs typeface="FiraCode Nerd Font Mono" panose="02000009000000000000" pitchFamily="49" charset="0"/>
+            </a:endParaRPr>
+          </a:p>
+        </p:txBody>
+      </p:sp>
+      <p:sp>
+        <p:nvSpPr>
+          <p:cNvPr id="18" name="テキスト ボックス 17">
+            <a:extLst>
+              <a:ext uri="{FF2B5EF4-FFF2-40B4-BE49-F238E27FC236}">
+                <a16:creationId xmlns:a16="http://schemas.microsoft.com/office/drawing/2014/main" id="{F3E07FD4-D6AD-48B2-067F-EF6905698693}"/>
+              </a:ext>
+            </a:extLst>
+          </p:cNvPr>
+          <p:cNvSpPr txBox="1"/>
+          <p:nvPr/>
+        </p:nvSpPr>
+        <p:spPr>
+          <a:xfrm>
+            <a:off x="5711030" y="6472286"/>
+            <a:ext cx="769937" cy="369332"/>
+          </a:xfrm>
+          <a:prstGeom prst="rect">
+            <a:avLst/>
+          </a:prstGeom>
+          <a:noFill/>
+        </p:spPr>
+        <p:txBody>
+          <a:bodyPr wrap="square" rtlCol="0">
+            <a:spAutoFit/>
+          </a:bodyPr>
+          <a:lstStyle/>
+          <a:p>
+            <a:pPr algn="ctr"/>
+            <a:r>
+              <a:rPr lang="en-US" altLang="ja-JP" dirty="0">
+                <a:latin typeface="マキナス 4 Flat" panose="02000600000000000000" pitchFamily="50" charset="-128"/>
+                <a:ea typeface="マキナス 4 Flat" panose="02000600000000000000" pitchFamily="50" charset="-128"/>
+              </a:rPr>
+              <a:t>14</a:t>
+            </a:r>
+          </a:p>
+        </p:txBody>
+      </p:sp>
+    </p:spTree>
+    <p:extLst>
+      <p:ext uri="{BB962C8B-B14F-4D97-AF65-F5344CB8AC3E}">
+        <p14:creationId xmlns:p14="http://schemas.microsoft.com/office/powerpoint/2010/main" val="2997060581"/>
+      </p:ext>
+    </p:extLst>
+  </p:cSld>
+  <p:clrMapOvr>
+    <a:masterClrMapping/>
+  </p:clrMapOvr>
+</p:sld>
+</file>
+
+<file path=ppt/slides/slide15.xml><?xml version="1.0" encoding="utf-8"?>
+<p:sld xmlns:a="http://schemas.openxmlformats.org/drawingml/2006/main" xmlns:r="http://schemas.openxmlformats.org/officeDocument/2006/relationships" xmlns:p="http://schemas.openxmlformats.org/presentationml/2006/main">
+  <p:cSld>
+    <p:spTree>
+      <p:nvGrpSpPr>
+        <p:cNvPr id="1" name=""/>
+        <p:cNvGrpSpPr/>
+        <p:nvPr/>
+      </p:nvGrpSpPr>
+      <p:grpSpPr>
+        <a:xfrm>
+          <a:off x="0" y="0"/>
+          <a:ext cx="0" cy="0"/>
+          <a:chOff x="0" y="0"/>
+          <a:chExt cx="0" cy="0"/>
+        </a:xfrm>
+      </p:grpSpPr>
+      <p:pic>
+        <p:nvPicPr>
+          <p:cNvPr id="12" name="図 11">
+            <a:extLst>
+              <a:ext uri="{FF2B5EF4-FFF2-40B4-BE49-F238E27FC236}">
+                <a16:creationId xmlns:a16="http://schemas.microsoft.com/office/drawing/2014/main" id="{F727FCB7-9D0F-D4DA-B50F-57809D283C9E}"/>
+              </a:ext>
+            </a:extLst>
+          </p:cNvPr>
+          <p:cNvPicPr>
+            <a:picLocks noChangeAspect="1"/>
+          </p:cNvPicPr>
+          <p:nvPr/>
+        </p:nvPicPr>
+        <p:blipFill>
+          <a:blip r:embed="rId2"/>
+          <a:stretch>
+            <a:fillRect/>
+          </a:stretch>
+        </p:blipFill>
+        <p:spPr>
+          <a:xfrm flipV="1">
+            <a:off x="349250" y="6380322"/>
+            <a:ext cx="11493501" cy="45719"/>
+          </a:xfrm>
+          <a:prstGeom prst="rect">
+            <a:avLst/>
+          </a:prstGeom>
+        </p:spPr>
+      </p:pic>
+      <p:sp>
+        <p:nvSpPr>
+          <p:cNvPr id="22" name="テキスト ボックス 21">
+            <a:extLst>
+              <a:ext uri="{FF2B5EF4-FFF2-40B4-BE49-F238E27FC236}">
+                <a16:creationId xmlns:a16="http://schemas.microsoft.com/office/drawing/2014/main" id="{3F4986A2-F65C-7428-7ADB-E06083BF5661}"/>
+              </a:ext>
+            </a:extLst>
+          </p:cNvPr>
+          <p:cNvSpPr txBox="1"/>
+          <p:nvPr/>
+        </p:nvSpPr>
+        <p:spPr>
+          <a:xfrm>
+            <a:off x="271460" y="6473542"/>
+            <a:ext cx="11649078" cy="307777"/>
+          </a:xfrm>
+          <a:prstGeom prst="rect">
+            <a:avLst/>
+          </a:prstGeom>
+          <a:noFill/>
+        </p:spPr>
+        <p:txBody>
+          <a:bodyPr wrap="square">
+            <a:spAutoFit/>
+          </a:bodyPr>
+          <a:lstStyle/>
+          <a:p>
+            <a:r>
+              <a:rPr lang="en-US" altLang="ja-JP" sz="1400" dirty="0">
+                <a:latin typeface="コーポレート・ロゴ ver2 Medium" panose="02000600000000000000" pitchFamily="50" charset="-128"/>
+                <a:ea typeface="コーポレート・ロゴ ver2 Medium" panose="02000600000000000000" pitchFamily="50" charset="-128"/>
+              </a:rPr>
+              <a:t>GCI</a:t>
+            </a:r>
+            <a:r>
+              <a:rPr lang="ja-JP" altLang="en-US" sz="1400" dirty="0">
+                <a:latin typeface="コーポレート・ロゴ ver2 Medium" panose="02000600000000000000" pitchFamily="50" charset="-128"/>
+                <a:ea typeface="コーポレート・ロゴ ver2 Medium" panose="02000600000000000000" pitchFamily="50" charset="-128"/>
+              </a:rPr>
+              <a:t> 東京大学グローバル消費インテリジェンス寄付講座</a:t>
+            </a:r>
+          </a:p>
+        </p:txBody>
+      </p:sp>
+      <p:sp>
+        <p:nvSpPr>
+          <p:cNvPr id="26" name="タイトル 1">
+            <a:extLst>
+              <a:ext uri="{FF2B5EF4-FFF2-40B4-BE49-F238E27FC236}">
+                <a16:creationId xmlns:a16="http://schemas.microsoft.com/office/drawing/2014/main" id="{6E266706-FAF5-3BD1-979F-7F42D0B9C8F9}"/>
+              </a:ext>
+            </a:extLst>
+          </p:cNvPr>
+          <p:cNvSpPr>
+            <a:spLocks noGrp="1"/>
+          </p:cNvSpPr>
+          <p:nvPr>
+            <p:ph type="title"/>
+          </p:nvPr>
+        </p:nvSpPr>
+        <p:spPr>
+          <a:xfrm>
+            <a:off x="349250" y="454818"/>
+            <a:ext cx="10401300" cy="858838"/>
+          </a:xfrm>
+        </p:spPr>
+        <p:txBody>
+          <a:bodyPr>
+            <a:normAutofit/>
+          </a:bodyPr>
+          <a:lstStyle/>
+          <a:p>
+            <a:r>
+              <a:rPr lang="ja-JP" altLang="en-US" sz="3600" b="1" dirty="0">
+                <a:solidFill>
+                  <a:srgbClr val="03BDBA"/>
+                </a:solidFill>
+                <a:latin typeface="游ゴシック Medium" panose="020B0500000000000000" pitchFamily="50" charset="-128"/>
+                <a:ea typeface="游ゴシック Medium" panose="020B0500000000000000" pitchFamily="50" charset="-128"/>
+              </a:rPr>
               <a:t>参</a:t>
             </a:r>
             <a:r>
@@ -11852,6 +14729,477 @@
               <a:latin typeface="コーポレート・ロゴ ver2 Medium" panose="02000600000000000000" pitchFamily="50" charset="-128"/>
               <a:ea typeface="コーポレート・ロゴ ver2 Medium" panose="02000600000000000000" pitchFamily="50" charset="-128"/>
               <a:cs typeface="+mn-cs"/>
+            </a:endParaRPr>
+          </a:p>
+        </p:txBody>
+      </p:sp>
+      <p:sp>
+        <p:nvSpPr>
+          <p:cNvPr id="3" name="コンテンツ プレースホルダー 2">
+            <a:extLst>
+              <a:ext uri="{FF2B5EF4-FFF2-40B4-BE49-F238E27FC236}">
+                <a16:creationId xmlns:a16="http://schemas.microsoft.com/office/drawing/2014/main" id="{516BBE10-13E6-2539-6FB3-AE996BFEACA5}"/>
+              </a:ext>
+            </a:extLst>
+          </p:cNvPr>
+          <p:cNvSpPr>
+            <a:spLocks noGrp="1"/>
+          </p:cNvSpPr>
+          <p:nvPr>
+            <p:ph idx="1"/>
+          </p:nvPr>
+        </p:nvSpPr>
+        <p:spPr>
+          <a:xfrm>
+            <a:off x="542923" y="1361157"/>
+            <a:ext cx="11754462" cy="4533452"/>
+          </a:xfrm>
+        </p:spPr>
+        <p:txBody>
+          <a:bodyPr>
+            <a:normAutofit/>
+          </a:bodyPr>
+          <a:lstStyle/>
+          <a:p>
+            <a:pPr marL="0" indent="0" eaLnBrk="0" hangingPunct="0">
+              <a:lnSpc>
+                <a:spcPct val="150000"/>
+              </a:lnSpc>
+              <a:spcBef>
+                <a:spcPts val="0"/>
+              </a:spcBef>
+              <a:buNone/>
+              <a:defRPr/>
+            </a:pPr>
+            <a:r>
+              <a:rPr lang="en-US" altLang="ja-JP" sz="1800" b="1" dirty="0">
+                <a:solidFill>
+                  <a:srgbClr val="03BDBA"/>
+                </a:solidFill>
+                <a:latin typeface="游ゴシック Medium" panose="020B0500000000000000" pitchFamily="50" charset="-128"/>
+                <a:ea typeface="游ゴシック Medium" panose="020B0500000000000000" pitchFamily="50" charset="-128"/>
+                <a:cs typeface="FiraCode Nerd Font Mono" panose="02000009000000000000" pitchFamily="49" charset="0"/>
+              </a:rPr>
+              <a:t>[1]</a:t>
+            </a:r>
+            <a:r>
+              <a:rPr lang="en-US" altLang="ja-JP" sz="1800" b="1" dirty="0">
+                <a:latin typeface="游ゴシック Medium" panose="020B0500000000000000" pitchFamily="50" charset="-128"/>
+                <a:ea typeface="游ゴシック Medium" panose="020B0500000000000000" pitchFamily="50" charset="-128"/>
+                <a:cs typeface="FiraCode Nerd Font Mono" panose="02000009000000000000" pitchFamily="49" charset="0"/>
+              </a:rPr>
+              <a:t> </a:t>
+            </a:r>
+            <a:r>
+              <a:rPr lang="en-US" altLang="ja-JP" sz="1800" b="1" dirty="0" err="1">
+                <a:latin typeface="游ゴシック Medium" panose="020B0500000000000000" pitchFamily="50" charset="-128"/>
+                <a:ea typeface="游ゴシック Medium" panose="020B0500000000000000" pitchFamily="50" charset="-128"/>
+                <a:cs typeface="FiraCode Nerd Font Mono" panose="02000009000000000000" pitchFamily="49" charset="0"/>
+              </a:rPr>
+              <a:t>kaggle</a:t>
+            </a:r>
+            <a:r>
+              <a:rPr lang="en-US" altLang="ja-JP" sz="1800" b="1" dirty="0">
+                <a:latin typeface="游ゴシック Medium" panose="020B0500000000000000" pitchFamily="50" charset="-128"/>
+                <a:ea typeface="游ゴシック Medium" panose="020B0500000000000000" pitchFamily="50" charset="-128"/>
+                <a:cs typeface="FiraCode Nerd Font Mono" panose="02000009000000000000" pitchFamily="49" charset="0"/>
+              </a:rPr>
+              <a:t> : IBM HR Analytics Employee Attrition &amp; Performance</a:t>
+            </a:r>
+            <a:r>
+              <a:rPr lang="ja-JP" altLang="en-US" sz="1800" b="1" dirty="0">
+                <a:latin typeface="游ゴシック Medium" panose="020B0500000000000000" pitchFamily="50" charset="-128"/>
+                <a:ea typeface="游ゴシック Medium" panose="020B0500000000000000" pitchFamily="50" charset="-128"/>
+                <a:cs typeface="FiraCode Nerd Font Mono" panose="02000009000000000000" pitchFamily="49" charset="0"/>
+              </a:rPr>
+              <a:t> </a:t>
+            </a:r>
+            <a:r>
+              <a:rPr lang="en-US" altLang="ja-JP" sz="1800" b="1" dirty="0">
+                <a:latin typeface="游ゴシック Medium" panose="020B0500000000000000" pitchFamily="50" charset="-128"/>
+                <a:ea typeface="游ゴシック Medium" panose="020B0500000000000000" pitchFamily="50" charset="-128"/>
+                <a:cs typeface="FiraCode Nerd Font Mono" panose="02000009000000000000" pitchFamily="49" charset="0"/>
+              </a:rPr>
+              <a:t>(online)</a:t>
+            </a:r>
+          </a:p>
+          <a:p>
+            <a:pPr marL="0" indent="0" eaLnBrk="0" hangingPunct="0">
+              <a:lnSpc>
+                <a:spcPct val="150000"/>
+              </a:lnSpc>
+              <a:spcBef>
+                <a:spcPts val="0"/>
+              </a:spcBef>
+              <a:buNone/>
+              <a:defRPr/>
+            </a:pPr>
+            <a:r>
+              <a:rPr lang="ja-JP" altLang="en-US" sz="1800" b="1" dirty="0">
+                <a:latin typeface="游ゴシック Medium" panose="020B0500000000000000" pitchFamily="50" charset="-128"/>
+                <a:ea typeface="游ゴシック Medium" panose="020B0500000000000000" pitchFamily="50" charset="-128"/>
+                <a:cs typeface="FiraCode Nerd Font Mono" panose="02000009000000000000" pitchFamily="49" charset="0"/>
+              </a:rPr>
+              <a:t>　 </a:t>
+            </a:r>
+            <a:r>
+              <a:rPr lang="en-US" altLang="ja-JP" sz="1800" b="1" dirty="0">
+                <a:latin typeface="游ゴシック Medium" panose="020B0500000000000000" pitchFamily="50" charset="-128"/>
+                <a:ea typeface="游ゴシック Medium" panose="020B0500000000000000" pitchFamily="50" charset="-128"/>
+                <a:cs typeface="FiraCode Nerd Font Mono" panose="02000009000000000000" pitchFamily="49" charset="0"/>
+              </a:rPr>
+              <a:t>〈</a:t>
+            </a:r>
+            <a:r>
+              <a:rPr lang="en-US" altLang="ja-JP" sz="1800" b="1" dirty="0">
+                <a:solidFill>
+                  <a:srgbClr val="03BDBA"/>
+                </a:solidFill>
+                <a:latin typeface="游ゴシック Medium" panose="020B0500000000000000" pitchFamily="50" charset="-128"/>
+                <a:ea typeface="游ゴシック Medium" panose="020B0500000000000000" pitchFamily="50" charset="-128"/>
+                <a:cs typeface="FiraCode Nerd Font Mono" panose="02000009000000000000" pitchFamily="49" charset="0"/>
+              </a:rPr>
+              <a:t>https://www.kaggle.com/datasets/</a:t>
+            </a:r>
+            <a:r>
+              <a:rPr lang="en-US" altLang="ja-JP" sz="1800" b="1" dirty="0" err="1">
+                <a:solidFill>
+                  <a:srgbClr val="03BDBA"/>
+                </a:solidFill>
+                <a:latin typeface="游ゴシック Medium" panose="020B0500000000000000" pitchFamily="50" charset="-128"/>
+                <a:ea typeface="游ゴシック Medium" panose="020B0500000000000000" pitchFamily="50" charset="-128"/>
+                <a:cs typeface="FiraCode Nerd Font Mono" panose="02000009000000000000" pitchFamily="49" charset="0"/>
+              </a:rPr>
+              <a:t>pavansubhasht</a:t>
+            </a:r>
+            <a:r>
+              <a:rPr lang="en-US" altLang="ja-JP" sz="1800" b="1" dirty="0">
+                <a:solidFill>
+                  <a:srgbClr val="03BDBA"/>
+                </a:solidFill>
+                <a:latin typeface="游ゴシック Medium" panose="020B0500000000000000" pitchFamily="50" charset="-128"/>
+                <a:ea typeface="游ゴシック Medium" panose="020B0500000000000000" pitchFamily="50" charset="-128"/>
+                <a:cs typeface="FiraCode Nerd Font Mono" panose="02000009000000000000" pitchFamily="49" charset="0"/>
+              </a:rPr>
+              <a:t>/</a:t>
+            </a:r>
+            <a:r>
+              <a:rPr lang="en-US" altLang="ja-JP" sz="1800" b="1" dirty="0" err="1">
+                <a:solidFill>
+                  <a:srgbClr val="03BDBA"/>
+                </a:solidFill>
+                <a:latin typeface="游ゴシック Medium" panose="020B0500000000000000" pitchFamily="50" charset="-128"/>
+                <a:ea typeface="游ゴシック Medium" panose="020B0500000000000000" pitchFamily="50" charset="-128"/>
+                <a:cs typeface="FiraCode Nerd Font Mono" panose="02000009000000000000" pitchFamily="49" charset="0"/>
+              </a:rPr>
+              <a:t>ibm</a:t>
+            </a:r>
+            <a:r>
+              <a:rPr lang="en-US" altLang="ja-JP" sz="1800" b="1" dirty="0">
+                <a:solidFill>
+                  <a:srgbClr val="03BDBA"/>
+                </a:solidFill>
+                <a:latin typeface="游ゴシック Medium" panose="020B0500000000000000" pitchFamily="50" charset="-128"/>
+                <a:ea typeface="游ゴシック Medium" panose="020B0500000000000000" pitchFamily="50" charset="-128"/>
+                <a:cs typeface="FiraCode Nerd Font Mono" panose="02000009000000000000" pitchFamily="49" charset="0"/>
+              </a:rPr>
+              <a:t>-</a:t>
+            </a:r>
+            <a:r>
+              <a:rPr lang="en-US" altLang="ja-JP" sz="1800" b="1" dirty="0" err="1">
+                <a:solidFill>
+                  <a:srgbClr val="03BDBA"/>
+                </a:solidFill>
+                <a:latin typeface="游ゴシック Medium" panose="020B0500000000000000" pitchFamily="50" charset="-128"/>
+                <a:ea typeface="游ゴシック Medium" panose="020B0500000000000000" pitchFamily="50" charset="-128"/>
+                <a:cs typeface="FiraCode Nerd Font Mono" panose="02000009000000000000" pitchFamily="49" charset="0"/>
+              </a:rPr>
+              <a:t>hr</a:t>
+            </a:r>
+            <a:r>
+              <a:rPr lang="en-US" altLang="ja-JP" sz="1800" b="1" dirty="0">
+                <a:solidFill>
+                  <a:srgbClr val="03BDBA"/>
+                </a:solidFill>
+                <a:latin typeface="游ゴシック Medium" panose="020B0500000000000000" pitchFamily="50" charset="-128"/>
+                <a:ea typeface="游ゴシック Medium" panose="020B0500000000000000" pitchFamily="50" charset="-128"/>
+                <a:cs typeface="FiraCode Nerd Font Mono" panose="02000009000000000000" pitchFamily="49" charset="0"/>
+              </a:rPr>
+              <a:t>-analytics-attrition-dataset</a:t>
+            </a:r>
+            <a:r>
+              <a:rPr lang="en-US" altLang="ja-JP" sz="1800" b="1" dirty="0">
+                <a:latin typeface="游ゴシック Medium" panose="020B0500000000000000" pitchFamily="50" charset="-128"/>
+                <a:ea typeface="游ゴシック Medium" panose="020B0500000000000000" pitchFamily="50" charset="-128"/>
+                <a:cs typeface="FiraCode Nerd Font Mono" panose="02000009000000000000" pitchFamily="49" charset="0"/>
+              </a:rPr>
+              <a:t>〉(2024.1.16)</a:t>
+            </a:r>
+          </a:p>
+          <a:p>
+            <a:pPr marL="0" marR="0" lvl="0" indent="0" algn="l" defTabSz="914400" rtl="0" eaLnBrk="0" fontAlgn="auto" latinLnBrk="0" hangingPunct="0">
+              <a:lnSpc>
+                <a:spcPct val="200000"/>
+              </a:lnSpc>
+              <a:spcBef>
+                <a:spcPts val="0"/>
+              </a:spcBef>
+              <a:spcAft>
+                <a:spcPts val="0"/>
+              </a:spcAft>
+              <a:buClrTx/>
+              <a:buSzTx/>
+              <a:buFont typeface="Arial" panose="020B0604020202020204" pitchFamily="34" charset="0"/>
+              <a:buNone/>
+              <a:tabLst/>
+              <a:defRPr/>
+            </a:pPr>
+            <a:r>
+              <a:rPr kumimoji="1" lang="en-US" altLang="ja-JP" sz="1800" b="1" i="0" u="none" strike="noStrike" kern="1200" cap="none" spc="0" normalizeH="0" baseline="0" noProof="0" dirty="0">
+                <a:ln>
+                  <a:noFill/>
+                </a:ln>
+                <a:solidFill>
+                  <a:srgbClr val="03BDBA"/>
+                </a:solidFill>
+                <a:effectLst/>
+                <a:uLnTx/>
+                <a:uFillTx/>
+                <a:latin typeface="游ゴシック Medium" panose="020B0500000000000000" pitchFamily="50" charset="-128"/>
+                <a:ea typeface="游ゴシック Medium" panose="020B0500000000000000" pitchFamily="50" charset="-128"/>
+                <a:cs typeface="FiraCode Nerd Font Mono" panose="02000009000000000000" pitchFamily="49" charset="0"/>
+              </a:rPr>
+              <a:t>[2] </a:t>
+            </a:r>
+            <a:r>
+              <a:rPr kumimoji="1" lang="ja-JP" altLang="en-US" sz="1800" b="1" i="0" u="none" strike="noStrike" kern="1200" cap="none" spc="0" normalizeH="0" baseline="0" noProof="0" dirty="0">
+                <a:ln>
+                  <a:noFill/>
+                </a:ln>
+                <a:solidFill>
+                  <a:prstClr val="black"/>
+                </a:solidFill>
+                <a:effectLst/>
+                <a:uLnTx/>
+                <a:uFillTx/>
+                <a:latin typeface="游ゴシック Medium" panose="020B0500000000000000" pitchFamily="50" charset="-128"/>
+                <a:ea typeface="游ゴシック Medium" panose="020B0500000000000000" pitchFamily="50" charset="-128"/>
+                <a:cs typeface="FiraCode Nerd Font Mono" panose="02000009000000000000" pitchFamily="49" charset="0"/>
+              </a:rPr>
+              <a:t>厚生労働省 </a:t>
+            </a:r>
+            <a:r>
+              <a:rPr kumimoji="1" lang="en-US" altLang="ja-JP" sz="1800" b="1" i="0" u="none" strike="noStrike" kern="1200" cap="none" spc="0" normalizeH="0" baseline="0" noProof="0" dirty="0">
+                <a:ln>
+                  <a:noFill/>
+                </a:ln>
+                <a:solidFill>
+                  <a:prstClr val="black"/>
+                </a:solidFill>
+                <a:effectLst/>
+                <a:uLnTx/>
+                <a:uFillTx/>
+                <a:latin typeface="游ゴシック Medium" panose="020B0500000000000000" pitchFamily="50" charset="-128"/>
+                <a:ea typeface="游ゴシック Medium" panose="020B0500000000000000" pitchFamily="50" charset="-128"/>
+                <a:cs typeface="FiraCode Nerd Font Mono" panose="02000009000000000000" pitchFamily="49" charset="0"/>
+              </a:rPr>
+              <a:t>: </a:t>
+            </a:r>
+            <a:r>
+              <a:rPr kumimoji="1" lang="ja-JP" altLang="en-US" sz="1800" b="1" i="0" u="none" strike="noStrike" kern="1200" cap="none" spc="0" normalizeH="0" baseline="0" noProof="0" dirty="0">
+                <a:ln>
+                  <a:noFill/>
+                </a:ln>
+                <a:solidFill>
+                  <a:prstClr val="black"/>
+                </a:solidFill>
+                <a:effectLst/>
+                <a:uLnTx/>
+                <a:uFillTx/>
+                <a:latin typeface="游ゴシック Medium" panose="020B0500000000000000" pitchFamily="50" charset="-128"/>
+                <a:ea typeface="游ゴシック Medium" panose="020B0500000000000000" pitchFamily="50" charset="-128"/>
+                <a:cs typeface="FiraCode Nerd Font Mono" panose="02000009000000000000" pitchFamily="49" charset="0"/>
+              </a:rPr>
+              <a:t>雇用動向調査結果の概要 </a:t>
+            </a:r>
+            <a:r>
+              <a:rPr kumimoji="1" lang="en-US" altLang="zh-TW" sz="1800" b="1" i="0" u="none" strike="noStrike" kern="1200" cap="none" spc="0" normalizeH="0" baseline="0" noProof="0" dirty="0">
+                <a:ln>
+                  <a:noFill/>
+                </a:ln>
+                <a:solidFill>
+                  <a:prstClr val="black"/>
+                </a:solidFill>
+                <a:effectLst/>
+                <a:uLnTx/>
+                <a:uFillTx/>
+                <a:latin typeface="游ゴシック Medium" panose="020B0500000000000000" pitchFamily="50" charset="-128"/>
+                <a:ea typeface="游ゴシック Medium" panose="020B0500000000000000" pitchFamily="50" charset="-128"/>
+                <a:cs typeface="FiraCode Nerd Font Mono" panose="02000009000000000000" pitchFamily="49" charset="0"/>
+              </a:rPr>
+              <a:t>(online)</a:t>
+            </a:r>
+            <a:endParaRPr kumimoji="1" lang="zh-TW" altLang="en-US" sz="1800" b="1" i="0" u="none" strike="noStrike" kern="1200" cap="none" spc="0" normalizeH="0" baseline="0" noProof="0" dirty="0">
+              <a:ln>
+                <a:noFill/>
+              </a:ln>
+              <a:solidFill>
+                <a:prstClr val="black"/>
+              </a:solidFill>
+              <a:effectLst/>
+              <a:uLnTx/>
+              <a:uFillTx/>
+              <a:latin typeface="游ゴシック Medium" panose="020B0500000000000000" pitchFamily="50" charset="-128"/>
+              <a:ea typeface="游ゴシック Medium" panose="020B0500000000000000" pitchFamily="50" charset="-128"/>
+              <a:cs typeface="FiraCode Nerd Font Mono" panose="02000009000000000000" pitchFamily="49" charset="0"/>
+            </a:endParaRPr>
+          </a:p>
+          <a:p>
+            <a:pPr marL="0" marR="0" lvl="0" indent="0" algn="l" defTabSz="914400" rtl="0" eaLnBrk="0" fontAlgn="auto" latinLnBrk="0" hangingPunct="0">
+              <a:lnSpc>
+                <a:spcPct val="150000"/>
+              </a:lnSpc>
+              <a:spcBef>
+                <a:spcPts val="0"/>
+              </a:spcBef>
+              <a:spcAft>
+                <a:spcPts val="0"/>
+              </a:spcAft>
+              <a:buClrTx/>
+              <a:buSzTx/>
+              <a:buFont typeface="Arial" panose="020B0604020202020204" pitchFamily="34" charset="0"/>
+              <a:buNone/>
+              <a:tabLst/>
+              <a:defRPr/>
+            </a:pPr>
+            <a:r>
+              <a:rPr lang="ja-JP" altLang="en-US" sz="1800" b="1" dirty="0">
+                <a:solidFill>
+                  <a:prstClr val="black"/>
+                </a:solidFill>
+                <a:latin typeface="游ゴシック Medium" panose="020B0500000000000000" pitchFamily="50" charset="-128"/>
+                <a:ea typeface="游ゴシック Medium" panose="020B0500000000000000" pitchFamily="50" charset="-128"/>
+                <a:cs typeface="FiraCode Nerd Font Mono" panose="02000009000000000000" pitchFamily="49" charset="0"/>
+              </a:rPr>
+              <a:t>　</a:t>
+            </a:r>
+            <a:r>
+              <a:rPr kumimoji="1" lang="en-US" altLang="ja-JP" sz="1800" b="1" i="0" u="none" strike="noStrike" kern="1200" cap="none" spc="0" normalizeH="0" baseline="0" noProof="0" dirty="0">
+                <a:ln>
+                  <a:noFill/>
+                </a:ln>
+                <a:solidFill>
+                  <a:prstClr val="black"/>
+                </a:solidFill>
+                <a:effectLst/>
+                <a:uLnTx/>
+                <a:uFillTx/>
+                <a:latin typeface="游ゴシック Medium" panose="020B0500000000000000" pitchFamily="50" charset="-128"/>
+                <a:ea typeface="游ゴシック Medium" panose="020B0500000000000000" pitchFamily="50" charset="-128"/>
+                <a:cs typeface="FiraCode Nerd Font Mono" panose="02000009000000000000" pitchFamily="49" charset="0"/>
+              </a:rPr>
+              <a:t> 〈</a:t>
+            </a:r>
+            <a:r>
+              <a:rPr kumimoji="1" lang="en-US" altLang="zh-TW" sz="1800" b="1" i="0" u="none" strike="noStrike" kern="1200" cap="none" spc="0" normalizeH="0" baseline="0" noProof="0" dirty="0">
+                <a:ln>
+                  <a:noFill/>
+                </a:ln>
+                <a:solidFill>
+                  <a:srgbClr val="03BDBA"/>
+                </a:solidFill>
+                <a:effectLst/>
+                <a:uLnTx/>
+                <a:uFillTx/>
+                <a:latin typeface="游ゴシック Medium" panose="020B0500000000000000" pitchFamily="50" charset="-128"/>
+                <a:ea typeface="游ゴシック Medium" panose="020B0500000000000000" pitchFamily="50" charset="-128"/>
+                <a:cs typeface="FiraCode Nerd Font Mono" panose="02000009000000000000" pitchFamily="49" charset="0"/>
+              </a:rPr>
+              <a:t>https://www.mhlw.go.jp/toukei/list/9-23-1c.html</a:t>
+            </a:r>
+            <a:r>
+              <a:rPr kumimoji="1" lang="en-US" altLang="ja-JP" sz="1800" b="1" i="0" strike="noStrike" kern="1200" cap="none" spc="0" normalizeH="0" baseline="0" noProof="0" dirty="0">
+                <a:ln>
+                  <a:noFill/>
+                </a:ln>
+                <a:effectLst/>
+                <a:uLnTx/>
+                <a:uFillTx/>
+                <a:latin typeface="游ゴシック Medium" panose="020B0500000000000000" pitchFamily="50" charset="-128"/>
+                <a:ea typeface="游ゴシック Medium" panose="020B0500000000000000" pitchFamily="50" charset="-128"/>
+                <a:cs typeface="FiraCode Nerd Font Mono" panose="02000009000000000000" pitchFamily="49" charset="0"/>
+              </a:rPr>
+              <a:t>〉(2024.1.16)</a:t>
+            </a:r>
+          </a:p>
+          <a:p>
+            <a:pPr marL="0" marR="0" lvl="0" indent="0" algn="l" defTabSz="914400" rtl="0" eaLnBrk="0" fontAlgn="auto" latinLnBrk="0" hangingPunct="0">
+              <a:lnSpc>
+                <a:spcPct val="150000"/>
+              </a:lnSpc>
+              <a:spcBef>
+                <a:spcPts val="0"/>
+              </a:spcBef>
+              <a:spcAft>
+                <a:spcPts val="0"/>
+              </a:spcAft>
+              <a:buClrTx/>
+              <a:buSzTx/>
+              <a:buFont typeface="Arial" panose="020B0604020202020204" pitchFamily="34" charset="0"/>
+              <a:buNone/>
+              <a:tabLst/>
+              <a:defRPr/>
+            </a:pPr>
+            <a:endParaRPr lang="en-US" altLang="ja-JP" sz="1800" dirty="0">
+              <a:solidFill>
+                <a:prstClr val="black"/>
+              </a:solidFill>
+              <a:latin typeface="游ゴシック Medium" panose="020B0500000000000000" pitchFamily="50" charset="-128"/>
+              <a:ea typeface="游ゴシック Medium" panose="020B0500000000000000" pitchFamily="50" charset="-128"/>
+              <a:cs typeface="FiraCode Nerd Font Mono" panose="02000009000000000000" pitchFamily="49" charset="0"/>
+            </a:endParaRPr>
+          </a:p>
+        </p:txBody>
+      </p:sp>
+      <p:sp>
+        <p:nvSpPr>
+          <p:cNvPr id="4" name="テキスト ボックス 3">
+            <a:extLst>
+              <a:ext uri="{FF2B5EF4-FFF2-40B4-BE49-F238E27FC236}">
+                <a16:creationId xmlns:a16="http://schemas.microsoft.com/office/drawing/2014/main" id="{F2D70FAC-6718-0840-3B4B-F5FBA7F12D44}"/>
+              </a:ext>
+            </a:extLst>
+          </p:cNvPr>
+          <p:cNvSpPr txBox="1"/>
+          <p:nvPr/>
+        </p:nvSpPr>
+        <p:spPr>
+          <a:xfrm>
+            <a:off x="5711030" y="6473541"/>
+            <a:ext cx="769937" cy="369332"/>
+          </a:xfrm>
+          <a:prstGeom prst="rect">
+            <a:avLst/>
+          </a:prstGeom>
+          <a:noFill/>
+        </p:spPr>
+        <p:txBody>
+          <a:bodyPr wrap="square" rtlCol="0">
+            <a:spAutoFit/>
+          </a:bodyPr>
+          <a:lstStyle/>
+          <a:p>
+            <a:pPr algn="ctr"/>
+            <a:r>
+              <a:rPr lang="en-US" altLang="ja-JP" dirty="0">
+                <a:latin typeface="マキナス 4 Flat" panose="02000600000000000000" pitchFamily="50" charset="-128"/>
+                <a:ea typeface="マキナス 4 Flat" panose="02000600000000000000" pitchFamily="50" charset="-128"/>
+              </a:rPr>
+              <a:t>15</a:t>
+            </a:r>
+            <a:endParaRPr lang="ja-JP" altLang="en-US" dirty="0">
+              <a:latin typeface="マキナス 4 Flat" panose="02000600000000000000" pitchFamily="50" charset="-128"/>
+              <a:ea typeface="マキナス 4 Flat" panose="02000600000000000000" pitchFamily="50" charset="-128"/>
             </a:endParaRPr>
           </a:p>
         </p:txBody>
@@ -12426,6 +15774,49 @@
           </a:p>
         </p:txBody>
       </p:sp>
+      <p:sp>
+        <p:nvSpPr>
+          <p:cNvPr id="7" name="テキスト ボックス 6">
+            <a:extLst>
+              <a:ext uri="{FF2B5EF4-FFF2-40B4-BE49-F238E27FC236}">
+                <a16:creationId xmlns:a16="http://schemas.microsoft.com/office/drawing/2014/main" id="{F5D08382-56A6-79AA-40C2-9E43E51D1F6D}"/>
+              </a:ext>
+            </a:extLst>
+          </p:cNvPr>
+          <p:cNvSpPr txBox="1"/>
+          <p:nvPr/>
+        </p:nvSpPr>
+        <p:spPr>
+          <a:xfrm>
+            <a:off x="5711030" y="6473541"/>
+            <a:ext cx="769937" cy="369332"/>
+          </a:xfrm>
+          <a:prstGeom prst="rect">
+            <a:avLst/>
+          </a:prstGeom>
+          <a:noFill/>
+        </p:spPr>
+        <p:txBody>
+          <a:bodyPr wrap="square" rtlCol="0">
+            <a:spAutoFit/>
+          </a:bodyPr>
+          <a:lstStyle/>
+          <a:p>
+            <a:pPr algn="ctr"/>
+            <a:r>
+              <a:rPr kumimoji="1" lang="en-US" altLang="ja-JP" dirty="0">
+                <a:latin typeface="マキナス 4 Flat" panose="02000600000000000000" pitchFamily="50" charset="-128"/>
+                <a:ea typeface="マキナス 4 Flat" panose="02000600000000000000" pitchFamily="50" charset="-128"/>
+              </a:rPr>
+              <a:t>2</a:t>
+            </a:r>
+            <a:endParaRPr kumimoji="1" lang="ja-JP" altLang="en-US" dirty="0">
+              <a:latin typeface="マキナス 4 Flat" panose="02000600000000000000" pitchFamily="50" charset="-128"/>
+              <a:ea typeface="マキナス 4 Flat" panose="02000600000000000000" pitchFamily="50" charset="-128"/>
+            </a:endParaRPr>
+          </a:p>
+        </p:txBody>
+      </p:sp>
     </p:spTree>
     <p:extLst>
       <p:ext uri="{BB962C8B-B14F-4D97-AF65-F5344CB8AC3E}">
@@ -12743,7 +16134,7 @@
                 <a:latin typeface="游ゴシック Medium" panose="020B0500000000000000" pitchFamily="50" charset="-128"/>
                 <a:ea typeface="游ゴシック Medium" panose="020B0500000000000000" pitchFamily="50" charset="-128"/>
               </a:rPr>
-              <a:t>のデータセット</a:t>
+              <a:t>のデータセット </a:t>
             </a:r>
             <a:r>
               <a:rPr lang="en-US" altLang="ja-JP" sz="1800" dirty="0">
@@ -12911,7 +16302,7 @@
                 <a:latin typeface="游ゴシック Medium" panose="020B0500000000000000" pitchFamily="50" charset="-128"/>
                 <a:ea typeface="游ゴシック Medium" panose="020B0500000000000000" pitchFamily="50" charset="-128"/>
               </a:rPr>
-              <a:t>を提案し、事業内容によりどのくらい</a:t>
+              <a:t>を提案し、提案によりどのくらい</a:t>
             </a:r>
             <a:r>
               <a:rPr lang="en-US" altLang="ja-JP" sz="1800" dirty="0">
@@ -13114,6 +16505,49 @@
               <a:latin typeface="コーポレート・ロゴ ver2 Medium" panose="02000600000000000000" pitchFamily="50" charset="-128"/>
               <a:ea typeface="コーポレート・ロゴ ver2 Medium" panose="02000600000000000000" pitchFamily="50" charset="-128"/>
               <a:cs typeface="+mn-cs"/>
+            </a:endParaRPr>
+          </a:p>
+        </p:txBody>
+      </p:sp>
+      <p:sp>
+        <p:nvSpPr>
+          <p:cNvPr id="3" name="テキスト ボックス 2">
+            <a:extLst>
+              <a:ext uri="{FF2B5EF4-FFF2-40B4-BE49-F238E27FC236}">
+                <a16:creationId xmlns:a16="http://schemas.microsoft.com/office/drawing/2014/main" id="{FC990874-B315-CD8D-868D-4A47B2CB02C8}"/>
+              </a:ext>
+            </a:extLst>
+          </p:cNvPr>
+          <p:cNvSpPr txBox="1"/>
+          <p:nvPr/>
+        </p:nvSpPr>
+        <p:spPr>
+          <a:xfrm>
+            <a:off x="5711031" y="6473541"/>
+            <a:ext cx="769937" cy="369332"/>
+          </a:xfrm>
+          <a:prstGeom prst="rect">
+            <a:avLst/>
+          </a:prstGeom>
+          <a:noFill/>
+        </p:spPr>
+        <p:txBody>
+          <a:bodyPr wrap="square" rtlCol="0">
+            <a:spAutoFit/>
+          </a:bodyPr>
+          <a:lstStyle/>
+          <a:p>
+            <a:pPr algn="ctr"/>
+            <a:r>
+              <a:rPr kumimoji="1" lang="en-US" altLang="ja-JP" dirty="0">
+                <a:latin typeface="マキナス 4 Flat" panose="02000600000000000000" pitchFamily="50" charset="-128"/>
+                <a:ea typeface="マキナス 4 Flat" panose="02000600000000000000" pitchFamily="50" charset="-128"/>
+              </a:rPr>
+              <a:t>3</a:t>
+            </a:r>
+            <a:endParaRPr kumimoji="1" lang="ja-JP" altLang="en-US" dirty="0">
+              <a:latin typeface="マキナス 4 Flat" panose="02000600000000000000" pitchFamily="50" charset="-128"/>
+              <a:ea typeface="マキナス 4 Flat" panose="02000600000000000000" pitchFamily="50" charset="-128"/>
             </a:endParaRPr>
           </a:p>
         </p:txBody>
@@ -15354,56 +18788,6 @@
       </p:graphicFrame>
       <p:sp>
         <p:nvSpPr>
-          <p:cNvPr id="16" name="テキスト ボックス 15">
-            <a:extLst>
-              <a:ext uri="{FF2B5EF4-FFF2-40B4-BE49-F238E27FC236}">
-                <a16:creationId xmlns:a16="http://schemas.microsoft.com/office/drawing/2014/main" id="{E6718BEA-86DB-2CD2-5005-7EA4FAFCFCF4}"/>
-              </a:ext>
-            </a:extLst>
-          </p:cNvPr>
-          <p:cNvSpPr txBox="1"/>
-          <p:nvPr/>
-        </p:nvSpPr>
-        <p:spPr>
-          <a:xfrm>
-            <a:off x="6621828" y="666766"/>
-            <a:ext cx="6096964" cy="646331"/>
-          </a:xfrm>
-          <a:prstGeom prst="rect">
-            <a:avLst/>
-          </a:prstGeom>
-          <a:noFill/>
-        </p:spPr>
-        <p:txBody>
-          <a:bodyPr wrap="square">
-            <a:spAutoFit/>
-          </a:bodyPr>
-          <a:lstStyle/>
-          <a:p>
-            <a:r>
-              <a:rPr lang="ja-JP" altLang="en-US" dirty="0"/>
-              <a:t>雇用動向調査 </a:t>
-            </a:r>
-            <a:r>
-              <a:rPr lang="en-US" altLang="ja-JP" dirty="0"/>
-              <a:t>: </a:t>
-            </a:r>
-            <a:r>
-              <a:rPr lang="ja-JP" altLang="en-US" dirty="0"/>
-              <a:t>結果の概要</a:t>
-            </a:r>
-            <a:endParaRPr lang="en-US" altLang="ja-JP" dirty="0"/>
-          </a:p>
-          <a:p>
-            <a:r>
-              <a:rPr lang="ja-JP" altLang="en-US" dirty="0"/>
-              <a:t>https://www.mhlw.go.jp/toukei/list/9-23-1c.html</a:t>
-            </a:r>
-          </a:p>
-        </p:txBody>
-      </p:sp>
-      <p:sp>
-        <p:nvSpPr>
           <p:cNvPr id="17" name="コンテンツ プレースホルダー 2">
             <a:extLst>
               <a:ext uri="{FF2B5EF4-FFF2-40B4-BE49-F238E27FC236}">
@@ -15419,7 +18803,7 @@
         <p:spPr>
           <a:xfrm>
             <a:off x="437539" y="5368782"/>
-            <a:ext cx="11405212" cy="822452"/>
+            <a:ext cx="11182961" cy="822452"/>
           </a:xfrm>
           <a:prstGeom prst="rect">
             <a:avLst/>
@@ -15606,8 +18990,51 @@
                 <a:latin typeface="游ゴシック Medium" panose="020B0500000000000000" pitchFamily="50" charset="-128"/>
                 <a:ea typeface="游ゴシック Medium" panose="020B0500000000000000" pitchFamily="50" charset="-128"/>
               </a:rPr>
-              <a:t>離職率が高いことは、一見良くないように思われるが、会社の人件費や運用コストなど、様々な要因の上離職の良し悪しを測る必要がある。</a:t>
-            </a:r>
+              <a:t>離職率が高いことは、一見良くないように思われるが、会社の人件費や運用コストなど、様々な要因の上、離職の良し悪しを測る必要がある。</a:t>
+            </a:r>
+          </a:p>
+        </p:txBody>
+      </p:sp>
+      <p:sp>
+        <p:nvSpPr>
+          <p:cNvPr id="9" name="テキスト ボックス 8">
+            <a:extLst>
+              <a:ext uri="{FF2B5EF4-FFF2-40B4-BE49-F238E27FC236}">
+                <a16:creationId xmlns:a16="http://schemas.microsoft.com/office/drawing/2014/main" id="{4074170C-48BE-ACCD-45D3-1FFBA41EB6B3}"/>
+              </a:ext>
+            </a:extLst>
+          </p:cNvPr>
+          <p:cNvSpPr txBox="1"/>
+          <p:nvPr/>
+        </p:nvSpPr>
+        <p:spPr>
+          <a:xfrm>
+            <a:off x="5711030" y="6479340"/>
+            <a:ext cx="769937" cy="369332"/>
+          </a:xfrm>
+          <a:prstGeom prst="rect">
+            <a:avLst/>
+          </a:prstGeom>
+          <a:noFill/>
+        </p:spPr>
+        <p:txBody>
+          <a:bodyPr wrap="square" rtlCol="0">
+            <a:spAutoFit/>
+          </a:bodyPr>
+          <a:lstStyle/>
+          <a:p>
+            <a:pPr algn="ctr"/>
+            <a:r>
+              <a:rPr lang="en-US" altLang="ja-JP" dirty="0">
+                <a:latin typeface="マキナス 4 Flat" panose="02000600000000000000" pitchFamily="50" charset="-128"/>
+                <a:ea typeface="マキナス 4 Flat" panose="02000600000000000000" pitchFamily="50" charset="-128"/>
+              </a:rPr>
+              <a:t>4</a:t>
+            </a:r>
+            <a:endParaRPr kumimoji="1" lang="ja-JP" altLang="en-US" dirty="0">
+              <a:latin typeface="マキナス 4 Flat" panose="02000600000000000000" pitchFamily="50" charset="-128"/>
+              <a:ea typeface="マキナス 4 Flat" panose="02000600000000000000" pitchFamily="50" charset="-128"/>
+            </a:endParaRPr>
           </a:p>
         </p:txBody>
       </p:sp>
@@ -15754,14 +19181,31 @@
                 <a:latin typeface="游ゴシック Medium" panose="020B0500000000000000" pitchFamily="50" charset="-128"/>
                 <a:ea typeface="游ゴシック Medium" panose="020B0500000000000000" pitchFamily="50" charset="-128"/>
               </a:rPr>
-              <a:t>顧客</a:t>
+              <a:t>顧</a:t>
             </a:r>
             <a:r>
               <a:rPr lang="ja-JP" altLang="en-US" sz="3600" b="1" dirty="0">
                 <a:latin typeface="游ゴシック Medium" panose="020B0500000000000000" pitchFamily="50" charset="-128"/>
                 <a:ea typeface="游ゴシック Medium" panose="020B0500000000000000" pitchFamily="50" charset="-128"/>
               </a:rPr>
-              <a:t>データの概要</a:t>
+              <a:t>客データの</a:t>
+            </a:r>
+            <a:r>
+              <a:rPr lang="ja-JP" altLang="en-US" sz="3600" b="1" dirty="0">
+                <a:solidFill>
+                  <a:srgbClr val="03BDBA"/>
+                </a:solidFill>
+                <a:latin typeface="游ゴシック Medium" panose="020B0500000000000000" pitchFamily="50" charset="-128"/>
+                <a:ea typeface="游ゴシック Medium" panose="020B0500000000000000" pitchFamily="50" charset="-128"/>
+              </a:rPr>
+              <a:t>概</a:t>
+            </a:r>
+            <a:r>
+              <a:rPr lang="ja-JP" altLang="en-US" sz="3600" b="1" dirty="0">
+                <a:latin typeface="游ゴシック Medium" panose="020B0500000000000000" pitchFamily="50" charset="-128"/>
+                <a:ea typeface="游ゴシック Medium" panose="020B0500000000000000" pitchFamily="50" charset="-128"/>
+              </a:rPr>
+              <a:t>要</a:t>
             </a:r>
           </a:p>
         </p:txBody>
@@ -15836,6 +19280,20 @@
                 <a:ea typeface="游ゴシック Medium" panose="020B0500000000000000" pitchFamily="50" charset="-128"/>
               </a:rPr>
               <a:t>(IBM HR Analytics Employee Attrition)</a:t>
+            </a:r>
+            <a:r>
+              <a:rPr lang="en-US" altLang="ja-JP" sz="1600" dirty="0">
+                <a:latin typeface="游ゴシック Medium" panose="020B0500000000000000" pitchFamily="50" charset="-128"/>
+                <a:ea typeface="游ゴシック Medium" panose="020B0500000000000000" pitchFamily="50" charset="-128"/>
+              </a:rPr>
+              <a:t>[1]</a:t>
+            </a:r>
+            <a:r>
+              <a:rPr lang="en-US" altLang="ja-JP" sz="1800" dirty="0">
+                <a:latin typeface="游ゴシック Medium" panose="020B0500000000000000" pitchFamily="50" charset="-128"/>
+                <a:ea typeface="游ゴシック Medium" panose="020B0500000000000000" pitchFamily="50" charset="-128"/>
+              </a:rPr>
+              <a:t> </a:t>
             </a:r>
             <a:r>
               <a:rPr lang="ja-JP" altLang="en-US" sz="1800" dirty="0">
@@ -16250,6 +19708,49 @@
               <a:latin typeface="コーポレート・ロゴ ver2 Medium" panose="02000600000000000000" pitchFamily="50" charset="-128"/>
               <a:ea typeface="コーポレート・ロゴ ver2 Medium" panose="02000600000000000000" pitchFamily="50" charset="-128"/>
               <a:cs typeface="+mn-cs"/>
+            </a:endParaRPr>
+          </a:p>
+        </p:txBody>
+      </p:sp>
+      <p:sp>
+        <p:nvSpPr>
+          <p:cNvPr id="6" name="テキスト ボックス 5">
+            <a:extLst>
+              <a:ext uri="{FF2B5EF4-FFF2-40B4-BE49-F238E27FC236}">
+                <a16:creationId xmlns:a16="http://schemas.microsoft.com/office/drawing/2014/main" id="{081AF1F9-C345-2F2F-CEEC-DDF1FE4A9502}"/>
+              </a:ext>
+            </a:extLst>
+          </p:cNvPr>
+          <p:cNvSpPr txBox="1"/>
+          <p:nvPr/>
+        </p:nvSpPr>
+        <p:spPr>
+          <a:xfrm>
+            <a:off x="5711030" y="6473541"/>
+            <a:ext cx="769937" cy="369332"/>
+          </a:xfrm>
+          <a:prstGeom prst="rect">
+            <a:avLst/>
+          </a:prstGeom>
+          <a:noFill/>
+        </p:spPr>
+        <p:txBody>
+          <a:bodyPr wrap="square" rtlCol="0">
+            <a:spAutoFit/>
+          </a:bodyPr>
+          <a:lstStyle/>
+          <a:p>
+            <a:pPr algn="ctr"/>
+            <a:r>
+              <a:rPr lang="en-US" altLang="ja-JP" dirty="0">
+                <a:latin typeface="マキナス 4 Flat" panose="02000600000000000000" pitchFamily="50" charset="-128"/>
+                <a:ea typeface="マキナス 4 Flat" panose="02000600000000000000" pitchFamily="50" charset="-128"/>
+              </a:rPr>
+              <a:t>5</a:t>
+            </a:r>
+            <a:endParaRPr kumimoji="1" lang="ja-JP" altLang="en-US" dirty="0">
+              <a:latin typeface="マキナス 4 Flat" panose="02000600000000000000" pitchFamily="50" charset="-128"/>
+              <a:ea typeface="マキナス 4 Flat" panose="02000600000000000000" pitchFamily="50" charset="-128"/>
             </a:endParaRPr>
           </a:p>
         </p:txBody>
@@ -16992,6 +20493,49 @@
           </a:p>
         </p:txBody>
       </p:sp>
+      <p:sp>
+        <p:nvSpPr>
+          <p:cNvPr id="6" name="テキスト ボックス 5">
+            <a:extLst>
+              <a:ext uri="{FF2B5EF4-FFF2-40B4-BE49-F238E27FC236}">
+                <a16:creationId xmlns:a16="http://schemas.microsoft.com/office/drawing/2014/main" id="{C71514DB-1603-51B1-14E5-5DE3AC6E3422}"/>
+              </a:ext>
+            </a:extLst>
+          </p:cNvPr>
+          <p:cNvSpPr txBox="1"/>
+          <p:nvPr/>
+        </p:nvSpPr>
+        <p:spPr>
+          <a:xfrm>
+            <a:off x="5711030" y="6473541"/>
+            <a:ext cx="769937" cy="369332"/>
+          </a:xfrm>
+          <a:prstGeom prst="rect">
+            <a:avLst/>
+          </a:prstGeom>
+          <a:noFill/>
+        </p:spPr>
+        <p:txBody>
+          <a:bodyPr wrap="square" rtlCol="0">
+            <a:spAutoFit/>
+          </a:bodyPr>
+          <a:lstStyle/>
+          <a:p>
+            <a:pPr algn="ctr"/>
+            <a:r>
+              <a:rPr kumimoji="1" lang="en-US" altLang="ja-JP" dirty="0">
+                <a:latin typeface="マキナス 4 Flat" panose="02000600000000000000" pitchFamily="50" charset="-128"/>
+                <a:ea typeface="マキナス 4 Flat" panose="02000600000000000000" pitchFamily="50" charset="-128"/>
+              </a:rPr>
+              <a:t>6</a:t>
+            </a:r>
+            <a:endParaRPr kumimoji="1" lang="ja-JP" altLang="en-US" dirty="0">
+              <a:latin typeface="マキナス 4 Flat" panose="02000600000000000000" pitchFamily="50" charset="-128"/>
+              <a:ea typeface="マキナス 4 Flat" panose="02000600000000000000" pitchFamily="50" charset="-128"/>
+            </a:endParaRPr>
+          </a:p>
+        </p:txBody>
+      </p:sp>
     </p:spTree>
     <p:extLst>
       <p:ext uri="{BB962C8B-B14F-4D97-AF65-F5344CB8AC3E}">
@@ -17263,7 +20807,23 @@
                 <a:ea typeface="游ゴシック Medium" panose="020B0500000000000000" pitchFamily="50" charset="-128"/>
                 <a:cs typeface="Hack NF" panose="020B0609030202020204" pitchFamily="50" charset="0"/>
               </a:rPr>
-              <a:t>でチューニングを行った後、テストデータに対して予測を行い、正確性</a:t>
+              <a:t>でチューニングを行った後、テストデータに対して予測を行い、</a:t>
+            </a:r>
+            <a:r>
+              <a:rPr lang="en-US" altLang="ja-JP" sz="1800" dirty="0">
+                <a:latin typeface="游ゴシック Medium" panose="020B0500000000000000" pitchFamily="50" charset="-128"/>
+                <a:ea typeface="游ゴシック Medium" panose="020B0500000000000000" pitchFamily="50" charset="-128"/>
+                <a:cs typeface="Hack NF" panose="020B0609030202020204" pitchFamily="50" charset="0"/>
+              </a:rPr>
+              <a:t>10</a:t>
+            </a:r>
+            <a:r>
+              <a:rPr lang="ja-JP" altLang="en-US" sz="1800" dirty="0">
+                <a:latin typeface="游ゴシック Medium" panose="020B0500000000000000" pitchFamily="50" charset="-128"/>
+                <a:ea typeface="游ゴシック Medium" panose="020B0500000000000000" pitchFamily="50" charset="-128"/>
+                <a:cs typeface="Hack NF" panose="020B0609030202020204" pitchFamily="50" charset="0"/>
+              </a:rPr>
+              <a:t>回の正確性</a:t>
             </a:r>
             <a:r>
               <a:rPr lang="en-US" altLang="ja-JP" sz="1800" dirty="0">
@@ -17688,7 +21248,7 @@
                 <a:ea typeface="FiraCode Nerd Font Mono" panose="02000009000000000000" pitchFamily="49" charset="0"/>
                 <a:cs typeface="FiraCode Nerd Font Mono" panose="02000009000000000000" pitchFamily="49" charset="0"/>
               </a:rPr>
-              <a:t>Accuracy : 0.87</a:t>
+              <a:t>Accuracy : 0.867</a:t>
             </a:r>
             <a:r>
               <a:rPr lang="en-US" altLang="ja-JP" sz="1600" dirty="0">
@@ -17964,6 +21524,49 @@
           </a:p>
         </p:txBody>
       </p:sp>
+      <p:sp>
+        <p:nvSpPr>
+          <p:cNvPr id="4" name="テキスト ボックス 3">
+            <a:extLst>
+              <a:ext uri="{FF2B5EF4-FFF2-40B4-BE49-F238E27FC236}">
+                <a16:creationId xmlns:a16="http://schemas.microsoft.com/office/drawing/2014/main" id="{4906AB50-27C8-3F09-FF5A-E4B685AB02AA}"/>
+              </a:ext>
+            </a:extLst>
+          </p:cNvPr>
+          <p:cNvSpPr txBox="1"/>
+          <p:nvPr/>
+        </p:nvSpPr>
+        <p:spPr>
+          <a:xfrm>
+            <a:off x="5711030" y="6479117"/>
+            <a:ext cx="769937" cy="369332"/>
+          </a:xfrm>
+          <a:prstGeom prst="rect">
+            <a:avLst/>
+          </a:prstGeom>
+          <a:noFill/>
+        </p:spPr>
+        <p:txBody>
+          <a:bodyPr wrap="square" rtlCol="0">
+            <a:spAutoFit/>
+          </a:bodyPr>
+          <a:lstStyle/>
+          <a:p>
+            <a:pPr algn="ctr"/>
+            <a:r>
+              <a:rPr lang="en-US" altLang="ja-JP" dirty="0">
+                <a:latin typeface="マキナス 4 Flat" panose="02000600000000000000" pitchFamily="50" charset="-128"/>
+                <a:ea typeface="マキナス 4 Flat" panose="02000600000000000000" pitchFamily="50" charset="-128"/>
+              </a:rPr>
+              <a:t>7</a:t>
+            </a:r>
+            <a:endParaRPr kumimoji="1" lang="ja-JP" altLang="en-US" dirty="0">
+              <a:latin typeface="マキナス 4 Flat" panose="02000600000000000000" pitchFamily="50" charset="-128"/>
+              <a:ea typeface="マキナス 4 Flat" panose="02000600000000000000" pitchFamily="50" charset="-128"/>
+            </a:endParaRPr>
+          </a:p>
+        </p:txBody>
+      </p:sp>
     </p:spTree>
     <p:extLst>
       <p:ext uri="{BB962C8B-B14F-4D97-AF65-F5344CB8AC3E}">
@@ -18088,8 +21691,8 @@
         </p:nvSpPr>
         <p:spPr>
           <a:xfrm>
-            <a:off x="349249" y="1238245"/>
-            <a:ext cx="5905501" cy="1898931"/>
+            <a:off x="437541" y="1238245"/>
+            <a:ext cx="5817209" cy="1898931"/>
           </a:xfrm>
         </p:spPr>
         <p:txBody>
@@ -18300,7 +21903,7 @@
         </p:blipFill>
         <p:spPr>
           <a:xfrm rot="16200000">
-            <a:off x="367653" y="5769891"/>
+            <a:off x="437541" y="5769891"/>
             <a:ext cx="417736" cy="417736"/>
           </a:xfrm>
           <a:prstGeom prst="rect">
@@ -18339,7 +21942,7 @@
         </p:blipFill>
         <p:spPr>
           <a:xfrm rot="5400000">
-            <a:off x="5734537" y="3137176"/>
+            <a:off x="5674092" y="3137176"/>
             <a:ext cx="427074" cy="427074"/>
           </a:xfrm>
           <a:prstGeom prst="rect">
@@ -19053,6 +22656,49 @@
               <a:latin typeface="コーポレート・ロゴ ver2 Medium" panose="02000600000000000000" pitchFamily="50" charset="-128"/>
               <a:ea typeface="コーポレート・ロゴ ver2 Medium" panose="02000600000000000000" pitchFamily="50" charset="-128"/>
               <a:cs typeface="+mn-cs"/>
+            </a:endParaRPr>
+          </a:p>
+        </p:txBody>
+      </p:sp>
+      <p:sp>
+        <p:nvSpPr>
+          <p:cNvPr id="10" name="テキスト ボックス 9">
+            <a:extLst>
+              <a:ext uri="{FF2B5EF4-FFF2-40B4-BE49-F238E27FC236}">
+                <a16:creationId xmlns:a16="http://schemas.microsoft.com/office/drawing/2014/main" id="{6E034AF1-B554-7552-6BC2-FD00A01A5053}"/>
+              </a:ext>
+            </a:extLst>
+          </p:cNvPr>
+          <p:cNvSpPr txBox="1"/>
+          <p:nvPr/>
+        </p:nvSpPr>
+        <p:spPr>
+          <a:xfrm>
+            <a:off x="5711030" y="6473541"/>
+            <a:ext cx="769937" cy="369332"/>
+          </a:xfrm>
+          <a:prstGeom prst="rect">
+            <a:avLst/>
+          </a:prstGeom>
+          <a:noFill/>
+        </p:spPr>
+        <p:txBody>
+          <a:bodyPr wrap="square" rtlCol="0">
+            <a:spAutoFit/>
+          </a:bodyPr>
+          <a:lstStyle/>
+          <a:p>
+            <a:pPr algn="ctr"/>
+            <a:r>
+              <a:rPr lang="en-US" altLang="ja-JP" dirty="0">
+                <a:latin typeface="マキナス 4 Flat" panose="02000600000000000000" pitchFamily="50" charset="-128"/>
+                <a:ea typeface="マキナス 4 Flat" panose="02000600000000000000" pitchFamily="50" charset="-128"/>
+              </a:rPr>
+              <a:t>8</a:t>
+            </a:r>
+            <a:endParaRPr kumimoji="1" lang="ja-JP" altLang="en-US" dirty="0">
+              <a:latin typeface="マキナス 4 Flat" panose="02000600000000000000" pitchFamily="50" charset="-128"/>
+              <a:ea typeface="マキナス 4 Flat" panose="02000600000000000000" pitchFamily="50" charset="-128"/>
             </a:endParaRPr>
           </a:p>
         </p:txBody>
@@ -20978,6 +24624,49 @@
               <a:latin typeface="コーポレート・ロゴ ver2 Medium" panose="02000600000000000000" pitchFamily="50" charset="-128"/>
               <a:ea typeface="コーポレート・ロゴ ver2 Medium" panose="02000600000000000000" pitchFamily="50" charset="-128"/>
               <a:cs typeface="+mn-cs"/>
+            </a:endParaRPr>
+          </a:p>
+        </p:txBody>
+      </p:sp>
+      <p:sp>
+        <p:nvSpPr>
+          <p:cNvPr id="3" name="テキスト ボックス 2">
+            <a:extLst>
+              <a:ext uri="{FF2B5EF4-FFF2-40B4-BE49-F238E27FC236}">
+                <a16:creationId xmlns:a16="http://schemas.microsoft.com/office/drawing/2014/main" id="{92E609F5-E26F-F708-72B8-0220B7F54E1E}"/>
+              </a:ext>
+            </a:extLst>
+          </p:cNvPr>
+          <p:cNvSpPr txBox="1"/>
+          <p:nvPr/>
+        </p:nvSpPr>
+        <p:spPr>
+          <a:xfrm>
+            <a:off x="5711030" y="6473541"/>
+            <a:ext cx="769937" cy="369332"/>
+          </a:xfrm>
+          <a:prstGeom prst="rect">
+            <a:avLst/>
+          </a:prstGeom>
+          <a:noFill/>
+        </p:spPr>
+        <p:txBody>
+          <a:bodyPr wrap="square" rtlCol="0">
+            <a:spAutoFit/>
+          </a:bodyPr>
+          <a:lstStyle/>
+          <a:p>
+            <a:pPr algn="ctr"/>
+            <a:r>
+              <a:rPr lang="en-US" altLang="ja-JP" dirty="0">
+                <a:latin typeface="マキナス 4 Flat" panose="02000600000000000000" pitchFamily="50" charset="-128"/>
+                <a:ea typeface="マキナス 4 Flat" panose="02000600000000000000" pitchFamily="50" charset="-128"/>
+              </a:rPr>
+              <a:t>9</a:t>
+            </a:r>
+            <a:endParaRPr kumimoji="1" lang="ja-JP" altLang="en-US" dirty="0">
+              <a:latin typeface="マキナス 4 Flat" panose="02000600000000000000" pitchFamily="50" charset="-128"/>
+              <a:ea typeface="マキナス 4 Flat" panose="02000600000000000000" pitchFamily="50" charset="-128"/>
             </a:endParaRPr>
           </a:p>
         </p:txBody>
